--- a/docs/prunning.pptx
+++ b/docs/prunning.pptx
@@ -270,7 +270,7 @@
           <a:p>
             <a:fld id="{1F274930-2381-46E1-B0AC-06AFA971923E}" type="datetimeFigureOut">
               <a:rPr lang="en-US" smtClean="0"/>
-              <a:t>2/15/2024</a:t>
+              <a:t>2/17/2024</a:t>
             </a:fld>
             <a:endParaRPr lang="en-US" dirty="0"/>
           </a:p>
@@ -468,7 +468,7 @@
           <a:p>
             <a:fld id="{1F274930-2381-46E1-B0AC-06AFA971923E}" type="datetimeFigureOut">
               <a:rPr lang="en-US" smtClean="0"/>
-              <a:t>2/15/2024</a:t>
+              <a:t>2/17/2024</a:t>
             </a:fld>
             <a:endParaRPr lang="en-US" dirty="0"/>
           </a:p>
@@ -676,7 +676,7 @@
           <a:p>
             <a:fld id="{1F274930-2381-46E1-B0AC-06AFA971923E}" type="datetimeFigureOut">
               <a:rPr lang="en-US" smtClean="0"/>
-              <a:t>2/15/2024</a:t>
+              <a:t>2/17/2024</a:t>
             </a:fld>
             <a:endParaRPr lang="en-US" dirty="0"/>
           </a:p>
@@ -874,7 +874,7 @@
           <a:p>
             <a:fld id="{1F274930-2381-46E1-B0AC-06AFA971923E}" type="datetimeFigureOut">
               <a:rPr lang="en-US" smtClean="0"/>
-              <a:t>2/15/2024</a:t>
+              <a:t>2/17/2024</a:t>
             </a:fld>
             <a:endParaRPr lang="en-US" dirty="0"/>
           </a:p>
@@ -1149,7 +1149,7 @@
           <a:p>
             <a:fld id="{1F274930-2381-46E1-B0AC-06AFA971923E}" type="datetimeFigureOut">
               <a:rPr lang="en-US" smtClean="0"/>
-              <a:t>2/15/2024</a:t>
+              <a:t>2/17/2024</a:t>
             </a:fld>
             <a:endParaRPr lang="en-US" dirty="0"/>
           </a:p>
@@ -1414,7 +1414,7 @@
           <a:p>
             <a:fld id="{1F274930-2381-46E1-B0AC-06AFA971923E}" type="datetimeFigureOut">
               <a:rPr lang="en-US" smtClean="0"/>
-              <a:t>2/15/2024</a:t>
+              <a:t>2/17/2024</a:t>
             </a:fld>
             <a:endParaRPr lang="en-US" dirty="0"/>
           </a:p>
@@ -1826,7 +1826,7 @@
           <a:p>
             <a:fld id="{1F274930-2381-46E1-B0AC-06AFA971923E}" type="datetimeFigureOut">
               <a:rPr lang="en-US" smtClean="0"/>
-              <a:t>2/15/2024</a:t>
+              <a:t>2/17/2024</a:t>
             </a:fld>
             <a:endParaRPr lang="en-US" dirty="0"/>
           </a:p>
@@ -1967,7 +1967,7 @@
           <a:p>
             <a:fld id="{1F274930-2381-46E1-B0AC-06AFA971923E}" type="datetimeFigureOut">
               <a:rPr lang="en-US" smtClean="0"/>
-              <a:t>2/15/2024</a:t>
+              <a:t>2/17/2024</a:t>
             </a:fld>
             <a:endParaRPr lang="en-US" dirty="0"/>
           </a:p>
@@ -2080,7 +2080,7 @@
           <a:p>
             <a:fld id="{1F274930-2381-46E1-B0AC-06AFA971923E}" type="datetimeFigureOut">
               <a:rPr lang="en-US" smtClean="0"/>
-              <a:t>2/15/2024</a:t>
+              <a:t>2/17/2024</a:t>
             </a:fld>
             <a:endParaRPr lang="en-US" dirty="0"/>
           </a:p>
@@ -2391,7 +2391,7 @@
           <a:p>
             <a:fld id="{1F274930-2381-46E1-B0AC-06AFA971923E}" type="datetimeFigureOut">
               <a:rPr lang="en-US" smtClean="0"/>
-              <a:t>2/15/2024</a:t>
+              <a:t>2/17/2024</a:t>
             </a:fld>
             <a:endParaRPr lang="en-US" dirty="0"/>
           </a:p>
@@ -2679,7 +2679,7 @@
           <a:p>
             <a:fld id="{1F274930-2381-46E1-B0AC-06AFA971923E}" type="datetimeFigureOut">
               <a:rPr lang="en-US" smtClean="0"/>
-              <a:t>2/15/2024</a:t>
+              <a:t>2/17/2024</a:t>
             </a:fld>
             <a:endParaRPr lang="en-US" dirty="0"/>
           </a:p>
@@ -2920,7 +2920,7 @@
           <a:p>
             <a:fld id="{1F274930-2381-46E1-B0AC-06AFA971923E}" type="datetimeFigureOut">
               <a:rPr lang="en-US" smtClean="0"/>
-              <a:t>2/15/2024</a:t>
+              <a:t>2/17/2024</a:t>
             </a:fld>
             <a:endParaRPr lang="en-US" dirty="0"/>
           </a:p>
@@ -3367,8 +3367,12 @@
           <a:p>
             <a:pPr algn="ctr"/>
             <a:r>
+              <a:rPr lang="en-US" sz="5400"/>
+              <a:t> Python </a:t>
+            </a:r>
+            <a:r>
               <a:rPr lang="en-US" sz="5400" dirty="0"/>
-              <a:t>Python Sudoku Program - Overview</a:t>
+              <a:t>Sudoku Program - Overview</a:t>
             </a:r>
           </a:p>
         </p:txBody>

--- a/docs/prunning.pptx
+++ b/docs/prunning.pptx
@@ -17,6 +17,7 @@
     <p:sldId id="260" r:id="rId11"/>
     <p:sldId id="261" r:id="rId12"/>
     <p:sldId id="267" r:id="rId13"/>
+    <p:sldId id="268" r:id="rId14"/>
   </p:sldIdLst>
   <p:sldSz cx="12192000" cy="6858000"/>
   <p:notesSz cx="6858000" cy="9144000"/>
@@ -270,7 +271,7 @@
           <a:p>
             <a:fld id="{1F274930-2381-46E1-B0AC-06AFA971923E}" type="datetimeFigureOut">
               <a:rPr lang="en-US" smtClean="0"/>
-              <a:t>2/17/2024</a:t>
+              <a:t>2/26/2024</a:t>
             </a:fld>
             <a:endParaRPr lang="en-US" dirty="0"/>
           </a:p>
@@ -468,7 +469,7 @@
           <a:p>
             <a:fld id="{1F274930-2381-46E1-B0AC-06AFA971923E}" type="datetimeFigureOut">
               <a:rPr lang="en-US" smtClean="0"/>
-              <a:t>2/17/2024</a:t>
+              <a:t>2/26/2024</a:t>
             </a:fld>
             <a:endParaRPr lang="en-US" dirty="0"/>
           </a:p>
@@ -676,7 +677,7 @@
           <a:p>
             <a:fld id="{1F274930-2381-46E1-B0AC-06AFA971923E}" type="datetimeFigureOut">
               <a:rPr lang="en-US" smtClean="0"/>
-              <a:t>2/17/2024</a:t>
+              <a:t>2/26/2024</a:t>
             </a:fld>
             <a:endParaRPr lang="en-US" dirty="0"/>
           </a:p>
@@ -874,7 +875,7 @@
           <a:p>
             <a:fld id="{1F274930-2381-46E1-B0AC-06AFA971923E}" type="datetimeFigureOut">
               <a:rPr lang="en-US" smtClean="0"/>
-              <a:t>2/17/2024</a:t>
+              <a:t>2/26/2024</a:t>
             </a:fld>
             <a:endParaRPr lang="en-US" dirty="0"/>
           </a:p>
@@ -1149,7 +1150,7 @@
           <a:p>
             <a:fld id="{1F274930-2381-46E1-B0AC-06AFA971923E}" type="datetimeFigureOut">
               <a:rPr lang="en-US" smtClean="0"/>
-              <a:t>2/17/2024</a:t>
+              <a:t>2/26/2024</a:t>
             </a:fld>
             <a:endParaRPr lang="en-US" dirty="0"/>
           </a:p>
@@ -1414,7 +1415,7 @@
           <a:p>
             <a:fld id="{1F274930-2381-46E1-B0AC-06AFA971923E}" type="datetimeFigureOut">
               <a:rPr lang="en-US" smtClean="0"/>
-              <a:t>2/17/2024</a:t>
+              <a:t>2/26/2024</a:t>
             </a:fld>
             <a:endParaRPr lang="en-US" dirty="0"/>
           </a:p>
@@ -1826,7 +1827,7 @@
           <a:p>
             <a:fld id="{1F274930-2381-46E1-B0AC-06AFA971923E}" type="datetimeFigureOut">
               <a:rPr lang="en-US" smtClean="0"/>
-              <a:t>2/17/2024</a:t>
+              <a:t>2/26/2024</a:t>
             </a:fld>
             <a:endParaRPr lang="en-US" dirty="0"/>
           </a:p>
@@ -1967,7 +1968,7 @@
           <a:p>
             <a:fld id="{1F274930-2381-46E1-B0AC-06AFA971923E}" type="datetimeFigureOut">
               <a:rPr lang="en-US" smtClean="0"/>
-              <a:t>2/17/2024</a:t>
+              <a:t>2/26/2024</a:t>
             </a:fld>
             <a:endParaRPr lang="en-US" dirty="0"/>
           </a:p>
@@ -2080,7 +2081,7 @@
           <a:p>
             <a:fld id="{1F274930-2381-46E1-B0AC-06AFA971923E}" type="datetimeFigureOut">
               <a:rPr lang="en-US" smtClean="0"/>
-              <a:t>2/17/2024</a:t>
+              <a:t>2/26/2024</a:t>
             </a:fld>
             <a:endParaRPr lang="en-US" dirty="0"/>
           </a:p>
@@ -2391,7 +2392,7 @@
           <a:p>
             <a:fld id="{1F274930-2381-46E1-B0AC-06AFA971923E}" type="datetimeFigureOut">
               <a:rPr lang="en-US" smtClean="0"/>
-              <a:t>2/17/2024</a:t>
+              <a:t>2/26/2024</a:t>
             </a:fld>
             <a:endParaRPr lang="en-US" dirty="0"/>
           </a:p>
@@ -2679,7 +2680,7 @@
           <a:p>
             <a:fld id="{1F274930-2381-46E1-B0AC-06AFA971923E}" type="datetimeFigureOut">
               <a:rPr lang="en-US" smtClean="0"/>
-              <a:t>2/17/2024</a:t>
+              <a:t>2/26/2024</a:t>
             </a:fld>
             <a:endParaRPr lang="en-US" dirty="0"/>
           </a:p>
@@ -2920,7 +2921,7 @@
           <a:p>
             <a:fld id="{1F274930-2381-46E1-B0AC-06AFA971923E}" type="datetimeFigureOut">
               <a:rPr lang="en-US" smtClean="0"/>
-              <a:t>2/17/2024</a:t>
+              <a:t>2/26/2024</a:t>
             </a:fld>
             <a:endParaRPr lang="en-US" dirty="0"/>
           </a:p>
@@ -5229,6 +5230,340 @@
 </p:sld>
 </file>
 
+<file path=ppt/slides/slide13.xml><?xml version="1.0" encoding="utf-8"?>
+<p:sld xmlns:a="http://schemas.openxmlformats.org/drawingml/2006/main" xmlns:r="http://schemas.openxmlformats.org/officeDocument/2006/relationships" xmlns:p="http://schemas.openxmlformats.org/presentationml/2006/main">
+  <p:cSld>
+    <p:spTree>
+      <p:nvGrpSpPr>
+        <p:cNvPr id="1" name="">
+          <a:extLst>
+            <a:ext uri="{FF2B5EF4-FFF2-40B4-BE49-F238E27FC236}">
+              <a16:creationId xmlns:a16="http://schemas.microsoft.com/office/drawing/2014/main" id="{EE66FD6F-9226-3B3C-EFA4-1646C6B7881E}"/>
+            </a:ext>
+          </a:extLst>
+        </p:cNvPr>
+        <p:cNvGrpSpPr/>
+        <p:nvPr/>
+      </p:nvGrpSpPr>
+      <p:grpSpPr>
+        <a:xfrm>
+          <a:off x="0" y="0"/>
+          <a:ext cx="0" cy="0"/>
+          <a:chOff x="0" y="0"/>
+          <a:chExt cx="0" cy="0"/>
+        </a:xfrm>
+      </p:grpSpPr>
+      <p:pic>
+        <p:nvPicPr>
+          <p:cNvPr id="18" name="Picture 17">
+            <a:extLst>
+              <a:ext uri="{FF2B5EF4-FFF2-40B4-BE49-F238E27FC236}">
+                <a16:creationId xmlns:a16="http://schemas.microsoft.com/office/drawing/2014/main" id="{958D989F-82C1-0BA1-C980-A4B2AE5C594D}"/>
+              </a:ext>
+            </a:extLst>
+          </p:cNvPr>
+          <p:cNvPicPr>
+            <a:picLocks noChangeAspect="1"/>
+          </p:cNvPicPr>
+          <p:nvPr/>
+        </p:nvPicPr>
+        <p:blipFill>
+          <a:blip r:embed="rId2"/>
+          <a:stretch>
+            <a:fillRect/>
+          </a:stretch>
+        </p:blipFill>
+        <p:spPr>
+          <a:xfrm>
+            <a:off x="311635" y="738092"/>
+            <a:ext cx="6315075" cy="4410075"/>
+          </a:xfrm>
+          <a:prstGeom prst="rect">
+            <a:avLst/>
+          </a:prstGeom>
+          <a:ln w="12700">
+            <a:solidFill>
+              <a:schemeClr val="tx1"/>
+            </a:solidFill>
+          </a:ln>
+        </p:spPr>
+      </p:pic>
+      <p:sp>
+        <p:nvSpPr>
+          <p:cNvPr id="2" name="Title 1">
+            <a:extLst>
+              <a:ext uri="{FF2B5EF4-FFF2-40B4-BE49-F238E27FC236}">
+                <a16:creationId xmlns:a16="http://schemas.microsoft.com/office/drawing/2014/main" id="{67A9802E-487F-4C95-B8B1-8E1B255CC859}"/>
+              </a:ext>
+            </a:extLst>
+          </p:cNvPr>
+          <p:cNvSpPr>
+            <a:spLocks noGrp="1"/>
+          </p:cNvSpPr>
+          <p:nvPr>
+            <p:ph type="title"/>
+          </p:nvPr>
+        </p:nvSpPr>
+        <p:spPr>
+          <a:xfrm>
+            <a:off x="838200" y="69851"/>
+            <a:ext cx="10515600" cy="530224"/>
+          </a:xfrm>
+        </p:spPr>
+        <p:txBody>
+          <a:bodyPr>
+            <a:normAutofit fontScale="90000"/>
+          </a:bodyPr>
+          <a:lstStyle/>
+          <a:p>
+            <a:pPr algn="ctr"/>
+            <a:r>
+              <a:rPr lang="en-US" sz="5400" dirty="0"/>
+              <a:t>Guessing</a:t>
+            </a:r>
+          </a:p>
+        </p:txBody>
+      </p:sp>
+      <p:pic>
+        <p:nvPicPr>
+          <p:cNvPr id="10" name="Picture 9">
+            <a:extLst>
+              <a:ext uri="{FF2B5EF4-FFF2-40B4-BE49-F238E27FC236}">
+                <a16:creationId xmlns:a16="http://schemas.microsoft.com/office/drawing/2014/main" id="{267D2F41-FAB0-D6E2-2EF7-11CC1D1BB576}"/>
+              </a:ext>
+            </a:extLst>
+          </p:cNvPr>
+          <p:cNvPicPr>
+            <a:picLocks noChangeAspect="1"/>
+          </p:cNvPicPr>
+          <p:nvPr/>
+        </p:nvPicPr>
+        <p:blipFill>
+          <a:blip r:embed="rId3"/>
+          <a:stretch>
+            <a:fillRect/>
+          </a:stretch>
+        </p:blipFill>
+        <p:spPr>
+          <a:xfrm>
+            <a:off x="7415126" y="767483"/>
+            <a:ext cx="2914650" cy="3209925"/>
+          </a:xfrm>
+          <a:prstGeom prst="rect">
+            <a:avLst/>
+          </a:prstGeom>
+          <a:ln w="12700">
+            <a:solidFill>
+              <a:schemeClr val="tx1"/>
+            </a:solidFill>
+          </a:ln>
+        </p:spPr>
+      </p:pic>
+      <p:sp>
+        <p:nvSpPr>
+          <p:cNvPr id="11" name="Oval 10">
+            <a:extLst>
+              <a:ext uri="{FF2B5EF4-FFF2-40B4-BE49-F238E27FC236}">
+                <a16:creationId xmlns:a16="http://schemas.microsoft.com/office/drawing/2014/main" id="{6C45A75A-AD79-3D19-4560-89C8201F35B5}"/>
+              </a:ext>
+            </a:extLst>
+          </p:cNvPr>
+          <p:cNvSpPr/>
+          <p:nvPr/>
+        </p:nvSpPr>
+        <p:spPr>
+          <a:xfrm>
+            <a:off x="2034974" y="1040114"/>
+            <a:ext cx="401868" cy="444124"/>
+          </a:xfrm>
+          <a:prstGeom prst="ellipse">
+            <a:avLst/>
+          </a:prstGeom>
+          <a:solidFill>
+            <a:schemeClr val="accent6">
+              <a:alpha val="24000"/>
+            </a:schemeClr>
+          </a:solidFill>
+        </p:spPr>
+        <p:style>
+          <a:lnRef idx="2">
+            <a:schemeClr val="accent1">
+              <a:shade val="15000"/>
+            </a:schemeClr>
+          </a:lnRef>
+          <a:fillRef idx="1">
+            <a:schemeClr val="accent1"/>
+          </a:fillRef>
+          <a:effectRef idx="0">
+            <a:schemeClr val="accent1"/>
+          </a:effectRef>
+          <a:fontRef idx="minor">
+            <a:schemeClr val="lt1"/>
+          </a:fontRef>
+        </p:style>
+        <p:txBody>
+          <a:bodyPr rtlCol="0" anchor="ctr"/>
+          <a:lstStyle/>
+          <a:p>
+            <a:pPr algn="ctr"/>
+            <a:endParaRPr lang="en-US" dirty="0"/>
+          </a:p>
+        </p:txBody>
+      </p:sp>
+      <p:sp>
+        <p:nvSpPr>
+          <p:cNvPr id="12" name="Oval 11">
+            <a:extLst>
+              <a:ext uri="{FF2B5EF4-FFF2-40B4-BE49-F238E27FC236}">
+                <a16:creationId xmlns:a16="http://schemas.microsoft.com/office/drawing/2014/main" id="{AEB48625-EFD8-20D2-FE76-CAFC1E324B9C}"/>
+              </a:ext>
+            </a:extLst>
+          </p:cNvPr>
+          <p:cNvSpPr/>
+          <p:nvPr/>
+        </p:nvSpPr>
+        <p:spPr>
+          <a:xfrm>
+            <a:off x="1048530" y="1416717"/>
+            <a:ext cx="401868" cy="444124"/>
+          </a:xfrm>
+          <a:prstGeom prst="ellipse">
+            <a:avLst/>
+          </a:prstGeom>
+          <a:solidFill>
+            <a:schemeClr val="accent6">
+              <a:alpha val="24000"/>
+            </a:schemeClr>
+          </a:solidFill>
+        </p:spPr>
+        <p:style>
+          <a:lnRef idx="2">
+            <a:schemeClr val="accent1">
+              <a:shade val="15000"/>
+            </a:schemeClr>
+          </a:lnRef>
+          <a:fillRef idx="1">
+            <a:schemeClr val="accent1"/>
+          </a:fillRef>
+          <a:effectRef idx="0">
+            <a:schemeClr val="accent1"/>
+          </a:effectRef>
+          <a:fontRef idx="minor">
+            <a:schemeClr val="lt1"/>
+          </a:fontRef>
+        </p:style>
+        <p:txBody>
+          <a:bodyPr rtlCol="0" anchor="ctr"/>
+          <a:lstStyle/>
+          <a:p>
+            <a:pPr algn="ctr"/>
+            <a:endParaRPr lang="en-US" dirty="0"/>
+          </a:p>
+        </p:txBody>
+      </p:sp>
+      <p:sp>
+        <p:nvSpPr>
+          <p:cNvPr id="13" name="Oval 12">
+            <a:extLst>
+              <a:ext uri="{FF2B5EF4-FFF2-40B4-BE49-F238E27FC236}">
+                <a16:creationId xmlns:a16="http://schemas.microsoft.com/office/drawing/2014/main" id="{E72BACD4-CB3F-A96E-4AF8-5855B47016E7}"/>
+              </a:ext>
+            </a:extLst>
+          </p:cNvPr>
+          <p:cNvSpPr/>
+          <p:nvPr/>
+        </p:nvSpPr>
+        <p:spPr>
+          <a:xfrm>
+            <a:off x="2399261" y="1794905"/>
+            <a:ext cx="401868" cy="444124"/>
+          </a:xfrm>
+          <a:prstGeom prst="ellipse">
+            <a:avLst/>
+          </a:prstGeom>
+          <a:solidFill>
+            <a:schemeClr val="accent6">
+              <a:alpha val="24000"/>
+            </a:schemeClr>
+          </a:solidFill>
+        </p:spPr>
+        <p:style>
+          <a:lnRef idx="2">
+            <a:schemeClr val="accent1">
+              <a:shade val="15000"/>
+            </a:schemeClr>
+          </a:lnRef>
+          <a:fillRef idx="1">
+            <a:schemeClr val="accent1"/>
+          </a:fillRef>
+          <a:effectRef idx="0">
+            <a:schemeClr val="accent1"/>
+          </a:effectRef>
+          <a:fontRef idx="minor">
+            <a:schemeClr val="lt1"/>
+          </a:fontRef>
+        </p:style>
+        <p:txBody>
+          <a:bodyPr rtlCol="0" anchor="ctr"/>
+          <a:lstStyle/>
+          <a:p>
+            <a:pPr algn="ctr"/>
+            <a:endParaRPr lang="en-US" dirty="0"/>
+          </a:p>
+        </p:txBody>
+      </p:sp>
+      <p:sp>
+        <p:nvSpPr>
+          <p:cNvPr id="21" name="TextBox 20">
+            <a:extLst>
+              <a:ext uri="{FF2B5EF4-FFF2-40B4-BE49-F238E27FC236}">
+                <a16:creationId xmlns:a16="http://schemas.microsoft.com/office/drawing/2014/main" id="{31AC4939-CB01-0A9A-0AA9-1083AD645008}"/>
+              </a:ext>
+            </a:extLst>
+          </p:cNvPr>
+          <p:cNvSpPr txBox="1"/>
+          <p:nvPr/>
+        </p:nvSpPr>
+        <p:spPr>
+          <a:xfrm>
+            <a:off x="7377802" y="4124123"/>
+            <a:ext cx="3007168" cy="923330"/>
+          </a:xfrm>
+          <a:prstGeom prst="rect">
+            <a:avLst/>
+          </a:prstGeom>
+          <a:ln w="12700">
+            <a:solidFill>
+              <a:schemeClr val="tx1"/>
+            </a:solidFill>
+          </a:ln>
+        </p:spPr>
+        <p:txBody>
+          <a:bodyPr wrap="square" rtlCol="0">
+            <a:spAutoFit/>
+          </a:bodyPr>
+          <a:lstStyle/>
+          <a:p>
+            <a:r>
+              <a:rPr lang="en-US" dirty="0"/>
+              <a:t>Find three cells all in different rows, cols and squares but all in the same “row of squares”.</a:t>
+            </a:r>
+          </a:p>
+        </p:txBody>
+      </p:sp>
+    </p:spTree>
+    <p:extLst>
+      <p:ext uri="{BB962C8B-B14F-4D97-AF65-F5344CB8AC3E}">
+        <p14:creationId xmlns:p14="http://schemas.microsoft.com/office/powerpoint/2010/main" val="1361487455"/>
+      </p:ext>
+    </p:extLst>
+  </p:cSld>
+  <p:clrMapOvr>
+    <a:masterClrMapping/>
+  </p:clrMapOvr>
+</p:sld>
+</file>
+
 <file path=ppt/slides/slide2.xml><?xml version="1.0" encoding="utf-8"?>
 <p:sld xmlns:a="http://schemas.openxmlformats.org/drawingml/2006/main" xmlns:r="http://schemas.openxmlformats.org/officeDocument/2006/relationships" xmlns:p="http://schemas.openxmlformats.org/presentationml/2006/main">
   <p:cSld>

--- a/docs/prunning.pptx
+++ b/docs/prunning.pptx
@@ -7,17 +7,18 @@
   <p:sldIdLst>
     <p:sldId id="264" r:id="rId2"/>
     <p:sldId id="263" r:id="rId3"/>
-    <p:sldId id="262" r:id="rId4"/>
-    <p:sldId id="265" r:id="rId5"/>
-    <p:sldId id="266" r:id="rId6"/>
-    <p:sldId id="256" r:id="rId7"/>
-    <p:sldId id="257" r:id="rId8"/>
-    <p:sldId id="258" r:id="rId9"/>
-    <p:sldId id="259" r:id="rId10"/>
-    <p:sldId id="260" r:id="rId11"/>
-    <p:sldId id="261" r:id="rId12"/>
-    <p:sldId id="267" r:id="rId13"/>
-    <p:sldId id="268" r:id="rId14"/>
+    <p:sldId id="269" r:id="rId4"/>
+    <p:sldId id="262" r:id="rId5"/>
+    <p:sldId id="265" r:id="rId6"/>
+    <p:sldId id="266" r:id="rId7"/>
+    <p:sldId id="256" r:id="rId8"/>
+    <p:sldId id="257" r:id="rId9"/>
+    <p:sldId id="258" r:id="rId10"/>
+    <p:sldId id="259" r:id="rId11"/>
+    <p:sldId id="260" r:id="rId12"/>
+    <p:sldId id="261" r:id="rId13"/>
+    <p:sldId id="267" r:id="rId14"/>
+    <p:sldId id="268" r:id="rId15"/>
   </p:sldIdLst>
   <p:sldSz cx="12192000" cy="6858000"/>
   <p:notesSz cx="6858000" cy="9144000"/>
@@ -271,7 +272,7 @@
           <a:p>
             <a:fld id="{1F274930-2381-46E1-B0AC-06AFA971923E}" type="datetimeFigureOut">
               <a:rPr lang="en-US" smtClean="0"/>
-              <a:t>2/26/2024</a:t>
+              <a:t>3/28/2024</a:t>
             </a:fld>
             <a:endParaRPr lang="en-US" dirty="0"/>
           </a:p>
@@ -469,7 +470,7 @@
           <a:p>
             <a:fld id="{1F274930-2381-46E1-B0AC-06AFA971923E}" type="datetimeFigureOut">
               <a:rPr lang="en-US" smtClean="0"/>
-              <a:t>2/26/2024</a:t>
+              <a:t>3/28/2024</a:t>
             </a:fld>
             <a:endParaRPr lang="en-US" dirty="0"/>
           </a:p>
@@ -677,7 +678,7 @@
           <a:p>
             <a:fld id="{1F274930-2381-46E1-B0AC-06AFA971923E}" type="datetimeFigureOut">
               <a:rPr lang="en-US" smtClean="0"/>
-              <a:t>2/26/2024</a:t>
+              <a:t>3/28/2024</a:t>
             </a:fld>
             <a:endParaRPr lang="en-US" dirty="0"/>
           </a:p>
@@ -875,7 +876,7 @@
           <a:p>
             <a:fld id="{1F274930-2381-46E1-B0AC-06AFA971923E}" type="datetimeFigureOut">
               <a:rPr lang="en-US" smtClean="0"/>
-              <a:t>2/26/2024</a:t>
+              <a:t>3/28/2024</a:t>
             </a:fld>
             <a:endParaRPr lang="en-US" dirty="0"/>
           </a:p>
@@ -1150,7 +1151,7 @@
           <a:p>
             <a:fld id="{1F274930-2381-46E1-B0AC-06AFA971923E}" type="datetimeFigureOut">
               <a:rPr lang="en-US" smtClean="0"/>
-              <a:t>2/26/2024</a:t>
+              <a:t>3/28/2024</a:t>
             </a:fld>
             <a:endParaRPr lang="en-US" dirty="0"/>
           </a:p>
@@ -1415,7 +1416,7 @@
           <a:p>
             <a:fld id="{1F274930-2381-46E1-B0AC-06AFA971923E}" type="datetimeFigureOut">
               <a:rPr lang="en-US" smtClean="0"/>
-              <a:t>2/26/2024</a:t>
+              <a:t>3/28/2024</a:t>
             </a:fld>
             <a:endParaRPr lang="en-US" dirty="0"/>
           </a:p>
@@ -1827,7 +1828,7 @@
           <a:p>
             <a:fld id="{1F274930-2381-46E1-B0AC-06AFA971923E}" type="datetimeFigureOut">
               <a:rPr lang="en-US" smtClean="0"/>
-              <a:t>2/26/2024</a:t>
+              <a:t>3/28/2024</a:t>
             </a:fld>
             <a:endParaRPr lang="en-US" dirty="0"/>
           </a:p>
@@ -1968,7 +1969,7 @@
           <a:p>
             <a:fld id="{1F274930-2381-46E1-B0AC-06AFA971923E}" type="datetimeFigureOut">
               <a:rPr lang="en-US" smtClean="0"/>
-              <a:t>2/26/2024</a:t>
+              <a:t>3/28/2024</a:t>
             </a:fld>
             <a:endParaRPr lang="en-US" dirty="0"/>
           </a:p>
@@ -2081,7 +2082,7 @@
           <a:p>
             <a:fld id="{1F274930-2381-46E1-B0AC-06AFA971923E}" type="datetimeFigureOut">
               <a:rPr lang="en-US" smtClean="0"/>
-              <a:t>2/26/2024</a:t>
+              <a:t>3/28/2024</a:t>
             </a:fld>
             <a:endParaRPr lang="en-US" dirty="0"/>
           </a:p>
@@ -2392,7 +2393,7 @@
           <a:p>
             <a:fld id="{1F274930-2381-46E1-B0AC-06AFA971923E}" type="datetimeFigureOut">
               <a:rPr lang="en-US" smtClean="0"/>
-              <a:t>2/26/2024</a:t>
+              <a:t>3/28/2024</a:t>
             </a:fld>
             <a:endParaRPr lang="en-US" dirty="0"/>
           </a:p>
@@ -2680,7 +2681,7 @@
           <a:p>
             <a:fld id="{1F274930-2381-46E1-B0AC-06AFA971923E}" type="datetimeFigureOut">
               <a:rPr lang="en-US" smtClean="0"/>
-              <a:t>2/26/2024</a:t>
+              <a:t>3/28/2024</a:t>
             </a:fld>
             <a:endParaRPr lang="en-US" dirty="0"/>
           </a:p>
@@ -2921,7 +2922,7 @@
           <a:p>
             <a:fld id="{1F274930-2381-46E1-B0AC-06AFA971923E}" type="datetimeFigureOut">
               <a:rPr lang="en-US" smtClean="0"/>
-              <a:t>2/26/2024</a:t>
+              <a:t>3/28/2024</a:t>
             </a:fld>
             <a:endParaRPr lang="en-US" dirty="0"/>
           </a:p>
@@ -3393,7 +3394,7 @@
         <p:spPr>
           <a:xfrm>
             <a:off x="1471353" y="1372639"/>
-            <a:ext cx="8877992" cy="4893647"/>
+            <a:ext cx="8877992" cy="5478423"/>
           </a:xfrm>
           <a:prstGeom prst="rect">
             <a:avLst/>
@@ -3412,7 +3413,7 @@
             </a:pPr>
             <a:r>
               <a:rPr lang="en-US" sz="4000" dirty="0"/>
-              <a:t>Program has two major components:</a:t>
+              <a:t>Program has three major components:</a:t>
             </a:r>
           </a:p>
           <a:p>
@@ -3425,11 +3426,25 @@
             </a:pPr>
             <a:r>
               <a:rPr lang="en-US" sz="2800" dirty="0"/>
-              <a:t>Filling in solution cells based on:</a:t>
-            </a:r>
-          </a:p>
-          <a:p>
-            <a:pPr lvl="1"/>
+              <a:t>Creating the “first order” candidate list</a:t>
+            </a:r>
+          </a:p>
+          <a:p>
+            <a:pPr marL="742950" lvl="1" indent="-285750">
+              <a:buFont typeface="Arial" panose="020B0604020202020204" pitchFamily="34" charset="0"/>
+              <a:buChar char="•"/>
+            </a:pPr>
+            <a:endParaRPr lang="en-US" sz="2800" dirty="0"/>
+          </a:p>
+          <a:p>
+            <a:pPr marL="742950" lvl="1" indent="-285750">
+              <a:buFont typeface="Arial" panose="020B0604020202020204" pitchFamily="34" charset="0"/>
+              <a:buChar char="•"/>
+            </a:pPr>
+            <a:r>
+              <a:rPr lang="en-US" sz="2800" dirty="0"/>
+              <a:t>Pruning of the candidates based on:</a:t>
+            </a:r>
             <a:endParaRPr lang="en-US" dirty="0"/>
           </a:p>
           <a:p>
@@ -3439,7 +3454,7 @@
             </a:pPr>
             <a:r>
               <a:rPr lang="en-US" dirty="0"/>
-              <a:t>Only a single value exists in the “candidates”</a:t>
+              <a:t>Non-hidden and hidden “tuples” (pair, triplet, …) for a given house</a:t>
             </a:r>
           </a:p>
           <a:p>
@@ -3449,6 +3464,64 @@
             </a:pPr>
             <a:r>
               <a:rPr lang="en-US" dirty="0"/>
+              <a:t>X-Wing</a:t>
+            </a:r>
+          </a:p>
+          <a:p>
+            <a:pPr marL="1200150" lvl="2" indent="-285750">
+              <a:buFont typeface="Arial" panose="020B0604020202020204" pitchFamily="34" charset="0"/>
+              <a:buChar char="•"/>
+            </a:pPr>
+            <a:r>
+              <a:rPr lang="en-US" dirty="0"/>
+              <a:t>Pointing Pairs</a:t>
+            </a:r>
+          </a:p>
+          <a:p>
+            <a:pPr marL="1200150" lvl="2" indent="-285750">
+              <a:buFont typeface="Arial" panose="020B0604020202020204" pitchFamily="34" charset="0"/>
+              <a:buChar char="•"/>
+            </a:pPr>
+            <a:r>
+              <a:rPr lang="en-US" dirty="0"/>
+              <a:t>Y-Wing</a:t>
+            </a:r>
+          </a:p>
+          <a:p>
+            <a:pPr marL="1200150" lvl="2" indent="-285750">
+              <a:buFont typeface="Arial" panose="020B0604020202020204" pitchFamily="34" charset="0"/>
+              <a:buChar char="•"/>
+            </a:pPr>
+            <a:endParaRPr lang="en-US" dirty="0"/>
+          </a:p>
+          <a:p>
+            <a:pPr marL="742950" lvl="1" indent="-285750">
+              <a:buFont typeface="Arial" panose="020B0604020202020204" pitchFamily="34" charset="0"/>
+              <a:buChar char="•"/>
+            </a:pPr>
+            <a:r>
+              <a:rPr lang="en-US" sz="2800" dirty="0"/>
+              <a:t>Filling in solution cells based on:</a:t>
+            </a:r>
+            <a:endParaRPr lang="en-US" dirty="0"/>
+          </a:p>
+          <a:p>
+            <a:pPr marL="1200150" lvl="2" indent="-285750">
+              <a:buFont typeface="Arial" panose="020B0604020202020204" pitchFamily="34" charset="0"/>
+              <a:buChar char="•"/>
+            </a:pPr>
+            <a:r>
+              <a:rPr lang="en-US" dirty="0"/>
+              <a:t>Only a single value exists in the “candidates”</a:t>
+            </a:r>
+          </a:p>
+          <a:p>
+            <a:pPr marL="1200150" lvl="2" indent="-285750">
+              <a:buFont typeface="Arial" panose="020B0604020202020204" pitchFamily="34" charset="0"/>
+              <a:buChar char="•"/>
+            </a:pPr>
+            <a:r>
+              <a:rPr lang="en-US" dirty="0"/>
               <a:t>Analysis of the histogram of the candidates for a given “house” (row, col or square)</a:t>
             </a:r>
           </a:p>
@@ -3458,60 +3531,6 @@
               <a:buChar char="•"/>
             </a:pPr>
             <a:endParaRPr lang="en-US" dirty="0"/>
-          </a:p>
-          <a:p>
-            <a:pPr marL="742950" lvl="1" indent="-285750">
-              <a:buFont typeface="Arial" panose="020B0604020202020204" pitchFamily="34" charset="0"/>
-              <a:buChar char="•"/>
-            </a:pPr>
-            <a:r>
-              <a:rPr lang="en-US" sz="2800" dirty="0"/>
-              <a:t>Pruning of the candidates based on :</a:t>
-            </a:r>
-          </a:p>
-          <a:p>
-            <a:pPr lvl="1"/>
-            <a:endParaRPr lang="en-US" dirty="0"/>
-          </a:p>
-          <a:p>
-            <a:pPr marL="1200150" lvl="2" indent="-285750">
-              <a:buFont typeface="Arial" panose="020B0604020202020204" pitchFamily="34" charset="0"/>
-              <a:buChar char="•"/>
-            </a:pPr>
-            <a:r>
-              <a:rPr lang="en-US" dirty="0"/>
-              <a:t>Non-hidden and hidden “tuples” (pair, triplet, …) for a given house</a:t>
-            </a:r>
-          </a:p>
-          <a:p>
-            <a:pPr marL="1200150" lvl="2" indent="-285750">
-              <a:buFont typeface="Arial" panose="020B0604020202020204" pitchFamily="34" charset="0"/>
-              <a:buChar char="•"/>
-            </a:pPr>
-            <a:r>
-              <a:rPr lang="en-US" dirty="0"/>
-              <a:t>X-Wing</a:t>
-            </a:r>
-          </a:p>
-          <a:p>
-            <a:pPr marL="1200150" lvl="2" indent="-285750">
-              <a:buFont typeface="Arial" panose="020B0604020202020204" pitchFamily="34" charset="0"/>
-              <a:buChar char="•"/>
-            </a:pPr>
-            <a:r>
-              <a:rPr lang="en-US" dirty="0"/>
-              <a:t>Pointing Pairs</a:t>
-            </a:r>
-          </a:p>
-          <a:p>
-            <a:pPr marL="1200150" lvl="2" indent="-285750">
-              <a:buFont typeface="Arial" panose="020B0604020202020204" pitchFamily="34" charset="0"/>
-              <a:buChar char="•"/>
-            </a:pPr>
-            <a:r>
-              <a:rPr lang="en-US" dirty="0"/>
-              <a:t>Y-Wing</a:t>
-            </a:r>
           </a:p>
           <a:p>
             <a:endParaRPr lang="en-US" dirty="0"/>
@@ -3548,12 +3567,48 @@
           <a:chExt cx="0" cy="0"/>
         </a:xfrm>
       </p:grpSpPr>
+      <p:sp>
+        <p:nvSpPr>
+          <p:cNvPr id="2" name="Title 1">
+            <a:extLst>
+              <a:ext uri="{FF2B5EF4-FFF2-40B4-BE49-F238E27FC236}">
+                <a16:creationId xmlns:a16="http://schemas.microsoft.com/office/drawing/2014/main" id="{C73FB36A-FFE2-9D7D-6AFE-DF164EE6B565}"/>
+              </a:ext>
+            </a:extLst>
+          </p:cNvPr>
+          <p:cNvSpPr>
+            <a:spLocks noGrp="1"/>
+          </p:cNvSpPr>
+          <p:nvPr>
+            <p:ph type="title"/>
+          </p:nvPr>
+        </p:nvSpPr>
+        <p:spPr>
+          <a:xfrm>
+            <a:off x="838200" y="119063"/>
+            <a:ext cx="10515600" cy="666749"/>
+          </a:xfrm>
+        </p:spPr>
+        <p:txBody>
+          <a:bodyPr>
+            <a:normAutofit fontScale="90000"/>
+          </a:bodyPr>
+          <a:lstStyle/>
+          <a:p>
+            <a:pPr algn="ctr"/>
+            <a:r>
+              <a:rPr lang="en-US" sz="5400" dirty="0"/>
+              <a:t>Pruning Hidden Triples</a:t>
+            </a:r>
+          </a:p>
+        </p:txBody>
+      </p:sp>
       <p:pic>
         <p:nvPicPr>
-          <p:cNvPr id="16" name="Picture 15">
-            <a:extLst>
-              <a:ext uri="{FF2B5EF4-FFF2-40B4-BE49-F238E27FC236}">
-                <a16:creationId xmlns:a16="http://schemas.microsoft.com/office/drawing/2014/main" id="{840E0D83-ED60-8115-FB41-2892F9A52013}"/>
+          <p:cNvPr id="6" name="Picture 5">
+            <a:extLst>
+              <a:ext uri="{FF2B5EF4-FFF2-40B4-BE49-F238E27FC236}">
+                <a16:creationId xmlns:a16="http://schemas.microsoft.com/office/drawing/2014/main" id="{5DB43E8B-E43E-049C-409F-1509F9922F2C}"/>
               </a:ext>
             </a:extLst>
           </p:cNvPr>
@@ -3570,8 +3625,8 @@
         </p:blipFill>
         <p:spPr>
           <a:xfrm>
-            <a:off x="452437" y="1252537"/>
-            <a:ext cx="7553325" cy="4943475"/>
+            <a:off x="352425" y="757237"/>
+            <a:ext cx="8039100" cy="5972175"/>
           </a:xfrm>
           <a:prstGeom prst="rect">
             <a:avLst/>
@@ -3585,46 +3640,10 @@
       </p:pic>
       <p:sp>
         <p:nvSpPr>
-          <p:cNvPr id="2" name="Title 1">
-            <a:extLst>
-              <a:ext uri="{FF2B5EF4-FFF2-40B4-BE49-F238E27FC236}">
-                <a16:creationId xmlns:a16="http://schemas.microsoft.com/office/drawing/2014/main" id="{F6ACC18F-0B2F-F493-EA7E-BB3CC01F9A07}"/>
-              </a:ext>
-            </a:extLst>
-          </p:cNvPr>
-          <p:cNvSpPr>
-            <a:spLocks noGrp="1"/>
-          </p:cNvSpPr>
-          <p:nvPr>
-            <p:ph type="title"/>
-          </p:nvPr>
-        </p:nvSpPr>
-        <p:spPr>
-          <a:xfrm>
-            <a:off x="838200" y="365125"/>
-            <a:ext cx="10515600" cy="835025"/>
-          </a:xfrm>
-        </p:spPr>
-        <p:txBody>
-          <a:bodyPr>
-            <a:normAutofit/>
-          </a:bodyPr>
-          <a:lstStyle/>
-          <a:p>
-            <a:pPr algn="ctr"/>
-            <a:r>
-              <a:rPr lang="en-US" sz="5400" dirty="0"/>
-              <a:t>Pruning X-Wing</a:t>
-            </a:r>
-          </a:p>
-        </p:txBody>
-      </p:sp>
-      <p:sp>
-        <p:nvSpPr>
-          <p:cNvPr id="10" name="Oval 9">
-            <a:extLst>
-              <a:ext uri="{FF2B5EF4-FFF2-40B4-BE49-F238E27FC236}">
-                <a16:creationId xmlns:a16="http://schemas.microsoft.com/office/drawing/2014/main" id="{F6AC74F4-555E-37F4-EB5F-824BE8F78BBE}"/>
+          <p:cNvPr id="7" name="Oval 6">
+            <a:extLst>
+              <a:ext uri="{FF2B5EF4-FFF2-40B4-BE49-F238E27FC236}">
+                <a16:creationId xmlns:a16="http://schemas.microsoft.com/office/drawing/2014/main" id="{90C3882E-F668-249D-7128-DFEAF11C3007}"/>
               </a:ext>
             </a:extLst>
           </p:cNvPr>
@@ -3633,14 +3652,14 @@
         </p:nvSpPr>
         <p:spPr>
           <a:xfrm>
-            <a:off x="1628776" y="2047875"/>
-            <a:ext cx="209549" cy="247650"/>
+            <a:off x="514350" y="5667375"/>
+            <a:ext cx="285750" cy="171450"/>
           </a:xfrm>
           <a:prstGeom prst="ellipse">
             <a:avLst/>
           </a:prstGeom>
           <a:solidFill>
-            <a:schemeClr val="accent6">
+            <a:schemeClr val="accent2">
               <a:alpha val="24000"/>
             </a:schemeClr>
           </a:solidFill>
@@ -3672,10 +3691,10 @@
       </p:sp>
       <p:sp>
         <p:nvSpPr>
-          <p:cNvPr id="11" name="Oval 10">
-            <a:extLst>
-              <a:ext uri="{FF2B5EF4-FFF2-40B4-BE49-F238E27FC236}">
-                <a16:creationId xmlns:a16="http://schemas.microsoft.com/office/drawing/2014/main" id="{2D999BB5-48E8-ECCB-C2CE-513DA2A8E0ED}"/>
+          <p:cNvPr id="8" name="Oval 7">
+            <a:extLst>
+              <a:ext uri="{FF2B5EF4-FFF2-40B4-BE49-F238E27FC236}">
+                <a16:creationId xmlns:a16="http://schemas.microsoft.com/office/drawing/2014/main" id="{5E315653-ADD8-4432-A2B0-6C737EFE6D3A}"/>
               </a:ext>
             </a:extLst>
           </p:cNvPr>
@@ -3684,8 +3703,8 @@
         </p:nvSpPr>
         <p:spPr>
           <a:xfrm>
-            <a:off x="2900363" y="2047875"/>
-            <a:ext cx="209549" cy="247650"/>
+            <a:off x="561975" y="5419725"/>
+            <a:ext cx="295275" cy="247650"/>
           </a:xfrm>
           <a:prstGeom prst="ellipse">
             <a:avLst/>
@@ -3723,10 +3742,10 @@
       </p:sp>
       <p:sp>
         <p:nvSpPr>
-          <p:cNvPr id="12" name="Oval 11">
-            <a:extLst>
-              <a:ext uri="{FF2B5EF4-FFF2-40B4-BE49-F238E27FC236}">
-                <a16:creationId xmlns:a16="http://schemas.microsoft.com/office/drawing/2014/main" id="{CAB52149-3A2E-0AB6-0521-D53F891DBB30}"/>
+          <p:cNvPr id="9" name="Oval 8">
+            <a:extLst>
+              <a:ext uri="{FF2B5EF4-FFF2-40B4-BE49-F238E27FC236}">
+                <a16:creationId xmlns:a16="http://schemas.microsoft.com/office/drawing/2014/main" id="{0386EC84-A317-DF1F-D1A6-EAAA07C50D6F}"/>
               </a:ext>
             </a:extLst>
           </p:cNvPr>
@@ -3735,8 +3754,8 @@
         </p:nvSpPr>
         <p:spPr>
           <a:xfrm>
-            <a:off x="2886075" y="4005262"/>
-            <a:ext cx="209549" cy="247650"/>
+            <a:off x="1552575" y="5419725"/>
+            <a:ext cx="295275" cy="247650"/>
           </a:xfrm>
           <a:prstGeom prst="ellipse">
             <a:avLst/>
@@ -3774,10 +3793,10 @@
       </p:sp>
       <p:sp>
         <p:nvSpPr>
-          <p:cNvPr id="13" name="Oval 12">
-            <a:extLst>
-              <a:ext uri="{FF2B5EF4-FFF2-40B4-BE49-F238E27FC236}">
-                <a16:creationId xmlns:a16="http://schemas.microsoft.com/office/drawing/2014/main" id="{8960F1C2-36A3-5F1B-AC86-144FAFF9D87C}"/>
+          <p:cNvPr id="10" name="Oval 9">
+            <a:extLst>
+              <a:ext uri="{FF2B5EF4-FFF2-40B4-BE49-F238E27FC236}">
+                <a16:creationId xmlns:a16="http://schemas.microsoft.com/office/drawing/2014/main" id="{80B0A87F-6B34-12DA-A4B7-E317DEEFC163}"/>
               </a:ext>
             </a:extLst>
           </p:cNvPr>
@@ -3786,8 +3805,8 @@
         </p:nvSpPr>
         <p:spPr>
           <a:xfrm>
-            <a:off x="1576388" y="4005262"/>
-            <a:ext cx="209549" cy="247650"/>
+            <a:off x="1847850" y="5429250"/>
+            <a:ext cx="295275" cy="247650"/>
           </a:xfrm>
           <a:prstGeom prst="ellipse">
             <a:avLst/>
@@ -3825,10 +3844,10 @@
       </p:sp>
       <p:sp>
         <p:nvSpPr>
-          <p:cNvPr id="14" name="Oval 13">
-            <a:extLst>
-              <a:ext uri="{FF2B5EF4-FFF2-40B4-BE49-F238E27FC236}">
-                <a16:creationId xmlns:a16="http://schemas.microsoft.com/office/drawing/2014/main" id="{D01323A3-2BA9-E94A-DEF1-ECD47A684DDC}"/>
+          <p:cNvPr id="11" name="Oval 10">
+            <a:extLst>
+              <a:ext uri="{FF2B5EF4-FFF2-40B4-BE49-F238E27FC236}">
+                <a16:creationId xmlns:a16="http://schemas.microsoft.com/office/drawing/2014/main" id="{1B1921BA-6C40-74DC-A4D2-EFAEC330A537}"/>
               </a:ext>
             </a:extLst>
           </p:cNvPr>
@@ -3837,8 +3856,8 @@
         </p:nvSpPr>
         <p:spPr>
           <a:xfrm>
-            <a:off x="2886075" y="3100388"/>
-            <a:ext cx="209549" cy="247650"/>
+            <a:off x="1514475" y="5676900"/>
+            <a:ext cx="285750" cy="171450"/>
           </a:xfrm>
           <a:prstGeom prst="ellipse">
             <a:avLst/>
@@ -3876,10 +3895,10 @@
       </p:sp>
       <p:sp>
         <p:nvSpPr>
-          <p:cNvPr id="17" name="Oval 16">
-            <a:extLst>
-              <a:ext uri="{FF2B5EF4-FFF2-40B4-BE49-F238E27FC236}">
-                <a16:creationId xmlns:a16="http://schemas.microsoft.com/office/drawing/2014/main" id="{D0ADA642-3C49-3BD1-F95E-9DBF3D78996E}"/>
+          <p:cNvPr id="12" name="Oval 11">
+            <a:extLst>
+              <a:ext uri="{FF2B5EF4-FFF2-40B4-BE49-F238E27FC236}">
+                <a16:creationId xmlns:a16="http://schemas.microsoft.com/office/drawing/2014/main" id="{CCA4168D-DEE6-B938-08E4-8EC7CDD99DA8}"/>
               </a:ext>
             </a:extLst>
           </p:cNvPr>
@@ -3888,8 +3907,8 @@
         </p:nvSpPr>
         <p:spPr>
           <a:xfrm>
-            <a:off x="1557337" y="3690936"/>
-            <a:ext cx="209549" cy="247650"/>
+            <a:off x="1838325" y="5667375"/>
+            <a:ext cx="285750" cy="171450"/>
           </a:xfrm>
           <a:prstGeom prst="ellipse">
             <a:avLst/>
@@ -3927,253 +3946,10 @@
       </p:sp>
       <p:sp>
         <p:nvSpPr>
-          <p:cNvPr id="18" name="Oval 17">
-            <a:extLst>
-              <a:ext uri="{FF2B5EF4-FFF2-40B4-BE49-F238E27FC236}">
-                <a16:creationId xmlns:a16="http://schemas.microsoft.com/office/drawing/2014/main" id="{4AA327FD-FAFF-DEEE-3DF1-F23CDE570662}"/>
-              </a:ext>
-            </a:extLst>
-          </p:cNvPr>
-          <p:cNvSpPr/>
-          <p:nvPr/>
-        </p:nvSpPr>
-        <p:spPr>
-          <a:xfrm>
-            <a:off x="2924174" y="3705225"/>
-            <a:ext cx="185737" cy="247650"/>
-          </a:xfrm>
-          <a:prstGeom prst="ellipse">
-            <a:avLst/>
-          </a:prstGeom>
-          <a:solidFill>
-            <a:schemeClr val="accent2">
-              <a:alpha val="24000"/>
-            </a:schemeClr>
-          </a:solidFill>
-        </p:spPr>
-        <p:style>
-          <a:lnRef idx="2">
-            <a:schemeClr val="accent1">
-              <a:shade val="15000"/>
-            </a:schemeClr>
-          </a:lnRef>
-          <a:fillRef idx="1">
-            <a:schemeClr val="accent1"/>
-          </a:fillRef>
-          <a:effectRef idx="0">
-            <a:schemeClr val="accent1"/>
-          </a:effectRef>
-          <a:fontRef idx="minor">
-            <a:schemeClr val="lt1"/>
-          </a:fontRef>
-        </p:style>
-        <p:txBody>
-          <a:bodyPr rtlCol="0" anchor="ctr"/>
-          <a:lstStyle/>
-          <a:p>
-            <a:pPr algn="ctr"/>
-            <a:endParaRPr lang="en-US" dirty="0"/>
-          </a:p>
-        </p:txBody>
-      </p:sp>
-      <p:sp>
-        <p:nvSpPr>
-          <p:cNvPr id="19" name="Oval 18">
-            <a:extLst>
-              <a:ext uri="{FF2B5EF4-FFF2-40B4-BE49-F238E27FC236}">
-                <a16:creationId xmlns:a16="http://schemas.microsoft.com/office/drawing/2014/main" id="{4D723547-1127-1C70-4024-6731E7B700D9}"/>
-              </a:ext>
-            </a:extLst>
-          </p:cNvPr>
-          <p:cNvSpPr/>
-          <p:nvPr/>
-        </p:nvSpPr>
-        <p:spPr>
-          <a:xfrm>
-            <a:off x="1557337" y="5697562"/>
-            <a:ext cx="223838" cy="247650"/>
-          </a:xfrm>
-          <a:prstGeom prst="ellipse">
-            <a:avLst/>
-          </a:prstGeom>
-          <a:solidFill>
-            <a:schemeClr val="accent2">
-              <a:alpha val="24000"/>
-            </a:schemeClr>
-          </a:solidFill>
-        </p:spPr>
-        <p:style>
-          <a:lnRef idx="2">
-            <a:schemeClr val="accent1">
-              <a:shade val="15000"/>
-            </a:schemeClr>
-          </a:lnRef>
-          <a:fillRef idx="1">
-            <a:schemeClr val="accent1"/>
-          </a:fillRef>
-          <a:effectRef idx="0">
-            <a:schemeClr val="accent1"/>
-          </a:effectRef>
-          <a:fontRef idx="minor">
-            <a:schemeClr val="lt1"/>
-          </a:fontRef>
-        </p:style>
-        <p:txBody>
-          <a:bodyPr rtlCol="0" anchor="ctr"/>
-          <a:lstStyle/>
-          <a:p>
-            <a:pPr algn="ctr"/>
-            <a:endParaRPr lang="en-US" dirty="0"/>
-          </a:p>
-        </p:txBody>
-      </p:sp>
-      <p:sp>
-        <p:nvSpPr>
-          <p:cNvPr id="20" name="Oval 19">
-            <a:extLst>
-              <a:ext uri="{FF2B5EF4-FFF2-40B4-BE49-F238E27FC236}">
-                <a16:creationId xmlns:a16="http://schemas.microsoft.com/office/drawing/2014/main" id="{2470529B-2F1F-9CDE-D9C2-E70A557868FA}"/>
-              </a:ext>
-            </a:extLst>
-          </p:cNvPr>
-          <p:cNvSpPr/>
-          <p:nvPr/>
-        </p:nvSpPr>
-        <p:spPr>
-          <a:xfrm>
-            <a:off x="2924173" y="5678514"/>
-            <a:ext cx="139727" cy="247650"/>
-          </a:xfrm>
-          <a:prstGeom prst="ellipse">
-            <a:avLst/>
-          </a:prstGeom>
-          <a:solidFill>
-            <a:schemeClr val="accent2">
-              <a:alpha val="24000"/>
-            </a:schemeClr>
-          </a:solidFill>
-        </p:spPr>
-        <p:style>
-          <a:lnRef idx="2">
-            <a:schemeClr val="accent1">
-              <a:shade val="15000"/>
-            </a:schemeClr>
-          </a:lnRef>
-          <a:fillRef idx="1">
-            <a:schemeClr val="accent1"/>
-          </a:fillRef>
-          <a:effectRef idx="0">
-            <a:schemeClr val="accent1"/>
-          </a:effectRef>
-          <a:fontRef idx="minor">
-            <a:schemeClr val="lt1"/>
-          </a:fontRef>
-        </p:style>
-        <p:txBody>
-          <a:bodyPr rtlCol="0" anchor="ctr"/>
-          <a:lstStyle/>
-          <a:p>
-            <a:pPr algn="ctr"/>
-            <a:endParaRPr lang="en-US" dirty="0"/>
-          </a:p>
-        </p:txBody>
-      </p:sp>
-      <p:cxnSp>
-        <p:nvCxnSpPr>
-          <p:cNvPr id="22" name="Straight Connector 21">
-            <a:extLst>
-              <a:ext uri="{FF2B5EF4-FFF2-40B4-BE49-F238E27FC236}">
-                <a16:creationId xmlns:a16="http://schemas.microsoft.com/office/drawing/2014/main" id="{FA8BB73C-8438-DB34-0880-8D004315D19C}"/>
-              </a:ext>
-            </a:extLst>
-          </p:cNvPr>
-          <p:cNvCxnSpPr>
-            <a:cxnSpLocks/>
-            <a:stCxn id="11" idx="3"/>
-            <a:endCxn id="13" idx="7"/>
-          </p:cNvCxnSpPr>
-          <p:nvPr/>
-        </p:nvCxnSpPr>
-        <p:spPr>
-          <a:xfrm flipH="1">
-            <a:off x="1755249" y="2259257"/>
-            <a:ext cx="1175802" cy="1782273"/>
-          </a:xfrm>
-          <a:prstGeom prst="line">
-            <a:avLst/>
-          </a:prstGeom>
-          <a:ln w="15875">
-            <a:solidFill>
-              <a:schemeClr val="tx1"/>
-            </a:solidFill>
-          </a:ln>
-        </p:spPr>
-        <p:style>
-          <a:lnRef idx="1">
-            <a:schemeClr val="accent1"/>
-          </a:lnRef>
-          <a:fillRef idx="0">
-            <a:schemeClr val="accent1"/>
-          </a:fillRef>
-          <a:effectRef idx="0">
-            <a:schemeClr val="accent1"/>
-          </a:effectRef>
-          <a:fontRef idx="minor">
-            <a:schemeClr val="tx1"/>
-          </a:fontRef>
-        </p:style>
-      </p:cxnSp>
-      <p:cxnSp>
-        <p:nvCxnSpPr>
-          <p:cNvPr id="23" name="Straight Connector 22">
-            <a:extLst>
-              <a:ext uri="{FF2B5EF4-FFF2-40B4-BE49-F238E27FC236}">
-                <a16:creationId xmlns:a16="http://schemas.microsoft.com/office/drawing/2014/main" id="{40A0A4C1-0EE5-BC61-C99C-039117A0FE20}"/>
-              </a:ext>
-            </a:extLst>
-          </p:cNvPr>
-          <p:cNvCxnSpPr>
-            <a:cxnSpLocks/>
-            <a:stCxn id="10" idx="5"/>
-            <a:endCxn id="12" idx="1"/>
-          </p:cNvCxnSpPr>
-          <p:nvPr/>
-        </p:nvCxnSpPr>
-        <p:spPr>
-          <a:xfrm>
-            <a:off x="1807637" y="2259257"/>
-            <a:ext cx="1109126" cy="1782273"/>
-          </a:xfrm>
-          <a:prstGeom prst="line">
-            <a:avLst/>
-          </a:prstGeom>
-          <a:ln w="15875">
-            <a:solidFill>
-              <a:schemeClr val="tx1"/>
-            </a:solidFill>
-          </a:ln>
-        </p:spPr>
-        <p:style>
-          <a:lnRef idx="1">
-            <a:schemeClr val="accent1"/>
-          </a:lnRef>
-          <a:fillRef idx="0">
-            <a:schemeClr val="accent1"/>
-          </a:fillRef>
-          <a:effectRef idx="0">
-            <a:schemeClr val="accent1"/>
-          </a:effectRef>
-          <a:fontRef idx="minor">
-            <a:schemeClr val="tx1"/>
-          </a:fontRef>
-        </p:style>
-      </p:cxnSp>
-      <p:sp>
-        <p:nvSpPr>
           <p:cNvPr id="3" name="TextBox 2">
             <a:extLst>
               <a:ext uri="{FF2B5EF4-FFF2-40B4-BE49-F238E27FC236}">
-                <a16:creationId xmlns:a16="http://schemas.microsoft.com/office/drawing/2014/main" id="{5CDF0C3C-F34D-EC3F-2D0E-34F53246BF5D}"/>
+                <a16:creationId xmlns:a16="http://schemas.microsoft.com/office/drawing/2014/main" id="{03633FF2-86DD-55A6-5CBB-9FA4D40D081C}"/>
               </a:ext>
             </a:extLst>
           </p:cNvPr>
@@ -4182,8 +3958,8 @@
         </p:nvSpPr>
         <p:spPr>
           <a:xfrm>
-            <a:off x="8210550" y="1252537"/>
-            <a:ext cx="3667125" cy="4801314"/>
+            <a:off x="8610600" y="785812"/>
+            <a:ext cx="3343275" cy="4801314"/>
           </a:xfrm>
           <a:prstGeom prst="rect">
             <a:avLst/>
@@ -4197,63 +3973,35 @@
           <a:lstStyle/>
           <a:p>
             <a:r>
-              <a:rPr lang="en-US" u="sng" dirty="0"/>
-              <a:t>Only two </a:t>
-            </a:r>
-            <a:r>
               <a:rPr lang="en-US" dirty="0"/>
-              <a:t>cells in row 1 can be a 7.</a:t>
-            </a:r>
-          </a:p>
-          <a:p>
-            <a:r>
-              <a:rPr lang="en-US" u="sng" dirty="0"/>
-              <a:t>Only two </a:t>
-            </a:r>
+              <a:t>The algorithm for hidden triplets leverages off the algorithm for naked triplets in the same way that hidden pairs leverages off the naked pairs.</a:t>
+            </a:r>
+          </a:p>
+          <a:p>
+            <a:endParaRPr lang="en-US" dirty="0"/>
+          </a:p>
+          <a:p>
             <a:r>
               <a:rPr lang="en-US" dirty="0"/>
-              <a:t>cells in row 5 can be a 7.</a:t>
-            </a:r>
+              <a:t>Again, the naked/hidden pair/triple algorithms can be applied to a row, col or square.</a:t>
+            </a:r>
+          </a:p>
+          <a:p>
+            <a:endParaRPr lang="en-US" dirty="0"/>
           </a:p>
           <a:p>
             <a:r>
               <a:rPr lang="en-US" dirty="0"/>
-              <a:t>The cols that the 7’s appear in in rows 1 and 5 are the </a:t>
-            </a:r>
-            <a:r>
-              <a:rPr lang="en-US" u="sng" dirty="0"/>
-              <a:t>same</a:t>
-            </a:r>
+              <a:t>BTW the same techniques work for quads (4 cells 4 values), etc.  </a:t>
+            </a:r>
+          </a:p>
+          <a:p>
+            <a:endParaRPr lang="en-US" dirty="0"/>
+          </a:p>
+          <a:p>
             <a:r>
               <a:rPr lang="en-US" dirty="0"/>
-              <a:t> – they form an “X”.</a:t>
-            </a:r>
-          </a:p>
-          <a:p>
-            <a:endParaRPr lang="en-US" dirty="0"/>
-          </a:p>
-          <a:p>
-            <a:r>
-              <a:rPr lang="en-US" dirty="0"/>
-              <a:t>As such, the 7’s in cols 3 and 7 must appear on rows 1 and 5 – either at 1,3 and 5,7 or at 1,7 and 5,3.</a:t>
-            </a:r>
-          </a:p>
-          <a:p>
-            <a:endParaRPr lang="en-US" dirty="0"/>
-          </a:p>
-          <a:p>
-            <a:r>
-              <a:rPr lang="en-US" dirty="0"/>
-              <a:t>Therefore any 7’s that appear in cols 3 and 7 (and not on rows 1 and 5) can be eliminated.</a:t>
-            </a:r>
-          </a:p>
-          <a:p>
-            <a:endParaRPr lang="en-US" dirty="0"/>
-          </a:p>
-          <a:p>
-            <a:r>
-              <a:rPr lang="en-US" dirty="0"/>
-              <a:t>Note: this is not a great example (but still valid) because cell 1,3 is a “single candidate”.</a:t>
+              <a:t>Have fun.  Hard by hand easier by computer especially if you have a single routine that just accepts “N” as a parameter!! Which I do.</a:t>
             </a:r>
           </a:p>
         </p:txBody>
@@ -4261,7 +4009,7 @@
     </p:spTree>
     <p:extLst>
       <p:ext uri="{BB962C8B-B14F-4D97-AF65-F5344CB8AC3E}">
-        <p14:creationId xmlns:p14="http://schemas.microsoft.com/office/powerpoint/2010/main" val="2156491814"/>
+        <p14:creationId xmlns:p14="http://schemas.microsoft.com/office/powerpoint/2010/main" val="596411895"/>
       </p:ext>
     </p:extLst>
   </p:cSld>
@@ -4288,6 +4036,746 @@
           <a:chExt cx="0" cy="0"/>
         </a:xfrm>
       </p:grpSpPr>
+      <p:pic>
+        <p:nvPicPr>
+          <p:cNvPr id="16" name="Picture 15">
+            <a:extLst>
+              <a:ext uri="{FF2B5EF4-FFF2-40B4-BE49-F238E27FC236}">
+                <a16:creationId xmlns:a16="http://schemas.microsoft.com/office/drawing/2014/main" id="{840E0D83-ED60-8115-FB41-2892F9A52013}"/>
+              </a:ext>
+            </a:extLst>
+          </p:cNvPr>
+          <p:cNvPicPr>
+            <a:picLocks noChangeAspect="1"/>
+          </p:cNvPicPr>
+          <p:nvPr/>
+        </p:nvPicPr>
+        <p:blipFill>
+          <a:blip r:embed="rId2"/>
+          <a:stretch>
+            <a:fillRect/>
+          </a:stretch>
+        </p:blipFill>
+        <p:spPr>
+          <a:xfrm>
+            <a:off x="452437" y="1252537"/>
+            <a:ext cx="7553325" cy="4943475"/>
+          </a:xfrm>
+          <a:prstGeom prst="rect">
+            <a:avLst/>
+          </a:prstGeom>
+          <a:ln>
+            <a:solidFill>
+              <a:schemeClr val="tx1"/>
+            </a:solidFill>
+          </a:ln>
+        </p:spPr>
+      </p:pic>
+      <p:sp>
+        <p:nvSpPr>
+          <p:cNvPr id="2" name="Title 1">
+            <a:extLst>
+              <a:ext uri="{FF2B5EF4-FFF2-40B4-BE49-F238E27FC236}">
+                <a16:creationId xmlns:a16="http://schemas.microsoft.com/office/drawing/2014/main" id="{F6ACC18F-0B2F-F493-EA7E-BB3CC01F9A07}"/>
+              </a:ext>
+            </a:extLst>
+          </p:cNvPr>
+          <p:cNvSpPr>
+            <a:spLocks noGrp="1"/>
+          </p:cNvSpPr>
+          <p:nvPr>
+            <p:ph type="title"/>
+          </p:nvPr>
+        </p:nvSpPr>
+        <p:spPr>
+          <a:xfrm>
+            <a:off x="838200" y="365125"/>
+            <a:ext cx="10515600" cy="835025"/>
+          </a:xfrm>
+        </p:spPr>
+        <p:txBody>
+          <a:bodyPr>
+            <a:normAutofit/>
+          </a:bodyPr>
+          <a:lstStyle/>
+          <a:p>
+            <a:pPr algn="ctr"/>
+            <a:r>
+              <a:rPr lang="en-US" sz="5400" dirty="0"/>
+              <a:t>Pruning X-Wing</a:t>
+            </a:r>
+          </a:p>
+        </p:txBody>
+      </p:sp>
+      <p:sp>
+        <p:nvSpPr>
+          <p:cNvPr id="10" name="Oval 9">
+            <a:extLst>
+              <a:ext uri="{FF2B5EF4-FFF2-40B4-BE49-F238E27FC236}">
+                <a16:creationId xmlns:a16="http://schemas.microsoft.com/office/drawing/2014/main" id="{F6AC74F4-555E-37F4-EB5F-824BE8F78BBE}"/>
+              </a:ext>
+            </a:extLst>
+          </p:cNvPr>
+          <p:cNvSpPr/>
+          <p:nvPr/>
+        </p:nvSpPr>
+        <p:spPr>
+          <a:xfrm>
+            <a:off x="1628776" y="2047875"/>
+            <a:ext cx="209549" cy="247650"/>
+          </a:xfrm>
+          <a:prstGeom prst="ellipse">
+            <a:avLst/>
+          </a:prstGeom>
+          <a:solidFill>
+            <a:schemeClr val="accent6">
+              <a:alpha val="24000"/>
+            </a:schemeClr>
+          </a:solidFill>
+        </p:spPr>
+        <p:style>
+          <a:lnRef idx="2">
+            <a:schemeClr val="accent1">
+              <a:shade val="15000"/>
+            </a:schemeClr>
+          </a:lnRef>
+          <a:fillRef idx="1">
+            <a:schemeClr val="accent1"/>
+          </a:fillRef>
+          <a:effectRef idx="0">
+            <a:schemeClr val="accent1"/>
+          </a:effectRef>
+          <a:fontRef idx="minor">
+            <a:schemeClr val="lt1"/>
+          </a:fontRef>
+        </p:style>
+        <p:txBody>
+          <a:bodyPr rtlCol="0" anchor="ctr"/>
+          <a:lstStyle/>
+          <a:p>
+            <a:pPr algn="ctr"/>
+            <a:endParaRPr lang="en-US" dirty="0"/>
+          </a:p>
+        </p:txBody>
+      </p:sp>
+      <p:sp>
+        <p:nvSpPr>
+          <p:cNvPr id="11" name="Oval 10">
+            <a:extLst>
+              <a:ext uri="{FF2B5EF4-FFF2-40B4-BE49-F238E27FC236}">
+                <a16:creationId xmlns:a16="http://schemas.microsoft.com/office/drawing/2014/main" id="{2D999BB5-48E8-ECCB-C2CE-513DA2A8E0ED}"/>
+              </a:ext>
+            </a:extLst>
+          </p:cNvPr>
+          <p:cNvSpPr/>
+          <p:nvPr/>
+        </p:nvSpPr>
+        <p:spPr>
+          <a:xfrm>
+            <a:off x="2900363" y="2047875"/>
+            <a:ext cx="209549" cy="247650"/>
+          </a:xfrm>
+          <a:prstGeom prst="ellipse">
+            <a:avLst/>
+          </a:prstGeom>
+          <a:solidFill>
+            <a:schemeClr val="accent6">
+              <a:alpha val="24000"/>
+            </a:schemeClr>
+          </a:solidFill>
+        </p:spPr>
+        <p:style>
+          <a:lnRef idx="2">
+            <a:schemeClr val="accent1">
+              <a:shade val="15000"/>
+            </a:schemeClr>
+          </a:lnRef>
+          <a:fillRef idx="1">
+            <a:schemeClr val="accent1"/>
+          </a:fillRef>
+          <a:effectRef idx="0">
+            <a:schemeClr val="accent1"/>
+          </a:effectRef>
+          <a:fontRef idx="minor">
+            <a:schemeClr val="lt1"/>
+          </a:fontRef>
+        </p:style>
+        <p:txBody>
+          <a:bodyPr rtlCol="0" anchor="ctr"/>
+          <a:lstStyle/>
+          <a:p>
+            <a:pPr algn="ctr"/>
+            <a:endParaRPr lang="en-US" dirty="0"/>
+          </a:p>
+        </p:txBody>
+      </p:sp>
+      <p:sp>
+        <p:nvSpPr>
+          <p:cNvPr id="12" name="Oval 11">
+            <a:extLst>
+              <a:ext uri="{FF2B5EF4-FFF2-40B4-BE49-F238E27FC236}">
+                <a16:creationId xmlns:a16="http://schemas.microsoft.com/office/drawing/2014/main" id="{CAB52149-3A2E-0AB6-0521-D53F891DBB30}"/>
+              </a:ext>
+            </a:extLst>
+          </p:cNvPr>
+          <p:cNvSpPr/>
+          <p:nvPr/>
+        </p:nvSpPr>
+        <p:spPr>
+          <a:xfrm>
+            <a:off x="2886075" y="4005262"/>
+            <a:ext cx="209549" cy="247650"/>
+          </a:xfrm>
+          <a:prstGeom prst="ellipse">
+            <a:avLst/>
+          </a:prstGeom>
+          <a:solidFill>
+            <a:schemeClr val="accent6">
+              <a:alpha val="24000"/>
+            </a:schemeClr>
+          </a:solidFill>
+        </p:spPr>
+        <p:style>
+          <a:lnRef idx="2">
+            <a:schemeClr val="accent1">
+              <a:shade val="15000"/>
+            </a:schemeClr>
+          </a:lnRef>
+          <a:fillRef idx="1">
+            <a:schemeClr val="accent1"/>
+          </a:fillRef>
+          <a:effectRef idx="0">
+            <a:schemeClr val="accent1"/>
+          </a:effectRef>
+          <a:fontRef idx="minor">
+            <a:schemeClr val="lt1"/>
+          </a:fontRef>
+        </p:style>
+        <p:txBody>
+          <a:bodyPr rtlCol="0" anchor="ctr"/>
+          <a:lstStyle/>
+          <a:p>
+            <a:pPr algn="ctr"/>
+            <a:endParaRPr lang="en-US" dirty="0"/>
+          </a:p>
+        </p:txBody>
+      </p:sp>
+      <p:sp>
+        <p:nvSpPr>
+          <p:cNvPr id="13" name="Oval 12">
+            <a:extLst>
+              <a:ext uri="{FF2B5EF4-FFF2-40B4-BE49-F238E27FC236}">
+                <a16:creationId xmlns:a16="http://schemas.microsoft.com/office/drawing/2014/main" id="{8960F1C2-36A3-5F1B-AC86-144FAFF9D87C}"/>
+              </a:ext>
+            </a:extLst>
+          </p:cNvPr>
+          <p:cNvSpPr/>
+          <p:nvPr/>
+        </p:nvSpPr>
+        <p:spPr>
+          <a:xfrm>
+            <a:off x="1576388" y="4005262"/>
+            <a:ext cx="209549" cy="247650"/>
+          </a:xfrm>
+          <a:prstGeom prst="ellipse">
+            <a:avLst/>
+          </a:prstGeom>
+          <a:solidFill>
+            <a:schemeClr val="accent6">
+              <a:alpha val="24000"/>
+            </a:schemeClr>
+          </a:solidFill>
+        </p:spPr>
+        <p:style>
+          <a:lnRef idx="2">
+            <a:schemeClr val="accent1">
+              <a:shade val="15000"/>
+            </a:schemeClr>
+          </a:lnRef>
+          <a:fillRef idx="1">
+            <a:schemeClr val="accent1"/>
+          </a:fillRef>
+          <a:effectRef idx="0">
+            <a:schemeClr val="accent1"/>
+          </a:effectRef>
+          <a:fontRef idx="minor">
+            <a:schemeClr val="lt1"/>
+          </a:fontRef>
+        </p:style>
+        <p:txBody>
+          <a:bodyPr rtlCol="0" anchor="ctr"/>
+          <a:lstStyle/>
+          <a:p>
+            <a:pPr algn="ctr"/>
+            <a:endParaRPr lang="en-US" dirty="0"/>
+          </a:p>
+        </p:txBody>
+      </p:sp>
+      <p:sp>
+        <p:nvSpPr>
+          <p:cNvPr id="14" name="Oval 13">
+            <a:extLst>
+              <a:ext uri="{FF2B5EF4-FFF2-40B4-BE49-F238E27FC236}">
+                <a16:creationId xmlns:a16="http://schemas.microsoft.com/office/drawing/2014/main" id="{D01323A3-2BA9-E94A-DEF1-ECD47A684DDC}"/>
+              </a:ext>
+            </a:extLst>
+          </p:cNvPr>
+          <p:cNvSpPr/>
+          <p:nvPr/>
+        </p:nvSpPr>
+        <p:spPr>
+          <a:xfrm>
+            <a:off x="2886075" y="3100388"/>
+            <a:ext cx="209549" cy="247650"/>
+          </a:xfrm>
+          <a:prstGeom prst="ellipse">
+            <a:avLst/>
+          </a:prstGeom>
+          <a:solidFill>
+            <a:schemeClr val="accent2">
+              <a:alpha val="24000"/>
+            </a:schemeClr>
+          </a:solidFill>
+        </p:spPr>
+        <p:style>
+          <a:lnRef idx="2">
+            <a:schemeClr val="accent1">
+              <a:shade val="15000"/>
+            </a:schemeClr>
+          </a:lnRef>
+          <a:fillRef idx="1">
+            <a:schemeClr val="accent1"/>
+          </a:fillRef>
+          <a:effectRef idx="0">
+            <a:schemeClr val="accent1"/>
+          </a:effectRef>
+          <a:fontRef idx="minor">
+            <a:schemeClr val="lt1"/>
+          </a:fontRef>
+        </p:style>
+        <p:txBody>
+          <a:bodyPr rtlCol="0" anchor="ctr"/>
+          <a:lstStyle/>
+          <a:p>
+            <a:pPr algn="ctr"/>
+            <a:endParaRPr lang="en-US" dirty="0"/>
+          </a:p>
+        </p:txBody>
+      </p:sp>
+      <p:sp>
+        <p:nvSpPr>
+          <p:cNvPr id="17" name="Oval 16">
+            <a:extLst>
+              <a:ext uri="{FF2B5EF4-FFF2-40B4-BE49-F238E27FC236}">
+                <a16:creationId xmlns:a16="http://schemas.microsoft.com/office/drawing/2014/main" id="{D0ADA642-3C49-3BD1-F95E-9DBF3D78996E}"/>
+              </a:ext>
+            </a:extLst>
+          </p:cNvPr>
+          <p:cNvSpPr/>
+          <p:nvPr/>
+        </p:nvSpPr>
+        <p:spPr>
+          <a:xfrm>
+            <a:off x="1557337" y="3690936"/>
+            <a:ext cx="209549" cy="247650"/>
+          </a:xfrm>
+          <a:prstGeom prst="ellipse">
+            <a:avLst/>
+          </a:prstGeom>
+          <a:solidFill>
+            <a:schemeClr val="accent2">
+              <a:alpha val="24000"/>
+            </a:schemeClr>
+          </a:solidFill>
+        </p:spPr>
+        <p:style>
+          <a:lnRef idx="2">
+            <a:schemeClr val="accent1">
+              <a:shade val="15000"/>
+            </a:schemeClr>
+          </a:lnRef>
+          <a:fillRef idx="1">
+            <a:schemeClr val="accent1"/>
+          </a:fillRef>
+          <a:effectRef idx="0">
+            <a:schemeClr val="accent1"/>
+          </a:effectRef>
+          <a:fontRef idx="minor">
+            <a:schemeClr val="lt1"/>
+          </a:fontRef>
+        </p:style>
+        <p:txBody>
+          <a:bodyPr rtlCol="0" anchor="ctr"/>
+          <a:lstStyle/>
+          <a:p>
+            <a:pPr algn="ctr"/>
+            <a:endParaRPr lang="en-US" dirty="0"/>
+          </a:p>
+        </p:txBody>
+      </p:sp>
+      <p:sp>
+        <p:nvSpPr>
+          <p:cNvPr id="18" name="Oval 17">
+            <a:extLst>
+              <a:ext uri="{FF2B5EF4-FFF2-40B4-BE49-F238E27FC236}">
+                <a16:creationId xmlns:a16="http://schemas.microsoft.com/office/drawing/2014/main" id="{4AA327FD-FAFF-DEEE-3DF1-F23CDE570662}"/>
+              </a:ext>
+            </a:extLst>
+          </p:cNvPr>
+          <p:cNvSpPr/>
+          <p:nvPr/>
+        </p:nvSpPr>
+        <p:spPr>
+          <a:xfrm>
+            <a:off x="2924174" y="3705225"/>
+            <a:ext cx="185737" cy="247650"/>
+          </a:xfrm>
+          <a:prstGeom prst="ellipse">
+            <a:avLst/>
+          </a:prstGeom>
+          <a:solidFill>
+            <a:schemeClr val="accent2">
+              <a:alpha val="24000"/>
+            </a:schemeClr>
+          </a:solidFill>
+        </p:spPr>
+        <p:style>
+          <a:lnRef idx="2">
+            <a:schemeClr val="accent1">
+              <a:shade val="15000"/>
+            </a:schemeClr>
+          </a:lnRef>
+          <a:fillRef idx="1">
+            <a:schemeClr val="accent1"/>
+          </a:fillRef>
+          <a:effectRef idx="0">
+            <a:schemeClr val="accent1"/>
+          </a:effectRef>
+          <a:fontRef idx="minor">
+            <a:schemeClr val="lt1"/>
+          </a:fontRef>
+        </p:style>
+        <p:txBody>
+          <a:bodyPr rtlCol="0" anchor="ctr"/>
+          <a:lstStyle/>
+          <a:p>
+            <a:pPr algn="ctr"/>
+            <a:endParaRPr lang="en-US" dirty="0"/>
+          </a:p>
+        </p:txBody>
+      </p:sp>
+      <p:sp>
+        <p:nvSpPr>
+          <p:cNvPr id="19" name="Oval 18">
+            <a:extLst>
+              <a:ext uri="{FF2B5EF4-FFF2-40B4-BE49-F238E27FC236}">
+                <a16:creationId xmlns:a16="http://schemas.microsoft.com/office/drawing/2014/main" id="{4D723547-1127-1C70-4024-6731E7B700D9}"/>
+              </a:ext>
+            </a:extLst>
+          </p:cNvPr>
+          <p:cNvSpPr/>
+          <p:nvPr/>
+        </p:nvSpPr>
+        <p:spPr>
+          <a:xfrm>
+            <a:off x="1557337" y="5697562"/>
+            <a:ext cx="223838" cy="247650"/>
+          </a:xfrm>
+          <a:prstGeom prst="ellipse">
+            <a:avLst/>
+          </a:prstGeom>
+          <a:solidFill>
+            <a:schemeClr val="accent2">
+              <a:alpha val="24000"/>
+            </a:schemeClr>
+          </a:solidFill>
+        </p:spPr>
+        <p:style>
+          <a:lnRef idx="2">
+            <a:schemeClr val="accent1">
+              <a:shade val="15000"/>
+            </a:schemeClr>
+          </a:lnRef>
+          <a:fillRef idx="1">
+            <a:schemeClr val="accent1"/>
+          </a:fillRef>
+          <a:effectRef idx="0">
+            <a:schemeClr val="accent1"/>
+          </a:effectRef>
+          <a:fontRef idx="minor">
+            <a:schemeClr val="lt1"/>
+          </a:fontRef>
+        </p:style>
+        <p:txBody>
+          <a:bodyPr rtlCol="0" anchor="ctr"/>
+          <a:lstStyle/>
+          <a:p>
+            <a:pPr algn="ctr"/>
+            <a:endParaRPr lang="en-US" dirty="0"/>
+          </a:p>
+        </p:txBody>
+      </p:sp>
+      <p:sp>
+        <p:nvSpPr>
+          <p:cNvPr id="20" name="Oval 19">
+            <a:extLst>
+              <a:ext uri="{FF2B5EF4-FFF2-40B4-BE49-F238E27FC236}">
+                <a16:creationId xmlns:a16="http://schemas.microsoft.com/office/drawing/2014/main" id="{2470529B-2F1F-9CDE-D9C2-E70A557868FA}"/>
+              </a:ext>
+            </a:extLst>
+          </p:cNvPr>
+          <p:cNvSpPr/>
+          <p:nvPr/>
+        </p:nvSpPr>
+        <p:spPr>
+          <a:xfrm>
+            <a:off x="2924173" y="5678514"/>
+            <a:ext cx="139727" cy="247650"/>
+          </a:xfrm>
+          <a:prstGeom prst="ellipse">
+            <a:avLst/>
+          </a:prstGeom>
+          <a:solidFill>
+            <a:schemeClr val="accent2">
+              <a:alpha val="24000"/>
+            </a:schemeClr>
+          </a:solidFill>
+        </p:spPr>
+        <p:style>
+          <a:lnRef idx="2">
+            <a:schemeClr val="accent1">
+              <a:shade val="15000"/>
+            </a:schemeClr>
+          </a:lnRef>
+          <a:fillRef idx="1">
+            <a:schemeClr val="accent1"/>
+          </a:fillRef>
+          <a:effectRef idx="0">
+            <a:schemeClr val="accent1"/>
+          </a:effectRef>
+          <a:fontRef idx="minor">
+            <a:schemeClr val="lt1"/>
+          </a:fontRef>
+        </p:style>
+        <p:txBody>
+          <a:bodyPr rtlCol="0" anchor="ctr"/>
+          <a:lstStyle/>
+          <a:p>
+            <a:pPr algn="ctr"/>
+            <a:endParaRPr lang="en-US" dirty="0"/>
+          </a:p>
+        </p:txBody>
+      </p:sp>
+      <p:cxnSp>
+        <p:nvCxnSpPr>
+          <p:cNvPr id="22" name="Straight Connector 21">
+            <a:extLst>
+              <a:ext uri="{FF2B5EF4-FFF2-40B4-BE49-F238E27FC236}">
+                <a16:creationId xmlns:a16="http://schemas.microsoft.com/office/drawing/2014/main" id="{FA8BB73C-8438-DB34-0880-8D004315D19C}"/>
+              </a:ext>
+            </a:extLst>
+          </p:cNvPr>
+          <p:cNvCxnSpPr>
+            <a:cxnSpLocks/>
+            <a:stCxn id="11" idx="3"/>
+            <a:endCxn id="13" idx="7"/>
+          </p:cNvCxnSpPr>
+          <p:nvPr/>
+        </p:nvCxnSpPr>
+        <p:spPr>
+          <a:xfrm flipH="1">
+            <a:off x="1755249" y="2259257"/>
+            <a:ext cx="1175802" cy="1782273"/>
+          </a:xfrm>
+          <a:prstGeom prst="line">
+            <a:avLst/>
+          </a:prstGeom>
+          <a:ln w="15875">
+            <a:solidFill>
+              <a:schemeClr val="tx1"/>
+            </a:solidFill>
+          </a:ln>
+        </p:spPr>
+        <p:style>
+          <a:lnRef idx="1">
+            <a:schemeClr val="accent1"/>
+          </a:lnRef>
+          <a:fillRef idx="0">
+            <a:schemeClr val="accent1"/>
+          </a:fillRef>
+          <a:effectRef idx="0">
+            <a:schemeClr val="accent1"/>
+          </a:effectRef>
+          <a:fontRef idx="minor">
+            <a:schemeClr val="tx1"/>
+          </a:fontRef>
+        </p:style>
+      </p:cxnSp>
+      <p:cxnSp>
+        <p:nvCxnSpPr>
+          <p:cNvPr id="23" name="Straight Connector 22">
+            <a:extLst>
+              <a:ext uri="{FF2B5EF4-FFF2-40B4-BE49-F238E27FC236}">
+                <a16:creationId xmlns:a16="http://schemas.microsoft.com/office/drawing/2014/main" id="{40A0A4C1-0EE5-BC61-C99C-039117A0FE20}"/>
+              </a:ext>
+            </a:extLst>
+          </p:cNvPr>
+          <p:cNvCxnSpPr>
+            <a:cxnSpLocks/>
+            <a:stCxn id="10" idx="5"/>
+            <a:endCxn id="12" idx="1"/>
+          </p:cNvCxnSpPr>
+          <p:nvPr/>
+        </p:nvCxnSpPr>
+        <p:spPr>
+          <a:xfrm>
+            <a:off x="1807637" y="2259257"/>
+            <a:ext cx="1109126" cy="1782273"/>
+          </a:xfrm>
+          <a:prstGeom prst="line">
+            <a:avLst/>
+          </a:prstGeom>
+          <a:ln w="15875">
+            <a:solidFill>
+              <a:schemeClr val="tx1"/>
+            </a:solidFill>
+          </a:ln>
+        </p:spPr>
+        <p:style>
+          <a:lnRef idx="1">
+            <a:schemeClr val="accent1"/>
+          </a:lnRef>
+          <a:fillRef idx="0">
+            <a:schemeClr val="accent1"/>
+          </a:fillRef>
+          <a:effectRef idx="0">
+            <a:schemeClr val="accent1"/>
+          </a:effectRef>
+          <a:fontRef idx="minor">
+            <a:schemeClr val="tx1"/>
+          </a:fontRef>
+        </p:style>
+      </p:cxnSp>
+      <p:sp>
+        <p:nvSpPr>
+          <p:cNvPr id="3" name="TextBox 2">
+            <a:extLst>
+              <a:ext uri="{FF2B5EF4-FFF2-40B4-BE49-F238E27FC236}">
+                <a16:creationId xmlns:a16="http://schemas.microsoft.com/office/drawing/2014/main" id="{5CDF0C3C-F34D-EC3F-2D0E-34F53246BF5D}"/>
+              </a:ext>
+            </a:extLst>
+          </p:cNvPr>
+          <p:cNvSpPr txBox="1"/>
+          <p:nvPr/>
+        </p:nvSpPr>
+        <p:spPr>
+          <a:xfrm>
+            <a:off x="8210550" y="1252537"/>
+            <a:ext cx="3667125" cy="4801314"/>
+          </a:xfrm>
+          <a:prstGeom prst="rect">
+            <a:avLst/>
+          </a:prstGeom>
+          <a:noFill/>
+        </p:spPr>
+        <p:txBody>
+          <a:bodyPr wrap="square" rtlCol="0">
+            <a:spAutoFit/>
+          </a:bodyPr>
+          <a:lstStyle/>
+          <a:p>
+            <a:r>
+              <a:rPr lang="en-US" u="sng" dirty="0"/>
+              <a:t>Only two </a:t>
+            </a:r>
+            <a:r>
+              <a:rPr lang="en-US" dirty="0"/>
+              <a:t>cells in row 1 can be a 7.</a:t>
+            </a:r>
+          </a:p>
+          <a:p>
+            <a:r>
+              <a:rPr lang="en-US" u="sng" dirty="0"/>
+              <a:t>Only two </a:t>
+            </a:r>
+            <a:r>
+              <a:rPr lang="en-US" dirty="0"/>
+              <a:t>cells in row 5 can be a 7.</a:t>
+            </a:r>
+          </a:p>
+          <a:p>
+            <a:r>
+              <a:rPr lang="en-US" dirty="0"/>
+              <a:t>The cols that the 7’s appear in in rows 1 and 5 are the </a:t>
+            </a:r>
+            <a:r>
+              <a:rPr lang="en-US" u="sng" dirty="0"/>
+              <a:t>same</a:t>
+            </a:r>
+            <a:r>
+              <a:rPr lang="en-US" dirty="0"/>
+              <a:t> – they form an “X”.</a:t>
+            </a:r>
+          </a:p>
+          <a:p>
+            <a:endParaRPr lang="en-US" dirty="0"/>
+          </a:p>
+          <a:p>
+            <a:r>
+              <a:rPr lang="en-US" dirty="0"/>
+              <a:t>As such, the 7’s in cols 3 and 7 must appear on rows 1 and 5 – either at 1,3 and 5,7 or at 1,7 and 5,3.</a:t>
+            </a:r>
+          </a:p>
+          <a:p>
+            <a:endParaRPr lang="en-US" dirty="0"/>
+          </a:p>
+          <a:p>
+            <a:r>
+              <a:rPr lang="en-US" dirty="0"/>
+              <a:t>Therefore any 7’s that appear in cols 3 and 7 (and not on rows 1 and 5) can be eliminated.</a:t>
+            </a:r>
+          </a:p>
+          <a:p>
+            <a:endParaRPr lang="en-US" dirty="0"/>
+          </a:p>
+          <a:p>
+            <a:r>
+              <a:rPr lang="en-US" dirty="0"/>
+              <a:t>Note: this is not a great example (but still valid) because cell 1,3 is a “single candidate”.</a:t>
+            </a:r>
+          </a:p>
+        </p:txBody>
+      </p:sp>
+    </p:spTree>
+    <p:extLst>
+      <p:ext uri="{BB962C8B-B14F-4D97-AF65-F5344CB8AC3E}">
+        <p14:creationId xmlns:p14="http://schemas.microsoft.com/office/powerpoint/2010/main" val="2156491814"/>
+      </p:ext>
+    </p:extLst>
+  </p:cSld>
+  <p:clrMapOvr>
+    <a:masterClrMapping/>
+  </p:clrMapOvr>
+</p:sld>
+</file>
+
+<file path=ppt/slides/slide12.xml><?xml version="1.0" encoding="utf-8"?>
+<p:sld xmlns:a="http://schemas.openxmlformats.org/drawingml/2006/main" xmlns:r="http://schemas.openxmlformats.org/officeDocument/2006/relationships" xmlns:p="http://schemas.openxmlformats.org/presentationml/2006/main">
+  <p:cSld>
+    <p:spTree>
+      <p:nvGrpSpPr>
+        <p:cNvPr id="1" name=""/>
+        <p:cNvGrpSpPr/>
+        <p:nvPr/>
+      </p:nvGrpSpPr>
+      <p:grpSpPr>
+        <a:xfrm>
+          <a:off x="0" y="0"/>
+          <a:ext cx="0" cy="0"/>
+          <a:chOff x="0" y="0"/>
+          <a:chExt cx="0" cy="0"/>
+        </a:xfrm>
+      </p:grpSpPr>
       <p:sp>
         <p:nvSpPr>
           <p:cNvPr id="2" name="Title 1">
@@ -4777,7 +5265,7 @@
 </p:sld>
 </file>
 
-<file path=ppt/slides/slide12.xml><?xml version="1.0" encoding="utf-8"?>
+<file path=ppt/slides/slide13.xml><?xml version="1.0" encoding="utf-8"?>
 <p:sld xmlns:a="http://schemas.openxmlformats.org/drawingml/2006/main" xmlns:r="http://schemas.openxmlformats.org/officeDocument/2006/relationships" xmlns:p="http://schemas.openxmlformats.org/presentationml/2006/main">
   <p:cSld>
     <p:spTree>
@@ -5230,7 +5718,7 @@
 </p:sld>
 </file>
 
-<file path=ppt/slides/slide13.xml><?xml version="1.0" encoding="utf-8"?>
+<file path=ppt/slides/slide14.xml><?xml version="1.0" encoding="utf-8"?>
 <p:sld xmlns:a="http://schemas.openxmlformats.org/drawingml/2006/main" xmlns:r="http://schemas.openxmlformats.org/officeDocument/2006/relationships" xmlns:p="http://schemas.openxmlformats.org/presentationml/2006/main">
   <p:cSld>
     <p:spTree>
@@ -5612,17 +6100,17 @@
             <a:pPr algn="ctr"/>
             <a:r>
               <a:rPr lang="en-US" sz="5400" dirty="0"/>
-              <a:t>Fill Cells With Only One Candidate</a:t>
+              <a:t>Creating First Order Candidates</a:t>
             </a:r>
           </a:p>
         </p:txBody>
       </p:sp>
       <p:pic>
         <p:nvPicPr>
-          <p:cNvPr id="12" name="Picture 11">
-            <a:extLst>
-              <a:ext uri="{FF2B5EF4-FFF2-40B4-BE49-F238E27FC236}">
-                <a16:creationId xmlns:a16="http://schemas.microsoft.com/office/drawing/2014/main" id="{AA5269F2-BB73-6E09-86E1-2345E6485622}"/>
+          <p:cNvPr id="6" name="Picture 5">
+            <a:extLst>
+              <a:ext uri="{FF2B5EF4-FFF2-40B4-BE49-F238E27FC236}">
+                <a16:creationId xmlns:a16="http://schemas.microsoft.com/office/drawing/2014/main" id="{00153FAC-2769-6E1C-7B49-FBBF0A03B444}"/>
               </a:ext>
             </a:extLst>
           </p:cNvPr>
@@ -5639,13 +6127,13 @@
         </p:blipFill>
         <p:spPr>
           <a:xfrm>
-            <a:off x="3890865" y="747138"/>
-            <a:ext cx="4562572" cy="5954387"/>
+            <a:off x="671804" y="999055"/>
+            <a:ext cx="7515225" cy="5419725"/>
           </a:xfrm>
           <a:prstGeom prst="rect">
             <a:avLst/>
           </a:prstGeom>
-          <a:ln>
+          <a:ln w="15875">
             <a:solidFill>
               <a:schemeClr val="tx1"/>
             </a:solidFill>
@@ -5654,10 +6142,10 @@
       </p:pic>
       <p:sp>
         <p:nvSpPr>
-          <p:cNvPr id="13" name="Oval 12">
-            <a:extLst>
-              <a:ext uri="{FF2B5EF4-FFF2-40B4-BE49-F238E27FC236}">
-                <a16:creationId xmlns:a16="http://schemas.microsoft.com/office/drawing/2014/main" id="{465A7470-9711-C58D-0C3F-B1D54FE0169C}"/>
+          <p:cNvPr id="7" name="Oval 6">
+            <a:extLst>
+              <a:ext uri="{FF2B5EF4-FFF2-40B4-BE49-F238E27FC236}">
+                <a16:creationId xmlns:a16="http://schemas.microsoft.com/office/drawing/2014/main" id="{3D8F64BD-AAC5-279A-10C8-6B34CB334B2C}"/>
               </a:ext>
             </a:extLst>
           </p:cNvPr>
@@ -5666,15 +6154,15 @@
         </p:nvSpPr>
         <p:spPr>
           <a:xfrm>
-            <a:off x="6251511" y="2014726"/>
-            <a:ext cx="186611" cy="243283"/>
+            <a:off x="5309118" y="5309118"/>
+            <a:ext cx="326572" cy="401217"/>
           </a:xfrm>
           <a:prstGeom prst="ellipse">
             <a:avLst/>
           </a:prstGeom>
           <a:solidFill>
-            <a:schemeClr val="accent2">
-              <a:alpha val="24000"/>
+            <a:schemeClr val="accent1">
+              <a:alpha val="40000"/>
             </a:schemeClr>
           </a:solidFill>
         </p:spPr>
@@ -5699,16 +6187,16 @@
           <a:lstStyle/>
           <a:p>
             <a:pPr algn="ctr"/>
-            <a:endParaRPr lang="en-US" dirty="0"/>
-          </a:p>
-        </p:txBody>
-      </p:sp>
-      <p:sp>
-        <p:nvSpPr>
-          <p:cNvPr id="14" name="Oval 13">
-            <a:extLst>
-              <a:ext uri="{FF2B5EF4-FFF2-40B4-BE49-F238E27FC236}">
-                <a16:creationId xmlns:a16="http://schemas.microsoft.com/office/drawing/2014/main" id="{F558B49C-26FC-72F4-933F-5F49154232D2}"/>
+            <a:endParaRPr lang="en-US"/>
+          </a:p>
+        </p:txBody>
+      </p:sp>
+      <p:sp>
+        <p:nvSpPr>
+          <p:cNvPr id="8" name="Oval 7">
+            <a:extLst>
+              <a:ext uri="{FF2B5EF4-FFF2-40B4-BE49-F238E27FC236}">
+                <a16:creationId xmlns:a16="http://schemas.microsoft.com/office/drawing/2014/main" id="{EA72B7EC-CF0D-609E-B78D-5B93F13FA65B}"/>
               </a:ext>
             </a:extLst>
           </p:cNvPr>
@@ -5717,15 +6205,15 @@
         </p:nvSpPr>
         <p:spPr>
           <a:xfrm>
-            <a:off x="4631095" y="4042579"/>
-            <a:ext cx="186611" cy="243283"/>
+            <a:off x="1504755" y="5309118"/>
+            <a:ext cx="326572" cy="401217"/>
           </a:xfrm>
           <a:prstGeom prst="ellipse">
             <a:avLst/>
           </a:prstGeom>
           <a:solidFill>
-            <a:schemeClr val="accent2">
-              <a:alpha val="24000"/>
+            <a:schemeClr val="accent1">
+              <a:alpha val="40000"/>
             </a:schemeClr>
           </a:solidFill>
         </p:spPr>
@@ -5750,58 +6238,116 @@
           <a:lstStyle/>
           <a:p>
             <a:pPr algn="ctr"/>
-            <a:endParaRPr lang="en-US" dirty="0"/>
-          </a:p>
-        </p:txBody>
-      </p:sp>
-      <p:sp>
-        <p:nvSpPr>
-          <p:cNvPr id="15" name="Oval 14">
-            <a:extLst>
-              <a:ext uri="{FF2B5EF4-FFF2-40B4-BE49-F238E27FC236}">
-                <a16:creationId xmlns:a16="http://schemas.microsoft.com/office/drawing/2014/main" id="{CC5CE3BC-301E-E863-5908-3E7BD1F088FC}"/>
-              </a:ext>
-            </a:extLst>
-          </p:cNvPr>
-          <p:cNvSpPr/>
-          <p:nvPr/>
-        </p:nvSpPr>
-        <p:spPr>
-          <a:xfrm>
-            <a:off x="4998099" y="5454611"/>
-            <a:ext cx="186611" cy="243283"/>
-          </a:xfrm>
-          <a:prstGeom prst="ellipse">
-            <a:avLst/>
-          </a:prstGeom>
-          <a:solidFill>
-            <a:schemeClr val="accent2">
-              <a:alpha val="24000"/>
-            </a:schemeClr>
-          </a:solidFill>
-        </p:spPr>
-        <p:style>
-          <a:lnRef idx="2">
-            <a:schemeClr val="accent1">
-              <a:shade val="15000"/>
-            </a:schemeClr>
-          </a:lnRef>
-          <a:fillRef idx="1">
-            <a:schemeClr val="accent1"/>
-          </a:fillRef>
-          <a:effectRef idx="0">
-            <a:schemeClr val="accent1"/>
-          </a:effectRef>
-          <a:fontRef idx="minor">
-            <a:schemeClr val="lt1"/>
-          </a:fontRef>
-        </p:style>
-        <p:txBody>
-          <a:bodyPr rtlCol="0" anchor="ctr"/>
-          <a:lstStyle/>
-          <a:p>
-            <a:pPr algn="ctr"/>
-            <a:endParaRPr lang="en-US" dirty="0"/>
+            <a:endParaRPr lang="en-US"/>
+          </a:p>
+        </p:txBody>
+      </p:sp>
+      <p:sp>
+        <p:nvSpPr>
+          <p:cNvPr id="9" name="TextBox 8">
+            <a:extLst>
+              <a:ext uri="{FF2B5EF4-FFF2-40B4-BE49-F238E27FC236}">
+                <a16:creationId xmlns:a16="http://schemas.microsoft.com/office/drawing/2014/main" id="{83F405D5-5087-552C-3BFE-B9A86385A538}"/>
+              </a:ext>
+            </a:extLst>
+          </p:cNvPr>
+          <p:cNvSpPr txBox="1"/>
+          <p:nvPr/>
+        </p:nvSpPr>
+        <p:spPr>
+          <a:xfrm>
+            <a:off x="8378890" y="999055"/>
+            <a:ext cx="3536302" cy="3693319"/>
+          </a:xfrm>
+          <a:prstGeom prst="rect">
+            <a:avLst/>
+          </a:prstGeom>
+          <a:noFill/>
+          <a:ln w="15875">
+            <a:solidFill>
+              <a:schemeClr val="tx1"/>
+            </a:solidFill>
+          </a:ln>
+        </p:spPr>
+        <p:txBody>
+          <a:bodyPr wrap="square" rtlCol="0">
+            <a:spAutoFit/>
+          </a:bodyPr>
+          <a:lstStyle/>
+          <a:p>
+            <a:r>
+              <a:rPr lang="en-US" dirty="0"/>
+              <a:t>Finding the “first order” candidates for cell (7,2):</a:t>
+            </a:r>
+          </a:p>
+          <a:p>
+            <a:endParaRPr lang="en-US" dirty="0"/>
+          </a:p>
+          <a:p>
+            <a:r>
+              <a:rPr lang="en-US" dirty="0"/>
+              <a:t>In the PUZZLE:</a:t>
+            </a:r>
+          </a:p>
+          <a:p>
+            <a:r>
+              <a:rPr lang="en-US" dirty="0"/>
+              <a:t>Row 7 already has: 3,6,8,9</a:t>
+            </a:r>
+          </a:p>
+          <a:p>
+            <a:r>
+              <a:rPr lang="en-US" dirty="0"/>
+              <a:t>Col 2 already has: 1,5,9</a:t>
+            </a:r>
+          </a:p>
+          <a:p>
+            <a:r>
+              <a:rPr lang="en-US" dirty="0" err="1"/>
+              <a:t>Sqr</a:t>
+            </a:r>
+            <a:r>
+              <a:rPr lang="en-US" dirty="0"/>
+              <a:t> 6 already has: 1,5,6,9</a:t>
+            </a:r>
+          </a:p>
+          <a:p>
+            <a:endParaRPr lang="en-US" dirty="0"/>
+          </a:p>
+          <a:p>
+            <a:r>
+              <a:rPr lang="en-US" dirty="0"/>
+              <a:t>Union of row 7, col 2, </a:t>
+            </a:r>
+            <a:r>
+              <a:rPr lang="en-US" dirty="0" err="1"/>
+              <a:t>sqr</a:t>
+            </a:r>
+            <a:r>
+              <a:rPr lang="en-US" dirty="0"/>
+              <a:t> 6:</a:t>
+            </a:r>
+          </a:p>
+          <a:p>
+            <a:r>
+              <a:rPr lang="en-US" dirty="0"/>
+              <a:t>1,   ,3,   ,5,6,   ,8,9</a:t>
+            </a:r>
+          </a:p>
+          <a:p>
+            <a:endParaRPr lang="en-US" dirty="0"/>
+          </a:p>
+          <a:p>
+            <a:r>
+              <a:rPr lang="en-US" dirty="0"/>
+              <a:t>So, what’s left for CANIDATES is:</a:t>
+            </a:r>
+          </a:p>
+          <a:p>
+            <a:r>
+              <a:rPr lang="en-US" dirty="0"/>
+              <a:t>2,4,7</a:t>
+            </a:r>
           </a:p>
         </p:txBody>
       </p:sp>
@@ -5840,6 +6386,260 @@
           <p:cNvPr id="2" name="Title 1">
             <a:extLst>
               <a:ext uri="{FF2B5EF4-FFF2-40B4-BE49-F238E27FC236}">
+                <a16:creationId xmlns:a16="http://schemas.microsoft.com/office/drawing/2014/main" id="{2D6D84C5-D03B-B1A9-28AB-D8611C9BE964}"/>
+              </a:ext>
+            </a:extLst>
+          </p:cNvPr>
+          <p:cNvSpPr>
+            <a:spLocks noGrp="1"/>
+          </p:cNvSpPr>
+          <p:nvPr>
+            <p:ph type="title"/>
+          </p:nvPr>
+        </p:nvSpPr>
+        <p:spPr>
+          <a:xfrm>
+            <a:off x="671804" y="94527"/>
+            <a:ext cx="10681996" cy="633262"/>
+          </a:xfrm>
+        </p:spPr>
+        <p:txBody>
+          <a:bodyPr>
+            <a:noAutofit/>
+          </a:bodyPr>
+          <a:lstStyle/>
+          <a:p>
+            <a:pPr algn="ctr"/>
+            <a:r>
+              <a:rPr lang="en-US" sz="5400" dirty="0"/>
+              <a:t>Fill Cells With Only One Candidate</a:t>
+            </a:r>
+          </a:p>
+        </p:txBody>
+      </p:sp>
+      <p:pic>
+        <p:nvPicPr>
+          <p:cNvPr id="12" name="Picture 11">
+            <a:extLst>
+              <a:ext uri="{FF2B5EF4-FFF2-40B4-BE49-F238E27FC236}">
+                <a16:creationId xmlns:a16="http://schemas.microsoft.com/office/drawing/2014/main" id="{AA5269F2-BB73-6E09-86E1-2345E6485622}"/>
+              </a:ext>
+            </a:extLst>
+          </p:cNvPr>
+          <p:cNvPicPr>
+            <a:picLocks noChangeAspect="1"/>
+          </p:cNvPicPr>
+          <p:nvPr/>
+        </p:nvPicPr>
+        <p:blipFill>
+          <a:blip r:embed="rId2"/>
+          <a:stretch>
+            <a:fillRect/>
+          </a:stretch>
+        </p:blipFill>
+        <p:spPr>
+          <a:xfrm>
+            <a:off x="3890865" y="747138"/>
+            <a:ext cx="4562572" cy="5954387"/>
+          </a:xfrm>
+          <a:prstGeom prst="rect">
+            <a:avLst/>
+          </a:prstGeom>
+          <a:ln>
+            <a:solidFill>
+              <a:schemeClr val="tx1"/>
+            </a:solidFill>
+          </a:ln>
+        </p:spPr>
+      </p:pic>
+      <p:sp>
+        <p:nvSpPr>
+          <p:cNvPr id="13" name="Oval 12">
+            <a:extLst>
+              <a:ext uri="{FF2B5EF4-FFF2-40B4-BE49-F238E27FC236}">
+                <a16:creationId xmlns:a16="http://schemas.microsoft.com/office/drawing/2014/main" id="{465A7470-9711-C58D-0C3F-B1D54FE0169C}"/>
+              </a:ext>
+            </a:extLst>
+          </p:cNvPr>
+          <p:cNvSpPr/>
+          <p:nvPr/>
+        </p:nvSpPr>
+        <p:spPr>
+          <a:xfrm>
+            <a:off x="6251511" y="2014726"/>
+            <a:ext cx="186611" cy="243283"/>
+          </a:xfrm>
+          <a:prstGeom prst="ellipse">
+            <a:avLst/>
+          </a:prstGeom>
+          <a:solidFill>
+            <a:schemeClr val="accent2">
+              <a:alpha val="24000"/>
+            </a:schemeClr>
+          </a:solidFill>
+        </p:spPr>
+        <p:style>
+          <a:lnRef idx="2">
+            <a:schemeClr val="accent1">
+              <a:shade val="15000"/>
+            </a:schemeClr>
+          </a:lnRef>
+          <a:fillRef idx="1">
+            <a:schemeClr val="accent1"/>
+          </a:fillRef>
+          <a:effectRef idx="0">
+            <a:schemeClr val="accent1"/>
+          </a:effectRef>
+          <a:fontRef idx="minor">
+            <a:schemeClr val="lt1"/>
+          </a:fontRef>
+        </p:style>
+        <p:txBody>
+          <a:bodyPr rtlCol="0" anchor="ctr"/>
+          <a:lstStyle/>
+          <a:p>
+            <a:pPr algn="ctr"/>
+            <a:endParaRPr lang="en-US" dirty="0"/>
+          </a:p>
+        </p:txBody>
+      </p:sp>
+      <p:sp>
+        <p:nvSpPr>
+          <p:cNvPr id="14" name="Oval 13">
+            <a:extLst>
+              <a:ext uri="{FF2B5EF4-FFF2-40B4-BE49-F238E27FC236}">
+                <a16:creationId xmlns:a16="http://schemas.microsoft.com/office/drawing/2014/main" id="{F558B49C-26FC-72F4-933F-5F49154232D2}"/>
+              </a:ext>
+            </a:extLst>
+          </p:cNvPr>
+          <p:cNvSpPr/>
+          <p:nvPr/>
+        </p:nvSpPr>
+        <p:spPr>
+          <a:xfrm>
+            <a:off x="4631095" y="4042579"/>
+            <a:ext cx="186611" cy="243283"/>
+          </a:xfrm>
+          <a:prstGeom prst="ellipse">
+            <a:avLst/>
+          </a:prstGeom>
+          <a:solidFill>
+            <a:schemeClr val="accent2">
+              <a:alpha val="24000"/>
+            </a:schemeClr>
+          </a:solidFill>
+        </p:spPr>
+        <p:style>
+          <a:lnRef idx="2">
+            <a:schemeClr val="accent1">
+              <a:shade val="15000"/>
+            </a:schemeClr>
+          </a:lnRef>
+          <a:fillRef idx="1">
+            <a:schemeClr val="accent1"/>
+          </a:fillRef>
+          <a:effectRef idx="0">
+            <a:schemeClr val="accent1"/>
+          </a:effectRef>
+          <a:fontRef idx="minor">
+            <a:schemeClr val="lt1"/>
+          </a:fontRef>
+        </p:style>
+        <p:txBody>
+          <a:bodyPr rtlCol="0" anchor="ctr"/>
+          <a:lstStyle/>
+          <a:p>
+            <a:pPr algn="ctr"/>
+            <a:endParaRPr lang="en-US" dirty="0"/>
+          </a:p>
+        </p:txBody>
+      </p:sp>
+      <p:sp>
+        <p:nvSpPr>
+          <p:cNvPr id="15" name="Oval 14">
+            <a:extLst>
+              <a:ext uri="{FF2B5EF4-FFF2-40B4-BE49-F238E27FC236}">
+                <a16:creationId xmlns:a16="http://schemas.microsoft.com/office/drawing/2014/main" id="{CC5CE3BC-301E-E863-5908-3E7BD1F088FC}"/>
+              </a:ext>
+            </a:extLst>
+          </p:cNvPr>
+          <p:cNvSpPr/>
+          <p:nvPr/>
+        </p:nvSpPr>
+        <p:spPr>
+          <a:xfrm>
+            <a:off x="4998099" y="5454611"/>
+            <a:ext cx="186611" cy="243283"/>
+          </a:xfrm>
+          <a:prstGeom prst="ellipse">
+            <a:avLst/>
+          </a:prstGeom>
+          <a:solidFill>
+            <a:schemeClr val="accent2">
+              <a:alpha val="24000"/>
+            </a:schemeClr>
+          </a:solidFill>
+        </p:spPr>
+        <p:style>
+          <a:lnRef idx="2">
+            <a:schemeClr val="accent1">
+              <a:shade val="15000"/>
+            </a:schemeClr>
+          </a:lnRef>
+          <a:fillRef idx="1">
+            <a:schemeClr val="accent1"/>
+          </a:fillRef>
+          <a:effectRef idx="0">
+            <a:schemeClr val="accent1"/>
+          </a:effectRef>
+          <a:fontRef idx="minor">
+            <a:schemeClr val="lt1"/>
+          </a:fontRef>
+        </p:style>
+        <p:txBody>
+          <a:bodyPr rtlCol="0" anchor="ctr"/>
+          <a:lstStyle/>
+          <a:p>
+            <a:pPr algn="ctr"/>
+            <a:endParaRPr lang="en-US" dirty="0"/>
+          </a:p>
+        </p:txBody>
+      </p:sp>
+    </p:spTree>
+    <p:extLst>
+      <p:ext uri="{BB962C8B-B14F-4D97-AF65-F5344CB8AC3E}">
+        <p14:creationId xmlns:p14="http://schemas.microsoft.com/office/powerpoint/2010/main" val="2074707665"/>
+      </p:ext>
+    </p:extLst>
+  </p:cSld>
+  <p:clrMapOvr>
+    <a:masterClrMapping/>
+  </p:clrMapOvr>
+</p:sld>
+</file>
+
+<file path=ppt/slides/slide4.xml><?xml version="1.0" encoding="utf-8"?>
+<p:sld xmlns:a="http://schemas.openxmlformats.org/drawingml/2006/main" xmlns:r="http://schemas.openxmlformats.org/officeDocument/2006/relationships" xmlns:p="http://schemas.openxmlformats.org/presentationml/2006/main">
+  <p:cSld>
+    <p:spTree>
+      <p:nvGrpSpPr>
+        <p:cNvPr id="1" name=""/>
+        <p:cNvGrpSpPr/>
+        <p:nvPr/>
+      </p:nvGrpSpPr>
+      <p:grpSpPr>
+        <a:xfrm>
+          <a:off x="0" y="0"/>
+          <a:ext cx="0" cy="0"/>
+          <a:chOff x="0" y="0"/>
+          <a:chExt cx="0" cy="0"/>
+        </a:xfrm>
+      </p:grpSpPr>
+      <p:sp>
+        <p:nvSpPr>
+          <p:cNvPr id="2" name="Title 1">
+            <a:extLst>
+              <a:ext uri="{FF2B5EF4-FFF2-40B4-BE49-F238E27FC236}">
                 <a16:creationId xmlns:a16="http://schemas.microsoft.com/office/drawing/2014/main" id="{0A60D9C9-7985-CAF3-4277-EB6263054661}"/>
               </a:ext>
             </a:extLst>
@@ -6333,7 +7133,7 @@
 </p:sld>
 </file>
 
-<file path=ppt/slides/slide4.xml><?xml version="1.0" encoding="utf-8"?>
+<file path=ppt/slides/slide5.xml><?xml version="1.0" encoding="utf-8"?>
 <p:sld xmlns:a="http://schemas.openxmlformats.org/drawingml/2006/main" xmlns:r="http://schemas.openxmlformats.org/officeDocument/2006/relationships" xmlns:p="http://schemas.openxmlformats.org/presentationml/2006/main">
   <p:cSld>
     <p:spTree>
@@ -7122,7 +7922,7 @@
 </p:sld>
 </file>
 
-<file path=ppt/slides/slide5.xml><?xml version="1.0" encoding="utf-8"?>
+<file path=ppt/slides/slide6.xml><?xml version="1.0" encoding="utf-8"?>
 <p:sld xmlns:a="http://schemas.openxmlformats.org/drawingml/2006/main" xmlns:r="http://schemas.openxmlformats.org/officeDocument/2006/relationships" xmlns:p="http://schemas.openxmlformats.org/presentationml/2006/main">
   <p:cSld>
     <p:spTree>
@@ -7494,477 +8294,6 @@
     <p:extLst>
       <p:ext uri="{BB962C8B-B14F-4D97-AF65-F5344CB8AC3E}">
         <p14:creationId xmlns:p14="http://schemas.microsoft.com/office/powerpoint/2010/main" val="438454483"/>
-      </p:ext>
-    </p:extLst>
-  </p:cSld>
-  <p:clrMapOvr>
-    <a:masterClrMapping/>
-  </p:clrMapOvr>
-</p:sld>
-</file>
-
-<file path=ppt/slides/slide6.xml><?xml version="1.0" encoding="utf-8"?>
-<p:sld xmlns:a="http://schemas.openxmlformats.org/drawingml/2006/main" xmlns:r="http://schemas.openxmlformats.org/officeDocument/2006/relationships" xmlns:p="http://schemas.openxmlformats.org/presentationml/2006/main">
-  <p:cSld>
-    <p:spTree>
-      <p:nvGrpSpPr>
-        <p:cNvPr id="1" name=""/>
-        <p:cNvGrpSpPr/>
-        <p:nvPr/>
-      </p:nvGrpSpPr>
-      <p:grpSpPr>
-        <a:xfrm>
-          <a:off x="0" y="0"/>
-          <a:ext cx="0" cy="0"/>
-          <a:chOff x="0" y="0"/>
-          <a:chExt cx="0" cy="0"/>
-        </a:xfrm>
-      </p:grpSpPr>
-      <p:sp>
-        <p:nvSpPr>
-          <p:cNvPr id="2" name="Title 1">
-            <a:extLst>
-              <a:ext uri="{FF2B5EF4-FFF2-40B4-BE49-F238E27FC236}">
-                <a16:creationId xmlns:a16="http://schemas.microsoft.com/office/drawing/2014/main" id="{B1D04E24-1E9F-7616-C997-421EFC597AB2}"/>
-              </a:ext>
-            </a:extLst>
-          </p:cNvPr>
-          <p:cNvSpPr>
-            <a:spLocks noGrp="1"/>
-          </p:cNvSpPr>
-          <p:nvPr>
-            <p:ph type="ctrTitle"/>
-          </p:nvPr>
-        </p:nvSpPr>
-        <p:spPr>
-          <a:xfrm>
-            <a:off x="951723" y="120099"/>
-            <a:ext cx="10338318" cy="756979"/>
-          </a:xfrm>
-        </p:spPr>
-        <p:txBody>
-          <a:bodyPr>
-            <a:normAutofit fontScale="90000"/>
-          </a:bodyPr>
-          <a:lstStyle/>
-          <a:p>
-            <a:r>
-              <a:rPr lang="en-US" dirty="0"/>
-              <a:t>Pruning Naked Pairs</a:t>
-            </a:r>
-          </a:p>
-        </p:txBody>
-      </p:sp>
-      <p:pic>
-        <p:nvPicPr>
-          <p:cNvPr id="4" name="Picture 3">
-            <a:extLst>
-              <a:ext uri="{FF2B5EF4-FFF2-40B4-BE49-F238E27FC236}">
-                <a16:creationId xmlns:a16="http://schemas.microsoft.com/office/drawing/2014/main" id="{DA2D0681-7A6B-35DE-516D-44E22517549B}"/>
-              </a:ext>
-            </a:extLst>
-          </p:cNvPr>
-          <p:cNvPicPr>
-            <a:picLocks noChangeAspect="1"/>
-          </p:cNvPicPr>
-          <p:nvPr/>
-        </p:nvPicPr>
-        <p:blipFill>
-          <a:blip r:embed="rId2"/>
-          <a:stretch>
-            <a:fillRect/>
-          </a:stretch>
-        </p:blipFill>
-        <p:spPr>
-          <a:xfrm>
-            <a:off x="833437" y="1018311"/>
-            <a:ext cx="7572375" cy="5362575"/>
-          </a:xfrm>
-          <a:prstGeom prst="rect">
-            <a:avLst/>
-          </a:prstGeom>
-          <a:ln>
-            <a:solidFill>
-              <a:schemeClr val="tx1"/>
-            </a:solidFill>
-          </a:ln>
-        </p:spPr>
-      </p:pic>
-      <p:sp>
-        <p:nvSpPr>
-          <p:cNvPr id="6" name="Oval 5">
-            <a:extLst>
-              <a:ext uri="{FF2B5EF4-FFF2-40B4-BE49-F238E27FC236}">
-                <a16:creationId xmlns:a16="http://schemas.microsoft.com/office/drawing/2014/main" id="{63CB79D4-014A-26EE-AB34-6B191E44A6D9}"/>
-              </a:ext>
-            </a:extLst>
-          </p:cNvPr>
-          <p:cNvSpPr/>
-          <p:nvPr/>
-        </p:nvSpPr>
-        <p:spPr>
-          <a:xfrm>
-            <a:off x="833437" y="1231637"/>
-            <a:ext cx="513184" cy="597163"/>
-          </a:xfrm>
-          <a:prstGeom prst="ellipse">
-            <a:avLst/>
-          </a:prstGeom>
-          <a:solidFill>
-            <a:schemeClr val="accent6">
-              <a:alpha val="24000"/>
-            </a:schemeClr>
-          </a:solidFill>
-        </p:spPr>
-        <p:style>
-          <a:lnRef idx="2">
-            <a:schemeClr val="accent1">
-              <a:shade val="15000"/>
-            </a:schemeClr>
-          </a:lnRef>
-          <a:fillRef idx="1">
-            <a:schemeClr val="accent1"/>
-          </a:fillRef>
-          <a:effectRef idx="0">
-            <a:schemeClr val="accent1"/>
-          </a:effectRef>
-          <a:fontRef idx="minor">
-            <a:schemeClr val="lt1"/>
-          </a:fontRef>
-        </p:style>
-        <p:txBody>
-          <a:bodyPr rtlCol="0" anchor="ctr"/>
-          <a:lstStyle/>
-          <a:p>
-            <a:pPr algn="ctr"/>
-            <a:endParaRPr lang="en-US" dirty="0"/>
-          </a:p>
-        </p:txBody>
-      </p:sp>
-      <p:sp>
-        <p:nvSpPr>
-          <p:cNvPr id="8" name="Oval 7">
-            <a:extLst>
-              <a:ext uri="{FF2B5EF4-FFF2-40B4-BE49-F238E27FC236}">
-                <a16:creationId xmlns:a16="http://schemas.microsoft.com/office/drawing/2014/main" id="{4ABC8B27-A90B-86A0-162A-5619FE8F37AB}"/>
-              </a:ext>
-            </a:extLst>
-          </p:cNvPr>
-          <p:cNvSpPr/>
-          <p:nvPr/>
-        </p:nvSpPr>
-        <p:spPr>
-          <a:xfrm>
-            <a:off x="3514614" y="1212977"/>
-            <a:ext cx="513184" cy="597163"/>
-          </a:xfrm>
-          <a:prstGeom prst="ellipse">
-            <a:avLst/>
-          </a:prstGeom>
-          <a:solidFill>
-            <a:schemeClr val="accent6">
-              <a:alpha val="24000"/>
-            </a:schemeClr>
-          </a:solidFill>
-        </p:spPr>
-        <p:style>
-          <a:lnRef idx="2">
-            <a:schemeClr val="accent1">
-              <a:shade val="15000"/>
-            </a:schemeClr>
-          </a:lnRef>
-          <a:fillRef idx="1">
-            <a:schemeClr val="accent1"/>
-          </a:fillRef>
-          <a:effectRef idx="0">
-            <a:schemeClr val="accent1"/>
-          </a:effectRef>
-          <a:fontRef idx="minor">
-            <a:schemeClr val="lt1"/>
-          </a:fontRef>
-        </p:style>
-        <p:txBody>
-          <a:bodyPr rtlCol="0" anchor="ctr"/>
-          <a:lstStyle/>
-          <a:p>
-            <a:pPr algn="ctr"/>
-            <a:endParaRPr lang="en-US" dirty="0"/>
-          </a:p>
-        </p:txBody>
-      </p:sp>
-      <p:sp>
-        <p:nvSpPr>
-          <p:cNvPr id="9" name="Oval 8">
-            <a:extLst>
-              <a:ext uri="{FF2B5EF4-FFF2-40B4-BE49-F238E27FC236}">
-                <a16:creationId xmlns:a16="http://schemas.microsoft.com/office/drawing/2014/main" id="{CBD65937-AA1E-E846-5325-38166CB73BEE}"/>
-              </a:ext>
-            </a:extLst>
-          </p:cNvPr>
-          <p:cNvSpPr/>
-          <p:nvPr/>
-        </p:nvSpPr>
-        <p:spPr>
-          <a:xfrm>
-            <a:off x="2861471" y="1231637"/>
-            <a:ext cx="513184" cy="289253"/>
-          </a:xfrm>
-          <a:prstGeom prst="ellipse">
-            <a:avLst/>
-          </a:prstGeom>
-          <a:solidFill>
-            <a:schemeClr val="accent2">
-              <a:alpha val="24000"/>
-            </a:schemeClr>
-          </a:solidFill>
-        </p:spPr>
-        <p:style>
-          <a:lnRef idx="2">
-            <a:schemeClr val="accent1">
-              <a:shade val="15000"/>
-            </a:schemeClr>
-          </a:lnRef>
-          <a:fillRef idx="1">
-            <a:schemeClr val="accent1"/>
-          </a:fillRef>
-          <a:effectRef idx="0">
-            <a:schemeClr val="accent1"/>
-          </a:effectRef>
-          <a:fontRef idx="minor">
-            <a:schemeClr val="lt1"/>
-          </a:fontRef>
-        </p:style>
-        <p:txBody>
-          <a:bodyPr rtlCol="0" anchor="ctr"/>
-          <a:lstStyle/>
-          <a:p>
-            <a:pPr algn="ctr"/>
-            <a:endParaRPr lang="en-US" dirty="0"/>
-          </a:p>
-        </p:txBody>
-      </p:sp>
-      <p:sp>
-        <p:nvSpPr>
-          <p:cNvPr id="10" name="Oval 9">
-            <a:extLst>
-              <a:ext uri="{FF2B5EF4-FFF2-40B4-BE49-F238E27FC236}">
-                <a16:creationId xmlns:a16="http://schemas.microsoft.com/office/drawing/2014/main" id="{CBE8C231-2EAA-EBB3-80FC-37C7D3BF3A87}"/>
-              </a:ext>
-            </a:extLst>
-          </p:cNvPr>
-          <p:cNvSpPr/>
-          <p:nvPr/>
-        </p:nvSpPr>
-        <p:spPr>
-          <a:xfrm>
-            <a:off x="3272906" y="5424193"/>
-            <a:ext cx="345233" cy="597163"/>
-          </a:xfrm>
-          <a:prstGeom prst="ellipse">
-            <a:avLst/>
-          </a:prstGeom>
-          <a:solidFill>
-            <a:schemeClr val="accent6">
-              <a:alpha val="24000"/>
-            </a:schemeClr>
-          </a:solidFill>
-        </p:spPr>
-        <p:style>
-          <a:lnRef idx="2">
-            <a:schemeClr val="accent1">
-              <a:shade val="15000"/>
-            </a:schemeClr>
-          </a:lnRef>
-          <a:fillRef idx="1">
-            <a:schemeClr val="accent1"/>
-          </a:fillRef>
-          <a:effectRef idx="0">
-            <a:schemeClr val="accent1"/>
-          </a:effectRef>
-          <a:fontRef idx="minor">
-            <a:schemeClr val="lt1"/>
-          </a:fontRef>
-        </p:style>
-        <p:txBody>
-          <a:bodyPr rtlCol="0" anchor="ctr"/>
-          <a:lstStyle/>
-          <a:p>
-            <a:pPr algn="ctr"/>
-            <a:endParaRPr lang="en-US" dirty="0"/>
-          </a:p>
-        </p:txBody>
-      </p:sp>
-      <p:sp>
-        <p:nvSpPr>
-          <p:cNvPr id="11" name="Oval 10">
-            <a:extLst>
-              <a:ext uri="{FF2B5EF4-FFF2-40B4-BE49-F238E27FC236}">
-                <a16:creationId xmlns:a16="http://schemas.microsoft.com/office/drawing/2014/main" id="{A964A60D-349C-C59B-F760-0A1FC49D1173}"/>
-              </a:ext>
-            </a:extLst>
-          </p:cNvPr>
-          <p:cNvSpPr/>
-          <p:nvPr/>
-        </p:nvSpPr>
-        <p:spPr>
-          <a:xfrm>
-            <a:off x="2902797" y="5408635"/>
-            <a:ext cx="345233" cy="597163"/>
-          </a:xfrm>
-          <a:prstGeom prst="ellipse">
-            <a:avLst/>
-          </a:prstGeom>
-          <a:solidFill>
-            <a:schemeClr val="accent6">
-              <a:alpha val="24000"/>
-            </a:schemeClr>
-          </a:solidFill>
-        </p:spPr>
-        <p:style>
-          <a:lnRef idx="2">
-            <a:schemeClr val="accent1">
-              <a:shade val="15000"/>
-            </a:schemeClr>
-          </a:lnRef>
-          <a:fillRef idx="1">
-            <a:schemeClr val="accent1"/>
-          </a:fillRef>
-          <a:effectRef idx="0">
-            <a:schemeClr val="accent1"/>
-          </a:effectRef>
-          <a:fontRef idx="minor">
-            <a:schemeClr val="lt1"/>
-          </a:fontRef>
-        </p:style>
-        <p:txBody>
-          <a:bodyPr rtlCol="0" anchor="ctr"/>
-          <a:lstStyle/>
-          <a:p>
-            <a:pPr algn="ctr"/>
-            <a:endParaRPr lang="en-US" dirty="0"/>
-          </a:p>
-        </p:txBody>
-      </p:sp>
-      <p:sp>
-        <p:nvSpPr>
-          <p:cNvPr id="12" name="Oval 11">
-            <a:extLst>
-              <a:ext uri="{FF2B5EF4-FFF2-40B4-BE49-F238E27FC236}">
-                <a16:creationId xmlns:a16="http://schemas.microsoft.com/office/drawing/2014/main" id="{E5605700-8307-8800-9C08-7576715BB305}"/>
-              </a:ext>
-            </a:extLst>
-          </p:cNvPr>
-          <p:cNvSpPr/>
-          <p:nvPr/>
-        </p:nvSpPr>
-        <p:spPr>
-          <a:xfrm>
-            <a:off x="1500088" y="5676400"/>
-            <a:ext cx="345233" cy="289253"/>
-          </a:xfrm>
-          <a:prstGeom prst="ellipse">
-            <a:avLst/>
-          </a:prstGeom>
-          <a:solidFill>
-            <a:schemeClr val="accent2">
-              <a:alpha val="24000"/>
-            </a:schemeClr>
-          </a:solidFill>
-        </p:spPr>
-        <p:style>
-          <a:lnRef idx="2">
-            <a:schemeClr val="accent1">
-              <a:shade val="15000"/>
-            </a:schemeClr>
-          </a:lnRef>
-          <a:fillRef idx="1">
-            <a:schemeClr val="accent1"/>
-          </a:fillRef>
-          <a:effectRef idx="0">
-            <a:schemeClr val="accent1"/>
-          </a:effectRef>
-          <a:fontRef idx="minor">
-            <a:schemeClr val="lt1"/>
-          </a:fontRef>
-        </p:style>
-        <p:txBody>
-          <a:bodyPr rtlCol="0" anchor="ctr"/>
-          <a:lstStyle/>
-          <a:p>
-            <a:pPr algn="ctr"/>
-            <a:endParaRPr lang="en-US" dirty="0"/>
-          </a:p>
-        </p:txBody>
-      </p:sp>
-      <p:sp>
-        <p:nvSpPr>
-          <p:cNvPr id="3" name="TextBox 2">
-            <a:extLst>
-              <a:ext uri="{FF2B5EF4-FFF2-40B4-BE49-F238E27FC236}">
-                <a16:creationId xmlns:a16="http://schemas.microsoft.com/office/drawing/2014/main" id="{EC3D9256-FD44-6B08-FCEC-A0281BD936F2}"/>
-              </a:ext>
-            </a:extLst>
-          </p:cNvPr>
-          <p:cNvSpPr txBox="1"/>
-          <p:nvPr/>
-        </p:nvSpPr>
-        <p:spPr>
-          <a:xfrm>
-            <a:off x="8610600" y="1133475"/>
-            <a:ext cx="3381375" cy="4524315"/>
-          </a:xfrm>
-          <a:prstGeom prst="rect">
-            <a:avLst/>
-          </a:prstGeom>
-          <a:noFill/>
-        </p:spPr>
-        <p:txBody>
-          <a:bodyPr wrap="square" rtlCol="0">
-            <a:spAutoFit/>
-          </a:bodyPr>
-          <a:lstStyle/>
-          <a:p>
-            <a:r>
-              <a:rPr lang="en-US" u="sng" dirty="0"/>
-              <a:t>Two</a:t>
-            </a:r>
-            <a:r>
-              <a:rPr lang="en-US" dirty="0"/>
-              <a:t> cells on row 0 contain (4,6) and </a:t>
-            </a:r>
-            <a:r>
-              <a:rPr lang="en-US" u="sng" dirty="0"/>
-              <a:t>only</a:t>
-            </a:r>
-            <a:r>
-              <a:rPr lang="en-US" dirty="0"/>
-              <a:t> (4,6).  We don’t know which one is going to be a 4 or which one is going to be a 6, but it doesn’t matter.  One of them is going to be a 4 and the other is going to be a 6 – that’s for sure.  </a:t>
-            </a:r>
-          </a:p>
-          <a:p>
-            <a:endParaRPr lang="en-US" dirty="0"/>
-          </a:p>
-          <a:p>
-            <a:r>
-              <a:rPr lang="en-US" dirty="0"/>
-              <a:t>What it means is that 4 or 6 cannot be a candidate for any other cell on this row.</a:t>
-            </a:r>
-          </a:p>
-          <a:p>
-            <a:endParaRPr lang="en-US" dirty="0"/>
-          </a:p>
-          <a:p>
-            <a:r>
-              <a:rPr lang="en-US" dirty="0"/>
-              <a:t>You can apply a similar technique to cols and squares to eliminate candidates within the col or square, respectively.</a:t>
-            </a:r>
-          </a:p>
-        </p:txBody>
-      </p:sp>
-    </p:spTree>
-    <p:extLst>
-      <p:ext uri="{BB962C8B-B14F-4D97-AF65-F5344CB8AC3E}">
-        <p14:creationId xmlns:p14="http://schemas.microsoft.com/office/powerpoint/2010/main" val="2055788050"/>
       </p:ext>
     </p:extLst>
   </p:cSld>
@@ -7993,10 +8322,10 @@
       </p:grpSpPr>
       <p:sp>
         <p:nvSpPr>
-          <p:cNvPr id="3" name="Title 1">
-            <a:extLst>
-              <a:ext uri="{FF2B5EF4-FFF2-40B4-BE49-F238E27FC236}">
-                <a16:creationId xmlns:a16="http://schemas.microsoft.com/office/drawing/2014/main" id="{0334F5D6-F602-A38A-A8D0-9ADA6FCD294D}"/>
+          <p:cNvPr id="2" name="Title 1">
+            <a:extLst>
+              <a:ext uri="{FF2B5EF4-FFF2-40B4-BE49-F238E27FC236}">
+                <a16:creationId xmlns:a16="http://schemas.microsoft.com/office/drawing/2014/main" id="{B1D04E24-1E9F-7616-C997-421EFC597AB2}"/>
               </a:ext>
             </a:extLst>
           </p:cNvPr>
@@ -8004,13 +8333,13 @@
             <a:spLocks noGrp="1"/>
           </p:cNvSpPr>
           <p:nvPr>
-            <p:ph type="title"/>
+            <p:ph type="ctrTitle"/>
           </p:nvPr>
         </p:nvSpPr>
         <p:spPr>
           <a:xfrm>
-            <a:off x="838200" y="155575"/>
-            <a:ext cx="10515600" cy="625475"/>
+            <a:off x="951723" y="120099"/>
+            <a:ext cx="10338318" cy="756979"/>
           </a:xfrm>
         </p:spPr>
         <p:txBody>
@@ -8019,20 +8348,19 @@
           </a:bodyPr>
           <a:lstStyle/>
           <a:p>
-            <a:pPr algn="ctr"/>
-            <a:r>
-              <a:rPr lang="en-US" sz="6000" dirty="0"/>
-              <a:t>Pruning Naked Triples</a:t>
+            <a:r>
+              <a:rPr lang="en-US" dirty="0"/>
+              <a:t>Pruning Naked Pairs</a:t>
             </a:r>
           </a:p>
         </p:txBody>
       </p:sp>
       <p:pic>
         <p:nvPicPr>
-          <p:cNvPr id="8" name="Picture 7">
-            <a:extLst>
-              <a:ext uri="{FF2B5EF4-FFF2-40B4-BE49-F238E27FC236}">
-                <a16:creationId xmlns:a16="http://schemas.microsoft.com/office/drawing/2014/main" id="{8BE22611-F0C3-548C-931F-94F5AEE7D95A}"/>
+          <p:cNvPr id="4" name="Picture 3">
+            <a:extLst>
+              <a:ext uri="{FF2B5EF4-FFF2-40B4-BE49-F238E27FC236}">
+                <a16:creationId xmlns:a16="http://schemas.microsoft.com/office/drawing/2014/main" id="{DA2D0681-7A6B-35DE-516D-44E22517549B}"/>
               </a:ext>
             </a:extLst>
           </p:cNvPr>
@@ -8049,8 +8377,8 @@
         </p:blipFill>
         <p:spPr>
           <a:xfrm>
-            <a:off x="285750" y="976312"/>
-            <a:ext cx="8153400" cy="5476875"/>
+            <a:off x="833437" y="1018311"/>
+            <a:ext cx="7572375" cy="5362575"/>
           </a:xfrm>
           <a:prstGeom prst="rect">
             <a:avLst/>
@@ -8064,10 +8392,10 @@
       </p:pic>
       <p:sp>
         <p:nvSpPr>
-          <p:cNvPr id="9" name="Oval 8">
-            <a:extLst>
-              <a:ext uri="{FF2B5EF4-FFF2-40B4-BE49-F238E27FC236}">
-                <a16:creationId xmlns:a16="http://schemas.microsoft.com/office/drawing/2014/main" id="{1A56801B-1372-2EF0-33B4-66AB9ABDF62B}"/>
+          <p:cNvPr id="6" name="Oval 5">
+            <a:extLst>
+              <a:ext uri="{FF2B5EF4-FFF2-40B4-BE49-F238E27FC236}">
+                <a16:creationId xmlns:a16="http://schemas.microsoft.com/office/drawing/2014/main" id="{63CB79D4-014A-26EE-AB34-6B191E44A6D9}"/>
               </a:ext>
             </a:extLst>
           </p:cNvPr>
@@ -8076,8 +8404,8 @@
         </p:nvSpPr>
         <p:spPr>
           <a:xfrm>
-            <a:off x="2371725" y="1285875"/>
-            <a:ext cx="1017898" cy="314325"/>
+            <a:off x="833437" y="1231637"/>
+            <a:ext cx="513184" cy="597163"/>
           </a:xfrm>
           <a:prstGeom prst="ellipse">
             <a:avLst/>
@@ -8115,10 +8443,10 @@
       </p:sp>
       <p:sp>
         <p:nvSpPr>
-          <p:cNvPr id="10" name="Oval 9">
-            <a:extLst>
-              <a:ext uri="{FF2B5EF4-FFF2-40B4-BE49-F238E27FC236}">
-                <a16:creationId xmlns:a16="http://schemas.microsoft.com/office/drawing/2014/main" id="{E1923FCD-7D91-B611-6015-CC2BE5CAAB1E}"/>
+          <p:cNvPr id="8" name="Oval 7">
+            <a:extLst>
+              <a:ext uri="{FF2B5EF4-FFF2-40B4-BE49-F238E27FC236}">
+                <a16:creationId xmlns:a16="http://schemas.microsoft.com/office/drawing/2014/main" id="{4ABC8B27-A90B-86A0-162A-5619FE8F37AB}"/>
               </a:ext>
             </a:extLst>
           </p:cNvPr>
@@ -8127,14 +8455,14 @@
         </p:nvSpPr>
         <p:spPr>
           <a:xfrm>
-            <a:off x="457200" y="1314451"/>
-            <a:ext cx="295276" cy="200024"/>
+            <a:off x="3514614" y="1212977"/>
+            <a:ext cx="513184" cy="597163"/>
           </a:xfrm>
           <a:prstGeom prst="ellipse">
             <a:avLst/>
           </a:prstGeom>
           <a:solidFill>
-            <a:schemeClr val="accent2">
+            <a:schemeClr val="accent6">
               <a:alpha val="24000"/>
             </a:schemeClr>
           </a:solidFill>
@@ -8166,10 +8494,10 @@
       </p:sp>
       <p:sp>
         <p:nvSpPr>
-          <p:cNvPr id="11" name="Oval 10">
-            <a:extLst>
-              <a:ext uri="{FF2B5EF4-FFF2-40B4-BE49-F238E27FC236}">
-                <a16:creationId xmlns:a16="http://schemas.microsoft.com/office/drawing/2014/main" id="{43FC4290-EAA3-8245-4251-2261CEB09618}"/>
+          <p:cNvPr id="9" name="Oval 8">
+            <a:extLst>
+              <a:ext uri="{FF2B5EF4-FFF2-40B4-BE49-F238E27FC236}">
+                <a16:creationId xmlns:a16="http://schemas.microsoft.com/office/drawing/2014/main" id="{CBD65937-AA1E-E846-5325-38166CB73BEE}"/>
               </a:ext>
             </a:extLst>
           </p:cNvPr>
@@ -8178,8 +8506,8 @@
         </p:nvSpPr>
         <p:spPr>
           <a:xfrm>
-            <a:off x="752476" y="1323976"/>
-            <a:ext cx="295276" cy="200024"/>
+            <a:off x="2861471" y="1231637"/>
+            <a:ext cx="513184" cy="289253"/>
           </a:xfrm>
           <a:prstGeom prst="ellipse">
             <a:avLst/>
@@ -8217,10 +8545,10 @@
       </p:sp>
       <p:sp>
         <p:nvSpPr>
-          <p:cNvPr id="12" name="Oval 11">
-            <a:extLst>
-              <a:ext uri="{FF2B5EF4-FFF2-40B4-BE49-F238E27FC236}">
-                <a16:creationId xmlns:a16="http://schemas.microsoft.com/office/drawing/2014/main" id="{0930755D-BB25-92E2-3811-69EB17EFF6A2}"/>
+          <p:cNvPr id="10" name="Oval 9">
+            <a:extLst>
+              <a:ext uri="{FF2B5EF4-FFF2-40B4-BE49-F238E27FC236}">
+                <a16:creationId xmlns:a16="http://schemas.microsoft.com/office/drawing/2014/main" id="{CBE8C231-2EAA-EBB3-80FC-37C7D3BF3A87}"/>
               </a:ext>
             </a:extLst>
           </p:cNvPr>
@@ -8229,14 +8557,14 @@
         </p:nvSpPr>
         <p:spPr>
           <a:xfrm>
-            <a:off x="1071564" y="1323976"/>
-            <a:ext cx="295276" cy="200024"/>
+            <a:off x="3272906" y="5424193"/>
+            <a:ext cx="345233" cy="597163"/>
           </a:xfrm>
           <a:prstGeom prst="ellipse">
             <a:avLst/>
           </a:prstGeom>
           <a:solidFill>
-            <a:schemeClr val="accent2">
+            <a:schemeClr val="accent6">
               <a:alpha val="24000"/>
             </a:schemeClr>
           </a:solidFill>
@@ -8268,10 +8596,112 @@
       </p:sp>
       <p:sp>
         <p:nvSpPr>
-          <p:cNvPr id="4" name="TextBox 3">
-            <a:extLst>
-              <a:ext uri="{FF2B5EF4-FFF2-40B4-BE49-F238E27FC236}">
-                <a16:creationId xmlns:a16="http://schemas.microsoft.com/office/drawing/2014/main" id="{486B76A3-FE41-F315-C1BE-6A6994BAC47A}"/>
+          <p:cNvPr id="11" name="Oval 10">
+            <a:extLst>
+              <a:ext uri="{FF2B5EF4-FFF2-40B4-BE49-F238E27FC236}">
+                <a16:creationId xmlns:a16="http://schemas.microsoft.com/office/drawing/2014/main" id="{A964A60D-349C-C59B-F760-0A1FC49D1173}"/>
+              </a:ext>
+            </a:extLst>
+          </p:cNvPr>
+          <p:cNvSpPr/>
+          <p:nvPr/>
+        </p:nvSpPr>
+        <p:spPr>
+          <a:xfrm>
+            <a:off x="2902797" y="5408635"/>
+            <a:ext cx="345233" cy="597163"/>
+          </a:xfrm>
+          <a:prstGeom prst="ellipse">
+            <a:avLst/>
+          </a:prstGeom>
+          <a:solidFill>
+            <a:schemeClr val="accent6">
+              <a:alpha val="24000"/>
+            </a:schemeClr>
+          </a:solidFill>
+        </p:spPr>
+        <p:style>
+          <a:lnRef idx="2">
+            <a:schemeClr val="accent1">
+              <a:shade val="15000"/>
+            </a:schemeClr>
+          </a:lnRef>
+          <a:fillRef idx="1">
+            <a:schemeClr val="accent1"/>
+          </a:fillRef>
+          <a:effectRef idx="0">
+            <a:schemeClr val="accent1"/>
+          </a:effectRef>
+          <a:fontRef idx="minor">
+            <a:schemeClr val="lt1"/>
+          </a:fontRef>
+        </p:style>
+        <p:txBody>
+          <a:bodyPr rtlCol="0" anchor="ctr"/>
+          <a:lstStyle/>
+          <a:p>
+            <a:pPr algn="ctr"/>
+            <a:endParaRPr lang="en-US" dirty="0"/>
+          </a:p>
+        </p:txBody>
+      </p:sp>
+      <p:sp>
+        <p:nvSpPr>
+          <p:cNvPr id="12" name="Oval 11">
+            <a:extLst>
+              <a:ext uri="{FF2B5EF4-FFF2-40B4-BE49-F238E27FC236}">
+                <a16:creationId xmlns:a16="http://schemas.microsoft.com/office/drawing/2014/main" id="{E5605700-8307-8800-9C08-7576715BB305}"/>
+              </a:ext>
+            </a:extLst>
+          </p:cNvPr>
+          <p:cNvSpPr/>
+          <p:nvPr/>
+        </p:nvSpPr>
+        <p:spPr>
+          <a:xfrm>
+            <a:off x="1500088" y="5676400"/>
+            <a:ext cx="345233" cy="289253"/>
+          </a:xfrm>
+          <a:prstGeom prst="ellipse">
+            <a:avLst/>
+          </a:prstGeom>
+          <a:solidFill>
+            <a:schemeClr val="accent2">
+              <a:alpha val="24000"/>
+            </a:schemeClr>
+          </a:solidFill>
+        </p:spPr>
+        <p:style>
+          <a:lnRef idx="2">
+            <a:schemeClr val="accent1">
+              <a:shade val="15000"/>
+            </a:schemeClr>
+          </a:lnRef>
+          <a:fillRef idx="1">
+            <a:schemeClr val="accent1"/>
+          </a:fillRef>
+          <a:effectRef idx="0">
+            <a:schemeClr val="accent1"/>
+          </a:effectRef>
+          <a:fontRef idx="minor">
+            <a:schemeClr val="lt1"/>
+          </a:fontRef>
+        </p:style>
+        <p:txBody>
+          <a:bodyPr rtlCol="0" anchor="ctr"/>
+          <a:lstStyle/>
+          <a:p>
+            <a:pPr algn="ctr"/>
+            <a:endParaRPr lang="en-US" dirty="0"/>
+          </a:p>
+        </p:txBody>
+      </p:sp>
+      <p:sp>
+        <p:nvSpPr>
+          <p:cNvPr id="3" name="TextBox 2">
+            <a:extLst>
+              <a:ext uri="{FF2B5EF4-FFF2-40B4-BE49-F238E27FC236}">
+                <a16:creationId xmlns:a16="http://schemas.microsoft.com/office/drawing/2014/main" id="{EC3D9256-FD44-6B08-FCEC-A0281BD936F2}"/>
               </a:ext>
             </a:extLst>
           </p:cNvPr>
@@ -8280,8 +8710,8 @@
         </p:nvSpPr>
         <p:spPr>
           <a:xfrm>
-            <a:off x="8534400" y="976312"/>
-            <a:ext cx="3419475" cy="5324535"/>
+            <a:off x="8610600" y="1133475"/>
+            <a:ext cx="3381375" cy="4524315"/>
           </a:xfrm>
           <a:prstGeom prst="rect">
             <a:avLst/>
@@ -8295,46 +8725,46 @@
           <a:lstStyle/>
           <a:p>
             <a:r>
-              <a:rPr lang="en-US" sz="1600" dirty="0"/>
-              <a:t>Three cells on row 0 contain (combined) only three numbers (1,2,3).  Three cells, only three numbers – that’s the key.  We don’t know which one is which, but, again, it doesn’t matter – one is going to be 1 one a 2 and one a 3, that’s for sure.</a:t>
-            </a:r>
-          </a:p>
-          <a:p>
-            <a:endParaRPr lang="en-US" sz="1600" dirty="0"/>
-          </a:p>
-          <a:p>
-            <a:r>
-              <a:rPr lang="en-US" sz="1600" dirty="0"/>
-              <a:t>What it means is that 1 or 2 or 3 cannot be a candidate for any other cell on this row.</a:t>
-            </a:r>
-          </a:p>
-          <a:p>
-            <a:endParaRPr lang="en-US" sz="1600" dirty="0"/>
-          </a:p>
-          <a:p>
-            <a:r>
-              <a:rPr lang="en-US" sz="1600" dirty="0"/>
-              <a:t>Generally, this is easier to spot when all three square contain all 3 numbers (1,2,3) but they don’t have to.</a:t>
-            </a:r>
-          </a:p>
-          <a:p>
-            <a:endParaRPr lang="en-US" dirty="0"/>
-          </a:p>
-          <a:p>
-            <a:r>
-              <a:rPr lang="en-US" sz="1600" dirty="0"/>
+              <a:rPr lang="en-US" u="sng" dirty="0"/>
+              <a:t>Two</a:t>
+            </a:r>
+            <a:r>
+              <a:rPr lang="en-US" dirty="0"/>
+              <a:t> cells on row 0 contain (4,6) and </a:t>
+            </a:r>
+            <a:r>
+              <a:rPr lang="en-US" u="sng" dirty="0"/>
+              <a:t>only</a:t>
+            </a:r>
+            <a:r>
+              <a:rPr lang="en-US" dirty="0"/>
+              <a:t> (4,6).  We don’t know which one is going to be a 4 or which one is going to be a 6, but it doesn’t matter.  One of them is going to be a 4 and the other is going to be a 6 – that’s for sure.  </a:t>
+            </a:r>
+          </a:p>
+          <a:p>
+            <a:endParaRPr lang="en-US" dirty="0"/>
+          </a:p>
+          <a:p>
+            <a:r>
+              <a:rPr lang="en-US" dirty="0"/>
+              <a:t>What it means is that 4 or 6 cannot be a candidate for any other cell on this row.</a:t>
+            </a:r>
+          </a:p>
+          <a:p>
+            <a:endParaRPr lang="en-US" dirty="0"/>
+          </a:p>
+          <a:p>
+            <a:r>
+              <a:rPr lang="en-US" dirty="0"/>
               <a:t>You can apply a similar technique to cols and squares to eliminate candidates within the col or square, respectively.</a:t>
             </a:r>
-          </a:p>
-          <a:p>
-            <a:endParaRPr lang="en-US" dirty="0"/>
           </a:p>
         </p:txBody>
       </p:sp>
     </p:spTree>
     <p:extLst>
       <p:ext uri="{BB962C8B-B14F-4D97-AF65-F5344CB8AC3E}">
-        <p14:creationId xmlns:p14="http://schemas.microsoft.com/office/powerpoint/2010/main" val="482429318"/>
+        <p14:creationId xmlns:p14="http://schemas.microsoft.com/office/powerpoint/2010/main" val="2055788050"/>
       </p:ext>
     </p:extLst>
   </p:cSld>
@@ -8361,12 +8791,48 @@
           <a:chExt cx="0" cy="0"/>
         </a:xfrm>
       </p:grpSpPr>
+      <p:sp>
+        <p:nvSpPr>
+          <p:cNvPr id="3" name="Title 1">
+            <a:extLst>
+              <a:ext uri="{FF2B5EF4-FFF2-40B4-BE49-F238E27FC236}">
+                <a16:creationId xmlns:a16="http://schemas.microsoft.com/office/drawing/2014/main" id="{0334F5D6-F602-A38A-A8D0-9ADA6FCD294D}"/>
+              </a:ext>
+            </a:extLst>
+          </p:cNvPr>
+          <p:cNvSpPr>
+            <a:spLocks noGrp="1"/>
+          </p:cNvSpPr>
+          <p:nvPr>
+            <p:ph type="title"/>
+          </p:nvPr>
+        </p:nvSpPr>
+        <p:spPr>
+          <a:xfrm>
+            <a:off x="838200" y="155575"/>
+            <a:ext cx="10515600" cy="625475"/>
+          </a:xfrm>
+        </p:spPr>
+        <p:txBody>
+          <a:bodyPr>
+            <a:normAutofit fontScale="90000"/>
+          </a:bodyPr>
+          <a:lstStyle/>
+          <a:p>
+            <a:pPr algn="ctr"/>
+            <a:r>
+              <a:rPr lang="en-US" sz="6000" dirty="0"/>
+              <a:t>Pruning Naked Triples</a:t>
+            </a:r>
+          </a:p>
+        </p:txBody>
+      </p:sp>
       <p:pic>
         <p:nvPicPr>
-          <p:cNvPr id="14" name="Picture 13">
-            <a:extLst>
-              <a:ext uri="{FF2B5EF4-FFF2-40B4-BE49-F238E27FC236}">
-                <a16:creationId xmlns:a16="http://schemas.microsoft.com/office/drawing/2014/main" id="{8972CC2E-3878-2F8D-361E-4EC5A646D3BA}"/>
+          <p:cNvPr id="8" name="Picture 7">
+            <a:extLst>
+              <a:ext uri="{FF2B5EF4-FFF2-40B4-BE49-F238E27FC236}">
+                <a16:creationId xmlns:a16="http://schemas.microsoft.com/office/drawing/2014/main" id="{8BE22611-F0C3-548C-931F-94F5AEE7D95A}"/>
               </a:ext>
             </a:extLst>
           </p:cNvPr>
@@ -8383,8 +8849,8 @@
         </p:blipFill>
         <p:spPr>
           <a:xfrm>
-            <a:off x="423862" y="671512"/>
-            <a:ext cx="8010525" cy="5972175"/>
+            <a:off x="285750" y="976312"/>
+            <a:ext cx="8153400" cy="5476875"/>
           </a:xfrm>
           <a:prstGeom prst="rect">
             <a:avLst/>
@@ -8398,46 +8864,10 @@
       </p:pic>
       <p:sp>
         <p:nvSpPr>
-          <p:cNvPr id="2" name="Title 1">
-            <a:extLst>
-              <a:ext uri="{FF2B5EF4-FFF2-40B4-BE49-F238E27FC236}">
-                <a16:creationId xmlns:a16="http://schemas.microsoft.com/office/drawing/2014/main" id="{1612785F-EA79-C9C5-CF5B-0E8B1076821F}"/>
-              </a:ext>
-            </a:extLst>
-          </p:cNvPr>
-          <p:cNvSpPr>
-            <a:spLocks noGrp="1"/>
-          </p:cNvSpPr>
-          <p:nvPr>
-            <p:ph type="title"/>
-          </p:nvPr>
-        </p:nvSpPr>
-        <p:spPr>
-          <a:xfrm>
-            <a:off x="838200" y="60325"/>
-            <a:ext cx="10515600" cy="625475"/>
-          </a:xfrm>
-        </p:spPr>
-        <p:txBody>
-          <a:bodyPr>
-            <a:normAutofit fontScale="90000"/>
-          </a:bodyPr>
-          <a:lstStyle/>
-          <a:p>
-            <a:pPr algn="ctr"/>
-            <a:r>
-              <a:rPr lang="en-US" sz="5400" dirty="0"/>
-              <a:t>Pruning Hidden Pairs</a:t>
-            </a:r>
-          </a:p>
-        </p:txBody>
-      </p:sp>
-      <p:sp>
-        <p:nvSpPr>
           <p:cNvPr id="9" name="Oval 8">
             <a:extLst>
               <a:ext uri="{FF2B5EF4-FFF2-40B4-BE49-F238E27FC236}">
-                <a16:creationId xmlns:a16="http://schemas.microsoft.com/office/drawing/2014/main" id="{31565B09-E8AC-2274-987B-5635D8FF599E}"/>
+                <a16:creationId xmlns:a16="http://schemas.microsoft.com/office/drawing/2014/main" id="{1A56801B-1372-2EF0-33B4-66AB9ABDF62B}"/>
               </a:ext>
             </a:extLst>
           </p:cNvPr>
@@ -8446,8 +8876,8 @@
         </p:nvSpPr>
         <p:spPr>
           <a:xfrm>
-            <a:off x="3362325" y="3429000"/>
-            <a:ext cx="285750" cy="466725"/>
+            <a:off x="2371725" y="1285875"/>
+            <a:ext cx="1017898" cy="314325"/>
           </a:xfrm>
           <a:prstGeom prst="ellipse">
             <a:avLst/>
@@ -8488,7 +8918,7 @@
           <p:cNvPr id="10" name="Oval 9">
             <a:extLst>
               <a:ext uri="{FF2B5EF4-FFF2-40B4-BE49-F238E27FC236}">
-                <a16:creationId xmlns:a16="http://schemas.microsoft.com/office/drawing/2014/main" id="{12E36BEE-2C4C-C940-8337-ACDEEBC0B7D6}"/>
+                <a16:creationId xmlns:a16="http://schemas.microsoft.com/office/drawing/2014/main" id="{E1923FCD-7D91-B611-6015-CC2BE5CAAB1E}"/>
               </a:ext>
             </a:extLst>
           </p:cNvPr>
@@ -8497,14 +8927,14 @@
         </p:nvSpPr>
         <p:spPr>
           <a:xfrm>
-            <a:off x="2457450" y="3429000"/>
-            <a:ext cx="285750" cy="466725"/>
+            <a:off x="457200" y="1314451"/>
+            <a:ext cx="295276" cy="200024"/>
           </a:xfrm>
           <a:prstGeom prst="ellipse">
             <a:avLst/>
           </a:prstGeom>
           <a:solidFill>
-            <a:schemeClr val="accent6">
+            <a:schemeClr val="accent2">
               <a:alpha val="24000"/>
             </a:schemeClr>
           </a:solidFill>
@@ -8539,7 +8969,7 @@
           <p:cNvPr id="11" name="Oval 10">
             <a:extLst>
               <a:ext uri="{FF2B5EF4-FFF2-40B4-BE49-F238E27FC236}">
-                <a16:creationId xmlns:a16="http://schemas.microsoft.com/office/drawing/2014/main" id="{A061A80A-9BA4-02A0-29AC-C6E0EA3CEDCB}"/>
+                <a16:creationId xmlns:a16="http://schemas.microsoft.com/office/drawing/2014/main" id="{43FC4290-EAA3-8245-4251-2261CEB09618}"/>
               </a:ext>
             </a:extLst>
           </p:cNvPr>
@@ -8548,8 +8978,8 @@
         </p:nvSpPr>
         <p:spPr>
           <a:xfrm>
-            <a:off x="2171700" y="3429000"/>
-            <a:ext cx="285750" cy="466725"/>
+            <a:off x="752476" y="1323976"/>
+            <a:ext cx="295276" cy="200024"/>
           </a:xfrm>
           <a:prstGeom prst="ellipse">
             <a:avLst/>
@@ -8590,7 +9020,7 @@
           <p:cNvPr id="12" name="Oval 11">
             <a:extLst>
               <a:ext uri="{FF2B5EF4-FFF2-40B4-BE49-F238E27FC236}">
-                <a16:creationId xmlns:a16="http://schemas.microsoft.com/office/drawing/2014/main" id="{AE01EC46-A36D-C0FE-B6E9-95941F11B4D7}"/>
+                <a16:creationId xmlns:a16="http://schemas.microsoft.com/office/drawing/2014/main" id="{0930755D-BB25-92E2-3811-69EB17EFF6A2}"/>
               </a:ext>
             </a:extLst>
           </p:cNvPr>
@@ -8599,8 +9029,8 @@
         </p:nvSpPr>
         <p:spPr>
           <a:xfrm>
-            <a:off x="3076575" y="3429000"/>
-            <a:ext cx="285750" cy="466725"/>
+            <a:off x="1071564" y="1323976"/>
+            <a:ext cx="295276" cy="200024"/>
           </a:xfrm>
           <a:prstGeom prst="ellipse">
             <a:avLst/>
@@ -8638,10 +9068,10 @@
       </p:sp>
       <p:sp>
         <p:nvSpPr>
-          <p:cNvPr id="3" name="TextBox 2">
-            <a:extLst>
-              <a:ext uri="{FF2B5EF4-FFF2-40B4-BE49-F238E27FC236}">
-                <a16:creationId xmlns:a16="http://schemas.microsoft.com/office/drawing/2014/main" id="{89D5A9A0-770A-20E7-70BE-E2AC65FBF546}"/>
+          <p:cNvPr id="4" name="TextBox 3">
+            <a:extLst>
+              <a:ext uri="{FF2B5EF4-FFF2-40B4-BE49-F238E27FC236}">
+                <a16:creationId xmlns:a16="http://schemas.microsoft.com/office/drawing/2014/main" id="{486B76A3-FE41-F315-C1BE-6A6994BAC47A}"/>
               </a:ext>
             </a:extLst>
           </p:cNvPr>
@@ -8650,8 +9080,8 @@
         </p:nvSpPr>
         <p:spPr>
           <a:xfrm>
-            <a:off x="8515350" y="790575"/>
-            <a:ext cx="3486150" cy="5262979"/>
+            <a:off x="8534400" y="976312"/>
+            <a:ext cx="3419475" cy="5324535"/>
           </a:xfrm>
           <a:prstGeom prst="rect">
             <a:avLst/>
@@ -8666,7 +9096,7 @@
           <a:p>
             <a:r>
               <a:rPr lang="en-US" sz="1600" dirty="0"/>
-              <a:t>Ok, hang on things are about to get weird.</a:t>
+              <a:t>Three cells on row 0 contain (combined) only three numbers (1,2,3).  Three cells, only three numbers – that’s the key.  We don’t know which one is which, but, again, it doesn’t matter – one is going to be 1 one a 2 and one a 3, that’s for sure.</a:t>
             </a:r>
           </a:p>
           <a:p>
@@ -8675,7 +9105,7 @@
           <a:p>
             <a:r>
               <a:rPr lang="en-US" sz="1600" dirty="0"/>
-              <a:t>On row 4 there are only two places where 3 and 5 can exist. You'd see them as a naked pair, if they weren't hidden by extra numbers.</a:t>
+              <a:t>What it means is that 1 or 2 or 3 cannot be a candidate for any other cell on this row.</a:t>
             </a:r>
           </a:p>
           <a:p>
@@ -8684,32 +9114,27 @@
           <a:p>
             <a:r>
               <a:rPr lang="en-US" sz="1600" dirty="0"/>
-              <a:t>Because 3 and 5 can only exist in two of those cells (</a:t>
-            </a:r>
-            <a:r>
-              <a:rPr lang="en-US" sz="1600" b="1" dirty="0"/>
-              <a:t>no other cells will accept either of them</a:t>
-            </a:r>
+              <a:t>Generally, this is easier to spot when all three square contain all 3 numbers (1,2,3) but they don’t have to.</a:t>
+            </a:r>
+          </a:p>
+          <a:p>
+            <a:endParaRPr lang="en-US" dirty="0"/>
+          </a:p>
+          <a:p>
             <a:r>
               <a:rPr lang="en-US" sz="1600" dirty="0"/>
-              <a:t>), that means they must be in those two cells, leaving no room for any other. Even though you don't know which is which, you can remove all other candidates from the within those two cells.</a:t>
-            </a:r>
-          </a:p>
-          <a:p>
-            <a:endParaRPr lang="en-US" sz="1600" dirty="0"/>
-          </a:p>
-          <a:p>
-            <a:r>
-              <a:rPr lang="en-US" sz="1600" dirty="0"/>
-              <a:t>Note that with naked pairs candidates outside the pair’s cells are removed whereas with hidden pairs candidates inside the pair’s cells are removed.</a:t>
-            </a:r>
+              <a:t>You can apply a similar technique to cols and squares to eliminate candidates within the col or square, respectively.</a:t>
+            </a:r>
+          </a:p>
+          <a:p>
+            <a:endParaRPr lang="en-US" dirty="0"/>
           </a:p>
         </p:txBody>
       </p:sp>
     </p:spTree>
     <p:extLst>
       <p:ext uri="{BB962C8B-B14F-4D97-AF65-F5344CB8AC3E}">
-        <p14:creationId xmlns:p14="http://schemas.microsoft.com/office/powerpoint/2010/main" val="2843598930"/>
+        <p14:creationId xmlns:p14="http://schemas.microsoft.com/office/powerpoint/2010/main" val="482429318"/>
       </p:ext>
     </p:extLst>
   </p:cSld>
@@ -8736,48 +9161,12 @@
           <a:chExt cx="0" cy="0"/>
         </a:xfrm>
       </p:grpSpPr>
-      <p:sp>
-        <p:nvSpPr>
-          <p:cNvPr id="2" name="Title 1">
-            <a:extLst>
-              <a:ext uri="{FF2B5EF4-FFF2-40B4-BE49-F238E27FC236}">
-                <a16:creationId xmlns:a16="http://schemas.microsoft.com/office/drawing/2014/main" id="{C73FB36A-FFE2-9D7D-6AFE-DF164EE6B565}"/>
-              </a:ext>
-            </a:extLst>
-          </p:cNvPr>
-          <p:cNvSpPr>
-            <a:spLocks noGrp="1"/>
-          </p:cNvSpPr>
-          <p:nvPr>
-            <p:ph type="title"/>
-          </p:nvPr>
-        </p:nvSpPr>
-        <p:spPr>
-          <a:xfrm>
-            <a:off x="838200" y="119063"/>
-            <a:ext cx="10515600" cy="666749"/>
-          </a:xfrm>
-        </p:spPr>
-        <p:txBody>
-          <a:bodyPr>
-            <a:normAutofit fontScale="90000"/>
-          </a:bodyPr>
-          <a:lstStyle/>
-          <a:p>
-            <a:pPr algn="ctr"/>
-            <a:r>
-              <a:rPr lang="en-US" sz="5400" dirty="0"/>
-              <a:t>Pruning Hidden Triples</a:t>
-            </a:r>
-          </a:p>
-        </p:txBody>
-      </p:sp>
       <p:pic>
         <p:nvPicPr>
-          <p:cNvPr id="6" name="Picture 5">
-            <a:extLst>
-              <a:ext uri="{FF2B5EF4-FFF2-40B4-BE49-F238E27FC236}">
-                <a16:creationId xmlns:a16="http://schemas.microsoft.com/office/drawing/2014/main" id="{5DB43E8B-E43E-049C-409F-1509F9922F2C}"/>
+          <p:cNvPr id="14" name="Picture 13">
+            <a:extLst>
+              <a:ext uri="{FF2B5EF4-FFF2-40B4-BE49-F238E27FC236}">
+                <a16:creationId xmlns:a16="http://schemas.microsoft.com/office/drawing/2014/main" id="{8972CC2E-3878-2F8D-361E-4EC5A646D3BA}"/>
               </a:ext>
             </a:extLst>
           </p:cNvPr>
@@ -8794,8 +9183,8 @@
         </p:blipFill>
         <p:spPr>
           <a:xfrm>
-            <a:off x="352425" y="757237"/>
-            <a:ext cx="8039100" cy="5972175"/>
+            <a:off x="423862" y="671512"/>
+            <a:ext cx="8010525" cy="5972175"/>
           </a:xfrm>
           <a:prstGeom prst="rect">
             <a:avLst/>
@@ -8809,10 +9198,46 @@
       </p:pic>
       <p:sp>
         <p:nvSpPr>
-          <p:cNvPr id="7" name="Oval 6">
-            <a:extLst>
-              <a:ext uri="{FF2B5EF4-FFF2-40B4-BE49-F238E27FC236}">
-                <a16:creationId xmlns:a16="http://schemas.microsoft.com/office/drawing/2014/main" id="{90C3882E-F668-249D-7128-DFEAF11C3007}"/>
+          <p:cNvPr id="2" name="Title 1">
+            <a:extLst>
+              <a:ext uri="{FF2B5EF4-FFF2-40B4-BE49-F238E27FC236}">
+                <a16:creationId xmlns:a16="http://schemas.microsoft.com/office/drawing/2014/main" id="{1612785F-EA79-C9C5-CF5B-0E8B1076821F}"/>
+              </a:ext>
+            </a:extLst>
+          </p:cNvPr>
+          <p:cNvSpPr>
+            <a:spLocks noGrp="1"/>
+          </p:cNvSpPr>
+          <p:nvPr>
+            <p:ph type="title"/>
+          </p:nvPr>
+        </p:nvSpPr>
+        <p:spPr>
+          <a:xfrm>
+            <a:off x="838200" y="60325"/>
+            <a:ext cx="10515600" cy="625475"/>
+          </a:xfrm>
+        </p:spPr>
+        <p:txBody>
+          <a:bodyPr>
+            <a:normAutofit fontScale="90000"/>
+          </a:bodyPr>
+          <a:lstStyle/>
+          <a:p>
+            <a:pPr algn="ctr"/>
+            <a:r>
+              <a:rPr lang="en-US" sz="5400" dirty="0"/>
+              <a:t>Pruning Hidden Pairs</a:t>
+            </a:r>
+          </a:p>
+        </p:txBody>
+      </p:sp>
+      <p:sp>
+        <p:nvSpPr>
+          <p:cNvPr id="9" name="Oval 8">
+            <a:extLst>
+              <a:ext uri="{FF2B5EF4-FFF2-40B4-BE49-F238E27FC236}">
+                <a16:creationId xmlns:a16="http://schemas.microsoft.com/office/drawing/2014/main" id="{31565B09-E8AC-2274-987B-5635D8FF599E}"/>
               </a:ext>
             </a:extLst>
           </p:cNvPr>
@@ -8821,14 +9246,14 @@
         </p:nvSpPr>
         <p:spPr>
           <a:xfrm>
-            <a:off x="514350" y="5667375"/>
-            <a:ext cx="285750" cy="171450"/>
+            <a:off x="3362325" y="3429000"/>
+            <a:ext cx="285750" cy="466725"/>
           </a:xfrm>
           <a:prstGeom prst="ellipse">
             <a:avLst/>
           </a:prstGeom>
           <a:solidFill>
-            <a:schemeClr val="accent2">
+            <a:schemeClr val="accent6">
               <a:alpha val="24000"/>
             </a:schemeClr>
           </a:solidFill>
@@ -8860,10 +9285,10 @@
       </p:sp>
       <p:sp>
         <p:nvSpPr>
-          <p:cNvPr id="8" name="Oval 7">
-            <a:extLst>
-              <a:ext uri="{FF2B5EF4-FFF2-40B4-BE49-F238E27FC236}">
-                <a16:creationId xmlns:a16="http://schemas.microsoft.com/office/drawing/2014/main" id="{5E315653-ADD8-4432-A2B0-6C737EFE6D3A}"/>
+          <p:cNvPr id="10" name="Oval 9">
+            <a:extLst>
+              <a:ext uri="{FF2B5EF4-FFF2-40B4-BE49-F238E27FC236}">
+                <a16:creationId xmlns:a16="http://schemas.microsoft.com/office/drawing/2014/main" id="{12E36BEE-2C4C-C940-8337-ACDEEBC0B7D6}"/>
               </a:ext>
             </a:extLst>
           </p:cNvPr>
@@ -8872,8 +9297,8 @@
         </p:nvSpPr>
         <p:spPr>
           <a:xfrm>
-            <a:off x="561975" y="5419725"/>
-            <a:ext cx="295275" cy="247650"/>
+            <a:off x="2457450" y="3429000"/>
+            <a:ext cx="285750" cy="466725"/>
           </a:xfrm>
           <a:prstGeom prst="ellipse">
             <a:avLst/>
@@ -8911,10 +9336,10 @@
       </p:sp>
       <p:sp>
         <p:nvSpPr>
-          <p:cNvPr id="9" name="Oval 8">
-            <a:extLst>
-              <a:ext uri="{FF2B5EF4-FFF2-40B4-BE49-F238E27FC236}">
-                <a16:creationId xmlns:a16="http://schemas.microsoft.com/office/drawing/2014/main" id="{0386EC84-A317-DF1F-D1A6-EAAA07C50D6F}"/>
+          <p:cNvPr id="11" name="Oval 10">
+            <a:extLst>
+              <a:ext uri="{FF2B5EF4-FFF2-40B4-BE49-F238E27FC236}">
+                <a16:creationId xmlns:a16="http://schemas.microsoft.com/office/drawing/2014/main" id="{A061A80A-9BA4-02A0-29AC-C6E0EA3CEDCB}"/>
               </a:ext>
             </a:extLst>
           </p:cNvPr>
@@ -8923,14 +9348,14 @@
         </p:nvSpPr>
         <p:spPr>
           <a:xfrm>
-            <a:off x="1552575" y="5419725"/>
-            <a:ext cx="295275" cy="247650"/>
+            <a:off x="2171700" y="3429000"/>
+            <a:ext cx="285750" cy="466725"/>
           </a:xfrm>
           <a:prstGeom prst="ellipse">
             <a:avLst/>
           </a:prstGeom>
           <a:solidFill>
-            <a:schemeClr val="accent6">
+            <a:schemeClr val="accent2">
               <a:alpha val="24000"/>
             </a:schemeClr>
           </a:solidFill>
@@ -8962,10 +9387,10 @@
       </p:sp>
       <p:sp>
         <p:nvSpPr>
-          <p:cNvPr id="10" name="Oval 9">
-            <a:extLst>
-              <a:ext uri="{FF2B5EF4-FFF2-40B4-BE49-F238E27FC236}">
-                <a16:creationId xmlns:a16="http://schemas.microsoft.com/office/drawing/2014/main" id="{80B0A87F-6B34-12DA-A4B7-E317DEEFC163}"/>
+          <p:cNvPr id="12" name="Oval 11">
+            <a:extLst>
+              <a:ext uri="{FF2B5EF4-FFF2-40B4-BE49-F238E27FC236}">
+                <a16:creationId xmlns:a16="http://schemas.microsoft.com/office/drawing/2014/main" id="{AE01EC46-A36D-C0FE-B6E9-95941F11B4D7}"/>
               </a:ext>
             </a:extLst>
           </p:cNvPr>
@@ -8974,14 +9399,14 @@
         </p:nvSpPr>
         <p:spPr>
           <a:xfrm>
-            <a:off x="1847850" y="5429250"/>
-            <a:ext cx="295275" cy="247650"/>
+            <a:off x="3076575" y="3429000"/>
+            <a:ext cx="285750" cy="466725"/>
           </a:xfrm>
           <a:prstGeom prst="ellipse">
             <a:avLst/>
           </a:prstGeom>
           <a:solidFill>
-            <a:schemeClr val="accent6">
+            <a:schemeClr val="accent2">
               <a:alpha val="24000"/>
             </a:schemeClr>
           </a:solidFill>
@@ -9013,112 +9438,10 @@
       </p:sp>
       <p:sp>
         <p:nvSpPr>
-          <p:cNvPr id="11" name="Oval 10">
-            <a:extLst>
-              <a:ext uri="{FF2B5EF4-FFF2-40B4-BE49-F238E27FC236}">
-                <a16:creationId xmlns:a16="http://schemas.microsoft.com/office/drawing/2014/main" id="{1B1921BA-6C40-74DC-A4D2-EFAEC330A537}"/>
-              </a:ext>
-            </a:extLst>
-          </p:cNvPr>
-          <p:cNvSpPr/>
-          <p:nvPr/>
-        </p:nvSpPr>
-        <p:spPr>
-          <a:xfrm>
-            <a:off x="1514475" y="5676900"/>
-            <a:ext cx="285750" cy="171450"/>
-          </a:xfrm>
-          <a:prstGeom prst="ellipse">
-            <a:avLst/>
-          </a:prstGeom>
-          <a:solidFill>
-            <a:schemeClr val="accent2">
-              <a:alpha val="24000"/>
-            </a:schemeClr>
-          </a:solidFill>
-        </p:spPr>
-        <p:style>
-          <a:lnRef idx="2">
-            <a:schemeClr val="accent1">
-              <a:shade val="15000"/>
-            </a:schemeClr>
-          </a:lnRef>
-          <a:fillRef idx="1">
-            <a:schemeClr val="accent1"/>
-          </a:fillRef>
-          <a:effectRef idx="0">
-            <a:schemeClr val="accent1"/>
-          </a:effectRef>
-          <a:fontRef idx="minor">
-            <a:schemeClr val="lt1"/>
-          </a:fontRef>
-        </p:style>
-        <p:txBody>
-          <a:bodyPr rtlCol="0" anchor="ctr"/>
-          <a:lstStyle/>
-          <a:p>
-            <a:pPr algn="ctr"/>
-            <a:endParaRPr lang="en-US" dirty="0"/>
-          </a:p>
-        </p:txBody>
-      </p:sp>
-      <p:sp>
-        <p:nvSpPr>
-          <p:cNvPr id="12" name="Oval 11">
-            <a:extLst>
-              <a:ext uri="{FF2B5EF4-FFF2-40B4-BE49-F238E27FC236}">
-                <a16:creationId xmlns:a16="http://schemas.microsoft.com/office/drawing/2014/main" id="{CCA4168D-DEE6-B938-08E4-8EC7CDD99DA8}"/>
-              </a:ext>
-            </a:extLst>
-          </p:cNvPr>
-          <p:cNvSpPr/>
-          <p:nvPr/>
-        </p:nvSpPr>
-        <p:spPr>
-          <a:xfrm>
-            <a:off x="1838325" y="5667375"/>
-            <a:ext cx="285750" cy="171450"/>
-          </a:xfrm>
-          <a:prstGeom prst="ellipse">
-            <a:avLst/>
-          </a:prstGeom>
-          <a:solidFill>
-            <a:schemeClr val="accent2">
-              <a:alpha val="24000"/>
-            </a:schemeClr>
-          </a:solidFill>
-        </p:spPr>
-        <p:style>
-          <a:lnRef idx="2">
-            <a:schemeClr val="accent1">
-              <a:shade val="15000"/>
-            </a:schemeClr>
-          </a:lnRef>
-          <a:fillRef idx="1">
-            <a:schemeClr val="accent1"/>
-          </a:fillRef>
-          <a:effectRef idx="0">
-            <a:schemeClr val="accent1"/>
-          </a:effectRef>
-          <a:fontRef idx="minor">
-            <a:schemeClr val="lt1"/>
-          </a:fontRef>
-        </p:style>
-        <p:txBody>
-          <a:bodyPr rtlCol="0" anchor="ctr"/>
-          <a:lstStyle/>
-          <a:p>
-            <a:pPr algn="ctr"/>
-            <a:endParaRPr lang="en-US" dirty="0"/>
-          </a:p>
-        </p:txBody>
-      </p:sp>
-      <p:sp>
-        <p:nvSpPr>
           <p:cNvPr id="3" name="TextBox 2">
             <a:extLst>
               <a:ext uri="{FF2B5EF4-FFF2-40B4-BE49-F238E27FC236}">
-                <a16:creationId xmlns:a16="http://schemas.microsoft.com/office/drawing/2014/main" id="{03633FF2-86DD-55A6-5CBB-9FA4D40D081C}"/>
+                <a16:creationId xmlns:a16="http://schemas.microsoft.com/office/drawing/2014/main" id="{89D5A9A0-770A-20E7-70BE-E2AC65FBF546}"/>
               </a:ext>
             </a:extLst>
           </p:cNvPr>
@@ -9127,8 +9450,8 @@
         </p:nvSpPr>
         <p:spPr>
           <a:xfrm>
-            <a:off x="8610600" y="785812"/>
-            <a:ext cx="3343275" cy="4801314"/>
+            <a:off x="8515350" y="790575"/>
+            <a:ext cx="3486150" cy="5262979"/>
           </a:xfrm>
           <a:prstGeom prst="rect">
             <a:avLst/>
@@ -9142,35 +9465,43 @@
           <a:lstStyle/>
           <a:p>
             <a:r>
-              <a:rPr lang="en-US" dirty="0"/>
-              <a:t>The algorithm for hidden triplets leverages off the algorithm for naked triplets in the same way that hidden pairs leverages off the naked pairs.</a:t>
-            </a:r>
-          </a:p>
-          <a:p>
-            <a:endParaRPr lang="en-US" dirty="0"/>
-          </a:p>
-          <a:p>
-            <a:r>
-              <a:rPr lang="en-US" dirty="0"/>
-              <a:t>Again, the naked/hidden pair/triple algorithms can be applied to a row, col or square.</a:t>
-            </a:r>
-          </a:p>
-          <a:p>
-            <a:endParaRPr lang="en-US" dirty="0"/>
-          </a:p>
-          <a:p>
-            <a:r>
-              <a:rPr lang="en-US" dirty="0"/>
-              <a:t>BTW the same techniques work for quads (4 cells 4 values), etc.  </a:t>
-            </a:r>
-          </a:p>
-          <a:p>
-            <a:endParaRPr lang="en-US" dirty="0"/>
-          </a:p>
-          <a:p>
-            <a:r>
-              <a:rPr lang="en-US" dirty="0"/>
-              <a:t>Have fun.  Hard by hand easier by computer especially if you have a single routine that just accepts “N” as a parameter!! Which I do.</a:t>
+              <a:rPr lang="en-US" sz="1600" dirty="0"/>
+              <a:t>Ok, hang on things are about to get weird.</a:t>
+            </a:r>
+          </a:p>
+          <a:p>
+            <a:endParaRPr lang="en-US" sz="1600" dirty="0"/>
+          </a:p>
+          <a:p>
+            <a:r>
+              <a:rPr lang="en-US" sz="1600" dirty="0"/>
+              <a:t>On row 4 there are only two places where 3 and 5 can exist. You'd see them as a naked pair, if they weren't hidden by extra numbers.</a:t>
+            </a:r>
+          </a:p>
+          <a:p>
+            <a:endParaRPr lang="en-US" sz="1600" dirty="0"/>
+          </a:p>
+          <a:p>
+            <a:r>
+              <a:rPr lang="en-US" sz="1600" dirty="0"/>
+              <a:t>Because 3 and 5 can only exist in two of those cells (</a:t>
+            </a:r>
+            <a:r>
+              <a:rPr lang="en-US" sz="1600" b="1" dirty="0"/>
+              <a:t>no other cells will accept either of them</a:t>
+            </a:r>
+            <a:r>
+              <a:rPr lang="en-US" sz="1600" dirty="0"/>
+              <a:t>), that means they must be in those two cells, leaving no room for any other. Even though you don't know which is which, you can remove all other candidates from the within those two cells.</a:t>
+            </a:r>
+          </a:p>
+          <a:p>
+            <a:endParaRPr lang="en-US" sz="1600" dirty="0"/>
+          </a:p>
+          <a:p>
+            <a:r>
+              <a:rPr lang="en-US" sz="1600" dirty="0"/>
+              <a:t>Note that with naked pairs candidates outside the pair’s cells are removed whereas with hidden pairs candidates inside the pair’s cells are removed.</a:t>
             </a:r>
           </a:p>
         </p:txBody>
@@ -9178,7 +9509,7 @@
     </p:spTree>
     <p:extLst>
       <p:ext uri="{BB962C8B-B14F-4D97-AF65-F5344CB8AC3E}">
-        <p14:creationId xmlns:p14="http://schemas.microsoft.com/office/powerpoint/2010/main" val="596411895"/>
+        <p14:creationId xmlns:p14="http://schemas.microsoft.com/office/powerpoint/2010/main" val="2843598930"/>
       </p:ext>
     </p:extLst>
   </p:cSld>

--- a/docs/prunning.pptx
+++ b/docs/prunning.pptx
@@ -7,18 +7,19 @@
   <p:sldIdLst>
     <p:sldId id="264" r:id="rId2"/>
     <p:sldId id="263" r:id="rId3"/>
-    <p:sldId id="269" r:id="rId4"/>
-    <p:sldId id="262" r:id="rId5"/>
-    <p:sldId id="265" r:id="rId6"/>
-    <p:sldId id="266" r:id="rId7"/>
-    <p:sldId id="256" r:id="rId8"/>
-    <p:sldId id="257" r:id="rId9"/>
-    <p:sldId id="258" r:id="rId10"/>
-    <p:sldId id="259" r:id="rId11"/>
-    <p:sldId id="260" r:id="rId12"/>
-    <p:sldId id="261" r:id="rId13"/>
-    <p:sldId id="267" r:id="rId14"/>
-    <p:sldId id="268" r:id="rId15"/>
+    <p:sldId id="270" r:id="rId4"/>
+    <p:sldId id="269" r:id="rId5"/>
+    <p:sldId id="262" r:id="rId6"/>
+    <p:sldId id="265" r:id="rId7"/>
+    <p:sldId id="266" r:id="rId8"/>
+    <p:sldId id="256" r:id="rId9"/>
+    <p:sldId id="257" r:id="rId10"/>
+    <p:sldId id="258" r:id="rId11"/>
+    <p:sldId id="259" r:id="rId12"/>
+    <p:sldId id="260" r:id="rId13"/>
+    <p:sldId id="261" r:id="rId14"/>
+    <p:sldId id="267" r:id="rId15"/>
+    <p:sldId id="268" r:id="rId16"/>
   </p:sldIdLst>
   <p:sldSz cx="12192000" cy="6858000"/>
   <p:notesSz cx="6858000" cy="9144000"/>
@@ -125,6 +126,33 @@
 </p:presentation>
 </file>
 
+<file path=ppt/ink/ink1.xml><?xml version="1.0" encoding="utf-8"?>
+<inkml:ink xmlns:inkml="http://www.w3.org/2003/InkML">
+  <inkml:definitions>
+    <inkml:context xml:id="ctx0">
+      <inkml:inkSource xml:id="inkSrc0">
+        <inkml:traceFormat>
+          <inkml:channel name="X" type="integer" min="-2.14748E9" max="2.14748E9" units="cm"/>
+          <inkml:channel name="Y" type="integer" min="-2.14748E9" max="2.14748E9" units="cm"/>
+          <inkml:channel name="F" type="integer" max="32767" units="dev"/>
+        </inkml:traceFormat>
+        <inkml:channelProperties>
+          <inkml:channelProperty channel="X" name="resolution" value="1000" units="1/cm"/>
+          <inkml:channelProperty channel="Y" name="resolution" value="1000" units="1/cm"/>
+          <inkml:channelProperty channel="F" name="resolution" value="0" units="1/dev"/>
+        </inkml:channelProperties>
+      </inkml:inkSource>
+      <inkml:timestamp xml:id="ts0" timeString="2024-04-01T01:15:19.302"/>
+    </inkml:context>
+    <inkml:brush xml:id="br0">
+      <inkml:brushProperty name="width" value="0.035" units="cm"/>
+      <inkml:brushProperty name="height" value="0.035" units="cm"/>
+    </inkml:brush>
+  </inkml:definitions>
+  <inkml:trace contextRef="#ctx0" brushRef="#br0">2455 90 24575,'-38'-2'0,"0"-2"0,0-2 0,-40-10 0,-66-11 0,67 11 0,62 11 0,0 1 0,0 1 0,-1 0 0,-22 0 0,18 3 0,0 0 0,-32 6 0,44-4 0,0 0 0,0 1 0,1 0 0,-1 0 0,1 0 0,-1 1 0,1 0 0,0 1 0,-7 6 0,-5 5 0,12-10 0,0 0 0,0 0 0,-1-1 0,1 0 0,-1 0 0,0-1 0,0 0 0,-1 0 0,1-1 0,-1 0 0,-14 3 0,-80 13 0,42-5 0,-1-4 0,1-2 0,-2-3 0,-79-3 0,75-10 0,28 3 0,-45 0 0,14 7 0,40 0 0,1 0 0,0-3 0,0 0 0,-1-2 0,1-1 0,1-1 0,-30-9 0,37 8 0,-1 2 0,0 0 0,0 1 0,0 2 0,0 0 0,0 1 0,-27 4 0,-22-1 0,35-4 0,21 0 0,0 0 0,0 1 0,0 1 0,-1 1 0,-20 4 0,33-5 0,-1 0 0,1 1 0,-1-1 0,1 1 0,0 0 0,0 0 0,0 0 0,0 0 0,0 0 0,0 1 0,0-1 0,1 1 0,-1-1 0,1 1 0,0 0 0,0 0 0,0 0 0,0 1 0,1-1 0,-1 0 0,1 1 0,0-1 0,0 1 0,0-1 0,0 1 0,0 0 0,1 5 0,-5 40 0,-8 141 0,-4 32 0,-1-71 0,17-116 0,-11 66 0,8-69 0,2-1 0,1 40 0,2-41 0,-1 0 0,-9 54 0,-1-20 0,2 0 0,2 108 0,-13 4 0,20 865 0,-19-876 0,16-60 0,5 154 0,15-136 0,-17-109 0,1-1 0,1 1 0,0 0 0,1 0 0,0-1 0,1 0 0,0 0 0,1 0 0,1-1 0,0 0 0,0 0 0,2 0 0,-1-1 0,1-1 0,1 1 0,0-1 0,13 9 0,27 26 0,-38-33 0,1 0 0,24 17 0,-31-25 0,0-1 0,0 0 0,1 0 0,-1-1 0,1 1 0,-1-1 0,1-1 0,0 1 0,-1-1 0,12 0 0,24 0 0,62 11 0,-57-7 0,2-2 0,86-5 0,-35 0 0,813 2 0,-761 18 0,264-19 0,-412 1 0,0 0 0,0 0 0,0-1 0,0 0 0,-1 0 0,1 0 0,0 0 0,-1 0 0,1-1 0,-1 1 0,1-1 0,-1 0 0,0 0 0,0 0 0,0-1 0,0 1 0,5-6 0,0-2 0,0-1 0,-1 0 0,12-22 0,-3 3 0,15-18 0,-22 36 0,-1 0 0,0 0 0,0 0 0,-2-1 0,1 0 0,-2 0 0,0 0 0,0-1 0,-1 0 0,3-27 0,-8-170 0,2-56 0,9 190 0,-5 44 0,3-52 0,-8 76 0,0 1 0,-1 0 0,0-1 0,0 1 0,-1 0 0,1-1 0,-2 1 0,0 0 0,0 1 0,0-1 0,-6-9 0,7 14 0,-1 1 0,1-1 0,-1 1 0,1 0 0,-1 0 0,0 0 0,0 0 0,0 0 0,0 0 0,0 1 0,-1 0 0,1 0 0,0 0 0,-7-1 0,-56-7 0,44 7 0,-31-2 0,-76 6 0,73 0 0,-59-5 0,10-16 0,67 14 0,-2 0 0,-59-2 0,93 8 0,-1-1 0,1 0 0,-1-1 0,1 1 0,-1-1 0,1-1 0,0 1 0,-1-1 0,1 0 0,0 0 0,0-1 0,0 0 0,0 0 0,1 0 0,-1-1 0,1 0 0,0 0 0,0 0 0,0-1 0,1 0 0,-1 1 0,1-2 0,0 1 0,1 0 0,-1-1 0,1 0 0,0 1 0,0-1 0,-2-11 0,-4-24 0,2 0 0,2-1 0,2 0 0,2 0 0,8-83 0,0 56 0,-2 29 0,0-45 0,-5 44 0,2 1 0,10-60 0,-8 66 0,-2 0 0,-1-1 0,-4-37 0,1 28 0,4-50 0,16-28 0,-18 119 0,1 1 0,-1-1 0,1 1 0,-1-1 0,1 1 0,0 0 0,0-1 0,0 1 0,0 0 0,0 0 0,0 0 0,1 0 0,-1 0 0,1 0 0,-1 0 0,1 0 0,0 1 0,0-1 0,0 0 0,0 1 0,3-2 0,3-1 0,-1 1 0,1 1 0,0-1 0,0 1 0,9-1 0,32-10 0,-30 8 0,-1 1 0,1 0 0,0 1 0,0 2 0,0 0 0,0 0 0,37 5 0,9-1 0,26-1 0,100-4 0,-183 0 0,1 0 0,-1 0 0,0-1 0,0 0 0,0 0 0,0-1 0,-1 0 0,12-8 0,53-46 0,-66 52 0,0-1 0,-1 1 0,1-2 0,-2 1 0,1 0 0,-1-1 0,0 0 0,0 0 0,-1 0 0,0-1 0,-1 1 0,0-1 0,0 0 0,1-8 0,-1-17 0,-1 0 0,-4-47 0,0 6 0,3 65 0,-1-25 0,2 1 0,1 0 0,1 0 0,16-66 0,-13 70 0,-1-1 0,-2 0 0,-1 0 0,-1 0 0,-2 1 0,-4-33 0,3 54 13,0-1-1,-1 1 1,0 0-1,0 1 1,-1-1-1,0 0 1,-1 1-1,1 0 1,-9-9-1,-21-45-1502,29 48-5336</inkml:trace>
+</inkml:ink>
+</file>
+
 <file path=ppt/slideLayouts/slideLayout1.xml><?xml version="1.0" encoding="utf-8"?>
 <p:sldLayout xmlns:a="http://schemas.openxmlformats.org/drawingml/2006/main" xmlns:r="http://schemas.openxmlformats.org/officeDocument/2006/relationships" xmlns:p="http://schemas.openxmlformats.org/presentationml/2006/main" type="title" preserve="1">
   <p:cSld name="Title Slide">
@@ -272,7 +300,7 @@
           <a:p>
             <a:fld id="{1F274930-2381-46E1-B0AC-06AFA971923E}" type="datetimeFigureOut">
               <a:rPr lang="en-US" smtClean="0"/>
-              <a:t>3/28/2024</a:t>
+              <a:t>3/31/2024</a:t>
             </a:fld>
             <a:endParaRPr lang="en-US" dirty="0"/>
           </a:p>
@@ -470,7 +498,7 @@
           <a:p>
             <a:fld id="{1F274930-2381-46E1-B0AC-06AFA971923E}" type="datetimeFigureOut">
               <a:rPr lang="en-US" smtClean="0"/>
-              <a:t>3/28/2024</a:t>
+              <a:t>3/31/2024</a:t>
             </a:fld>
             <a:endParaRPr lang="en-US" dirty="0"/>
           </a:p>
@@ -678,7 +706,7 @@
           <a:p>
             <a:fld id="{1F274930-2381-46E1-B0AC-06AFA971923E}" type="datetimeFigureOut">
               <a:rPr lang="en-US" smtClean="0"/>
-              <a:t>3/28/2024</a:t>
+              <a:t>3/31/2024</a:t>
             </a:fld>
             <a:endParaRPr lang="en-US" dirty="0"/>
           </a:p>
@@ -876,7 +904,7 @@
           <a:p>
             <a:fld id="{1F274930-2381-46E1-B0AC-06AFA971923E}" type="datetimeFigureOut">
               <a:rPr lang="en-US" smtClean="0"/>
-              <a:t>3/28/2024</a:t>
+              <a:t>3/31/2024</a:t>
             </a:fld>
             <a:endParaRPr lang="en-US" dirty="0"/>
           </a:p>
@@ -1151,7 +1179,7 @@
           <a:p>
             <a:fld id="{1F274930-2381-46E1-B0AC-06AFA971923E}" type="datetimeFigureOut">
               <a:rPr lang="en-US" smtClean="0"/>
-              <a:t>3/28/2024</a:t>
+              <a:t>3/31/2024</a:t>
             </a:fld>
             <a:endParaRPr lang="en-US" dirty="0"/>
           </a:p>
@@ -1416,7 +1444,7 @@
           <a:p>
             <a:fld id="{1F274930-2381-46E1-B0AC-06AFA971923E}" type="datetimeFigureOut">
               <a:rPr lang="en-US" smtClean="0"/>
-              <a:t>3/28/2024</a:t>
+              <a:t>3/31/2024</a:t>
             </a:fld>
             <a:endParaRPr lang="en-US" dirty="0"/>
           </a:p>
@@ -1828,7 +1856,7 @@
           <a:p>
             <a:fld id="{1F274930-2381-46E1-B0AC-06AFA971923E}" type="datetimeFigureOut">
               <a:rPr lang="en-US" smtClean="0"/>
-              <a:t>3/28/2024</a:t>
+              <a:t>3/31/2024</a:t>
             </a:fld>
             <a:endParaRPr lang="en-US" dirty="0"/>
           </a:p>
@@ -1969,7 +1997,7 @@
           <a:p>
             <a:fld id="{1F274930-2381-46E1-B0AC-06AFA971923E}" type="datetimeFigureOut">
               <a:rPr lang="en-US" smtClean="0"/>
-              <a:t>3/28/2024</a:t>
+              <a:t>3/31/2024</a:t>
             </a:fld>
             <a:endParaRPr lang="en-US" dirty="0"/>
           </a:p>
@@ -2082,7 +2110,7 @@
           <a:p>
             <a:fld id="{1F274930-2381-46E1-B0AC-06AFA971923E}" type="datetimeFigureOut">
               <a:rPr lang="en-US" smtClean="0"/>
-              <a:t>3/28/2024</a:t>
+              <a:t>3/31/2024</a:t>
             </a:fld>
             <a:endParaRPr lang="en-US" dirty="0"/>
           </a:p>
@@ -2393,7 +2421,7 @@
           <a:p>
             <a:fld id="{1F274930-2381-46E1-B0AC-06AFA971923E}" type="datetimeFigureOut">
               <a:rPr lang="en-US" smtClean="0"/>
-              <a:t>3/28/2024</a:t>
+              <a:t>3/31/2024</a:t>
             </a:fld>
             <a:endParaRPr lang="en-US" dirty="0"/>
           </a:p>
@@ -2681,7 +2709,7 @@
           <a:p>
             <a:fld id="{1F274930-2381-46E1-B0AC-06AFA971923E}" type="datetimeFigureOut">
               <a:rPr lang="en-US" smtClean="0"/>
-              <a:t>3/28/2024</a:t>
+              <a:t>3/31/2024</a:t>
             </a:fld>
             <a:endParaRPr lang="en-US" dirty="0"/>
           </a:p>
@@ -2922,7 +2950,7 @@
           <a:p>
             <a:fld id="{1F274930-2381-46E1-B0AC-06AFA971923E}" type="datetimeFigureOut">
               <a:rPr lang="en-US" smtClean="0"/>
-              <a:t>3/28/2024</a:t>
+              <a:t>3/31/2024</a:t>
             </a:fld>
             <a:endParaRPr lang="en-US" dirty="0"/>
           </a:p>
@@ -3413,7 +3441,7 @@
             </a:pPr>
             <a:r>
               <a:rPr lang="en-US" sz="4000" dirty="0"/>
-              <a:t>Program has three major components:</a:t>
+              <a:t>Three components:</a:t>
             </a:r>
           </a:p>
           <a:p>
@@ -3426,7 +3454,7 @@
             </a:pPr>
             <a:r>
               <a:rPr lang="en-US" sz="2800" dirty="0"/>
-              <a:t>Creating the “first order” candidate list</a:t>
+              <a:t>Create the “first order” candidate list</a:t>
             </a:r>
           </a:p>
           <a:p>
@@ -3443,7 +3471,7 @@
             </a:pPr>
             <a:r>
               <a:rPr lang="en-US" sz="2800" dirty="0"/>
-              <a:t>Pruning of the candidates based on:</a:t>
+              <a:t>Prune the candidate list based on:</a:t>
             </a:r>
             <a:endParaRPr lang="en-US" dirty="0"/>
           </a:p>
@@ -3501,7 +3529,7 @@
             </a:pPr>
             <a:r>
               <a:rPr lang="en-US" sz="2800" dirty="0"/>
-              <a:t>Filling in solution cells based on:</a:t>
+              <a:t>Fill in solution cells based on:</a:t>
             </a:r>
             <a:endParaRPr lang="en-US" dirty="0"/>
           </a:p>
@@ -3567,48 +3595,12 @@
           <a:chExt cx="0" cy="0"/>
         </a:xfrm>
       </p:grpSpPr>
-      <p:sp>
-        <p:nvSpPr>
-          <p:cNvPr id="2" name="Title 1">
-            <a:extLst>
-              <a:ext uri="{FF2B5EF4-FFF2-40B4-BE49-F238E27FC236}">
-                <a16:creationId xmlns:a16="http://schemas.microsoft.com/office/drawing/2014/main" id="{C73FB36A-FFE2-9D7D-6AFE-DF164EE6B565}"/>
-              </a:ext>
-            </a:extLst>
-          </p:cNvPr>
-          <p:cNvSpPr>
-            <a:spLocks noGrp="1"/>
-          </p:cNvSpPr>
-          <p:nvPr>
-            <p:ph type="title"/>
-          </p:nvPr>
-        </p:nvSpPr>
-        <p:spPr>
-          <a:xfrm>
-            <a:off x="838200" y="119063"/>
-            <a:ext cx="10515600" cy="666749"/>
-          </a:xfrm>
-        </p:spPr>
-        <p:txBody>
-          <a:bodyPr>
-            <a:normAutofit fontScale="90000"/>
-          </a:bodyPr>
-          <a:lstStyle/>
-          <a:p>
-            <a:pPr algn="ctr"/>
-            <a:r>
-              <a:rPr lang="en-US" sz="5400" dirty="0"/>
-              <a:t>Pruning Hidden Triples</a:t>
-            </a:r>
-          </a:p>
-        </p:txBody>
-      </p:sp>
       <p:pic>
         <p:nvPicPr>
-          <p:cNvPr id="6" name="Picture 5">
-            <a:extLst>
-              <a:ext uri="{FF2B5EF4-FFF2-40B4-BE49-F238E27FC236}">
-                <a16:creationId xmlns:a16="http://schemas.microsoft.com/office/drawing/2014/main" id="{5DB43E8B-E43E-049C-409F-1509F9922F2C}"/>
+          <p:cNvPr id="14" name="Picture 13">
+            <a:extLst>
+              <a:ext uri="{FF2B5EF4-FFF2-40B4-BE49-F238E27FC236}">
+                <a16:creationId xmlns:a16="http://schemas.microsoft.com/office/drawing/2014/main" id="{8972CC2E-3878-2F8D-361E-4EC5A646D3BA}"/>
               </a:ext>
             </a:extLst>
           </p:cNvPr>
@@ -3625,8 +3617,8 @@
         </p:blipFill>
         <p:spPr>
           <a:xfrm>
-            <a:off x="352425" y="757237"/>
-            <a:ext cx="8039100" cy="5972175"/>
+            <a:off x="423862" y="671512"/>
+            <a:ext cx="8010525" cy="5972175"/>
           </a:xfrm>
           <a:prstGeom prst="rect">
             <a:avLst/>
@@ -3640,10 +3632,46 @@
       </p:pic>
       <p:sp>
         <p:nvSpPr>
-          <p:cNvPr id="7" name="Oval 6">
-            <a:extLst>
-              <a:ext uri="{FF2B5EF4-FFF2-40B4-BE49-F238E27FC236}">
-                <a16:creationId xmlns:a16="http://schemas.microsoft.com/office/drawing/2014/main" id="{90C3882E-F668-249D-7128-DFEAF11C3007}"/>
+          <p:cNvPr id="2" name="Title 1">
+            <a:extLst>
+              <a:ext uri="{FF2B5EF4-FFF2-40B4-BE49-F238E27FC236}">
+                <a16:creationId xmlns:a16="http://schemas.microsoft.com/office/drawing/2014/main" id="{1612785F-EA79-C9C5-CF5B-0E8B1076821F}"/>
+              </a:ext>
+            </a:extLst>
+          </p:cNvPr>
+          <p:cNvSpPr>
+            <a:spLocks noGrp="1"/>
+          </p:cNvSpPr>
+          <p:nvPr>
+            <p:ph type="title"/>
+          </p:nvPr>
+        </p:nvSpPr>
+        <p:spPr>
+          <a:xfrm>
+            <a:off x="838200" y="60325"/>
+            <a:ext cx="10515600" cy="625475"/>
+          </a:xfrm>
+        </p:spPr>
+        <p:txBody>
+          <a:bodyPr>
+            <a:normAutofit fontScale="90000"/>
+          </a:bodyPr>
+          <a:lstStyle/>
+          <a:p>
+            <a:pPr algn="ctr"/>
+            <a:r>
+              <a:rPr lang="en-US" sz="5400" dirty="0"/>
+              <a:t>Pruning Hidden Pairs</a:t>
+            </a:r>
+          </a:p>
+        </p:txBody>
+      </p:sp>
+      <p:sp>
+        <p:nvSpPr>
+          <p:cNvPr id="9" name="Oval 8">
+            <a:extLst>
+              <a:ext uri="{FF2B5EF4-FFF2-40B4-BE49-F238E27FC236}">
+                <a16:creationId xmlns:a16="http://schemas.microsoft.com/office/drawing/2014/main" id="{31565B09-E8AC-2274-987B-5635D8FF599E}"/>
               </a:ext>
             </a:extLst>
           </p:cNvPr>
@@ -3652,14 +3680,14 @@
         </p:nvSpPr>
         <p:spPr>
           <a:xfrm>
-            <a:off x="514350" y="5667375"/>
-            <a:ext cx="285750" cy="171450"/>
+            <a:off x="3362325" y="3429000"/>
+            <a:ext cx="285750" cy="466725"/>
           </a:xfrm>
           <a:prstGeom prst="ellipse">
             <a:avLst/>
           </a:prstGeom>
           <a:solidFill>
-            <a:schemeClr val="accent2">
+            <a:schemeClr val="accent6">
               <a:alpha val="24000"/>
             </a:schemeClr>
           </a:solidFill>
@@ -3691,10 +3719,10 @@
       </p:sp>
       <p:sp>
         <p:nvSpPr>
-          <p:cNvPr id="8" name="Oval 7">
-            <a:extLst>
-              <a:ext uri="{FF2B5EF4-FFF2-40B4-BE49-F238E27FC236}">
-                <a16:creationId xmlns:a16="http://schemas.microsoft.com/office/drawing/2014/main" id="{5E315653-ADD8-4432-A2B0-6C737EFE6D3A}"/>
+          <p:cNvPr id="10" name="Oval 9">
+            <a:extLst>
+              <a:ext uri="{FF2B5EF4-FFF2-40B4-BE49-F238E27FC236}">
+                <a16:creationId xmlns:a16="http://schemas.microsoft.com/office/drawing/2014/main" id="{12E36BEE-2C4C-C940-8337-ACDEEBC0B7D6}"/>
               </a:ext>
             </a:extLst>
           </p:cNvPr>
@@ -3703,8 +3731,8 @@
         </p:nvSpPr>
         <p:spPr>
           <a:xfrm>
-            <a:off x="561975" y="5419725"/>
-            <a:ext cx="295275" cy="247650"/>
+            <a:off x="2457450" y="3429000"/>
+            <a:ext cx="285750" cy="466725"/>
           </a:xfrm>
           <a:prstGeom prst="ellipse">
             <a:avLst/>
@@ -3742,10 +3770,10 @@
       </p:sp>
       <p:sp>
         <p:nvSpPr>
-          <p:cNvPr id="9" name="Oval 8">
-            <a:extLst>
-              <a:ext uri="{FF2B5EF4-FFF2-40B4-BE49-F238E27FC236}">
-                <a16:creationId xmlns:a16="http://schemas.microsoft.com/office/drawing/2014/main" id="{0386EC84-A317-DF1F-D1A6-EAAA07C50D6F}"/>
+          <p:cNvPr id="11" name="Oval 10">
+            <a:extLst>
+              <a:ext uri="{FF2B5EF4-FFF2-40B4-BE49-F238E27FC236}">
+                <a16:creationId xmlns:a16="http://schemas.microsoft.com/office/drawing/2014/main" id="{A061A80A-9BA4-02A0-29AC-C6E0EA3CEDCB}"/>
               </a:ext>
             </a:extLst>
           </p:cNvPr>
@@ -3754,14 +3782,14 @@
         </p:nvSpPr>
         <p:spPr>
           <a:xfrm>
-            <a:off x="1552575" y="5419725"/>
-            <a:ext cx="295275" cy="247650"/>
+            <a:off x="2171700" y="3429000"/>
+            <a:ext cx="285750" cy="466725"/>
           </a:xfrm>
           <a:prstGeom prst="ellipse">
             <a:avLst/>
           </a:prstGeom>
           <a:solidFill>
-            <a:schemeClr val="accent6">
+            <a:schemeClr val="accent2">
               <a:alpha val="24000"/>
             </a:schemeClr>
           </a:solidFill>
@@ -3793,10 +3821,10 @@
       </p:sp>
       <p:sp>
         <p:nvSpPr>
-          <p:cNvPr id="10" name="Oval 9">
-            <a:extLst>
-              <a:ext uri="{FF2B5EF4-FFF2-40B4-BE49-F238E27FC236}">
-                <a16:creationId xmlns:a16="http://schemas.microsoft.com/office/drawing/2014/main" id="{80B0A87F-6B34-12DA-A4B7-E317DEEFC163}"/>
+          <p:cNvPr id="12" name="Oval 11">
+            <a:extLst>
+              <a:ext uri="{FF2B5EF4-FFF2-40B4-BE49-F238E27FC236}">
+                <a16:creationId xmlns:a16="http://schemas.microsoft.com/office/drawing/2014/main" id="{AE01EC46-A36D-C0FE-B6E9-95941F11B4D7}"/>
               </a:ext>
             </a:extLst>
           </p:cNvPr>
@@ -3805,14 +3833,14 @@
         </p:nvSpPr>
         <p:spPr>
           <a:xfrm>
-            <a:off x="1847850" y="5429250"/>
-            <a:ext cx="295275" cy="247650"/>
+            <a:off x="3076575" y="3429000"/>
+            <a:ext cx="285750" cy="466725"/>
           </a:xfrm>
           <a:prstGeom prst="ellipse">
             <a:avLst/>
           </a:prstGeom>
           <a:solidFill>
-            <a:schemeClr val="accent6">
+            <a:schemeClr val="accent2">
               <a:alpha val="24000"/>
             </a:schemeClr>
           </a:solidFill>
@@ -3844,112 +3872,10 @@
       </p:sp>
       <p:sp>
         <p:nvSpPr>
-          <p:cNvPr id="11" name="Oval 10">
-            <a:extLst>
-              <a:ext uri="{FF2B5EF4-FFF2-40B4-BE49-F238E27FC236}">
-                <a16:creationId xmlns:a16="http://schemas.microsoft.com/office/drawing/2014/main" id="{1B1921BA-6C40-74DC-A4D2-EFAEC330A537}"/>
-              </a:ext>
-            </a:extLst>
-          </p:cNvPr>
-          <p:cNvSpPr/>
-          <p:nvPr/>
-        </p:nvSpPr>
-        <p:spPr>
-          <a:xfrm>
-            <a:off x="1514475" y="5676900"/>
-            <a:ext cx="285750" cy="171450"/>
-          </a:xfrm>
-          <a:prstGeom prst="ellipse">
-            <a:avLst/>
-          </a:prstGeom>
-          <a:solidFill>
-            <a:schemeClr val="accent2">
-              <a:alpha val="24000"/>
-            </a:schemeClr>
-          </a:solidFill>
-        </p:spPr>
-        <p:style>
-          <a:lnRef idx="2">
-            <a:schemeClr val="accent1">
-              <a:shade val="15000"/>
-            </a:schemeClr>
-          </a:lnRef>
-          <a:fillRef idx="1">
-            <a:schemeClr val="accent1"/>
-          </a:fillRef>
-          <a:effectRef idx="0">
-            <a:schemeClr val="accent1"/>
-          </a:effectRef>
-          <a:fontRef idx="minor">
-            <a:schemeClr val="lt1"/>
-          </a:fontRef>
-        </p:style>
-        <p:txBody>
-          <a:bodyPr rtlCol="0" anchor="ctr"/>
-          <a:lstStyle/>
-          <a:p>
-            <a:pPr algn="ctr"/>
-            <a:endParaRPr lang="en-US" dirty="0"/>
-          </a:p>
-        </p:txBody>
-      </p:sp>
-      <p:sp>
-        <p:nvSpPr>
-          <p:cNvPr id="12" name="Oval 11">
-            <a:extLst>
-              <a:ext uri="{FF2B5EF4-FFF2-40B4-BE49-F238E27FC236}">
-                <a16:creationId xmlns:a16="http://schemas.microsoft.com/office/drawing/2014/main" id="{CCA4168D-DEE6-B938-08E4-8EC7CDD99DA8}"/>
-              </a:ext>
-            </a:extLst>
-          </p:cNvPr>
-          <p:cNvSpPr/>
-          <p:nvPr/>
-        </p:nvSpPr>
-        <p:spPr>
-          <a:xfrm>
-            <a:off x="1838325" y="5667375"/>
-            <a:ext cx="285750" cy="171450"/>
-          </a:xfrm>
-          <a:prstGeom prst="ellipse">
-            <a:avLst/>
-          </a:prstGeom>
-          <a:solidFill>
-            <a:schemeClr val="accent2">
-              <a:alpha val="24000"/>
-            </a:schemeClr>
-          </a:solidFill>
-        </p:spPr>
-        <p:style>
-          <a:lnRef idx="2">
-            <a:schemeClr val="accent1">
-              <a:shade val="15000"/>
-            </a:schemeClr>
-          </a:lnRef>
-          <a:fillRef idx="1">
-            <a:schemeClr val="accent1"/>
-          </a:fillRef>
-          <a:effectRef idx="0">
-            <a:schemeClr val="accent1"/>
-          </a:effectRef>
-          <a:fontRef idx="minor">
-            <a:schemeClr val="lt1"/>
-          </a:fontRef>
-        </p:style>
-        <p:txBody>
-          <a:bodyPr rtlCol="0" anchor="ctr"/>
-          <a:lstStyle/>
-          <a:p>
-            <a:pPr algn="ctr"/>
-            <a:endParaRPr lang="en-US" dirty="0"/>
-          </a:p>
-        </p:txBody>
-      </p:sp>
-      <p:sp>
-        <p:nvSpPr>
           <p:cNvPr id="3" name="TextBox 2">
             <a:extLst>
               <a:ext uri="{FF2B5EF4-FFF2-40B4-BE49-F238E27FC236}">
-                <a16:creationId xmlns:a16="http://schemas.microsoft.com/office/drawing/2014/main" id="{03633FF2-86DD-55A6-5CBB-9FA4D40D081C}"/>
+                <a16:creationId xmlns:a16="http://schemas.microsoft.com/office/drawing/2014/main" id="{89D5A9A0-770A-20E7-70BE-E2AC65FBF546}"/>
               </a:ext>
             </a:extLst>
           </p:cNvPr>
@@ -3958,8 +3884,8 @@
         </p:nvSpPr>
         <p:spPr>
           <a:xfrm>
-            <a:off x="8610600" y="785812"/>
-            <a:ext cx="3343275" cy="4801314"/>
+            <a:off x="8515350" y="790575"/>
+            <a:ext cx="3486150" cy="5262979"/>
           </a:xfrm>
           <a:prstGeom prst="rect">
             <a:avLst/>
@@ -3973,35 +3899,43 @@
           <a:lstStyle/>
           <a:p>
             <a:r>
-              <a:rPr lang="en-US" dirty="0"/>
-              <a:t>The algorithm for hidden triplets leverages off the algorithm for naked triplets in the same way that hidden pairs leverages off the naked pairs.</a:t>
-            </a:r>
-          </a:p>
-          <a:p>
-            <a:endParaRPr lang="en-US" dirty="0"/>
-          </a:p>
-          <a:p>
-            <a:r>
-              <a:rPr lang="en-US" dirty="0"/>
-              <a:t>Again, the naked/hidden pair/triple algorithms can be applied to a row, col or square.</a:t>
-            </a:r>
-          </a:p>
-          <a:p>
-            <a:endParaRPr lang="en-US" dirty="0"/>
-          </a:p>
-          <a:p>
-            <a:r>
-              <a:rPr lang="en-US" dirty="0"/>
-              <a:t>BTW the same techniques work for quads (4 cells 4 values), etc.  </a:t>
-            </a:r>
-          </a:p>
-          <a:p>
-            <a:endParaRPr lang="en-US" dirty="0"/>
-          </a:p>
-          <a:p>
-            <a:r>
-              <a:rPr lang="en-US" dirty="0"/>
-              <a:t>Have fun.  Hard by hand easier by computer especially if you have a single routine that just accepts “N” as a parameter!! Which I do.</a:t>
+              <a:rPr lang="en-US" sz="1600" dirty="0"/>
+              <a:t>Ok, hang on things are about to get weird.</a:t>
+            </a:r>
+          </a:p>
+          <a:p>
+            <a:endParaRPr lang="en-US" sz="1600" dirty="0"/>
+          </a:p>
+          <a:p>
+            <a:r>
+              <a:rPr lang="en-US" sz="1600" dirty="0"/>
+              <a:t>On row 4 there are only two places where 3 and 5 can exist. You'd see them as a naked pair, if they weren't hidden by extra numbers.</a:t>
+            </a:r>
+          </a:p>
+          <a:p>
+            <a:endParaRPr lang="en-US" sz="1600" dirty="0"/>
+          </a:p>
+          <a:p>
+            <a:r>
+              <a:rPr lang="en-US" sz="1600" dirty="0"/>
+              <a:t>Because 3 and 5 can only exist in two of those cells (</a:t>
+            </a:r>
+            <a:r>
+              <a:rPr lang="en-US" sz="1600" b="1" dirty="0"/>
+              <a:t>no other cells will accept either of them</a:t>
+            </a:r>
+            <a:r>
+              <a:rPr lang="en-US" sz="1600" dirty="0"/>
+              <a:t>), that means they must be in those two cells, leaving no room for any other. Even though you don't know which is which, you can remove all other candidates from the within those two cells.</a:t>
+            </a:r>
+          </a:p>
+          <a:p>
+            <a:endParaRPr lang="en-US" sz="1600" dirty="0"/>
+          </a:p>
+          <a:p>
+            <a:r>
+              <a:rPr lang="en-US" sz="1600" dirty="0"/>
+              <a:t>Note that with naked pairs candidates outside the pair’s cells are removed whereas with hidden pairs candidates inside the pair’s cells are removed.</a:t>
             </a:r>
           </a:p>
         </p:txBody>
@@ -4009,7 +3943,7 @@
     </p:spTree>
     <p:extLst>
       <p:ext uri="{BB962C8B-B14F-4D97-AF65-F5344CB8AC3E}">
-        <p14:creationId xmlns:p14="http://schemas.microsoft.com/office/powerpoint/2010/main" val="596411895"/>
+        <p14:creationId xmlns:p14="http://schemas.microsoft.com/office/powerpoint/2010/main" val="2843598930"/>
       </p:ext>
     </p:extLst>
   </p:cSld>
@@ -4036,12 +3970,48 @@
           <a:chExt cx="0" cy="0"/>
         </a:xfrm>
       </p:grpSpPr>
+      <p:sp>
+        <p:nvSpPr>
+          <p:cNvPr id="2" name="Title 1">
+            <a:extLst>
+              <a:ext uri="{FF2B5EF4-FFF2-40B4-BE49-F238E27FC236}">
+                <a16:creationId xmlns:a16="http://schemas.microsoft.com/office/drawing/2014/main" id="{C73FB36A-FFE2-9D7D-6AFE-DF164EE6B565}"/>
+              </a:ext>
+            </a:extLst>
+          </p:cNvPr>
+          <p:cNvSpPr>
+            <a:spLocks noGrp="1"/>
+          </p:cNvSpPr>
+          <p:nvPr>
+            <p:ph type="title"/>
+          </p:nvPr>
+        </p:nvSpPr>
+        <p:spPr>
+          <a:xfrm>
+            <a:off x="838200" y="119063"/>
+            <a:ext cx="10515600" cy="666749"/>
+          </a:xfrm>
+        </p:spPr>
+        <p:txBody>
+          <a:bodyPr>
+            <a:normAutofit fontScale="90000"/>
+          </a:bodyPr>
+          <a:lstStyle/>
+          <a:p>
+            <a:pPr algn="ctr"/>
+            <a:r>
+              <a:rPr lang="en-US" sz="5400" dirty="0"/>
+              <a:t>Pruning Hidden Triples</a:t>
+            </a:r>
+          </a:p>
+        </p:txBody>
+      </p:sp>
       <p:pic>
         <p:nvPicPr>
-          <p:cNvPr id="16" name="Picture 15">
-            <a:extLst>
-              <a:ext uri="{FF2B5EF4-FFF2-40B4-BE49-F238E27FC236}">
-                <a16:creationId xmlns:a16="http://schemas.microsoft.com/office/drawing/2014/main" id="{840E0D83-ED60-8115-FB41-2892F9A52013}"/>
+          <p:cNvPr id="6" name="Picture 5">
+            <a:extLst>
+              <a:ext uri="{FF2B5EF4-FFF2-40B4-BE49-F238E27FC236}">
+                <a16:creationId xmlns:a16="http://schemas.microsoft.com/office/drawing/2014/main" id="{5DB43E8B-E43E-049C-409F-1509F9922F2C}"/>
               </a:ext>
             </a:extLst>
           </p:cNvPr>
@@ -4058,8 +4028,8 @@
         </p:blipFill>
         <p:spPr>
           <a:xfrm>
-            <a:off x="452437" y="1252537"/>
-            <a:ext cx="7553325" cy="4943475"/>
+            <a:off x="352425" y="757237"/>
+            <a:ext cx="8039100" cy="5972175"/>
           </a:xfrm>
           <a:prstGeom prst="rect">
             <a:avLst/>
@@ -4073,46 +4043,10 @@
       </p:pic>
       <p:sp>
         <p:nvSpPr>
-          <p:cNvPr id="2" name="Title 1">
-            <a:extLst>
-              <a:ext uri="{FF2B5EF4-FFF2-40B4-BE49-F238E27FC236}">
-                <a16:creationId xmlns:a16="http://schemas.microsoft.com/office/drawing/2014/main" id="{F6ACC18F-0B2F-F493-EA7E-BB3CC01F9A07}"/>
-              </a:ext>
-            </a:extLst>
-          </p:cNvPr>
-          <p:cNvSpPr>
-            <a:spLocks noGrp="1"/>
-          </p:cNvSpPr>
-          <p:nvPr>
-            <p:ph type="title"/>
-          </p:nvPr>
-        </p:nvSpPr>
-        <p:spPr>
-          <a:xfrm>
-            <a:off x="838200" y="365125"/>
-            <a:ext cx="10515600" cy="835025"/>
-          </a:xfrm>
-        </p:spPr>
-        <p:txBody>
-          <a:bodyPr>
-            <a:normAutofit/>
-          </a:bodyPr>
-          <a:lstStyle/>
-          <a:p>
-            <a:pPr algn="ctr"/>
-            <a:r>
-              <a:rPr lang="en-US" sz="5400" dirty="0"/>
-              <a:t>Pruning X-Wing</a:t>
-            </a:r>
-          </a:p>
-        </p:txBody>
-      </p:sp>
-      <p:sp>
-        <p:nvSpPr>
-          <p:cNvPr id="10" name="Oval 9">
-            <a:extLst>
-              <a:ext uri="{FF2B5EF4-FFF2-40B4-BE49-F238E27FC236}">
-                <a16:creationId xmlns:a16="http://schemas.microsoft.com/office/drawing/2014/main" id="{F6AC74F4-555E-37F4-EB5F-824BE8F78BBE}"/>
+          <p:cNvPr id="7" name="Oval 6">
+            <a:extLst>
+              <a:ext uri="{FF2B5EF4-FFF2-40B4-BE49-F238E27FC236}">
+                <a16:creationId xmlns:a16="http://schemas.microsoft.com/office/drawing/2014/main" id="{90C3882E-F668-249D-7128-DFEAF11C3007}"/>
               </a:ext>
             </a:extLst>
           </p:cNvPr>
@@ -4121,14 +4055,14 @@
         </p:nvSpPr>
         <p:spPr>
           <a:xfrm>
-            <a:off x="1628776" y="2047875"/>
-            <a:ext cx="209549" cy="247650"/>
+            <a:off x="514350" y="5667375"/>
+            <a:ext cx="285750" cy="171450"/>
           </a:xfrm>
           <a:prstGeom prst="ellipse">
             <a:avLst/>
           </a:prstGeom>
           <a:solidFill>
-            <a:schemeClr val="accent6">
+            <a:schemeClr val="accent2">
               <a:alpha val="24000"/>
             </a:schemeClr>
           </a:solidFill>
@@ -4160,10 +4094,10 @@
       </p:sp>
       <p:sp>
         <p:nvSpPr>
-          <p:cNvPr id="11" name="Oval 10">
-            <a:extLst>
-              <a:ext uri="{FF2B5EF4-FFF2-40B4-BE49-F238E27FC236}">
-                <a16:creationId xmlns:a16="http://schemas.microsoft.com/office/drawing/2014/main" id="{2D999BB5-48E8-ECCB-C2CE-513DA2A8E0ED}"/>
+          <p:cNvPr id="8" name="Oval 7">
+            <a:extLst>
+              <a:ext uri="{FF2B5EF4-FFF2-40B4-BE49-F238E27FC236}">
+                <a16:creationId xmlns:a16="http://schemas.microsoft.com/office/drawing/2014/main" id="{5E315653-ADD8-4432-A2B0-6C737EFE6D3A}"/>
               </a:ext>
             </a:extLst>
           </p:cNvPr>
@@ -4172,8 +4106,8 @@
         </p:nvSpPr>
         <p:spPr>
           <a:xfrm>
-            <a:off x="2900363" y="2047875"/>
-            <a:ext cx="209549" cy="247650"/>
+            <a:off x="561975" y="5419725"/>
+            <a:ext cx="295275" cy="247650"/>
           </a:xfrm>
           <a:prstGeom prst="ellipse">
             <a:avLst/>
@@ -4211,10 +4145,10 @@
       </p:sp>
       <p:sp>
         <p:nvSpPr>
-          <p:cNvPr id="12" name="Oval 11">
-            <a:extLst>
-              <a:ext uri="{FF2B5EF4-FFF2-40B4-BE49-F238E27FC236}">
-                <a16:creationId xmlns:a16="http://schemas.microsoft.com/office/drawing/2014/main" id="{CAB52149-3A2E-0AB6-0521-D53F891DBB30}"/>
+          <p:cNvPr id="9" name="Oval 8">
+            <a:extLst>
+              <a:ext uri="{FF2B5EF4-FFF2-40B4-BE49-F238E27FC236}">
+                <a16:creationId xmlns:a16="http://schemas.microsoft.com/office/drawing/2014/main" id="{0386EC84-A317-DF1F-D1A6-EAAA07C50D6F}"/>
               </a:ext>
             </a:extLst>
           </p:cNvPr>
@@ -4223,8 +4157,8 @@
         </p:nvSpPr>
         <p:spPr>
           <a:xfrm>
-            <a:off x="2886075" y="4005262"/>
-            <a:ext cx="209549" cy="247650"/>
+            <a:off x="1552575" y="5419725"/>
+            <a:ext cx="295275" cy="247650"/>
           </a:xfrm>
           <a:prstGeom prst="ellipse">
             <a:avLst/>
@@ -4262,10 +4196,10 @@
       </p:sp>
       <p:sp>
         <p:nvSpPr>
-          <p:cNvPr id="13" name="Oval 12">
-            <a:extLst>
-              <a:ext uri="{FF2B5EF4-FFF2-40B4-BE49-F238E27FC236}">
-                <a16:creationId xmlns:a16="http://schemas.microsoft.com/office/drawing/2014/main" id="{8960F1C2-36A3-5F1B-AC86-144FAFF9D87C}"/>
+          <p:cNvPr id="10" name="Oval 9">
+            <a:extLst>
+              <a:ext uri="{FF2B5EF4-FFF2-40B4-BE49-F238E27FC236}">
+                <a16:creationId xmlns:a16="http://schemas.microsoft.com/office/drawing/2014/main" id="{80B0A87F-6B34-12DA-A4B7-E317DEEFC163}"/>
               </a:ext>
             </a:extLst>
           </p:cNvPr>
@@ -4274,8 +4208,8 @@
         </p:nvSpPr>
         <p:spPr>
           <a:xfrm>
-            <a:off x="1576388" y="4005262"/>
-            <a:ext cx="209549" cy="247650"/>
+            <a:off x="1847850" y="5429250"/>
+            <a:ext cx="295275" cy="247650"/>
           </a:xfrm>
           <a:prstGeom prst="ellipse">
             <a:avLst/>
@@ -4313,10 +4247,10 @@
       </p:sp>
       <p:sp>
         <p:nvSpPr>
-          <p:cNvPr id="14" name="Oval 13">
-            <a:extLst>
-              <a:ext uri="{FF2B5EF4-FFF2-40B4-BE49-F238E27FC236}">
-                <a16:creationId xmlns:a16="http://schemas.microsoft.com/office/drawing/2014/main" id="{D01323A3-2BA9-E94A-DEF1-ECD47A684DDC}"/>
+          <p:cNvPr id="11" name="Oval 10">
+            <a:extLst>
+              <a:ext uri="{FF2B5EF4-FFF2-40B4-BE49-F238E27FC236}">
+                <a16:creationId xmlns:a16="http://schemas.microsoft.com/office/drawing/2014/main" id="{1B1921BA-6C40-74DC-A4D2-EFAEC330A537}"/>
               </a:ext>
             </a:extLst>
           </p:cNvPr>
@@ -4325,8 +4259,8 @@
         </p:nvSpPr>
         <p:spPr>
           <a:xfrm>
-            <a:off x="2886075" y="3100388"/>
-            <a:ext cx="209549" cy="247650"/>
+            <a:off x="1514475" y="5676900"/>
+            <a:ext cx="285750" cy="171450"/>
           </a:xfrm>
           <a:prstGeom prst="ellipse">
             <a:avLst/>
@@ -4364,10 +4298,10 @@
       </p:sp>
       <p:sp>
         <p:nvSpPr>
-          <p:cNvPr id="17" name="Oval 16">
-            <a:extLst>
-              <a:ext uri="{FF2B5EF4-FFF2-40B4-BE49-F238E27FC236}">
-                <a16:creationId xmlns:a16="http://schemas.microsoft.com/office/drawing/2014/main" id="{D0ADA642-3C49-3BD1-F95E-9DBF3D78996E}"/>
+          <p:cNvPr id="12" name="Oval 11">
+            <a:extLst>
+              <a:ext uri="{FF2B5EF4-FFF2-40B4-BE49-F238E27FC236}">
+                <a16:creationId xmlns:a16="http://schemas.microsoft.com/office/drawing/2014/main" id="{CCA4168D-DEE6-B938-08E4-8EC7CDD99DA8}"/>
               </a:ext>
             </a:extLst>
           </p:cNvPr>
@@ -4376,8 +4310,8 @@
         </p:nvSpPr>
         <p:spPr>
           <a:xfrm>
-            <a:off x="1557337" y="3690936"/>
-            <a:ext cx="209549" cy="247650"/>
+            <a:off x="1838325" y="5667375"/>
+            <a:ext cx="285750" cy="171450"/>
           </a:xfrm>
           <a:prstGeom prst="ellipse">
             <a:avLst/>
@@ -4415,253 +4349,10 @@
       </p:sp>
       <p:sp>
         <p:nvSpPr>
-          <p:cNvPr id="18" name="Oval 17">
-            <a:extLst>
-              <a:ext uri="{FF2B5EF4-FFF2-40B4-BE49-F238E27FC236}">
-                <a16:creationId xmlns:a16="http://schemas.microsoft.com/office/drawing/2014/main" id="{4AA327FD-FAFF-DEEE-3DF1-F23CDE570662}"/>
-              </a:ext>
-            </a:extLst>
-          </p:cNvPr>
-          <p:cNvSpPr/>
-          <p:nvPr/>
-        </p:nvSpPr>
-        <p:spPr>
-          <a:xfrm>
-            <a:off x="2924174" y="3705225"/>
-            <a:ext cx="185737" cy="247650"/>
-          </a:xfrm>
-          <a:prstGeom prst="ellipse">
-            <a:avLst/>
-          </a:prstGeom>
-          <a:solidFill>
-            <a:schemeClr val="accent2">
-              <a:alpha val="24000"/>
-            </a:schemeClr>
-          </a:solidFill>
-        </p:spPr>
-        <p:style>
-          <a:lnRef idx="2">
-            <a:schemeClr val="accent1">
-              <a:shade val="15000"/>
-            </a:schemeClr>
-          </a:lnRef>
-          <a:fillRef idx="1">
-            <a:schemeClr val="accent1"/>
-          </a:fillRef>
-          <a:effectRef idx="0">
-            <a:schemeClr val="accent1"/>
-          </a:effectRef>
-          <a:fontRef idx="minor">
-            <a:schemeClr val="lt1"/>
-          </a:fontRef>
-        </p:style>
-        <p:txBody>
-          <a:bodyPr rtlCol="0" anchor="ctr"/>
-          <a:lstStyle/>
-          <a:p>
-            <a:pPr algn="ctr"/>
-            <a:endParaRPr lang="en-US" dirty="0"/>
-          </a:p>
-        </p:txBody>
-      </p:sp>
-      <p:sp>
-        <p:nvSpPr>
-          <p:cNvPr id="19" name="Oval 18">
-            <a:extLst>
-              <a:ext uri="{FF2B5EF4-FFF2-40B4-BE49-F238E27FC236}">
-                <a16:creationId xmlns:a16="http://schemas.microsoft.com/office/drawing/2014/main" id="{4D723547-1127-1C70-4024-6731E7B700D9}"/>
-              </a:ext>
-            </a:extLst>
-          </p:cNvPr>
-          <p:cNvSpPr/>
-          <p:nvPr/>
-        </p:nvSpPr>
-        <p:spPr>
-          <a:xfrm>
-            <a:off x="1557337" y="5697562"/>
-            <a:ext cx="223838" cy="247650"/>
-          </a:xfrm>
-          <a:prstGeom prst="ellipse">
-            <a:avLst/>
-          </a:prstGeom>
-          <a:solidFill>
-            <a:schemeClr val="accent2">
-              <a:alpha val="24000"/>
-            </a:schemeClr>
-          </a:solidFill>
-        </p:spPr>
-        <p:style>
-          <a:lnRef idx="2">
-            <a:schemeClr val="accent1">
-              <a:shade val="15000"/>
-            </a:schemeClr>
-          </a:lnRef>
-          <a:fillRef idx="1">
-            <a:schemeClr val="accent1"/>
-          </a:fillRef>
-          <a:effectRef idx="0">
-            <a:schemeClr val="accent1"/>
-          </a:effectRef>
-          <a:fontRef idx="minor">
-            <a:schemeClr val="lt1"/>
-          </a:fontRef>
-        </p:style>
-        <p:txBody>
-          <a:bodyPr rtlCol="0" anchor="ctr"/>
-          <a:lstStyle/>
-          <a:p>
-            <a:pPr algn="ctr"/>
-            <a:endParaRPr lang="en-US" dirty="0"/>
-          </a:p>
-        </p:txBody>
-      </p:sp>
-      <p:sp>
-        <p:nvSpPr>
-          <p:cNvPr id="20" name="Oval 19">
-            <a:extLst>
-              <a:ext uri="{FF2B5EF4-FFF2-40B4-BE49-F238E27FC236}">
-                <a16:creationId xmlns:a16="http://schemas.microsoft.com/office/drawing/2014/main" id="{2470529B-2F1F-9CDE-D9C2-E70A557868FA}"/>
-              </a:ext>
-            </a:extLst>
-          </p:cNvPr>
-          <p:cNvSpPr/>
-          <p:nvPr/>
-        </p:nvSpPr>
-        <p:spPr>
-          <a:xfrm>
-            <a:off x="2924173" y="5678514"/>
-            <a:ext cx="139727" cy="247650"/>
-          </a:xfrm>
-          <a:prstGeom prst="ellipse">
-            <a:avLst/>
-          </a:prstGeom>
-          <a:solidFill>
-            <a:schemeClr val="accent2">
-              <a:alpha val="24000"/>
-            </a:schemeClr>
-          </a:solidFill>
-        </p:spPr>
-        <p:style>
-          <a:lnRef idx="2">
-            <a:schemeClr val="accent1">
-              <a:shade val="15000"/>
-            </a:schemeClr>
-          </a:lnRef>
-          <a:fillRef idx="1">
-            <a:schemeClr val="accent1"/>
-          </a:fillRef>
-          <a:effectRef idx="0">
-            <a:schemeClr val="accent1"/>
-          </a:effectRef>
-          <a:fontRef idx="minor">
-            <a:schemeClr val="lt1"/>
-          </a:fontRef>
-        </p:style>
-        <p:txBody>
-          <a:bodyPr rtlCol="0" anchor="ctr"/>
-          <a:lstStyle/>
-          <a:p>
-            <a:pPr algn="ctr"/>
-            <a:endParaRPr lang="en-US" dirty="0"/>
-          </a:p>
-        </p:txBody>
-      </p:sp>
-      <p:cxnSp>
-        <p:nvCxnSpPr>
-          <p:cNvPr id="22" name="Straight Connector 21">
-            <a:extLst>
-              <a:ext uri="{FF2B5EF4-FFF2-40B4-BE49-F238E27FC236}">
-                <a16:creationId xmlns:a16="http://schemas.microsoft.com/office/drawing/2014/main" id="{FA8BB73C-8438-DB34-0880-8D004315D19C}"/>
-              </a:ext>
-            </a:extLst>
-          </p:cNvPr>
-          <p:cNvCxnSpPr>
-            <a:cxnSpLocks/>
-            <a:stCxn id="11" idx="3"/>
-            <a:endCxn id="13" idx="7"/>
-          </p:cNvCxnSpPr>
-          <p:nvPr/>
-        </p:nvCxnSpPr>
-        <p:spPr>
-          <a:xfrm flipH="1">
-            <a:off x="1755249" y="2259257"/>
-            <a:ext cx="1175802" cy="1782273"/>
-          </a:xfrm>
-          <a:prstGeom prst="line">
-            <a:avLst/>
-          </a:prstGeom>
-          <a:ln w="15875">
-            <a:solidFill>
-              <a:schemeClr val="tx1"/>
-            </a:solidFill>
-          </a:ln>
-        </p:spPr>
-        <p:style>
-          <a:lnRef idx="1">
-            <a:schemeClr val="accent1"/>
-          </a:lnRef>
-          <a:fillRef idx="0">
-            <a:schemeClr val="accent1"/>
-          </a:fillRef>
-          <a:effectRef idx="0">
-            <a:schemeClr val="accent1"/>
-          </a:effectRef>
-          <a:fontRef idx="minor">
-            <a:schemeClr val="tx1"/>
-          </a:fontRef>
-        </p:style>
-      </p:cxnSp>
-      <p:cxnSp>
-        <p:nvCxnSpPr>
-          <p:cNvPr id="23" name="Straight Connector 22">
-            <a:extLst>
-              <a:ext uri="{FF2B5EF4-FFF2-40B4-BE49-F238E27FC236}">
-                <a16:creationId xmlns:a16="http://schemas.microsoft.com/office/drawing/2014/main" id="{40A0A4C1-0EE5-BC61-C99C-039117A0FE20}"/>
-              </a:ext>
-            </a:extLst>
-          </p:cNvPr>
-          <p:cNvCxnSpPr>
-            <a:cxnSpLocks/>
-            <a:stCxn id="10" idx="5"/>
-            <a:endCxn id="12" idx="1"/>
-          </p:cNvCxnSpPr>
-          <p:nvPr/>
-        </p:nvCxnSpPr>
-        <p:spPr>
-          <a:xfrm>
-            <a:off x="1807637" y="2259257"/>
-            <a:ext cx="1109126" cy="1782273"/>
-          </a:xfrm>
-          <a:prstGeom prst="line">
-            <a:avLst/>
-          </a:prstGeom>
-          <a:ln w="15875">
-            <a:solidFill>
-              <a:schemeClr val="tx1"/>
-            </a:solidFill>
-          </a:ln>
-        </p:spPr>
-        <p:style>
-          <a:lnRef idx="1">
-            <a:schemeClr val="accent1"/>
-          </a:lnRef>
-          <a:fillRef idx="0">
-            <a:schemeClr val="accent1"/>
-          </a:fillRef>
-          <a:effectRef idx="0">
-            <a:schemeClr val="accent1"/>
-          </a:effectRef>
-          <a:fontRef idx="minor">
-            <a:schemeClr val="tx1"/>
-          </a:fontRef>
-        </p:style>
-      </p:cxnSp>
-      <p:sp>
-        <p:nvSpPr>
           <p:cNvPr id="3" name="TextBox 2">
             <a:extLst>
               <a:ext uri="{FF2B5EF4-FFF2-40B4-BE49-F238E27FC236}">
-                <a16:creationId xmlns:a16="http://schemas.microsoft.com/office/drawing/2014/main" id="{5CDF0C3C-F34D-EC3F-2D0E-34F53246BF5D}"/>
+                <a16:creationId xmlns:a16="http://schemas.microsoft.com/office/drawing/2014/main" id="{03633FF2-86DD-55A6-5CBB-9FA4D40D081C}"/>
               </a:ext>
             </a:extLst>
           </p:cNvPr>
@@ -4670,8 +4361,8 @@
         </p:nvSpPr>
         <p:spPr>
           <a:xfrm>
-            <a:off x="8210550" y="1252537"/>
-            <a:ext cx="3667125" cy="4801314"/>
+            <a:off x="8610600" y="785812"/>
+            <a:ext cx="3343275" cy="4801314"/>
           </a:xfrm>
           <a:prstGeom prst="rect">
             <a:avLst/>
@@ -4685,63 +4376,35 @@
           <a:lstStyle/>
           <a:p>
             <a:r>
-              <a:rPr lang="en-US" u="sng" dirty="0"/>
-              <a:t>Only two </a:t>
-            </a:r>
-            <a:r>
               <a:rPr lang="en-US" dirty="0"/>
-              <a:t>cells in row 1 can be a 7.</a:t>
-            </a:r>
-          </a:p>
-          <a:p>
-            <a:r>
-              <a:rPr lang="en-US" u="sng" dirty="0"/>
-              <a:t>Only two </a:t>
-            </a:r>
+              <a:t>The algorithm for hidden triplets leverages off the algorithm for naked triplets in the same way that hidden pairs leverages off the naked pairs.</a:t>
+            </a:r>
+          </a:p>
+          <a:p>
+            <a:endParaRPr lang="en-US" dirty="0"/>
+          </a:p>
+          <a:p>
             <a:r>
               <a:rPr lang="en-US" dirty="0"/>
-              <a:t>cells in row 5 can be a 7.</a:t>
-            </a:r>
+              <a:t>Again, the naked/hidden pair/triple algorithms can be applied to a row, col or square.</a:t>
+            </a:r>
+          </a:p>
+          <a:p>
+            <a:endParaRPr lang="en-US" dirty="0"/>
           </a:p>
           <a:p>
             <a:r>
               <a:rPr lang="en-US" dirty="0"/>
-              <a:t>The cols that the 7’s appear in in rows 1 and 5 are the </a:t>
-            </a:r>
-            <a:r>
-              <a:rPr lang="en-US" u="sng" dirty="0"/>
-              <a:t>same</a:t>
-            </a:r>
+              <a:t>BTW the same techniques work for quads (4 cells 4 values), etc.  </a:t>
+            </a:r>
+          </a:p>
+          <a:p>
+            <a:endParaRPr lang="en-US" dirty="0"/>
+          </a:p>
+          <a:p>
             <a:r>
               <a:rPr lang="en-US" dirty="0"/>
-              <a:t> – they form an “X”.</a:t>
-            </a:r>
-          </a:p>
-          <a:p>
-            <a:endParaRPr lang="en-US" dirty="0"/>
-          </a:p>
-          <a:p>
-            <a:r>
-              <a:rPr lang="en-US" dirty="0"/>
-              <a:t>As such, the 7’s in cols 3 and 7 must appear on rows 1 and 5 – either at 1,3 and 5,7 or at 1,7 and 5,3.</a:t>
-            </a:r>
-          </a:p>
-          <a:p>
-            <a:endParaRPr lang="en-US" dirty="0"/>
-          </a:p>
-          <a:p>
-            <a:r>
-              <a:rPr lang="en-US" dirty="0"/>
-              <a:t>Therefore any 7’s that appear in cols 3 and 7 (and not on rows 1 and 5) can be eliminated.</a:t>
-            </a:r>
-          </a:p>
-          <a:p>
-            <a:endParaRPr lang="en-US" dirty="0"/>
-          </a:p>
-          <a:p>
-            <a:r>
-              <a:rPr lang="en-US" dirty="0"/>
-              <a:t>Note: this is not a great example (but still valid) because cell 1,3 is a “single candidate”.</a:t>
+              <a:t>Have fun.  Hard by hand easier by computer especially if you have a single routine that just accepts “N” as a parameter!! Which I do.</a:t>
             </a:r>
           </a:p>
         </p:txBody>
@@ -4749,7 +4412,7 @@
     </p:spTree>
     <p:extLst>
       <p:ext uri="{BB962C8B-B14F-4D97-AF65-F5344CB8AC3E}">
-        <p14:creationId xmlns:p14="http://schemas.microsoft.com/office/powerpoint/2010/main" val="2156491814"/>
+        <p14:creationId xmlns:p14="http://schemas.microsoft.com/office/powerpoint/2010/main" val="596411895"/>
       </p:ext>
     </p:extLst>
   </p:cSld>
@@ -4776,6 +4439,746 @@
           <a:chExt cx="0" cy="0"/>
         </a:xfrm>
       </p:grpSpPr>
+      <p:pic>
+        <p:nvPicPr>
+          <p:cNvPr id="16" name="Picture 15">
+            <a:extLst>
+              <a:ext uri="{FF2B5EF4-FFF2-40B4-BE49-F238E27FC236}">
+                <a16:creationId xmlns:a16="http://schemas.microsoft.com/office/drawing/2014/main" id="{840E0D83-ED60-8115-FB41-2892F9A52013}"/>
+              </a:ext>
+            </a:extLst>
+          </p:cNvPr>
+          <p:cNvPicPr>
+            <a:picLocks noChangeAspect="1"/>
+          </p:cNvPicPr>
+          <p:nvPr/>
+        </p:nvPicPr>
+        <p:blipFill>
+          <a:blip r:embed="rId2"/>
+          <a:stretch>
+            <a:fillRect/>
+          </a:stretch>
+        </p:blipFill>
+        <p:spPr>
+          <a:xfrm>
+            <a:off x="452437" y="1252537"/>
+            <a:ext cx="7553325" cy="4943475"/>
+          </a:xfrm>
+          <a:prstGeom prst="rect">
+            <a:avLst/>
+          </a:prstGeom>
+          <a:ln>
+            <a:solidFill>
+              <a:schemeClr val="tx1"/>
+            </a:solidFill>
+          </a:ln>
+        </p:spPr>
+      </p:pic>
+      <p:sp>
+        <p:nvSpPr>
+          <p:cNvPr id="2" name="Title 1">
+            <a:extLst>
+              <a:ext uri="{FF2B5EF4-FFF2-40B4-BE49-F238E27FC236}">
+                <a16:creationId xmlns:a16="http://schemas.microsoft.com/office/drawing/2014/main" id="{F6ACC18F-0B2F-F493-EA7E-BB3CC01F9A07}"/>
+              </a:ext>
+            </a:extLst>
+          </p:cNvPr>
+          <p:cNvSpPr>
+            <a:spLocks noGrp="1"/>
+          </p:cNvSpPr>
+          <p:nvPr>
+            <p:ph type="title"/>
+          </p:nvPr>
+        </p:nvSpPr>
+        <p:spPr>
+          <a:xfrm>
+            <a:off x="838200" y="365125"/>
+            <a:ext cx="10515600" cy="835025"/>
+          </a:xfrm>
+        </p:spPr>
+        <p:txBody>
+          <a:bodyPr>
+            <a:normAutofit/>
+          </a:bodyPr>
+          <a:lstStyle/>
+          <a:p>
+            <a:pPr algn="ctr"/>
+            <a:r>
+              <a:rPr lang="en-US" sz="5400" dirty="0"/>
+              <a:t>Pruning X-Wing</a:t>
+            </a:r>
+          </a:p>
+        </p:txBody>
+      </p:sp>
+      <p:sp>
+        <p:nvSpPr>
+          <p:cNvPr id="10" name="Oval 9">
+            <a:extLst>
+              <a:ext uri="{FF2B5EF4-FFF2-40B4-BE49-F238E27FC236}">
+                <a16:creationId xmlns:a16="http://schemas.microsoft.com/office/drawing/2014/main" id="{F6AC74F4-555E-37F4-EB5F-824BE8F78BBE}"/>
+              </a:ext>
+            </a:extLst>
+          </p:cNvPr>
+          <p:cNvSpPr/>
+          <p:nvPr/>
+        </p:nvSpPr>
+        <p:spPr>
+          <a:xfrm>
+            <a:off x="1628776" y="2047875"/>
+            <a:ext cx="209549" cy="247650"/>
+          </a:xfrm>
+          <a:prstGeom prst="ellipse">
+            <a:avLst/>
+          </a:prstGeom>
+          <a:solidFill>
+            <a:schemeClr val="accent6">
+              <a:alpha val="24000"/>
+            </a:schemeClr>
+          </a:solidFill>
+        </p:spPr>
+        <p:style>
+          <a:lnRef idx="2">
+            <a:schemeClr val="accent1">
+              <a:shade val="15000"/>
+            </a:schemeClr>
+          </a:lnRef>
+          <a:fillRef idx="1">
+            <a:schemeClr val="accent1"/>
+          </a:fillRef>
+          <a:effectRef idx="0">
+            <a:schemeClr val="accent1"/>
+          </a:effectRef>
+          <a:fontRef idx="minor">
+            <a:schemeClr val="lt1"/>
+          </a:fontRef>
+        </p:style>
+        <p:txBody>
+          <a:bodyPr rtlCol="0" anchor="ctr"/>
+          <a:lstStyle/>
+          <a:p>
+            <a:pPr algn="ctr"/>
+            <a:endParaRPr lang="en-US" dirty="0"/>
+          </a:p>
+        </p:txBody>
+      </p:sp>
+      <p:sp>
+        <p:nvSpPr>
+          <p:cNvPr id="11" name="Oval 10">
+            <a:extLst>
+              <a:ext uri="{FF2B5EF4-FFF2-40B4-BE49-F238E27FC236}">
+                <a16:creationId xmlns:a16="http://schemas.microsoft.com/office/drawing/2014/main" id="{2D999BB5-48E8-ECCB-C2CE-513DA2A8E0ED}"/>
+              </a:ext>
+            </a:extLst>
+          </p:cNvPr>
+          <p:cNvSpPr/>
+          <p:nvPr/>
+        </p:nvSpPr>
+        <p:spPr>
+          <a:xfrm>
+            <a:off x="2900363" y="2047875"/>
+            <a:ext cx="209549" cy="247650"/>
+          </a:xfrm>
+          <a:prstGeom prst="ellipse">
+            <a:avLst/>
+          </a:prstGeom>
+          <a:solidFill>
+            <a:schemeClr val="accent6">
+              <a:alpha val="24000"/>
+            </a:schemeClr>
+          </a:solidFill>
+        </p:spPr>
+        <p:style>
+          <a:lnRef idx="2">
+            <a:schemeClr val="accent1">
+              <a:shade val="15000"/>
+            </a:schemeClr>
+          </a:lnRef>
+          <a:fillRef idx="1">
+            <a:schemeClr val="accent1"/>
+          </a:fillRef>
+          <a:effectRef idx="0">
+            <a:schemeClr val="accent1"/>
+          </a:effectRef>
+          <a:fontRef idx="minor">
+            <a:schemeClr val="lt1"/>
+          </a:fontRef>
+        </p:style>
+        <p:txBody>
+          <a:bodyPr rtlCol="0" anchor="ctr"/>
+          <a:lstStyle/>
+          <a:p>
+            <a:pPr algn="ctr"/>
+            <a:endParaRPr lang="en-US" dirty="0"/>
+          </a:p>
+        </p:txBody>
+      </p:sp>
+      <p:sp>
+        <p:nvSpPr>
+          <p:cNvPr id="12" name="Oval 11">
+            <a:extLst>
+              <a:ext uri="{FF2B5EF4-FFF2-40B4-BE49-F238E27FC236}">
+                <a16:creationId xmlns:a16="http://schemas.microsoft.com/office/drawing/2014/main" id="{CAB52149-3A2E-0AB6-0521-D53F891DBB30}"/>
+              </a:ext>
+            </a:extLst>
+          </p:cNvPr>
+          <p:cNvSpPr/>
+          <p:nvPr/>
+        </p:nvSpPr>
+        <p:spPr>
+          <a:xfrm>
+            <a:off x="2886075" y="4005262"/>
+            <a:ext cx="209549" cy="247650"/>
+          </a:xfrm>
+          <a:prstGeom prst="ellipse">
+            <a:avLst/>
+          </a:prstGeom>
+          <a:solidFill>
+            <a:schemeClr val="accent6">
+              <a:alpha val="24000"/>
+            </a:schemeClr>
+          </a:solidFill>
+        </p:spPr>
+        <p:style>
+          <a:lnRef idx="2">
+            <a:schemeClr val="accent1">
+              <a:shade val="15000"/>
+            </a:schemeClr>
+          </a:lnRef>
+          <a:fillRef idx="1">
+            <a:schemeClr val="accent1"/>
+          </a:fillRef>
+          <a:effectRef idx="0">
+            <a:schemeClr val="accent1"/>
+          </a:effectRef>
+          <a:fontRef idx="minor">
+            <a:schemeClr val="lt1"/>
+          </a:fontRef>
+        </p:style>
+        <p:txBody>
+          <a:bodyPr rtlCol="0" anchor="ctr"/>
+          <a:lstStyle/>
+          <a:p>
+            <a:pPr algn="ctr"/>
+            <a:endParaRPr lang="en-US" dirty="0"/>
+          </a:p>
+        </p:txBody>
+      </p:sp>
+      <p:sp>
+        <p:nvSpPr>
+          <p:cNvPr id="13" name="Oval 12">
+            <a:extLst>
+              <a:ext uri="{FF2B5EF4-FFF2-40B4-BE49-F238E27FC236}">
+                <a16:creationId xmlns:a16="http://schemas.microsoft.com/office/drawing/2014/main" id="{8960F1C2-36A3-5F1B-AC86-144FAFF9D87C}"/>
+              </a:ext>
+            </a:extLst>
+          </p:cNvPr>
+          <p:cNvSpPr/>
+          <p:nvPr/>
+        </p:nvSpPr>
+        <p:spPr>
+          <a:xfrm>
+            <a:off x="1576388" y="4005262"/>
+            <a:ext cx="209549" cy="247650"/>
+          </a:xfrm>
+          <a:prstGeom prst="ellipse">
+            <a:avLst/>
+          </a:prstGeom>
+          <a:solidFill>
+            <a:schemeClr val="accent6">
+              <a:alpha val="24000"/>
+            </a:schemeClr>
+          </a:solidFill>
+        </p:spPr>
+        <p:style>
+          <a:lnRef idx="2">
+            <a:schemeClr val="accent1">
+              <a:shade val="15000"/>
+            </a:schemeClr>
+          </a:lnRef>
+          <a:fillRef idx="1">
+            <a:schemeClr val="accent1"/>
+          </a:fillRef>
+          <a:effectRef idx="0">
+            <a:schemeClr val="accent1"/>
+          </a:effectRef>
+          <a:fontRef idx="minor">
+            <a:schemeClr val="lt1"/>
+          </a:fontRef>
+        </p:style>
+        <p:txBody>
+          <a:bodyPr rtlCol="0" anchor="ctr"/>
+          <a:lstStyle/>
+          <a:p>
+            <a:pPr algn="ctr"/>
+            <a:endParaRPr lang="en-US" dirty="0"/>
+          </a:p>
+        </p:txBody>
+      </p:sp>
+      <p:sp>
+        <p:nvSpPr>
+          <p:cNvPr id="14" name="Oval 13">
+            <a:extLst>
+              <a:ext uri="{FF2B5EF4-FFF2-40B4-BE49-F238E27FC236}">
+                <a16:creationId xmlns:a16="http://schemas.microsoft.com/office/drawing/2014/main" id="{D01323A3-2BA9-E94A-DEF1-ECD47A684DDC}"/>
+              </a:ext>
+            </a:extLst>
+          </p:cNvPr>
+          <p:cNvSpPr/>
+          <p:nvPr/>
+        </p:nvSpPr>
+        <p:spPr>
+          <a:xfrm>
+            <a:off x="2886075" y="3100388"/>
+            <a:ext cx="209549" cy="247650"/>
+          </a:xfrm>
+          <a:prstGeom prst="ellipse">
+            <a:avLst/>
+          </a:prstGeom>
+          <a:solidFill>
+            <a:schemeClr val="accent2">
+              <a:alpha val="24000"/>
+            </a:schemeClr>
+          </a:solidFill>
+        </p:spPr>
+        <p:style>
+          <a:lnRef idx="2">
+            <a:schemeClr val="accent1">
+              <a:shade val="15000"/>
+            </a:schemeClr>
+          </a:lnRef>
+          <a:fillRef idx="1">
+            <a:schemeClr val="accent1"/>
+          </a:fillRef>
+          <a:effectRef idx="0">
+            <a:schemeClr val="accent1"/>
+          </a:effectRef>
+          <a:fontRef idx="minor">
+            <a:schemeClr val="lt1"/>
+          </a:fontRef>
+        </p:style>
+        <p:txBody>
+          <a:bodyPr rtlCol="0" anchor="ctr"/>
+          <a:lstStyle/>
+          <a:p>
+            <a:pPr algn="ctr"/>
+            <a:endParaRPr lang="en-US" dirty="0"/>
+          </a:p>
+        </p:txBody>
+      </p:sp>
+      <p:sp>
+        <p:nvSpPr>
+          <p:cNvPr id="17" name="Oval 16">
+            <a:extLst>
+              <a:ext uri="{FF2B5EF4-FFF2-40B4-BE49-F238E27FC236}">
+                <a16:creationId xmlns:a16="http://schemas.microsoft.com/office/drawing/2014/main" id="{D0ADA642-3C49-3BD1-F95E-9DBF3D78996E}"/>
+              </a:ext>
+            </a:extLst>
+          </p:cNvPr>
+          <p:cNvSpPr/>
+          <p:nvPr/>
+        </p:nvSpPr>
+        <p:spPr>
+          <a:xfrm>
+            <a:off x="1557337" y="3690936"/>
+            <a:ext cx="209549" cy="247650"/>
+          </a:xfrm>
+          <a:prstGeom prst="ellipse">
+            <a:avLst/>
+          </a:prstGeom>
+          <a:solidFill>
+            <a:schemeClr val="accent2">
+              <a:alpha val="24000"/>
+            </a:schemeClr>
+          </a:solidFill>
+        </p:spPr>
+        <p:style>
+          <a:lnRef idx="2">
+            <a:schemeClr val="accent1">
+              <a:shade val="15000"/>
+            </a:schemeClr>
+          </a:lnRef>
+          <a:fillRef idx="1">
+            <a:schemeClr val="accent1"/>
+          </a:fillRef>
+          <a:effectRef idx="0">
+            <a:schemeClr val="accent1"/>
+          </a:effectRef>
+          <a:fontRef idx="minor">
+            <a:schemeClr val="lt1"/>
+          </a:fontRef>
+        </p:style>
+        <p:txBody>
+          <a:bodyPr rtlCol="0" anchor="ctr"/>
+          <a:lstStyle/>
+          <a:p>
+            <a:pPr algn="ctr"/>
+            <a:endParaRPr lang="en-US" dirty="0"/>
+          </a:p>
+        </p:txBody>
+      </p:sp>
+      <p:sp>
+        <p:nvSpPr>
+          <p:cNvPr id="18" name="Oval 17">
+            <a:extLst>
+              <a:ext uri="{FF2B5EF4-FFF2-40B4-BE49-F238E27FC236}">
+                <a16:creationId xmlns:a16="http://schemas.microsoft.com/office/drawing/2014/main" id="{4AA327FD-FAFF-DEEE-3DF1-F23CDE570662}"/>
+              </a:ext>
+            </a:extLst>
+          </p:cNvPr>
+          <p:cNvSpPr/>
+          <p:nvPr/>
+        </p:nvSpPr>
+        <p:spPr>
+          <a:xfrm>
+            <a:off x="2924174" y="3705225"/>
+            <a:ext cx="185737" cy="247650"/>
+          </a:xfrm>
+          <a:prstGeom prst="ellipse">
+            <a:avLst/>
+          </a:prstGeom>
+          <a:solidFill>
+            <a:schemeClr val="accent2">
+              <a:alpha val="24000"/>
+            </a:schemeClr>
+          </a:solidFill>
+        </p:spPr>
+        <p:style>
+          <a:lnRef idx="2">
+            <a:schemeClr val="accent1">
+              <a:shade val="15000"/>
+            </a:schemeClr>
+          </a:lnRef>
+          <a:fillRef idx="1">
+            <a:schemeClr val="accent1"/>
+          </a:fillRef>
+          <a:effectRef idx="0">
+            <a:schemeClr val="accent1"/>
+          </a:effectRef>
+          <a:fontRef idx="minor">
+            <a:schemeClr val="lt1"/>
+          </a:fontRef>
+        </p:style>
+        <p:txBody>
+          <a:bodyPr rtlCol="0" anchor="ctr"/>
+          <a:lstStyle/>
+          <a:p>
+            <a:pPr algn="ctr"/>
+            <a:endParaRPr lang="en-US" dirty="0"/>
+          </a:p>
+        </p:txBody>
+      </p:sp>
+      <p:sp>
+        <p:nvSpPr>
+          <p:cNvPr id="19" name="Oval 18">
+            <a:extLst>
+              <a:ext uri="{FF2B5EF4-FFF2-40B4-BE49-F238E27FC236}">
+                <a16:creationId xmlns:a16="http://schemas.microsoft.com/office/drawing/2014/main" id="{4D723547-1127-1C70-4024-6731E7B700D9}"/>
+              </a:ext>
+            </a:extLst>
+          </p:cNvPr>
+          <p:cNvSpPr/>
+          <p:nvPr/>
+        </p:nvSpPr>
+        <p:spPr>
+          <a:xfrm>
+            <a:off x="1557337" y="5697562"/>
+            <a:ext cx="223838" cy="247650"/>
+          </a:xfrm>
+          <a:prstGeom prst="ellipse">
+            <a:avLst/>
+          </a:prstGeom>
+          <a:solidFill>
+            <a:schemeClr val="accent2">
+              <a:alpha val="24000"/>
+            </a:schemeClr>
+          </a:solidFill>
+        </p:spPr>
+        <p:style>
+          <a:lnRef idx="2">
+            <a:schemeClr val="accent1">
+              <a:shade val="15000"/>
+            </a:schemeClr>
+          </a:lnRef>
+          <a:fillRef idx="1">
+            <a:schemeClr val="accent1"/>
+          </a:fillRef>
+          <a:effectRef idx="0">
+            <a:schemeClr val="accent1"/>
+          </a:effectRef>
+          <a:fontRef idx="minor">
+            <a:schemeClr val="lt1"/>
+          </a:fontRef>
+        </p:style>
+        <p:txBody>
+          <a:bodyPr rtlCol="0" anchor="ctr"/>
+          <a:lstStyle/>
+          <a:p>
+            <a:pPr algn="ctr"/>
+            <a:endParaRPr lang="en-US" dirty="0"/>
+          </a:p>
+        </p:txBody>
+      </p:sp>
+      <p:sp>
+        <p:nvSpPr>
+          <p:cNvPr id="20" name="Oval 19">
+            <a:extLst>
+              <a:ext uri="{FF2B5EF4-FFF2-40B4-BE49-F238E27FC236}">
+                <a16:creationId xmlns:a16="http://schemas.microsoft.com/office/drawing/2014/main" id="{2470529B-2F1F-9CDE-D9C2-E70A557868FA}"/>
+              </a:ext>
+            </a:extLst>
+          </p:cNvPr>
+          <p:cNvSpPr/>
+          <p:nvPr/>
+        </p:nvSpPr>
+        <p:spPr>
+          <a:xfrm>
+            <a:off x="2924173" y="5678514"/>
+            <a:ext cx="139727" cy="247650"/>
+          </a:xfrm>
+          <a:prstGeom prst="ellipse">
+            <a:avLst/>
+          </a:prstGeom>
+          <a:solidFill>
+            <a:schemeClr val="accent2">
+              <a:alpha val="24000"/>
+            </a:schemeClr>
+          </a:solidFill>
+        </p:spPr>
+        <p:style>
+          <a:lnRef idx="2">
+            <a:schemeClr val="accent1">
+              <a:shade val="15000"/>
+            </a:schemeClr>
+          </a:lnRef>
+          <a:fillRef idx="1">
+            <a:schemeClr val="accent1"/>
+          </a:fillRef>
+          <a:effectRef idx="0">
+            <a:schemeClr val="accent1"/>
+          </a:effectRef>
+          <a:fontRef idx="minor">
+            <a:schemeClr val="lt1"/>
+          </a:fontRef>
+        </p:style>
+        <p:txBody>
+          <a:bodyPr rtlCol="0" anchor="ctr"/>
+          <a:lstStyle/>
+          <a:p>
+            <a:pPr algn="ctr"/>
+            <a:endParaRPr lang="en-US" dirty="0"/>
+          </a:p>
+        </p:txBody>
+      </p:sp>
+      <p:cxnSp>
+        <p:nvCxnSpPr>
+          <p:cNvPr id="22" name="Straight Connector 21">
+            <a:extLst>
+              <a:ext uri="{FF2B5EF4-FFF2-40B4-BE49-F238E27FC236}">
+                <a16:creationId xmlns:a16="http://schemas.microsoft.com/office/drawing/2014/main" id="{FA8BB73C-8438-DB34-0880-8D004315D19C}"/>
+              </a:ext>
+            </a:extLst>
+          </p:cNvPr>
+          <p:cNvCxnSpPr>
+            <a:cxnSpLocks/>
+            <a:stCxn id="11" idx="3"/>
+            <a:endCxn id="13" idx="7"/>
+          </p:cNvCxnSpPr>
+          <p:nvPr/>
+        </p:nvCxnSpPr>
+        <p:spPr>
+          <a:xfrm flipH="1">
+            <a:off x="1755249" y="2259257"/>
+            <a:ext cx="1175802" cy="1782273"/>
+          </a:xfrm>
+          <a:prstGeom prst="line">
+            <a:avLst/>
+          </a:prstGeom>
+          <a:ln w="15875">
+            <a:solidFill>
+              <a:schemeClr val="tx1"/>
+            </a:solidFill>
+          </a:ln>
+        </p:spPr>
+        <p:style>
+          <a:lnRef idx="1">
+            <a:schemeClr val="accent1"/>
+          </a:lnRef>
+          <a:fillRef idx="0">
+            <a:schemeClr val="accent1"/>
+          </a:fillRef>
+          <a:effectRef idx="0">
+            <a:schemeClr val="accent1"/>
+          </a:effectRef>
+          <a:fontRef idx="minor">
+            <a:schemeClr val="tx1"/>
+          </a:fontRef>
+        </p:style>
+      </p:cxnSp>
+      <p:cxnSp>
+        <p:nvCxnSpPr>
+          <p:cNvPr id="23" name="Straight Connector 22">
+            <a:extLst>
+              <a:ext uri="{FF2B5EF4-FFF2-40B4-BE49-F238E27FC236}">
+                <a16:creationId xmlns:a16="http://schemas.microsoft.com/office/drawing/2014/main" id="{40A0A4C1-0EE5-BC61-C99C-039117A0FE20}"/>
+              </a:ext>
+            </a:extLst>
+          </p:cNvPr>
+          <p:cNvCxnSpPr>
+            <a:cxnSpLocks/>
+            <a:stCxn id="10" idx="5"/>
+            <a:endCxn id="12" idx="1"/>
+          </p:cNvCxnSpPr>
+          <p:nvPr/>
+        </p:nvCxnSpPr>
+        <p:spPr>
+          <a:xfrm>
+            <a:off x="1807637" y="2259257"/>
+            <a:ext cx="1109126" cy="1782273"/>
+          </a:xfrm>
+          <a:prstGeom prst="line">
+            <a:avLst/>
+          </a:prstGeom>
+          <a:ln w="15875">
+            <a:solidFill>
+              <a:schemeClr val="tx1"/>
+            </a:solidFill>
+          </a:ln>
+        </p:spPr>
+        <p:style>
+          <a:lnRef idx="1">
+            <a:schemeClr val="accent1"/>
+          </a:lnRef>
+          <a:fillRef idx="0">
+            <a:schemeClr val="accent1"/>
+          </a:fillRef>
+          <a:effectRef idx="0">
+            <a:schemeClr val="accent1"/>
+          </a:effectRef>
+          <a:fontRef idx="minor">
+            <a:schemeClr val="tx1"/>
+          </a:fontRef>
+        </p:style>
+      </p:cxnSp>
+      <p:sp>
+        <p:nvSpPr>
+          <p:cNvPr id="3" name="TextBox 2">
+            <a:extLst>
+              <a:ext uri="{FF2B5EF4-FFF2-40B4-BE49-F238E27FC236}">
+                <a16:creationId xmlns:a16="http://schemas.microsoft.com/office/drawing/2014/main" id="{5CDF0C3C-F34D-EC3F-2D0E-34F53246BF5D}"/>
+              </a:ext>
+            </a:extLst>
+          </p:cNvPr>
+          <p:cNvSpPr txBox="1"/>
+          <p:nvPr/>
+        </p:nvSpPr>
+        <p:spPr>
+          <a:xfrm>
+            <a:off x="8210550" y="1252537"/>
+            <a:ext cx="3667125" cy="4801314"/>
+          </a:xfrm>
+          <a:prstGeom prst="rect">
+            <a:avLst/>
+          </a:prstGeom>
+          <a:noFill/>
+        </p:spPr>
+        <p:txBody>
+          <a:bodyPr wrap="square" rtlCol="0">
+            <a:spAutoFit/>
+          </a:bodyPr>
+          <a:lstStyle/>
+          <a:p>
+            <a:r>
+              <a:rPr lang="en-US" u="sng" dirty="0"/>
+              <a:t>Only two </a:t>
+            </a:r>
+            <a:r>
+              <a:rPr lang="en-US" dirty="0"/>
+              <a:t>cells in row 1 can be a 7.</a:t>
+            </a:r>
+          </a:p>
+          <a:p>
+            <a:r>
+              <a:rPr lang="en-US" u="sng" dirty="0"/>
+              <a:t>Only two </a:t>
+            </a:r>
+            <a:r>
+              <a:rPr lang="en-US" dirty="0"/>
+              <a:t>cells in row 5 can be a 7.</a:t>
+            </a:r>
+          </a:p>
+          <a:p>
+            <a:r>
+              <a:rPr lang="en-US" dirty="0"/>
+              <a:t>The cols that the 7’s appear in in rows 1 and 5 are the </a:t>
+            </a:r>
+            <a:r>
+              <a:rPr lang="en-US" u="sng" dirty="0"/>
+              <a:t>same</a:t>
+            </a:r>
+            <a:r>
+              <a:rPr lang="en-US" dirty="0"/>
+              <a:t> – they form an “X”.</a:t>
+            </a:r>
+          </a:p>
+          <a:p>
+            <a:endParaRPr lang="en-US" dirty="0"/>
+          </a:p>
+          <a:p>
+            <a:r>
+              <a:rPr lang="en-US" dirty="0"/>
+              <a:t>As such, the 7’s in cols 3 and 7 must appear on rows 1 and 5 – either at 1,3 and 5,7 or at 1,7 and 5,3.</a:t>
+            </a:r>
+          </a:p>
+          <a:p>
+            <a:endParaRPr lang="en-US" dirty="0"/>
+          </a:p>
+          <a:p>
+            <a:r>
+              <a:rPr lang="en-US" dirty="0"/>
+              <a:t>Therefore any 7’s that appear in cols 3 and 7 (and not on rows 1 and 5) can be eliminated.</a:t>
+            </a:r>
+          </a:p>
+          <a:p>
+            <a:endParaRPr lang="en-US" dirty="0"/>
+          </a:p>
+          <a:p>
+            <a:r>
+              <a:rPr lang="en-US" dirty="0"/>
+              <a:t>Note: this is not a great example (but still valid) because cell 1,3 is a “single candidate”.</a:t>
+            </a:r>
+          </a:p>
+        </p:txBody>
+      </p:sp>
+    </p:spTree>
+    <p:extLst>
+      <p:ext uri="{BB962C8B-B14F-4D97-AF65-F5344CB8AC3E}">
+        <p14:creationId xmlns:p14="http://schemas.microsoft.com/office/powerpoint/2010/main" val="2156491814"/>
+      </p:ext>
+    </p:extLst>
+  </p:cSld>
+  <p:clrMapOvr>
+    <a:masterClrMapping/>
+  </p:clrMapOvr>
+</p:sld>
+</file>
+
+<file path=ppt/slides/slide13.xml><?xml version="1.0" encoding="utf-8"?>
+<p:sld xmlns:a="http://schemas.openxmlformats.org/drawingml/2006/main" xmlns:r="http://schemas.openxmlformats.org/officeDocument/2006/relationships" xmlns:p="http://schemas.openxmlformats.org/presentationml/2006/main">
+  <p:cSld>
+    <p:spTree>
+      <p:nvGrpSpPr>
+        <p:cNvPr id="1" name=""/>
+        <p:cNvGrpSpPr/>
+        <p:nvPr/>
+      </p:nvGrpSpPr>
+      <p:grpSpPr>
+        <a:xfrm>
+          <a:off x="0" y="0"/>
+          <a:ext cx="0" cy="0"/>
+          <a:chOff x="0" y="0"/>
+          <a:chExt cx="0" cy="0"/>
+        </a:xfrm>
+      </p:grpSpPr>
       <p:sp>
         <p:nvSpPr>
           <p:cNvPr id="2" name="Title 1">
@@ -5265,7 +5668,7 @@
 </p:sld>
 </file>
 
-<file path=ppt/slides/slide13.xml><?xml version="1.0" encoding="utf-8"?>
+<file path=ppt/slides/slide14.xml><?xml version="1.0" encoding="utf-8"?>
 <p:sld xmlns:a="http://schemas.openxmlformats.org/drawingml/2006/main" xmlns:r="http://schemas.openxmlformats.org/officeDocument/2006/relationships" xmlns:p="http://schemas.openxmlformats.org/presentationml/2006/main">
   <p:cSld>
     <p:spTree>
@@ -5718,7 +6121,7 @@
 </p:sld>
 </file>
 
-<file path=ppt/slides/slide14.xml><?xml version="1.0" encoding="utf-8"?>
+<file path=ppt/slides/slide15.xml><?xml version="1.0" encoding="utf-8"?>
 <p:sld xmlns:a="http://schemas.openxmlformats.org/drawingml/2006/main" xmlns:r="http://schemas.openxmlformats.org/officeDocument/2006/relationships" xmlns:p="http://schemas.openxmlformats.org/presentationml/2006/main">
   <p:cSld>
     <p:spTree>
@@ -6100,7 +6503,7 @@
             <a:pPr algn="ctr"/>
             <a:r>
               <a:rPr lang="en-US" sz="5400" dirty="0"/>
-              <a:t>Creating First Order Candidates</a:t>
+              <a:t>Create First Order Candidate List</a:t>
             </a:r>
           </a:p>
         </p:txBody>
@@ -6351,6 +6754,261 @@
           </a:p>
         </p:txBody>
       </p:sp>
+      <p:sp>
+        <p:nvSpPr>
+          <p:cNvPr id="3" name="Rectangle: Rounded Corners 2">
+            <a:extLst>
+              <a:ext uri="{FF2B5EF4-FFF2-40B4-BE49-F238E27FC236}">
+                <a16:creationId xmlns:a16="http://schemas.microsoft.com/office/drawing/2014/main" id="{7459935D-F32D-1D4D-7549-8872DA746365}"/>
+              </a:ext>
+            </a:extLst>
+          </p:cNvPr>
+          <p:cNvSpPr/>
+          <p:nvPr/>
+        </p:nvSpPr>
+        <p:spPr>
+          <a:xfrm>
+            <a:off x="1978429" y="5309118"/>
+            <a:ext cx="1745673" cy="401217"/>
+          </a:xfrm>
+          <a:prstGeom prst="roundRect">
+            <a:avLst/>
+          </a:prstGeom>
+          <a:solidFill>
+            <a:schemeClr val="accent2">
+              <a:alpha val="40000"/>
+            </a:schemeClr>
+          </a:solidFill>
+        </p:spPr>
+        <p:style>
+          <a:lnRef idx="2">
+            <a:schemeClr val="accent1">
+              <a:shade val="15000"/>
+            </a:schemeClr>
+          </a:lnRef>
+          <a:fillRef idx="1">
+            <a:schemeClr val="accent1"/>
+          </a:fillRef>
+          <a:effectRef idx="0">
+            <a:schemeClr val="accent1"/>
+          </a:effectRef>
+          <a:fontRef idx="minor">
+            <a:schemeClr val="lt1"/>
+          </a:fontRef>
+        </p:style>
+        <p:txBody>
+          <a:bodyPr rtlCol="0" anchor="ctr"/>
+          <a:lstStyle/>
+          <a:p>
+            <a:pPr algn="ctr"/>
+            <a:endParaRPr lang="en-US"/>
+          </a:p>
+        </p:txBody>
+      </p:sp>
+      <p:sp>
+        <p:nvSpPr>
+          <p:cNvPr id="4" name="Rectangle: Rounded Corners 3">
+            <a:extLst>
+              <a:ext uri="{FF2B5EF4-FFF2-40B4-BE49-F238E27FC236}">
+                <a16:creationId xmlns:a16="http://schemas.microsoft.com/office/drawing/2014/main" id="{D661F726-884B-54D3-EEBB-6FFA790B584E}"/>
+              </a:ext>
+            </a:extLst>
+          </p:cNvPr>
+          <p:cNvSpPr/>
+          <p:nvPr/>
+        </p:nvSpPr>
+        <p:spPr>
+          <a:xfrm>
+            <a:off x="913731" y="5309118"/>
+            <a:ext cx="523183" cy="401217"/>
+          </a:xfrm>
+          <a:prstGeom prst="roundRect">
+            <a:avLst/>
+          </a:prstGeom>
+          <a:solidFill>
+            <a:schemeClr val="accent2">
+              <a:alpha val="40000"/>
+            </a:schemeClr>
+          </a:solidFill>
+        </p:spPr>
+        <p:style>
+          <a:lnRef idx="2">
+            <a:schemeClr val="accent1">
+              <a:shade val="15000"/>
+            </a:schemeClr>
+          </a:lnRef>
+          <a:fillRef idx="1">
+            <a:schemeClr val="accent1"/>
+          </a:fillRef>
+          <a:effectRef idx="0">
+            <a:schemeClr val="accent1"/>
+          </a:effectRef>
+          <a:fontRef idx="minor">
+            <a:schemeClr val="lt1"/>
+          </a:fontRef>
+        </p:style>
+        <p:txBody>
+          <a:bodyPr rtlCol="0" anchor="ctr"/>
+          <a:lstStyle/>
+          <a:p>
+            <a:pPr algn="ctr"/>
+            <a:endParaRPr lang="en-US"/>
+          </a:p>
+        </p:txBody>
+      </p:sp>
+      <p:sp>
+        <p:nvSpPr>
+          <p:cNvPr id="5" name="Rectangle: Rounded Corners 4">
+            <a:extLst>
+              <a:ext uri="{FF2B5EF4-FFF2-40B4-BE49-F238E27FC236}">
+                <a16:creationId xmlns:a16="http://schemas.microsoft.com/office/drawing/2014/main" id="{3BC389CC-1DE0-1B1C-33D9-4FFFFCD70DCC}"/>
+              </a:ext>
+            </a:extLst>
+          </p:cNvPr>
+          <p:cNvSpPr/>
+          <p:nvPr/>
+        </p:nvSpPr>
+        <p:spPr>
+          <a:xfrm>
+            <a:off x="1504756" y="1803917"/>
+            <a:ext cx="249400" cy="3421226"/>
+          </a:xfrm>
+          <a:prstGeom prst="roundRect">
+            <a:avLst/>
+          </a:prstGeom>
+          <a:solidFill>
+            <a:schemeClr val="accent4">
+              <a:alpha val="40000"/>
+            </a:schemeClr>
+          </a:solidFill>
+        </p:spPr>
+        <p:style>
+          <a:lnRef idx="2">
+            <a:schemeClr val="accent1">
+              <a:shade val="15000"/>
+            </a:schemeClr>
+          </a:lnRef>
+          <a:fillRef idx="1">
+            <a:schemeClr val="accent1"/>
+          </a:fillRef>
+          <a:effectRef idx="0">
+            <a:schemeClr val="accent1"/>
+          </a:effectRef>
+          <a:fontRef idx="minor">
+            <a:schemeClr val="lt1"/>
+          </a:fontRef>
+        </p:style>
+        <p:txBody>
+          <a:bodyPr rtlCol="0" anchor="ctr"/>
+          <a:lstStyle/>
+          <a:p>
+            <a:pPr algn="ctr"/>
+            <a:endParaRPr lang="en-US"/>
+          </a:p>
+        </p:txBody>
+      </p:sp>
+      <p:sp>
+        <p:nvSpPr>
+          <p:cNvPr id="10" name="Rectangle: Rounded Corners 9">
+            <a:extLst>
+              <a:ext uri="{FF2B5EF4-FFF2-40B4-BE49-F238E27FC236}">
+                <a16:creationId xmlns:a16="http://schemas.microsoft.com/office/drawing/2014/main" id="{F27F2D51-35A1-96BF-E38A-388797F554B6}"/>
+              </a:ext>
+            </a:extLst>
+          </p:cNvPr>
+          <p:cNvSpPr/>
+          <p:nvPr/>
+        </p:nvSpPr>
+        <p:spPr>
+          <a:xfrm>
+            <a:off x="1504756" y="5780992"/>
+            <a:ext cx="249400" cy="401218"/>
+          </a:xfrm>
+          <a:prstGeom prst="roundRect">
+            <a:avLst/>
+          </a:prstGeom>
+          <a:solidFill>
+            <a:schemeClr val="accent4">
+              <a:alpha val="40000"/>
+            </a:schemeClr>
+          </a:solidFill>
+        </p:spPr>
+        <p:style>
+          <a:lnRef idx="2">
+            <a:schemeClr val="accent1">
+              <a:shade val="15000"/>
+            </a:schemeClr>
+          </a:lnRef>
+          <a:fillRef idx="1">
+            <a:schemeClr val="accent1"/>
+          </a:fillRef>
+          <a:effectRef idx="0">
+            <a:schemeClr val="accent1"/>
+          </a:effectRef>
+          <a:fontRef idx="minor">
+            <a:schemeClr val="lt1"/>
+          </a:fontRef>
+        </p:style>
+        <p:txBody>
+          <a:bodyPr rtlCol="0" anchor="ctr"/>
+          <a:lstStyle/>
+          <a:p>
+            <a:pPr algn="ctr"/>
+            <a:endParaRPr lang="en-US"/>
+          </a:p>
+        </p:txBody>
+      </p:sp>
+      <mc:AlternateContent xmlns:mc="http://schemas.openxmlformats.org/markup-compatibility/2006">
+        <mc:Choice xmlns:p14="http://schemas.microsoft.com/office/powerpoint/2010/main" Requires="p14">
+          <p:contentPart p14:bwMode="auto" r:id="rId3">
+            <p14:nvContentPartPr>
+              <p14:cNvPr id="11" name="Ink 10">
+                <a:extLst>
+                  <a:ext uri="{FF2B5EF4-FFF2-40B4-BE49-F238E27FC236}">
+                    <a16:creationId xmlns:a16="http://schemas.microsoft.com/office/drawing/2014/main" id="{1D7C3017-85C4-A8E0-BCF0-0E968D42657A}"/>
+                  </a:ext>
+                </a:extLst>
+              </p14:cNvPr>
+              <p14:cNvContentPartPr/>
+              <p14:nvPr/>
+            </p14:nvContentPartPr>
+            <p14:xfrm>
+              <a:off x="894030" y="4812500"/>
+              <a:ext cx="917640" cy="1366200"/>
+            </p14:xfrm>
+          </p:contentPart>
+        </mc:Choice>
+        <mc:Fallback>
+          <p:pic>
+            <p:nvPicPr>
+              <p:cNvPr id="11" name="Ink 10">
+                <a:extLst>
+                  <a:ext uri="{FF2B5EF4-FFF2-40B4-BE49-F238E27FC236}">
+                    <a16:creationId xmlns:a16="http://schemas.microsoft.com/office/drawing/2014/main" id="{1D7C3017-85C4-A8E0-BCF0-0E968D42657A}"/>
+                  </a:ext>
+                </a:extLst>
+              </p:cNvPr>
+              <p:cNvPicPr/>
+              <p:nvPr/>
+            </p:nvPicPr>
+            <p:blipFill>
+              <a:blip r:embed="rId4"/>
+              <a:stretch>
+                <a:fillRect/>
+              </a:stretch>
+            </p:blipFill>
+            <p:spPr>
+              <a:xfrm>
+                <a:off x="887910" y="4806380"/>
+                <a:ext cx="929880" cy="1378440"/>
+              </a:xfrm>
+              <a:prstGeom prst="rect">
+                <a:avLst/>
+              </a:prstGeom>
+            </p:spPr>
+          </p:pic>
+        </mc:Fallback>
+      </mc:AlternateContent>
     </p:spTree>
     <p:extLst>
       <p:ext uri="{BB962C8B-B14F-4D97-AF65-F5344CB8AC3E}">
@@ -6412,17 +7070,17 @@
             <a:pPr algn="ctr"/>
             <a:r>
               <a:rPr lang="en-US" sz="5400" dirty="0"/>
-              <a:t>Fill Cells With Only One Candidate</a:t>
+              <a:t>A Word About Lists in Python</a:t>
             </a:r>
           </a:p>
         </p:txBody>
       </p:sp>
       <p:pic>
         <p:nvPicPr>
-          <p:cNvPr id="12" name="Picture 11">
-            <a:extLst>
-              <a:ext uri="{FF2B5EF4-FFF2-40B4-BE49-F238E27FC236}">
-                <a16:creationId xmlns:a16="http://schemas.microsoft.com/office/drawing/2014/main" id="{AA5269F2-BB73-6E09-86E1-2345E6485622}"/>
+          <p:cNvPr id="13" name="Picture 12">
+            <a:extLst>
+              <a:ext uri="{FF2B5EF4-FFF2-40B4-BE49-F238E27FC236}">
+                <a16:creationId xmlns:a16="http://schemas.microsoft.com/office/drawing/2014/main" id="{CFD279CD-122C-1C7B-C2CE-B49BEC88DD47}"/>
               </a:ext>
             </a:extLst>
           </p:cNvPr>
@@ -6439,176 +7097,53 @@
         </p:blipFill>
         <p:spPr>
           <a:xfrm>
-            <a:off x="3890865" y="747138"/>
-            <a:ext cx="4562572" cy="5954387"/>
+            <a:off x="1672370" y="774444"/>
+            <a:ext cx="3713060" cy="5840962"/>
           </a:xfrm>
           <a:prstGeom prst="rect">
             <a:avLst/>
           </a:prstGeom>
-          <a:ln>
+        </p:spPr>
+      </p:pic>
+      <p:pic>
+        <p:nvPicPr>
+          <p:cNvPr id="15" name="Picture 14">
+            <a:extLst>
+              <a:ext uri="{FF2B5EF4-FFF2-40B4-BE49-F238E27FC236}">
+                <a16:creationId xmlns:a16="http://schemas.microsoft.com/office/drawing/2014/main" id="{60CE72A4-D551-3C5C-1D8A-24C3384BB4B6}"/>
+              </a:ext>
+            </a:extLst>
+          </p:cNvPr>
+          <p:cNvPicPr>
+            <a:picLocks noChangeAspect="1"/>
+          </p:cNvPicPr>
+          <p:nvPr/>
+        </p:nvPicPr>
+        <p:blipFill>
+          <a:blip r:embed="rId3"/>
+          <a:stretch>
+            <a:fillRect/>
+          </a:stretch>
+        </p:blipFill>
+        <p:spPr>
+          <a:xfrm>
+            <a:off x="5705475" y="1850960"/>
+            <a:ext cx="5648325" cy="2857500"/>
+          </a:xfrm>
+          <a:prstGeom prst="rect">
+            <a:avLst/>
+          </a:prstGeom>
+          <a:ln w="25400">
             <a:solidFill>
               <a:schemeClr val="tx1"/>
             </a:solidFill>
           </a:ln>
         </p:spPr>
       </p:pic>
-      <p:sp>
-        <p:nvSpPr>
-          <p:cNvPr id="13" name="Oval 12">
-            <a:extLst>
-              <a:ext uri="{FF2B5EF4-FFF2-40B4-BE49-F238E27FC236}">
-                <a16:creationId xmlns:a16="http://schemas.microsoft.com/office/drawing/2014/main" id="{465A7470-9711-C58D-0C3F-B1D54FE0169C}"/>
-              </a:ext>
-            </a:extLst>
-          </p:cNvPr>
-          <p:cNvSpPr/>
-          <p:nvPr/>
-        </p:nvSpPr>
-        <p:spPr>
-          <a:xfrm>
-            <a:off x="6251511" y="2014726"/>
-            <a:ext cx="186611" cy="243283"/>
-          </a:xfrm>
-          <a:prstGeom prst="ellipse">
-            <a:avLst/>
-          </a:prstGeom>
-          <a:solidFill>
-            <a:schemeClr val="accent2">
-              <a:alpha val="24000"/>
-            </a:schemeClr>
-          </a:solidFill>
-        </p:spPr>
-        <p:style>
-          <a:lnRef idx="2">
-            <a:schemeClr val="accent1">
-              <a:shade val="15000"/>
-            </a:schemeClr>
-          </a:lnRef>
-          <a:fillRef idx="1">
-            <a:schemeClr val="accent1"/>
-          </a:fillRef>
-          <a:effectRef idx="0">
-            <a:schemeClr val="accent1"/>
-          </a:effectRef>
-          <a:fontRef idx="minor">
-            <a:schemeClr val="lt1"/>
-          </a:fontRef>
-        </p:style>
-        <p:txBody>
-          <a:bodyPr rtlCol="0" anchor="ctr"/>
-          <a:lstStyle/>
-          <a:p>
-            <a:pPr algn="ctr"/>
-            <a:endParaRPr lang="en-US" dirty="0"/>
-          </a:p>
-        </p:txBody>
-      </p:sp>
-      <p:sp>
-        <p:nvSpPr>
-          <p:cNvPr id="14" name="Oval 13">
-            <a:extLst>
-              <a:ext uri="{FF2B5EF4-FFF2-40B4-BE49-F238E27FC236}">
-                <a16:creationId xmlns:a16="http://schemas.microsoft.com/office/drawing/2014/main" id="{F558B49C-26FC-72F4-933F-5F49154232D2}"/>
-              </a:ext>
-            </a:extLst>
-          </p:cNvPr>
-          <p:cNvSpPr/>
-          <p:nvPr/>
-        </p:nvSpPr>
-        <p:spPr>
-          <a:xfrm>
-            <a:off x="4631095" y="4042579"/>
-            <a:ext cx="186611" cy="243283"/>
-          </a:xfrm>
-          <a:prstGeom prst="ellipse">
-            <a:avLst/>
-          </a:prstGeom>
-          <a:solidFill>
-            <a:schemeClr val="accent2">
-              <a:alpha val="24000"/>
-            </a:schemeClr>
-          </a:solidFill>
-        </p:spPr>
-        <p:style>
-          <a:lnRef idx="2">
-            <a:schemeClr val="accent1">
-              <a:shade val="15000"/>
-            </a:schemeClr>
-          </a:lnRef>
-          <a:fillRef idx="1">
-            <a:schemeClr val="accent1"/>
-          </a:fillRef>
-          <a:effectRef idx="0">
-            <a:schemeClr val="accent1"/>
-          </a:effectRef>
-          <a:fontRef idx="minor">
-            <a:schemeClr val="lt1"/>
-          </a:fontRef>
-        </p:style>
-        <p:txBody>
-          <a:bodyPr rtlCol="0" anchor="ctr"/>
-          <a:lstStyle/>
-          <a:p>
-            <a:pPr algn="ctr"/>
-            <a:endParaRPr lang="en-US" dirty="0"/>
-          </a:p>
-        </p:txBody>
-      </p:sp>
-      <p:sp>
-        <p:nvSpPr>
-          <p:cNvPr id="15" name="Oval 14">
-            <a:extLst>
-              <a:ext uri="{FF2B5EF4-FFF2-40B4-BE49-F238E27FC236}">
-                <a16:creationId xmlns:a16="http://schemas.microsoft.com/office/drawing/2014/main" id="{CC5CE3BC-301E-E863-5908-3E7BD1F088FC}"/>
-              </a:ext>
-            </a:extLst>
-          </p:cNvPr>
-          <p:cNvSpPr/>
-          <p:nvPr/>
-        </p:nvSpPr>
-        <p:spPr>
-          <a:xfrm>
-            <a:off x="4998099" y="5454611"/>
-            <a:ext cx="186611" cy="243283"/>
-          </a:xfrm>
-          <a:prstGeom prst="ellipse">
-            <a:avLst/>
-          </a:prstGeom>
-          <a:solidFill>
-            <a:schemeClr val="accent2">
-              <a:alpha val="24000"/>
-            </a:schemeClr>
-          </a:solidFill>
-        </p:spPr>
-        <p:style>
-          <a:lnRef idx="2">
-            <a:schemeClr val="accent1">
-              <a:shade val="15000"/>
-            </a:schemeClr>
-          </a:lnRef>
-          <a:fillRef idx="1">
-            <a:schemeClr val="accent1"/>
-          </a:fillRef>
-          <a:effectRef idx="0">
-            <a:schemeClr val="accent1"/>
-          </a:effectRef>
-          <a:fontRef idx="minor">
-            <a:schemeClr val="lt1"/>
-          </a:fontRef>
-        </p:style>
-        <p:txBody>
-          <a:bodyPr rtlCol="0" anchor="ctr"/>
-          <a:lstStyle/>
-          <a:p>
-            <a:pPr algn="ctr"/>
-            <a:endParaRPr lang="en-US" dirty="0"/>
-          </a:p>
-        </p:txBody>
-      </p:sp>
     </p:spTree>
     <p:extLst>
       <p:ext uri="{BB962C8B-B14F-4D97-AF65-F5344CB8AC3E}">
-        <p14:creationId xmlns:p14="http://schemas.microsoft.com/office/powerpoint/2010/main" val="2074707665"/>
+        <p14:creationId xmlns:p14="http://schemas.microsoft.com/office/powerpoint/2010/main" val="456997559"/>
       </p:ext>
     </p:extLst>
   </p:cSld>
@@ -6640,6 +7175,260 @@
           <p:cNvPr id="2" name="Title 1">
             <a:extLst>
               <a:ext uri="{FF2B5EF4-FFF2-40B4-BE49-F238E27FC236}">
+                <a16:creationId xmlns:a16="http://schemas.microsoft.com/office/drawing/2014/main" id="{2D6D84C5-D03B-B1A9-28AB-D8611C9BE964}"/>
+              </a:ext>
+            </a:extLst>
+          </p:cNvPr>
+          <p:cNvSpPr>
+            <a:spLocks noGrp="1"/>
+          </p:cNvSpPr>
+          <p:nvPr>
+            <p:ph type="title"/>
+          </p:nvPr>
+        </p:nvSpPr>
+        <p:spPr>
+          <a:xfrm>
+            <a:off x="671804" y="94527"/>
+            <a:ext cx="10681996" cy="633262"/>
+          </a:xfrm>
+        </p:spPr>
+        <p:txBody>
+          <a:bodyPr>
+            <a:noAutofit/>
+          </a:bodyPr>
+          <a:lstStyle/>
+          <a:p>
+            <a:pPr algn="ctr"/>
+            <a:r>
+              <a:rPr lang="en-US" sz="5400" dirty="0"/>
+              <a:t>Fill Cells With Only One Candidate</a:t>
+            </a:r>
+          </a:p>
+        </p:txBody>
+      </p:sp>
+      <p:pic>
+        <p:nvPicPr>
+          <p:cNvPr id="12" name="Picture 11">
+            <a:extLst>
+              <a:ext uri="{FF2B5EF4-FFF2-40B4-BE49-F238E27FC236}">
+                <a16:creationId xmlns:a16="http://schemas.microsoft.com/office/drawing/2014/main" id="{AA5269F2-BB73-6E09-86E1-2345E6485622}"/>
+              </a:ext>
+            </a:extLst>
+          </p:cNvPr>
+          <p:cNvPicPr>
+            <a:picLocks noChangeAspect="1"/>
+          </p:cNvPicPr>
+          <p:nvPr/>
+        </p:nvPicPr>
+        <p:blipFill>
+          <a:blip r:embed="rId2"/>
+          <a:stretch>
+            <a:fillRect/>
+          </a:stretch>
+        </p:blipFill>
+        <p:spPr>
+          <a:xfrm>
+            <a:off x="3890865" y="747138"/>
+            <a:ext cx="4562572" cy="5954387"/>
+          </a:xfrm>
+          <a:prstGeom prst="rect">
+            <a:avLst/>
+          </a:prstGeom>
+          <a:ln>
+            <a:solidFill>
+              <a:schemeClr val="tx1"/>
+            </a:solidFill>
+          </a:ln>
+        </p:spPr>
+      </p:pic>
+      <p:sp>
+        <p:nvSpPr>
+          <p:cNvPr id="13" name="Oval 12">
+            <a:extLst>
+              <a:ext uri="{FF2B5EF4-FFF2-40B4-BE49-F238E27FC236}">
+                <a16:creationId xmlns:a16="http://schemas.microsoft.com/office/drawing/2014/main" id="{465A7470-9711-C58D-0C3F-B1D54FE0169C}"/>
+              </a:ext>
+            </a:extLst>
+          </p:cNvPr>
+          <p:cNvSpPr/>
+          <p:nvPr/>
+        </p:nvSpPr>
+        <p:spPr>
+          <a:xfrm>
+            <a:off x="6251511" y="2014726"/>
+            <a:ext cx="186611" cy="243283"/>
+          </a:xfrm>
+          <a:prstGeom prst="ellipse">
+            <a:avLst/>
+          </a:prstGeom>
+          <a:solidFill>
+            <a:schemeClr val="accent2">
+              <a:alpha val="24000"/>
+            </a:schemeClr>
+          </a:solidFill>
+        </p:spPr>
+        <p:style>
+          <a:lnRef idx="2">
+            <a:schemeClr val="accent1">
+              <a:shade val="15000"/>
+            </a:schemeClr>
+          </a:lnRef>
+          <a:fillRef idx="1">
+            <a:schemeClr val="accent1"/>
+          </a:fillRef>
+          <a:effectRef idx="0">
+            <a:schemeClr val="accent1"/>
+          </a:effectRef>
+          <a:fontRef idx="minor">
+            <a:schemeClr val="lt1"/>
+          </a:fontRef>
+        </p:style>
+        <p:txBody>
+          <a:bodyPr rtlCol="0" anchor="ctr"/>
+          <a:lstStyle/>
+          <a:p>
+            <a:pPr algn="ctr"/>
+            <a:endParaRPr lang="en-US" dirty="0"/>
+          </a:p>
+        </p:txBody>
+      </p:sp>
+      <p:sp>
+        <p:nvSpPr>
+          <p:cNvPr id="14" name="Oval 13">
+            <a:extLst>
+              <a:ext uri="{FF2B5EF4-FFF2-40B4-BE49-F238E27FC236}">
+                <a16:creationId xmlns:a16="http://schemas.microsoft.com/office/drawing/2014/main" id="{F558B49C-26FC-72F4-933F-5F49154232D2}"/>
+              </a:ext>
+            </a:extLst>
+          </p:cNvPr>
+          <p:cNvSpPr/>
+          <p:nvPr/>
+        </p:nvSpPr>
+        <p:spPr>
+          <a:xfrm>
+            <a:off x="4631095" y="4042579"/>
+            <a:ext cx="186611" cy="243283"/>
+          </a:xfrm>
+          <a:prstGeom prst="ellipse">
+            <a:avLst/>
+          </a:prstGeom>
+          <a:solidFill>
+            <a:schemeClr val="accent2">
+              <a:alpha val="24000"/>
+            </a:schemeClr>
+          </a:solidFill>
+        </p:spPr>
+        <p:style>
+          <a:lnRef idx="2">
+            <a:schemeClr val="accent1">
+              <a:shade val="15000"/>
+            </a:schemeClr>
+          </a:lnRef>
+          <a:fillRef idx="1">
+            <a:schemeClr val="accent1"/>
+          </a:fillRef>
+          <a:effectRef idx="0">
+            <a:schemeClr val="accent1"/>
+          </a:effectRef>
+          <a:fontRef idx="minor">
+            <a:schemeClr val="lt1"/>
+          </a:fontRef>
+        </p:style>
+        <p:txBody>
+          <a:bodyPr rtlCol="0" anchor="ctr"/>
+          <a:lstStyle/>
+          <a:p>
+            <a:pPr algn="ctr"/>
+            <a:endParaRPr lang="en-US" dirty="0"/>
+          </a:p>
+        </p:txBody>
+      </p:sp>
+      <p:sp>
+        <p:nvSpPr>
+          <p:cNvPr id="15" name="Oval 14">
+            <a:extLst>
+              <a:ext uri="{FF2B5EF4-FFF2-40B4-BE49-F238E27FC236}">
+                <a16:creationId xmlns:a16="http://schemas.microsoft.com/office/drawing/2014/main" id="{CC5CE3BC-301E-E863-5908-3E7BD1F088FC}"/>
+              </a:ext>
+            </a:extLst>
+          </p:cNvPr>
+          <p:cNvSpPr/>
+          <p:nvPr/>
+        </p:nvSpPr>
+        <p:spPr>
+          <a:xfrm>
+            <a:off x="4998099" y="5454611"/>
+            <a:ext cx="186611" cy="243283"/>
+          </a:xfrm>
+          <a:prstGeom prst="ellipse">
+            <a:avLst/>
+          </a:prstGeom>
+          <a:solidFill>
+            <a:schemeClr val="accent2">
+              <a:alpha val="24000"/>
+            </a:schemeClr>
+          </a:solidFill>
+        </p:spPr>
+        <p:style>
+          <a:lnRef idx="2">
+            <a:schemeClr val="accent1">
+              <a:shade val="15000"/>
+            </a:schemeClr>
+          </a:lnRef>
+          <a:fillRef idx="1">
+            <a:schemeClr val="accent1"/>
+          </a:fillRef>
+          <a:effectRef idx="0">
+            <a:schemeClr val="accent1"/>
+          </a:effectRef>
+          <a:fontRef idx="minor">
+            <a:schemeClr val="lt1"/>
+          </a:fontRef>
+        </p:style>
+        <p:txBody>
+          <a:bodyPr rtlCol="0" anchor="ctr"/>
+          <a:lstStyle/>
+          <a:p>
+            <a:pPr algn="ctr"/>
+            <a:endParaRPr lang="en-US" dirty="0"/>
+          </a:p>
+        </p:txBody>
+      </p:sp>
+    </p:spTree>
+    <p:extLst>
+      <p:ext uri="{BB962C8B-B14F-4D97-AF65-F5344CB8AC3E}">
+        <p14:creationId xmlns:p14="http://schemas.microsoft.com/office/powerpoint/2010/main" val="2074707665"/>
+      </p:ext>
+    </p:extLst>
+  </p:cSld>
+  <p:clrMapOvr>
+    <a:masterClrMapping/>
+  </p:clrMapOvr>
+</p:sld>
+</file>
+
+<file path=ppt/slides/slide5.xml><?xml version="1.0" encoding="utf-8"?>
+<p:sld xmlns:a="http://schemas.openxmlformats.org/drawingml/2006/main" xmlns:r="http://schemas.openxmlformats.org/officeDocument/2006/relationships" xmlns:p="http://schemas.openxmlformats.org/presentationml/2006/main">
+  <p:cSld>
+    <p:spTree>
+      <p:nvGrpSpPr>
+        <p:cNvPr id="1" name=""/>
+        <p:cNvGrpSpPr/>
+        <p:nvPr/>
+      </p:nvGrpSpPr>
+      <p:grpSpPr>
+        <a:xfrm>
+          <a:off x="0" y="0"/>
+          <a:ext cx="0" cy="0"/>
+          <a:chOff x="0" y="0"/>
+          <a:chExt cx="0" cy="0"/>
+        </a:xfrm>
+      </p:grpSpPr>
+      <p:sp>
+        <p:nvSpPr>
+          <p:cNvPr id="2" name="Title 1">
+            <a:extLst>
+              <a:ext uri="{FF2B5EF4-FFF2-40B4-BE49-F238E27FC236}">
                 <a16:creationId xmlns:a16="http://schemas.microsoft.com/office/drawing/2014/main" id="{0A60D9C9-7985-CAF3-4277-EB6263054661}"/>
               </a:ext>
             </a:extLst>
@@ -7133,7 +7922,7 @@
 </p:sld>
 </file>
 
-<file path=ppt/slides/slide5.xml><?xml version="1.0" encoding="utf-8"?>
+<file path=ppt/slides/slide6.xml><?xml version="1.0" encoding="utf-8"?>
 <p:sld xmlns:a="http://schemas.openxmlformats.org/drawingml/2006/main" xmlns:r="http://schemas.openxmlformats.org/officeDocument/2006/relationships" xmlns:p="http://schemas.openxmlformats.org/presentationml/2006/main">
   <p:cSld>
     <p:spTree>
@@ -7922,7 +8711,7 @@
 </p:sld>
 </file>
 
-<file path=ppt/slides/slide6.xml><?xml version="1.0" encoding="utf-8"?>
+<file path=ppt/slides/slide7.xml><?xml version="1.0" encoding="utf-8"?>
 <p:sld xmlns:a="http://schemas.openxmlformats.org/drawingml/2006/main" xmlns:r="http://schemas.openxmlformats.org/officeDocument/2006/relationships" xmlns:p="http://schemas.openxmlformats.org/presentationml/2006/main">
   <p:cSld>
     <p:spTree>
@@ -8294,477 +9083,6 @@
     <p:extLst>
       <p:ext uri="{BB962C8B-B14F-4D97-AF65-F5344CB8AC3E}">
         <p14:creationId xmlns:p14="http://schemas.microsoft.com/office/powerpoint/2010/main" val="438454483"/>
-      </p:ext>
-    </p:extLst>
-  </p:cSld>
-  <p:clrMapOvr>
-    <a:masterClrMapping/>
-  </p:clrMapOvr>
-</p:sld>
-</file>
-
-<file path=ppt/slides/slide7.xml><?xml version="1.0" encoding="utf-8"?>
-<p:sld xmlns:a="http://schemas.openxmlformats.org/drawingml/2006/main" xmlns:r="http://schemas.openxmlformats.org/officeDocument/2006/relationships" xmlns:p="http://schemas.openxmlformats.org/presentationml/2006/main">
-  <p:cSld>
-    <p:spTree>
-      <p:nvGrpSpPr>
-        <p:cNvPr id="1" name=""/>
-        <p:cNvGrpSpPr/>
-        <p:nvPr/>
-      </p:nvGrpSpPr>
-      <p:grpSpPr>
-        <a:xfrm>
-          <a:off x="0" y="0"/>
-          <a:ext cx="0" cy="0"/>
-          <a:chOff x="0" y="0"/>
-          <a:chExt cx="0" cy="0"/>
-        </a:xfrm>
-      </p:grpSpPr>
-      <p:sp>
-        <p:nvSpPr>
-          <p:cNvPr id="2" name="Title 1">
-            <a:extLst>
-              <a:ext uri="{FF2B5EF4-FFF2-40B4-BE49-F238E27FC236}">
-                <a16:creationId xmlns:a16="http://schemas.microsoft.com/office/drawing/2014/main" id="{B1D04E24-1E9F-7616-C997-421EFC597AB2}"/>
-              </a:ext>
-            </a:extLst>
-          </p:cNvPr>
-          <p:cNvSpPr>
-            <a:spLocks noGrp="1"/>
-          </p:cNvSpPr>
-          <p:nvPr>
-            <p:ph type="ctrTitle"/>
-          </p:nvPr>
-        </p:nvSpPr>
-        <p:spPr>
-          <a:xfrm>
-            <a:off x="951723" y="120099"/>
-            <a:ext cx="10338318" cy="756979"/>
-          </a:xfrm>
-        </p:spPr>
-        <p:txBody>
-          <a:bodyPr>
-            <a:normAutofit fontScale="90000"/>
-          </a:bodyPr>
-          <a:lstStyle/>
-          <a:p>
-            <a:r>
-              <a:rPr lang="en-US" dirty="0"/>
-              <a:t>Pruning Naked Pairs</a:t>
-            </a:r>
-          </a:p>
-        </p:txBody>
-      </p:sp>
-      <p:pic>
-        <p:nvPicPr>
-          <p:cNvPr id="4" name="Picture 3">
-            <a:extLst>
-              <a:ext uri="{FF2B5EF4-FFF2-40B4-BE49-F238E27FC236}">
-                <a16:creationId xmlns:a16="http://schemas.microsoft.com/office/drawing/2014/main" id="{DA2D0681-7A6B-35DE-516D-44E22517549B}"/>
-              </a:ext>
-            </a:extLst>
-          </p:cNvPr>
-          <p:cNvPicPr>
-            <a:picLocks noChangeAspect="1"/>
-          </p:cNvPicPr>
-          <p:nvPr/>
-        </p:nvPicPr>
-        <p:blipFill>
-          <a:blip r:embed="rId2"/>
-          <a:stretch>
-            <a:fillRect/>
-          </a:stretch>
-        </p:blipFill>
-        <p:spPr>
-          <a:xfrm>
-            <a:off x="833437" y="1018311"/>
-            <a:ext cx="7572375" cy="5362575"/>
-          </a:xfrm>
-          <a:prstGeom prst="rect">
-            <a:avLst/>
-          </a:prstGeom>
-          <a:ln>
-            <a:solidFill>
-              <a:schemeClr val="tx1"/>
-            </a:solidFill>
-          </a:ln>
-        </p:spPr>
-      </p:pic>
-      <p:sp>
-        <p:nvSpPr>
-          <p:cNvPr id="6" name="Oval 5">
-            <a:extLst>
-              <a:ext uri="{FF2B5EF4-FFF2-40B4-BE49-F238E27FC236}">
-                <a16:creationId xmlns:a16="http://schemas.microsoft.com/office/drawing/2014/main" id="{63CB79D4-014A-26EE-AB34-6B191E44A6D9}"/>
-              </a:ext>
-            </a:extLst>
-          </p:cNvPr>
-          <p:cNvSpPr/>
-          <p:nvPr/>
-        </p:nvSpPr>
-        <p:spPr>
-          <a:xfrm>
-            <a:off x="833437" y="1231637"/>
-            <a:ext cx="513184" cy="597163"/>
-          </a:xfrm>
-          <a:prstGeom prst="ellipse">
-            <a:avLst/>
-          </a:prstGeom>
-          <a:solidFill>
-            <a:schemeClr val="accent6">
-              <a:alpha val="24000"/>
-            </a:schemeClr>
-          </a:solidFill>
-        </p:spPr>
-        <p:style>
-          <a:lnRef idx="2">
-            <a:schemeClr val="accent1">
-              <a:shade val="15000"/>
-            </a:schemeClr>
-          </a:lnRef>
-          <a:fillRef idx="1">
-            <a:schemeClr val="accent1"/>
-          </a:fillRef>
-          <a:effectRef idx="0">
-            <a:schemeClr val="accent1"/>
-          </a:effectRef>
-          <a:fontRef idx="minor">
-            <a:schemeClr val="lt1"/>
-          </a:fontRef>
-        </p:style>
-        <p:txBody>
-          <a:bodyPr rtlCol="0" anchor="ctr"/>
-          <a:lstStyle/>
-          <a:p>
-            <a:pPr algn="ctr"/>
-            <a:endParaRPr lang="en-US" dirty="0"/>
-          </a:p>
-        </p:txBody>
-      </p:sp>
-      <p:sp>
-        <p:nvSpPr>
-          <p:cNvPr id="8" name="Oval 7">
-            <a:extLst>
-              <a:ext uri="{FF2B5EF4-FFF2-40B4-BE49-F238E27FC236}">
-                <a16:creationId xmlns:a16="http://schemas.microsoft.com/office/drawing/2014/main" id="{4ABC8B27-A90B-86A0-162A-5619FE8F37AB}"/>
-              </a:ext>
-            </a:extLst>
-          </p:cNvPr>
-          <p:cNvSpPr/>
-          <p:nvPr/>
-        </p:nvSpPr>
-        <p:spPr>
-          <a:xfrm>
-            <a:off x="3514614" y="1212977"/>
-            <a:ext cx="513184" cy="597163"/>
-          </a:xfrm>
-          <a:prstGeom prst="ellipse">
-            <a:avLst/>
-          </a:prstGeom>
-          <a:solidFill>
-            <a:schemeClr val="accent6">
-              <a:alpha val="24000"/>
-            </a:schemeClr>
-          </a:solidFill>
-        </p:spPr>
-        <p:style>
-          <a:lnRef idx="2">
-            <a:schemeClr val="accent1">
-              <a:shade val="15000"/>
-            </a:schemeClr>
-          </a:lnRef>
-          <a:fillRef idx="1">
-            <a:schemeClr val="accent1"/>
-          </a:fillRef>
-          <a:effectRef idx="0">
-            <a:schemeClr val="accent1"/>
-          </a:effectRef>
-          <a:fontRef idx="minor">
-            <a:schemeClr val="lt1"/>
-          </a:fontRef>
-        </p:style>
-        <p:txBody>
-          <a:bodyPr rtlCol="0" anchor="ctr"/>
-          <a:lstStyle/>
-          <a:p>
-            <a:pPr algn="ctr"/>
-            <a:endParaRPr lang="en-US" dirty="0"/>
-          </a:p>
-        </p:txBody>
-      </p:sp>
-      <p:sp>
-        <p:nvSpPr>
-          <p:cNvPr id="9" name="Oval 8">
-            <a:extLst>
-              <a:ext uri="{FF2B5EF4-FFF2-40B4-BE49-F238E27FC236}">
-                <a16:creationId xmlns:a16="http://schemas.microsoft.com/office/drawing/2014/main" id="{CBD65937-AA1E-E846-5325-38166CB73BEE}"/>
-              </a:ext>
-            </a:extLst>
-          </p:cNvPr>
-          <p:cNvSpPr/>
-          <p:nvPr/>
-        </p:nvSpPr>
-        <p:spPr>
-          <a:xfrm>
-            <a:off x="2861471" y="1231637"/>
-            <a:ext cx="513184" cy="289253"/>
-          </a:xfrm>
-          <a:prstGeom prst="ellipse">
-            <a:avLst/>
-          </a:prstGeom>
-          <a:solidFill>
-            <a:schemeClr val="accent2">
-              <a:alpha val="24000"/>
-            </a:schemeClr>
-          </a:solidFill>
-        </p:spPr>
-        <p:style>
-          <a:lnRef idx="2">
-            <a:schemeClr val="accent1">
-              <a:shade val="15000"/>
-            </a:schemeClr>
-          </a:lnRef>
-          <a:fillRef idx="1">
-            <a:schemeClr val="accent1"/>
-          </a:fillRef>
-          <a:effectRef idx="0">
-            <a:schemeClr val="accent1"/>
-          </a:effectRef>
-          <a:fontRef idx="minor">
-            <a:schemeClr val="lt1"/>
-          </a:fontRef>
-        </p:style>
-        <p:txBody>
-          <a:bodyPr rtlCol="0" anchor="ctr"/>
-          <a:lstStyle/>
-          <a:p>
-            <a:pPr algn="ctr"/>
-            <a:endParaRPr lang="en-US" dirty="0"/>
-          </a:p>
-        </p:txBody>
-      </p:sp>
-      <p:sp>
-        <p:nvSpPr>
-          <p:cNvPr id="10" name="Oval 9">
-            <a:extLst>
-              <a:ext uri="{FF2B5EF4-FFF2-40B4-BE49-F238E27FC236}">
-                <a16:creationId xmlns:a16="http://schemas.microsoft.com/office/drawing/2014/main" id="{CBE8C231-2EAA-EBB3-80FC-37C7D3BF3A87}"/>
-              </a:ext>
-            </a:extLst>
-          </p:cNvPr>
-          <p:cNvSpPr/>
-          <p:nvPr/>
-        </p:nvSpPr>
-        <p:spPr>
-          <a:xfrm>
-            <a:off x="3272906" y="5424193"/>
-            <a:ext cx="345233" cy="597163"/>
-          </a:xfrm>
-          <a:prstGeom prst="ellipse">
-            <a:avLst/>
-          </a:prstGeom>
-          <a:solidFill>
-            <a:schemeClr val="accent6">
-              <a:alpha val="24000"/>
-            </a:schemeClr>
-          </a:solidFill>
-        </p:spPr>
-        <p:style>
-          <a:lnRef idx="2">
-            <a:schemeClr val="accent1">
-              <a:shade val="15000"/>
-            </a:schemeClr>
-          </a:lnRef>
-          <a:fillRef idx="1">
-            <a:schemeClr val="accent1"/>
-          </a:fillRef>
-          <a:effectRef idx="0">
-            <a:schemeClr val="accent1"/>
-          </a:effectRef>
-          <a:fontRef idx="minor">
-            <a:schemeClr val="lt1"/>
-          </a:fontRef>
-        </p:style>
-        <p:txBody>
-          <a:bodyPr rtlCol="0" anchor="ctr"/>
-          <a:lstStyle/>
-          <a:p>
-            <a:pPr algn="ctr"/>
-            <a:endParaRPr lang="en-US" dirty="0"/>
-          </a:p>
-        </p:txBody>
-      </p:sp>
-      <p:sp>
-        <p:nvSpPr>
-          <p:cNvPr id="11" name="Oval 10">
-            <a:extLst>
-              <a:ext uri="{FF2B5EF4-FFF2-40B4-BE49-F238E27FC236}">
-                <a16:creationId xmlns:a16="http://schemas.microsoft.com/office/drawing/2014/main" id="{A964A60D-349C-C59B-F760-0A1FC49D1173}"/>
-              </a:ext>
-            </a:extLst>
-          </p:cNvPr>
-          <p:cNvSpPr/>
-          <p:nvPr/>
-        </p:nvSpPr>
-        <p:spPr>
-          <a:xfrm>
-            <a:off x="2902797" y="5408635"/>
-            <a:ext cx="345233" cy="597163"/>
-          </a:xfrm>
-          <a:prstGeom prst="ellipse">
-            <a:avLst/>
-          </a:prstGeom>
-          <a:solidFill>
-            <a:schemeClr val="accent6">
-              <a:alpha val="24000"/>
-            </a:schemeClr>
-          </a:solidFill>
-        </p:spPr>
-        <p:style>
-          <a:lnRef idx="2">
-            <a:schemeClr val="accent1">
-              <a:shade val="15000"/>
-            </a:schemeClr>
-          </a:lnRef>
-          <a:fillRef idx="1">
-            <a:schemeClr val="accent1"/>
-          </a:fillRef>
-          <a:effectRef idx="0">
-            <a:schemeClr val="accent1"/>
-          </a:effectRef>
-          <a:fontRef idx="minor">
-            <a:schemeClr val="lt1"/>
-          </a:fontRef>
-        </p:style>
-        <p:txBody>
-          <a:bodyPr rtlCol="0" anchor="ctr"/>
-          <a:lstStyle/>
-          <a:p>
-            <a:pPr algn="ctr"/>
-            <a:endParaRPr lang="en-US" dirty="0"/>
-          </a:p>
-        </p:txBody>
-      </p:sp>
-      <p:sp>
-        <p:nvSpPr>
-          <p:cNvPr id="12" name="Oval 11">
-            <a:extLst>
-              <a:ext uri="{FF2B5EF4-FFF2-40B4-BE49-F238E27FC236}">
-                <a16:creationId xmlns:a16="http://schemas.microsoft.com/office/drawing/2014/main" id="{E5605700-8307-8800-9C08-7576715BB305}"/>
-              </a:ext>
-            </a:extLst>
-          </p:cNvPr>
-          <p:cNvSpPr/>
-          <p:nvPr/>
-        </p:nvSpPr>
-        <p:spPr>
-          <a:xfrm>
-            <a:off x="1500088" y="5676400"/>
-            <a:ext cx="345233" cy="289253"/>
-          </a:xfrm>
-          <a:prstGeom prst="ellipse">
-            <a:avLst/>
-          </a:prstGeom>
-          <a:solidFill>
-            <a:schemeClr val="accent2">
-              <a:alpha val="24000"/>
-            </a:schemeClr>
-          </a:solidFill>
-        </p:spPr>
-        <p:style>
-          <a:lnRef idx="2">
-            <a:schemeClr val="accent1">
-              <a:shade val="15000"/>
-            </a:schemeClr>
-          </a:lnRef>
-          <a:fillRef idx="1">
-            <a:schemeClr val="accent1"/>
-          </a:fillRef>
-          <a:effectRef idx="0">
-            <a:schemeClr val="accent1"/>
-          </a:effectRef>
-          <a:fontRef idx="minor">
-            <a:schemeClr val="lt1"/>
-          </a:fontRef>
-        </p:style>
-        <p:txBody>
-          <a:bodyPr rtlCol="0" anchor="ctr"/>
-          <a:lstStyle/>
-          <a:p>
-            <a:pPr algn="ctr"/>
-            <a:endParaRPr lang="en-US" dirty="0"/>
-          </a:p>
-        </p:txBody>
-      </p:sp>
-      <p:sp>
-        <p:nvSpPr>
-          <p:cNvPr id="3" name="TextBox 2">
-            <a:extLst>
-              <a:ext uri="{FF2B5EF4-FFF2-40B4-BE49-F238E27FC236}">
-                <a16:creationId xmlns:a16="http://schemas.microsoft.com/office/drawing/2014/main" id="{EC3D9256-FD44-6B08-FCEC-A0281BD936F2}"/>
-              </a:ext>
-            </a:extLst>
-          </p:cNvPr>
-          <p:cNvSpPr txBox="1"/>
-          <p:nvPr/>
-        </p:nvSpPr>
-        <p:spPr>
-          <a:xfrm>
-            <a:off x="8610600" y="1133475"/>
-            <a:ext cx="3381375" cy="4524315"/>
-          </a:xfrm>
-          <a:prstGeom prst="rect">
-            <a:avLst/>
-          </a:prstGeom>
-          <a:noFill/>
-        </p:spPr>
-        <p:txBody>
-          <a:bodyPr wrap="square" rtlCol="0">
-            <a:spAutoFit/>
-          </a:bodyPr>
-          <a:lstStyle/>
-          <a:p>
-            <a:r>
-              <a:rPr lang="en-US" u="sng" dirty="0"/>
-              <a:t>Two</a:t>
-            </a:r>
-            <a:r>
-              <a:rPr lang="en-US" dirty="0"/>
-              <a:t> cells on row 0 contain (4,6) and </a:t>
-            </a:r>
-            <a:r>
-              <a:rPr lang="en-US" u="sng" dirty="0"/>
-              <a:t>only</a:t>
-            </a:r>
-            <a:r>
-              <a:rPr lang="en-US" dirty="0"/>
-              <a:t> (4,6).  We don’t know which one is going to be a 4 or which one is going to be a 6, but it doesn’t matter.  One of them is going to be a 4 and the other is going to be a 6 – that’s for sure.  </a:t>
-            </a:r>
-          </a:p>
-          <a:p>
-            <a:endParaRPr lang="en-US" dirty="0"/>
-          </a:p>
-          <a:p>
-            <a:r>
-              <a:rPr lang="en-US" dirty="0"/>
-              <a:t>What it means is that 4 or 6 cannot be a candidate for any other cell on this row.</a:t>
-            </a:r>
-          </a:p>
-          <a:p>
-            <a:endParaRPr lang="en-US" dirty="0"/>
-          </a:p>
-          <a:p>
-            <a:r>
-              <a:rPr lang="en-US" dirty="0"/>
-              <a:t>You can apply a similar technique to cols and squares to eliminate candidates within the col or square, respectively.</a:t>
-            </a:r>
-          </a:p>
-        </p:txBody>
-      </p:sp>
-    </p:spTree>
-    <p:extLst>
-      <p:ext uri="{BB962C8B-B14F-4D97-AF65-F5344CB8AC3E}">
-        <p14:creationId xmlns:p14="http://schemas.microsoft.com/office/powerpoint/2010/main" val="2055788050"/>
       </p:ext>
     </p:extLst>
   </p:cSld>
@@ -8793,10 +9111,10 @@
       </p:grpSpPr>
       <p:sp>
         <p:nvSpPr>
-          <p:cNvPr id="3" name="Title 1">
-            <a:extLst>
-              <a:ext uri="{FF2B5EF4-FFF2-40B4-BE49-F238E27FC236}">
-                <a16:creationId xmlns:a16="http://schemas.microsoft.com/office/drawing/2014/main" id="{0334F5D6-F602-A38A-A8D0-9ADA6FCD294D}"/>
+          <p:cNvPr id="2" name="Title 1">
+            <a:extLst>
+              <a:ext uri="{FF2B5EF4-FFF2-40B4-BE49-F238E27FC236}">
+                <a16:creationId xmlns:a16="http://schemas.microsoft.com/office/drawing/2014/main" id="{B1D04E24-1E9F-7616-C997-421EFC597AB2}"/>
               </a:ext>
             </a:extLst>
           </p:cNvPr>
@@ -8804,13 +9122,13 @@
             <a:spLocks noGrp="1"/>
           </p:cNvSpPr>
           <p:nvPr>
-            <p:ph type="title"/>
+            <p:ph type="ctrTitle"/>
           </p:nvPr>
         </p:nvSpPr>
         <p:spPr>
           <a:xfrm>
-            <a:off x="838200" y="155575"/>
-            <a:ext cx="10515600" cy="625475"/>
+            <a:off x="951723" y="120099"/>
+            <a:ext cx="10338318" cy="756979"/>
           </a:xfrm>
         </p:spPr>
         <p:txBody>
@@ -8819,20 +9137,19 @@
           </a:bodyPr>
           <a:lstStyle/>
           <a:p>
-            <a:pPr algn="ctr"/>
-            <a:r>
-              <a:rPr lang="en-US" sz="6000" dirty="0"/>
-              <a:t>Pruning Naked Triples</a:t>
+            <a:r>
+              <a:rPr lang="en-US" dirty="0"/>
+              <a:t>Pruning Naked Pairs</a:t>
             </a:r>
           </a:p>
         </p:txBody>
       </p:sp>
       <p:pic>
         <p:nvPicPr>
-          <p:cNvPr id="8" name="Picture 7">
-            <a:extLst>
-              <a:ext uri="{FF2B5EF4-FFF2-40B4-BE49-F238E27FC236}">
-                <a16:creationId xmlns:a16="http://schemas.microsoft.com/office/drawing/2014/main" id="{8BE22611-F0C3-548C-931F-94F5AEE7D95A}"/>
+          <p:cNvPr id="4" name="Picture 3">
+            <a:extLst>
+              <a:ext uri="{FF2B5EF4-FFF2-40B4-BE49-F238E27FC236}">
+                <a16:creationId xmlns:a16="http://schemas.microsoft.com/office/drawing/2014/main" id="{DA2D0681-7A6B-35DE-516D-44E22517549B}"/>
               </a:ext>
             </a:extLst>
           </p:cNvPr>
@@ -8849,8 +9166,8 @@
         </p:blipFill>
         <p:spPr>
           <a:xfrm>
-            <a:off x="285750" y="976312"/>
-            <a:ext cx="8153400" cy="5476875"/>
+            <a:off x="833437" y="1018311"/>
+            <a:ext cx="7572375" cy="5362575"/>
           </a:xfrm>
           <a:prstGeom prst="rect">
             <a:avLst/>
@@ -8864,10 +9181,10 @@
       </p:pic>
       <p:sp>
         <p:nvSpPr>
-          <p:cNvPr id="9" name="Oval 8">
-            <a:extLst>
-              <a:ext uri="{FF2B5EF4-FFF2-40B4-BE49-F238E27FC236}">
-                <a16:creationId xmlns:a16="http://schemas.microsoft.com/office/drawing/2014/main" id="{1A56801B-1372-2EF0-33B4-66AB9ABDF62B}"/>
+          <p:cNvPr id="6" name="Oval 5">
+            <a:extLst>
+              <a:ext uri="{FF2B5EF4-FFF2-40B4-BE49-F238E27FC236}">
+                <a16:creationId xmlns:a16="http://schemas.microsoft.com/office/drawing/2014/main" id="{63CB79D4-014A-26EE-AB34-6B191E44A6D9}"/>
               </a:ext>
             </a:extLst>
           </p:cNvPr>
@@ -8876,8 +9193,8 @@
         </p:nvSpPr>
         <p:spPr>
           <a:xfrm>
-            <a:off x="2371725" y="1285875"/>
-            <a:ext cx="1017898" cy="314325"/>
+            <a:off x="833437" y="1231637"/>
+            <a:ext cx="513184" cy="597163"/>
           </a:xfrm>
           <a:prstGeom prst="ellipse">
             <a:avLst/>
@@ -8915,10 +9232,10 @@
       </p:sp>
       <p:sp>
         <p:nvSpPr>
-          <p:cNvPr id="10" name="Oval 9">
-            <a:extLst>
-              <a:ext uri="{FF2B5EF4-FFF2-40B4-BE49-F238E27FC236}">
-                <a16:creationId xmlns:a16="http://schemas.microsoft.com/office/drawing/2014/main" id="{E1923FCD-7D91-B611-6015-CC2BE5CAAB1E}"/>
+          <p:cNvPr id="8" name="Oval 7">
+            <a:extLst>
+              <a:ext uri="{FF2B5EF4-FFF2-40B4-BE49-F238E27FC236}">
+                <a16:creationId xmlns:a16="http://schemas.microsoft.com/office/drawing/2014/main" id="{4ABC8B27-A90B-86A0-162A-5619FE8F37AB}"/>
               </a:ext>
             </a:extLst>
           </p:cNvPr>
@@ -8927,14 +9244,14 @@
         </p:nvSpPr>
         <p:spPr>
           <a:xfrm>
-            <a:off x="457200" y="1314451"/>
-            <a:ext cx="295276" cy="200024"/>
+            <a:off x="3514614" y="1212977"/>
+            <a:ext cx="513184" cy="597163"/>
           </a:xfrm>
           <a:prstGeom prst="ellipse">
             <a:avLst/>
           </a:prstGeom>
           <a:solidFill>
-            <a:schemeClr val="accent2">
+            <a:schemeClr val="accent6">
               <a:alpha val="24000"/>
             </a:schemeClr>
           </a:solidFill>
@@ -8966,10 +9283,10 @@
       </p:sp>
       <p:sp>
         <p:nvSpPr>
-          <p:cNvPr id="11" name="Oval 10">
-            <a:extLst>
-              <a:ext uri="{FF2B5EF4-FFF2-40B4-BE49-F238E27FC236}">
-                <a16:creationId xmlns:a16="http://schemas.microsoft.com/office/drawing/2014/main" id="{43FC4290-EAA3-8245-4251-2261CEB09618}"/>
+          <p:cNvPr id="9" name="Oval 8">
+            <a:extLst>
+              <a:ext uri="{FF2B5EF4-FFF2-40B4-BE49-F238E27FC236}">
+                <a16:creationId xmlns:a16="http://schemas.microsoft.com/office/drawing/2014/main" id="{CBD65937-AA1E-E846-5325-38166CB73BEE}"/>
               </a:ext>
             </a:extLst>
           </p:cNvPr>
@@ -8978,8 +9295,8 @@
         </p:nvSpPr>
         <p:spPr>
           <a:xfrm>
-            <a:off x="752476" y="1323976"/>
-            <a:ext cx="295276" cy="200024"/>
+            <a:off x="2861471" y="1231637"/>
+            <a:ext cx="513184" cy="289253"/>
           </a:xfrm>
           <a:prstGeom prst="ellipse">
             <a:avLst/>
@@ -9017,10 +9334,10 @@
       </p:sp>
       <p:sp>
         <p:nvSpPr>
-          <p:cNvPr id="12" name="Oval 11">
-            <a:extLst>
-              <a:ext uri="{FF2B5EF4-FFF2-40B4-BE49-F238E27FC236}">
-                <a16:creationId xmlns:a16="http://schemas.microsoft.com/office/drawing/2014/main" id="{0930755D-BB25-92E2-3811-69EB17EFF6A2}"/>
+          <p:cNvPr id="10" name="Oval 9">
+            <a:extLst>
+              <a:ext uri="{FF2B5EF4-FFF2-40B4-BE49-F238E27FC236}">
+                <a16:creationId xmlns:a16="http://schemas.microsoft.com/office/drawing/2014/main" id="{CBE8C231-2EAA-EBB3-80FC-37C7D3BF3A87}"/>
               </a:ext>
             </a:extLst>
           </p:cNvPr>
@@ -9029,14 +9346,14 @@
         </p:nvSpPr>
         <p:spPr>
           <a:xfrm>
-            <a:off x="1071564" y="1323976"/>
-            <a:ext cx="295276" cy="200024"/>
+            <a:off x="3272906" y="5424193"/>
+            <a:ext cx="345233" cy="597163"/>
           </a:xfrm>
           <a:prstGeom prst="ellipse">
             <a:avLst/>
           </a:prstGeom>
           <a:solidFill>
-            <a:schemeClr val="accent2">
+            <a:schemeClr val="accent6">
               <a:alpha val="24000"/>
             </a:schemeClr>
           </a:solidFill>
@@ -9068,10 +9385,112 @@
       </p:sp>
       <p:sp>
         <p:nvSpPr>
-          <p:cNvPr id="4" name="TextBox 3">
-            <a:extLst>
-              <a:ext uri="{FF2B5EF4-FFF2-40B4-BE49-F238E27FC236}">
-                <a16:creationId xmlns:a16="http://schemas.microsoft.com/office/drawing/2014/main" id="{486B76A3-FE41-F315-C1BE-6A6994BAC47A}"/>
+          <p:cNvPr id="11" name="Oval 10">
+            <a:extLst>
+              <a:ext uri="{FF2B5EF4-FFF2-40B4-BE49-F238E27FC236}">
+                <a16:creationId xmlns:a16="http://schemas.microsoft.com/office/drawing/2014/main" id="{A964A60D-349C-C59B-F760-0A1FC49D1173}"/>
+              </a:ext>
+            </a:extLst>
+          </p:cNvPr>
+          <p:cNvSpPr/>
+          <p:nvPr/>
+        </p:nvSpPr>
+        <p:spPr>
+          <a:xfrm>
+            <a:off x="2902797" y="5408635"/>
+            <a:ext cx="345233" cy="597163"/>
+          </a:xfrm>
+          <a:prstGeom prst="ellipse">
+            <a:avLst/>
+          </a:prstGeom>
+          <a:solidFill>
+            <a:schemeClr val="accent6">
+              <a:alpha val="24000"/>
+            </a:schemeClr>
+          </a:solidFill>
+        </p:spPr>
+        <p:style>
+          <a:lnRef idx="2">
+            <a:schemeClr val="accent1">
+              <a:shade val="15000"/>
+            </a:schemeClr>
+          </a:lnRef>
+          <a:fillRef idx="1">
+            <a:schemeClr val="accent1"/>
+          </a:fillRef>
+          <a:effectRef idx="0">
+            <a:schemeClr val="accent1"/>
+          </a:effectRef>
+          <a:fontRef idx="minor">
+            <a:schemeClr val="lt1"/>
+          </a:fontRef>
+        </p:style>
+        <p:txBody>
+          <a:bodyPr rtlCol="0" anchor="ctr"/>
+          <a:lstStyle/>
+          <a:p>
+            <a:pPr algn="ctr"/>
+            <a:endParaRPr lang="en-US" dirty="0"/>
+          </a:p>
+        </p:txBody>
+      </p:sp>
+      <p:sp>
+        <p:nvSpPr>
+          <p:cNvPr id="12" name="Oval 11">
+            <a:extLst>
+              <a:ext uri="{FF2B5EF4-FFF2-40B4-BE49-F238E27FC236}">
+                <a16:creationId xmlns:a16="http://schemas.microsoft.com/office/drawing/2014/main" id="{E5605700-8307-8800-9C08-7576715BB305}"/>
+              </a:ext>
+            </a:extLst>
+          </p:cNvPr>
+          <p:cNvSpPr/>
+          <p:nvPr/>
+        </p:nvSpPr>
+        <p:spPr>
+          <a:xfrm>
+            <a:off x="1500088" y="5676400"/>
+            <a:ext cx="345233" cy="289253"/>
+          </a:xfrm>
+          <a:prstGeom prst="ellipse">
+            <a:avLst/>
+          </a:prstGeom>
+          <a:solidFill>
+            <a:schemeClr val="accent2">
+              <a:alpha val="24000"/>
+            </a:schemeClr>
+          </a:solidFill>
+        </p:spPr>
+        <p:style>
+          <a:lnRef idx="2">
+            <a:schemeClr val="accent1">
+              <a:shade val="15000"/>
+            </a:schemeClr>
+          </a:lnRef>
+          <a:fillRef idx="1">
+            <a:schemeClr val="accent1"/>
+          </a:fillRef>
+          <a:effectRef idx="0">
+            <a:schemeClr val="accent1"/>
+          </a:effectRef>
+          <a:fontRef idx="minor">
+            <a:schemeClr val="lt1"/>
+          </a:fontRef>
+        </p:style>
+        <p:txBody>
+          <a:bodyPr rtlCol="0" anchor="ctr"/>
+          <a:lstStyle/>
+          <a:p>
+            <a:pPr algn="ctr"/>
+            <a:endParaRPr lang="en-US" dirty="0"/>
+          </a:p>
+        </p:txBody>
+      </p:sp>
+      <p:sp>
+        <p:nvSpPr>
+          <p:cNvPr id="3" name="TextBox 2">
+            <a:extLst>
+              <a:ext uri="{FF2B5EF4-FFF2-40B4-BE49-F238E27FC236}">
+                <a16:creationId xmlns:a16="http://schemas.microsoft.com/office/drawing/2014/main" id="{EC3D9256-FD44-6B08-FCEC-A0281BD936F2}"/>
               </a:ext>
             </a:extLst>
           </p:cNvPr>
@@ -9080,8 +9499,8 @@
         </p:nvSpPr>
         <p:spPr>
           <a:xfrm>
-            <a:off x="8534400" y="976312"/>
-            <a:ext cx="3419475" cy="5324535"/>
+            <a:off x="8610600" y="1133475"/>
+            <a:ext cx="3381375" cy="4524315"/>
           </a:xfrm>
           <a:prstGeom prst="rect">
             <a:avLst/>
@@ -9095,46 +9514,46 @@
           <a:lstStyle/>
           <a:p>
             <a:r>
-              <a:rPr lang="en-US" sz="1600" dirty="0"/>
-              <a:t>Three cells on row 0 contain (combined) only three numbers (1,2,3).  Three cells, only three numbers – that’s the key.  We don’t know which one is which, but, again, it doesn’t matter – one is going to be 1 one a 2 and one a 3, that’s for sure.</a:t>
-            </a:r>
-          </a:p>
-          <a:p>
-            <a:endParaRPr lang="en-US" sz="1600" dirty="0"/>
-          </a:p>
-          <a:p>
-            <a:r>
-              <a:rPr lang="en-US" sz="1600" dirty="0"/>
-              <a:t>What it means is that 1 or 2 or 3 cannot be a candidate for any other cell on this row.</a:t>
-            </a:r>
-          </a:p>
-          <a:p>
-            <a:endParaRPr lang="en-US" sz="1600" dirty="0"/>
-          </a:p>
-          <a:p>
-            <a:r>
-              <a:rPr lang="en-US" sz="1600" dirty="0"/>
-              <a:t>Generally, this is easier to spot when all three square contain all 3 numbers (1,2,3) but they don’t have to.</a:t>
-            </a:r>
-          </a:p>
-          <a:p>
-            <a:endParaRPr lang="en-US" dirty="0"/>
-          </a:p>
-          <a:p>
-            <a:r>
-              <a:rPr lang="en-US" sz="1600" dirty="0"/>
+              <a:rPr lang="en-US" u="sng" dirty="0"/>
+              <a:t>Two</a:t>
+            </a:r>
+            <a:r>
+              <a:rPr lang="en-US" dirty="0"/>
+              <a:t> cells on row 0 contain (4,6) and </a:t>
+            </a:r>
+            <a:r>
+              <a:rPr lang="en-US" u="sng" dirty="0"/>
+              <a:t>only</a:t>
+            </a:r>
+            <a:r>
+              <a:rPr lang="en-US" dirty="0"/>
+              <a:t> (4,6).  We don’t know which one is going to be a 4 or which one is going to be a 6, but it doesn’t matter.  One of them is going to be a 4 and the other is going to be a 6 – that’s for sure.  </a:t>
+            </a:r>
+          </a:p>
+          <a:p>
+            <a:endParaRPr lang="en-US" dirty="0"/>
+          </a:p>
+          <a:p>
+            <a:r>
+              <a:rPr lang="en-US" dirty="0"/>
+              <a:t>What it means is that 4 or 6 cannot be a candidate for any other cell on this row.</a:t>
+            </a:r>
+          </a:p>
+          <a:p>
+            <a:endParaRPr lang="en-US" dirty="0"/>
+          </a:p>
+          <a:p>
+            <a:r>
+              <a:rPr lang="en-US" dirty="0"/>
               <a:t>You can apply a similar technique to cols and squares to eliminate candidates within the col or square, respectively.</a:t>
             </a:r>
-          </a:p>
-          <a:p>
-            <a:endParaRPr lang="en-US" dirty="0"/>
           </a:p>
         </p:txBody>
       </p:sp>
     </p:spTree>
     <p:extLst>
       <p:ext uri="{BB962C8B-B14F-4D97-AF65-F5344CB8AC3E}">
-        <p14:creationId xmlns:p14="http://schemas.microsoft.com/office/powerpoint/2010/main" val="482429318"/>
+        <p14:creationId xmlns:p14="http://schemas.microsoft.com/office/powerpoint/2010/main" val="2055788050"/>
       </p:ext>
     </p:extLst>
   </p:cSld>
@@ -9161,12 +9580,48 @@
           <a:chExt cx="0" cy="0"/>
         </a:xfrm>
       </p:grpSpPr>
+      <p:sp>
+        <p:nvSpPr>
+          <p:cNvPr id="3" name="Title 1">
+            <a:extLst>
+              <a:ext uri="{FF2B5EF4-FFF2-40B4-BE49-F238E27FC236}">
+                <a16:creationId xmlns:a16="http://schemas.microsoft.com/office/drawing/2014/main" id="{0334F5D6-F602-A38A-A8D0-9ADA6FCD294D}"/>
+              </a:ext>
+            </a:extLst>
+          </p:cNvPr>
+          <p:cNvSpPr>
+            <a:spLocks noGrp="1"/>
+          </p:cNvSpPr>
+          <p:nvPr>
+            <p:ph type="title"/>
+          </p:nvPr>
+        </p:nvSpPr>
+        <p:spPr>
+          <a:xfrm>
+            <a:off x="838200" y="155575"/>
+            <a:ext cx="10515600" cy="625475"/>
+          </a:xfrm>
+        </p:spPr>
+        <p:txBody>
+          <a:bodyPr>
+            <a:normAutofit fontScale="90000"/>
+          </a:bodyPr>
+          <a:lstStyle/>
+          <a:p>
+            <a:pPr algn="ctr"/>
+            <a:r>
+              <a:rPr lang="en-US" sz="6000" dirty="0"/>
+              <a:t>Pruning Naked Triples</a:t>
+            </a:r>
+          </a:p>
+        </p:txBody>
+      </p:sp>
       <p:pic>
         <p:nvPicPr>
-          <p:cNvPr id="14" name="Picture 13">
-            <a:extLst>
-              <a:ext uri="{FF2B5EF4-FFF2-40B4-BE49-F238E27FC236}">
-                <a16:creationId xmlns:a16="http://schemas.microsoft.com/office/drawing/2014/main" id="{8972CC2E-3878-2F8D-361E-4EC5A646D3BA}"/>
+          <p:cNvPr id="8" name="Picture 7">
+            <a:extLst>
+              <a:ext uri="{FF2B5EF4-FFF2-40B4-BE49-F238E27FC236}">
+                <a16:creationId xmlns:a16="http://schemas.microsoft.com/office/drawing/2014/main" id="{8BE22611-F0C3-548C-931F-94F5AEE7D95A}"/>
               </a:ext>
             </a:extLst>
           </p:cNvPr>
@@ -9183,8 +9638,8 @@
         </p:blipFill>
         <p:spPr>
           <a:xfrm>
-            <a:off x="423862" y="671512"/>
-            <a:ext cx="8010525" cy="5972175"/>
+            <a:off x="285750" y="976312"/>
+            <a:ext cx="8153400" cy="5476875"/>
           </a:xfrm>
           <a:prstGeom prst="rect">
             <a:avLst/>
@@ -9198,46 +9653,10 @@
       </p:pic>
       <p:sp>
         <p:nvSpPr>
-          <p:cNvPr id="2" name="Title 1">
-            <a:extLst>
-              <a:ext uri="{FF2B5EF4-FFF2-40B4-BE49-F238E27FC236}">
-                <a16:creationId xmlns:a16="http://schemas.microsoft.com/office/drawing/2014/main" id="{1612785F-EA79-C9C5-CF5B-0E8B1076821F}"/>
-              </a:ext>
-            </a:extLst>
-          </p:cNvPr>
-          <p:cNvSpPr>
-            <a:spLocks noGrp="1"/>
-          </p:cNvSpPr>
-          <p:nvPr>
-            <p:ph type="title"/>
-          </p:nvPr>
-        </p:nvSpPr>
-        <p:spPr>
-          <a:xfrm>
-            <a:off x="838200" y="60325"/>
-            <a:ext cx="10515600" cy="625475"/>
-          </a:xfrm>
-        </p:spPr>
-        <p:txBody>
-          <a:bodyPr>
-            <a:normAutofit fontScale="90000"/>
-          </a:bodyPr>
-          <a:lstStyle/>
-          <a:p>
-            <a:pPr algn="ctr"/>
-            <a:r>
-              <a:rPr lang="en-US" sz="5400" dirty="0"/>
-              <a:t>Pruning Hidden Pairs</a:t>
-            </a:r>
-          </a:p>
-        </p:txBody>
-      </p:sp>
-      <p:sp>
-        <p:nvSpPr>
           <p:cNvPr id="9" name="Oval 8">
             <a:extLst>
               <a:ext uri="{FF2B5EF4-FFF2-40B4-BE49-F238E27FC236}">
-                <a16:creationId xmlns:a16="http://schemas.microsoft.com/office/drawing/2014/main" id="{31565B09-E8AC-2274-987B-5635D8FF599E}"/>
+                <a16:creationId xmlns:a16="http://schemas.microsoft.com/office/drawing/2014/main" id="{1A56801B-1372-2EF0-33B4-66AB9ABDF62B}"/>
               </a:ext>
             </a:extLst>
           </p:cNvPr>
@@ -9246,8 +9665,8 @@
         </p:nvSpPr>
         <p:spPr>
           <a:xfrm>
-            <a:off x="3362325" y="3429000"/>
-            <a:ext cx="285750" cy="466725"/>
+            <a:off x="2371725" y="1285875"/>
+            <a:ext cx="1017898" cy="314325"/>
           </a:xfrm>
           <a:prstGeom prst="ellipse">
             <a:avLst/>
@@ -9288,7 +9707,7 @@
           <p:cNvPr id="10" name="Oval 9">
             <a:extLst>
               <a:ext uri="{FF2B5EF4-FFF2-40B4-BE49-F238E27FC236}">
-                <a16:creationId xmlns:a16="http://schemas.microsoft.com/office/drawing/2014/main" id="{12E36BEE-2C4C-C940-8337-ACDEEBC0B7D6}"/>
+                <a16:creationId xmlns:a16="http://schemas.microsoft.com/office/drawing/2014/main" id="{E1923FCD-7D91-B611-6015-CC2BE5CAAB1E}"/>
               </a:ext>
             </a:extLst>
           </p:cNvPr>
@@ -9297,14 +9716,14 @@
         </p:nvSpPr>
         <p:spPr>
           <a:xfrm>
-            <a:off x="2457450" y="3429000"/>
-            <a:ext cx="285750" cy="466725"/>
+            <a:off x="457200" y="1314451"/>
+            <a:ext cx="295276" cy="200024"/>
           </a:xfrm>
           <a:prstGeom prst="ellipse">
             <a:avLst/>
           </a:prstGeom>
           <a:solidFill>
-            <a:schemeClr val="accent6">
+            <a:schemeClr val="accent2">
               <a:alpha val="24000"/>
             </a:schemeClr>
           </a:solidFill>
@@ -9339,7 +9758,7 @@
           <p:cNvPr id="11" name="Oval 10">
             <a:extLst>
               <a:ext uri="{FF2B5EF4-FFF2-40B4-BE49-F238E27FC236}">
-                <a16:creationId xmlns:a16="http://schemas.microsoft.com/office/drawing/2014/main" id="{A061A80A-9BA4-02A0-29AC-C6E0EA3CEDCB}"/>
+                <a16:creationId xmlns:a16="http://schemas.microsoft.com/office/drawing/2014/main" id="{43FC4290-EAA3-8245-4251-2261CEB09618}"/>
               </a:ext>
             </a:extLst>
           </p:cNvPr>
@@ -9348,8 +9767,8 @@
         </p:nvSpPr>
         <p:spPr>
           <a:xfrm>
-            <a:off x="2171700" y="3429000"/>
-            <a:ext cx="285750" cy="466725"/>
+            <a:off x="752476" y="1323976"/>
+            <a:ext cx="295276" cy="200024"/>
           </a:xfrm>
           <a:prstGeom prst="ellipse">
             <a:avLst/>
@@ -9390,7 +9809,7 @@
           <p:cNvPr id="12" name="Oval 11">
             <a:extLst>
               <a:ext uri="{FF2B5EF4-FFF2-40B4-BE49-F238E27FC236}">
-                <a16:creationId xmlns:a16="http://schemas.microsoft.com/office/drawing/2014/main" id="{AE01EC46-A36D-C0FE-B6E9-95941F11B4D7}"/>
+                <a16:creationId xmlns:a16="http://schemas.microsoft.com/office/drawing/2014/main" id="{0930755D-BB25-92E2-3811-69EB17EFF6A2}"/>
               </a:ext>
             </a:extLst>
           </p:cNvPr>
@@ -9399,8 +9818,8 @@
         </p:nvSpPr>
         <p:spPr>
           <a:xfrm>
-            <a:off x="3076575" y="3429000"/>
-            <a:ext cx="285750" cy="466725"/>
+            <a:off x="1071564" y="1323976"/>
+            <a:ext cx="295276" cy="200024"/>
           </a:xfrm>
           <a:prstGeom prst="ellipse">
             <a:avLst/>
@@ -9438,10 +9857,10 @@
       </p:sp>
       <p:sp>
         <p:nvSpPr>
-          <p:cNvPr id="3" name="TextBox 2">
-            <a:extLst>
-              <a:ext uri="{FF2B5EF4-FFF2-40B4-BE49-F238E27FC236}">
-                <a16:creationId xmlns:a16="http://schemas.microsoft.com/office/drawing/2014/main" id="{89D5A9A0-770A-20E7-70BE-E2AC65FBF546}"/>
+          <p:cNvPr id="4" name="TextBox 3">
+            <a:extLst>
+              <a:ext uri="{FF2B5EF4-FFF2-40B4-BE49-F238E27FC236}">
+                <a16:creationId xmlns:a16="http://schemas.microsoft.com/office/drawing/2014/main" id="{486B76A3-FE41-F315-C1BE-6A6994BAC47A}"/>
               </a:ext>
             </a:extLst>
           </p:cNvPr>
@@ -9450,8 +9869,8 @@
         </p:nvSpPr>
         <p:spPr>
           <a:xfrm>
-            <a:off x="8515350" y="790575"/>
-            <a:ext cx="3486150" cy="5262979"/>
+            <a:off x="8534400" y="976312"/>
+            <a:ext cx="3419475" cy="5324535"/>
           </a:xfrm>
           <a:prstGeom prst="rect">
             <a:avLst/>
@@ -9466,7 +9885,7 @@
           <a:p>
             <a:r>
               <a:rPr lang="en-US" sz="1600" dirty="0"/>
-              <a:t>Ok, hang on things are about to get weird.</a:t>
+              <a:t>Three cells on row 0 contain (combined) only three numbers (1,2,3).  Three cells, only three numbers – that’s the key.  We don’t know which one is which, but, again, it doesn’t matter – one is going to be 1 one a 2 and one a 3, that’s for sure.</a:t>
             </a:r>
           </a:p>
           <a:p>
@@ -9475,7 +9894,7 @@
           <a:p>
             <a:r>
               <a:rPr lang="en-US" sz="1600" dirty="0"/>
-              <a:t>On row 4 there are only two places where 3 and 5 can exist. You'd see them as a naked pair, if they weren't hidden by extra numbers.</a:t>
+              <a:t>What it means is that 1 or 2 or 3 cannot be a candidate for any other cell on this row.</a:t>
             </a:r>
           </a:p>
           <a:p>
@@ -9484,32 +9903,27 @@
           <a:p>
             <a:r>
               <a:rPr lang="en-US" sz="1600" dirty="0"/>
-              <a:t>Because 3 and 5 can only exist in two of those cells (</a:t>
-            </a:r>
-            <a:r>
-              <a:rPr lang="en-US" sz="1600" b="1" dirty="0"/>
-              <a:t>no other cells will accept either of them</a:t>
-            </a:r>
+              <a:t>Generally, this is easier to spot when all three square contain all 3 numbers (1,2,3) but they don’t have to.</a:t>
+            </a:r>
+          </a:p>
+          <a:p>
+            <a:endParaRPr lang="en-US" dirty="0"/>
+          </a:p>
+          <a:p>
             <a:r>
               <a:rPr lang="en-US" sz="1600" dirty="0"/>
-              <a:t>), that means they must be in those two cells, leaving no room for any other. Even though you don't know which is which, you can remove all other candidates from the within those two cells.</a:t>
-            </a:r>
-          </a:p>
-          <a:p>
-            <a:endParaRPr lang="en-US" sz="1600" dirty="0"/>
-          </a:p>
-          <a:p>
-            <a:r>
-              <a:rPr lang="en-US" sz="1600" dirty="0"/>
-              <a:t>Note that with naked pairs candidates outside the pair’s cells are removed whereas with hidden pairs candidates inside the pair’s cells are removed.</a:t>
-            </a:r>
+              <a:t>You can apply a similar technique to cols and squares to eliminate candidates within the col or square, respectively.</a:t>
+            </a:r>
+          </a:p>
+          <a:p>
+            <a:endParaRPr lang="en-US" dirty="0"/>
           </a:p>
         </p:txBody>
       </p:sp>
     </p:spTree>
     <p:extLst>
       <p:ext uri="{BB962C8B-B14F-4D97-AF65-F5344CB8AC3E}">
-        <p14:creationId xmlns:p14="http://schemas.microsoft.com/office/powerpoint/2010/main" val="2843598930"/>
+        <p14:creationId xmlns:p14="http://schemas.microsoft.com/office/powerpoint/2010/main" val="482429318"/>
       </p:ext>
     </p:extLst>
   </p:cSld>

--- a/docs/prunning.pptx
+++ b/docs/prunning.pptx
@@ -19,7 +19,7 @@
     <p:sldId id="260" r:id="rId13"/>
     <p:sldId id="261" r:id="rId14"/>
     <p:sldId id="267" r:id="rId15"/>
-    <p:sldId id="268" r:id="rId16"/>
+    <p:sldId id="271" r:id="rId16"/>
   </p:sldIdLst>
   <p:sldSz cx="12192000" cy="6858000"/>
   <p:notesSz cx="6858000" cy="9144000"/>
@@ -300,7 +300,7 @@
           <a:p>
             <a:fld id="{1F274930-2381-46E1-B0AC-06AFA971923E}" type="datetimeFigureOut">
               <a:rPr lang="en-US" smtClean="0"/>
-              <a:t>3/31/2024</a:t>
+              <a:t>4/1/2024</a:t>
             </a:fld>
             <a:endParaRPr lang="en-US" dirty="0"/>
           </a:p>
@@ -498,7 +498,7 @@
           <a:p>
             <a:fld id="{1F274930-2381-46E1-B0AC-06AFA971923E}" type="datetimeFigureOut">
               <a:rPr lang="en-US" smtClean="0"/>
-              <a:t>3/31/2024</a:t>
+              <a:t>4/1/2024</a:t>
             </a:fld>
             <a:endParaRPr lang="en-US" dirty="0"/>
           </a:p>
@@ -706,7 +706,7 @@
           <a:p>
             <a:fld id="{1F274930-2381-46E1-B0AC-06AFA971923E}" type="datetimeFigureOut">
               <a:rPr lang="en-US" smtClean="0"/>
-              <a:t>3/31/2024</a:t>
+              <a:t>4/1/2024</a:t>
             </a:fld>
             <a:endParaRPr lang="en-US" dirty="0"/>
           </a:p>
@@ -904,7 +904,7 @@
           <a:p>
             <a:fld id="{1F274930-2381-46E1-B0AC-06AFA971923E}" type="datetimeFigureOut">
               <a:rPr lang="en-US" smtClean="0"/>
-              <a:t>3/31/2024</a:t>
+              <a:t>4/1/2024</a:t>
             </a:fld>
             <a:endParaRPr lang="en-US" dirty="0"/>
           </a:p>
@@ -1179,7 +1179,7 @@
           <a:p>
             <a:fld id="{1F274930-2381-46E1-B0AC-06AFA971923E}" type="datetimeFigureOut">
               <a:rPr lang="en-US" smtClean="0"/>
-              <a:t>3/31/2024</a:t>
+              <a:t>4/1/2024</a:t>
             </a:fld>
             <a:endParaRPr lang="en-US" dirty="0"/>
           </a:p>
@@ -1444,7 +1444,7 @@
           <a:p>
             <a:fld id="{1F274930-2381-46E1-B0AC-06AFA971923E}" type="datetimeFigureOut">
               <a:rPr lang="en-US" smtClean="0"/>
-              <a:t>3/31/2024</a:t>
+              <a:t>4/1/2024</a:t>
             </a:fld>
             <a:endParaRPr lang="en-US" dirty="0"/>
           </a:p>
@@ -1856,7 +1856,7 @@
           <a:p>
             <a:fld id="{1F274930-2381-46E1-B0AC-06AFA971923E}" type="datetimeFigureOut">
               <a:rPr lang="en-US" smtClean="0"/>
-              <a:t>3/31/2024</a:t>
+              <a:t>4/1/2024</a:t>
             </a:fld>
             <a:endParaRPr lang="en-US" dirty="0"/>
           </a:p>
@@ -1997,7 +1997,7 @@
           <a:p>
             <a:fld id="{1F274930-2381-46E1-B0AC-06AFA971923E}" type="datetimeFigureOut">
               <a:rPr lang="en-US" smtClean="0"/>
-              <a:t>3/31/2024</a:t>
+              <a:t>4/1/2024</a:t>
             </a:fld>
             <a:endParaRPr lang="en-US" dirty="0"/>
           </a:p>
@@ -2110,7 +2110,7 @@
           <a:p>
             <a:fld id="{1F274930-2381-46E1-B0AC-06AFA971923E}" type="datetimeFigureOut">
               <a:rPr lang="en-US" smtClean="0"/>
-              <a:t>3/31/2024</a:t>
+              <a:t>4/1/2024</a:t>
             </a:fld>
             <a:endParaRPr lang="en-US" dirty="0"/>
           </a:p>
@@ -2421,7 +2421,7 @@
           <a:p>
             <a:fld id="{1F274930-2381-46E1-B0AC-06AFA971923E}" type="datetimeFigureOut">
               <a:rPr lang="en-US" smtClean="0"/>
-              <a:t>3/31/2024</a:t>
+              <a:t>4/1/2024</a:t>
             </a:fld>
             <a:endParaRPr lang="en-US" dirty="0"/>
           </a:p>
@@ -2709,7 +2709,7 @@
           <a:p>
             <a:fld id="{1F274930-2381-46E1-B0AC-06AFA971923E}" type="datetimeFigureOut">
               <a:rPr lang="en-US" smtClean="0"/>
-              <a:t>3/31/2024</a:t>
+              <a:t>4/1/2024</a:t>
             </a:fld>
             <a:endParaRPr lang="en-US" dirty="0"/>
           </a:p>
@@ -2950,7 +2950,7 @@
           <a:p>
             <a:fld id="{1F274930-2381-46E1-B0AC-06AFA971923E}" type="datetimeFigureOut">
               <a:rPr lang="en-US" smtClean="0"/>
-              <a:t>3/31/2024</a:t>
+              <a:t>4/1/2024</a:t>
             </a:fld>
             <a:endParaRPr lang="en-US" dirty="0"/>
           </a:p>
@@ -6445,7 +6445,7 @@
     </p:spTree>
     <p:extLst>
       <p:ext uri="{BB962C8B-B14F-4D97-AF65-F5344CB8AC3E}">
-        <p14:creationId xmlns:p14="http://schemas.microsoft.com/office/powerpoint/2010/main" val="1361487455"/>
+        <p14:creationId xmlns:p14="http://schemas.microsoft.com/office/powerpoint/2010/main" val="4228921024"/>
       </p:ext>
     </p:extLst>
   </p:cSld>
@@ -6958,8 +6958,8 @@
           </a:p>
         </p:txBody>
       </p:sp>
-      <mc:AlternateContent xmlns:mc="http://schemas.openxmlformats.org/markup-compatibility/2006">
-        <mc:Choice xmlns:p14="http://schemas.microsoft.com/office/powerpoint/2010/main" Requires="p14">
+      <mc:AlternateContent xmlns:mc="http://schemas.openxmlformats.org/markup-compatibility/2006" xmlns:p14="http://schemas.microsoft.com/office/powerpoint/2010/main">
+        <mc:Choice Requires="p14">
           <p:contentPart p14:bwMode="auto" r:id="rId3">
             <p14:nvContentPartPr>
               <p14:cNvPr id="11" name="Ink 10">
@@ -6978,7 +6978,7 @@
             </p14:xfrm>
           </p:contentPart>
         </mc:Choice>
-        <mc:Fallback>
+        <mc:Fallback xmlns="">
           <p:pic>
             <p:nvPicPr>
               <p:cNvPr id="11" name="Ink 10">

--- a/docs/prunning.pptx
+++ b/docs/prunning.pptx
@@ -6,20 +6,21 @@
   </p:sldMasterIdLst>
   <p:sldIdLst>
     <p:sldId id="264" r:id="rId2"/>
-    <p:sldId id="263" r:id="rId3"/>
-    <p:sldId id="270" r:id="rId4"/>
-    <p:sldId id="269" r:id="rId5"/>
-    <p:sldId id="262" r:id="rId6"/>
-    <p:sldId id="265" r:id="rId7"/>
-    <p:sldId id="266" r:id="rId8"/>
-    <p:sldId id="256" r:id="rId9"/>
-    <p:sldId id="257" r:id="rId10"/>
-    <p:sldId id="258" r:id="rId11"/>
-    <p:sldId id="259" r:id="rId12"/>
-    <p:sldId id="260" r:id="rId13"/>
-    <p:sldId id="261" r:id="rId14"/>
-    <p:sldId id="267" r:id="rId15"/>
-    <p:sldId id="271" r:id="rId16"/>
+    <p:sldId id="272" r:id="rId3"/>
+    <p:sldId id="263" r:id="rId4"/>
+    <p:sldId id="270" r:id="rId5"/>
+    <p:sldId id="269" r:id="rId6"/>
+    <p:sldId id="262" r:id="rId7"/>
+    <p:sldId id="265" r:id="rId8"/>
+    <p:sldId id="266" r:id="rId9"/>
+    <p:sldId id="256" r:id="rId10"/>
+    <p:sldId id="257" r:id="rId11"/>
+    <p:sldId id="258" r:id="rId12"/>
+    <p:sldId id="259" r:id="rId13"/>
+    <p:sldId id="260" r:id="rId14"/>
+    <p:sldId id="261" r:id="rId15"/>
+    <p:sldId id="267" r:id="rId16"/>
+    <p:sldId id="271" r:id="rId17"/>
   </p:sldIdLst>
   <p:sldSz cx="12192000" cy="6858000"/>
   <p:notesSz cx="6858000" cy="9144000"/>
@@ -300,7 +301,7 @@
           <a:p>
             <a:fld id="{1F274930-2381-46E1-B0AC-06AFA971923E}" type="datetimeFigureOut">
               <a:rPr lang="en-US" smtClean="0"/>
-              <a:t>4/1/2024</a:t>
+              <a:t>2/7/2026</a:t>
             </a:fld>
             <a:endParaRPr lang="en-US" dirty="0"/>
           </a:p>
@@ -498,7 +499,7 @@
           <a:p>
             <a:fld id="{1F274930-2381-46E1-B0AC-06AFA971923E}" type="datetimeFigureOut">
               <a:rPr lang="en-US" smtClean="0"/>
-              <a:t>4/1/2024</a:t>
+              <a:t>2/7/2026</a:t>
             </a:fld>
             <a:endParaRPr lang="en-US" dirty="0"/>
           </a:p>
@@ -706,7 +707,7 @@
           <a:p>
             <a:fld id="{1F274930-2381-46E1-B0AC-06AFA971923E}" type="datetimeFigureOut">
               <a:rPr lang="en-US" smtClean="0"/>
-              <a:t>4/1/2024</a:t>
+              <a:t>2/7/2026</a:t>
             </a:fld>
             <a:endParaRPr lang="en-US" dirty="0"/>
           </a:p>
@@ -904,7 +905,7 @@
           <a:p>
             <a:fld id="{1F274930-2381-46E1-B0AC-06AFA971923E}" type="datetimeFigureOut">
               <a:rPr lang="en-US" smtClean="0"/>
-              <a:t>4/1/2024</a:t>
+              <a:t>2/7/2026</a:t>
             </a:fld>
             <a:endParaRPr lang="en-US" dirty="0"/>
           </a:p>
@@ -1179,7 +1180,7 @@
           <a:p>
             <a:fld id="{1F274930-2381-46E1-B0AC-06AFA971923E}" type="datetimeFigureOut">
               <a:rPr lang="en-US" smtClean="0"/>
-              <a:t>4/1/2024</a:t>
+              <a:t>2/7/2026</a:t>
             </a:fld>
             <a:endParaRPr lang="en-US" dirty="0"/>
           </a:p>
@@ -1444,7 +1445,7 @@
           <a:p>
             <a:fld id="{1F274930-2381-46E1-B0AC-06AFA971923E}" type="datetimeFigureOut">
               <a:rPr lang="en-US" smtClean="0"/>
-              <a:t>4/1/2024</a:t>
+              <a:t>2/7/2026</a:t>
             </a:fld>
             <a:endParaRPr lang="en-US" dirty="0"/>
           </a:p>
@@ -1856,7 +1857,7 @@
           <a:p>
             <a:fld id="{1F274930-2381-46E1-B0AC-06AFA971923E}" type="datetimeFigureOut">
               <a:rPr lang="en-US" smtClean="0"/>
-              <a:t>4/1/2024</a:t>
+              <a:t>2/7/2026</a:t>
             </a:fld>
             <a:endParaRPr lang="en-US" dirty="0"/>
           </a:p>
@@ -1997,7 +1998,7 @@
           <a:p>
             <a:fld id="{1F274930-2381-46E1-B0AC-06AFA971923E}" type="datetimeFigureOut">
               <a:rPr lang="en-US" smtClean="0"/>
-              <a:t>4/1/2024</a:t>
+              <a:t>2/7/2026</a:t>
             </a:fld>
             <a:endParaRPr lang="en-US" dirty="0"/>
           </a:p>
@@ -2110,7 +2111,7 @@
           <a:p>
             <a:fld id="{1F274930-2381-46E1-B0AC-06AFA971923E}" type="datetimeFigureOut">
               <a:rPr lang="en-US" smtClean="0"/>
-              <a:t>4/1/2024</a:t>
+              <a:t>2/7/2026</a:t>
             </a:fld>
             <a:endParaRPr lang="en-US" dirty="0"/>
           </a:p>
@@ -2421,7 +2422,7 @@
           <a:p>
             <a:fld id="{1F274930-2381-46E1-B0AC-06AFA971923E}" type="datetimeFigureOut">
               <a:rPr lang="en-US" smtClean="0"/>
-              <a:t>4/1/2024</a:t>
+              <a:t>2/7/2026</a:t>
             </a:fld>
             <a:endParaRPr lang="en-US" dirty="0"/>
           </a:p>
@@ -2709,7 +2710,7 @@
           <a:p>
             <a:fld id="{1F274930-2381-46E1-B0AC-06AFA971923E}" type="datetimeFigureOut">
               <a:rPr lang="en-US" smtClean="0"/>
-              <a:t>4/1/2024</a:t>
+              <a:t>2/7/2026</a:t>
             </a:fld>
             <a:endParaRPr lang="en-US" dirty="0"/>
           </a:p>
@@ -2950,7 +2951,7 @@
           <a:p>
             <a:fld id="{1F274930-2381-46E1-B0AC-06AFA971923E}" type="datetimeFigureOut">
               <a:rPr lang="en-US" smtClean="0"/>
-              <a:t>4/1/2024</a:t>
+              <a:t>2/7/2026</a:t>
             </a:fld>
             <a:endParaRPr lang="en-US" dirty="0"/>
           </a:p>
@@ -3397,12 +3398,8 @@
           <a:p>
             <a:pPr algn="ctr"/>
             <a:r>
-              <a:rPr lang="en-US" sz="5400"/>
-              <a:t> Python </a:t>
-            </a:r>
-            <a:r>
               <a:rPr lang="en-US" sz="5400" dirty="0"/>
-              <a:t>Sudoku Program - Overview</a:t>
+              <a:t> Python Sudoku Program – Overview</a:t>
             </a:r>
           </a:p>
         </p:txBody>
@@ -3421,8 +3418,8 @@
         </p:nvSpPr>
         <p:spPr>
           <a:xfrm>
-            <a:off x="1471353" y="1372639"/>
-            <a:ext cx="8877992" cy="5478423"/>
+            <a:off x="1046375" y="854168"/>
+            <a:ext cx="10152668" cy="5324535"/>
           </a:xfrm>
           <a:prstGeom prst="rect">
             <a:avLst/>
@@ -3434,16 +3431,6 @@
             <a:spAutoFit/>
           </a:bodyPr>
           <a:lstStyle/>
-          <a:p>
-            <a:pPr marL="285750" indent="-285750">
-              <a:buFont typeface="Arial" panose="020B0604020202020204" pitchFamily="34" charset="0"/>
-              <a:buChar char="•"/>
-            </a:pPr>
-            <a:r>
-              <a:rPr lang="en-US" sz="4000" dirty="0"/>
-              <a:t>Three components:</a:t>
-            </a:r>
-          </a:p>
           <a:p>
             <a:endParaRPr lang="en-US" dirty="0"/>
           </a:p>
@@ -3454,7 +3441,17 @@
             </a:pPr>
             <a:r>
               <a:rPr lang="en-US" sz="2800" dirty="0"/>
-              <a:t>Create the “first order” candidate list</a:t>
+              <a:t>This document and the code it describes can be found here:</a:t>
+            </a:r>
+          </a:p>
+          <a:p>
+            <a:pPr marL="1200150" lvl="2" indent="-285750">
+              <a:buFont typeface="Arial" panose="020B0604020202020204" pitchFamily="34" charset="0"/>
+              <a:buChar char="•"/>
+            </a:pPr>
+            <a:r>
+              <a:rPr lang="en-US" sz="2800" dirty="0"/>
+              <a:t>https://github.com/sgarrow/soduko</a:t>
             </a:r>
           </a:p>
           <a:p>
@@ -3471,6 +3468,23 @@
             </a:pPr>
             <a:r>
               <a:rPr lang="en-US" sz="2800" dirty="0"/>
+              <a:t>Create the “first order” candidate list</a:t>
+            </a:r>
+          </a:p>
+          <a:p>
+            <a:pPr marL="742950" lvl="1" indent="-285750">
+              <a:buFont typeface="Arial" panose="020B0604020202020204" pitchFamily="34" charset="0"/>
+              <a:buChar char="•"/>
+            </a:pPr>
+            <a:endParaRPr lang="en-US" sz="2800" dirty="0"/>
+          </a:p>
+          <a:p>
+            <a:pPr marL="742950" lvl="1" indent="-285750">
+              <a:buFont typeface="Arial" panose="020B0604020202020204" pitchFamily="34" charset="0"/>
+              <a:buChar char="•"/>
+            </a:pPr>
+            <a:r>
+              <a:rPr lang="en-US" sz="2800" dirty="0"/>
               <a:t>Prune the candidate list based on:</a:t>
             </a:r>
             <a:endParaRPr lang="en-US" dirty="0"/>
@@ -3482,7 +3496,7 @@
             </a:pPr>
             <a:r>
               <a:rPr lang="en-US" dirty="0"/>
-              <a:t>Non-hidden and hidden “tuples” (pair, triplet, …) for a given house</a:t>
+              <a:t>Non-hidden and hidden “tuples” (pair, triplet, …) for a given house (row, col, square)</a:t>
             </a:r>
           </a:p>
           <a:p>
@@ -3552,16 +3566,6 @@
               <a:rPr lang="en-US" dirty="0"/>
               <a:t>Analysis of the histogram of the candidates for a given “house” (row, col or square)</a:t>
             </a:r>
-          </a:p>
-          <a:p>
-            <a:pPr marL="285750" indent="-285750">
-              <a:buFont typeface="Arial" panose="020B0604020202020204" pitchFamily="34" charset="0"/>
-              <a:buChar char="•"/>
-            </a:pPr>
-            <a:endParaRPr lang="en-US" dirty="0"/>
-          </a:p>
-          <a:p>
-            <a:endParaRPr lang="en-US" dirty="0"/>
           </a:p>
         </p:txBody>
       </p:sp>
@@ -3595,12 +3599,48 @@
           <a:chExt cx="0" cy="0"/>
         </a:xfrm>
       </p:grpSpPr>
+      <p:sp>
+        <p:nvSpPr>
+          <p:cNvPr id="3" name="Title 1">
+            <a:extLst>
+              <a:ext uri="{FF2B5EF4-FFF2-40B4-BE49-F238E27FC236}">
+                <a16:creationId xmlns:a16="http://schemas.microsoft.com/office/drawing/2014/main" id="{0334F5D6-F602-A38A-A8D0-9ADA6FCD294D}"/>
+              </a:ext>
+            </a:extLst>
+          </p:cNvPr>
+          <p:cNvSpPr>
+            <a:spLocks noGrp="1"/>
+          </p:cNvSpPr>
+          <p:nvPr>
+            <p:ph type="title"/>
+          </p:nvPr>
+        </p:nvSpPr>
+        <p:spPr>
+          <a:xfrm>
+            <a:off x="838200" y="155575"/>
+            <a:ext cx="10515600" cy="625475"/>
+          </a:xfrm>
+        </p:spPr>
+        <p:txBody>
+          <a:bodyPr>
+            <a:normAutofit fontScale="90000"/>
+          </a:bodyPr>
+          <a:lstStyle/>
+          <a:p>
+            <a:pPr algn="ctr"/>
+            <a:r>
+              <a:rPr lang="en-US" sz="6000" dirty="0"/>
+              <a:t>Pruning Naked Triples</a:t>
+            </a:r>
+          </a:p>
+        </p:txBody>
+      </p:sp>
       <p:pic>
         <p:nvPicPr>
-          <p:cNvPr id="14" name="Picture 13">
-            <a:extLst>
-              <a:ext uri="{FF2B5EF4-FFF2-40B4-BE49-F238E27FC236}">
-                <a16:creationId xmlns:a16="http://schemas.microsoft.com/office/drawing/2014/main" id="{8972CC2E-3878-2F8D-361E-4EC5A646D3BA}"/>
+          <p:cNvPr id="8" name="Picture 7">
+            <a:extLst>
+              <a:ext uri="{FF2B5EF4-FFF2-40B4-BE49-F238E27FC236}">
+                <a16:creationId xmlns:a16="http://schemas.microsoft.com/office/drawing/2014/main" id="{8BE22611-F0C3-548C-931F-94F5AEE7D95A}"/>
               </a:ext>
             </a:extLst>
           </p:cNvPr>
@@ -3617,8 +3657,8 @@
         </p:blipFill>
         <p:spPr>
           <a:xfrm>
-            <a:off x="423862" y="671512"/>
-            <a:ext cx="8010525" cy="5972175"/>
+            <a:off x="285750" y="976312"/>
+            <a:ext cx="8153400" cy="5476875"/>
           </a:xfrm>
           <a:prstGeom prst="rect">
             <a:avLst/>
@@ -3632,46 +3672,10 @@
       </p:pic>
       <p:sp>
         <p:nvSpPr>
-          <p:cNvPr id="2" name="Title 1">
-            <a:extLst>
-              <a:ext uri="{FF2B5EF4-FFF2-40B4-BE49-F238E27FC236}">
-                <a16:creationId xmlns:a16="http://schemas.microsoft.com/office/drawing/2014/main" id="{1612785F-EA79-C9C5-CF5B-0E8B1076821F}"/>
-              </a:ext>
-            </a:extLst>
-          </p:cNvPr>
-          <p:cNvSpPr>
-            <a:spLocks noGrp="1"/>
-          </p:cNvSpPr>
-          <p:nvPr>
-            <p:ph type="title"/>
-          </p:nvPr>
-        </p:nvSpPr>
-        <p:spPr>
-          <a:xfrm>
-            <a:off x="838200" y="60325"/>
-            <a:ext cx="10515600" cy="625475"/>
-          </a:xfrm>
-        </p:spPr>
-        <p:txBody>
-          <a:bodyPr>
-            <a:normAutofit fontScale="90000"/>
-          </a:bodyPr>
-          <a:lstStyle/>
-          <a:p>
-            <a:pPr algn="ctr"/>
-            <a:r>
-              <a:rPr lang="en-US" sz="5400" dirty="0"/>
-              <a:t>Pruning Hidden Pairs</a:t>
-            </a:r>
-          </a:p>
-        </p:txBody>
-      </p:sp>
-      <p:sp>
-        <p:nvSpPr>
           <p:cNvPr id="9" name="Oval 8">
             <a:extLst>
               <a:ext uri="{FF2B5EF4-FFF2-40B4-BE49-F238E27FC236}">
-                <a16:creationId xmlns:a16="http://schemas.microsoft.com/office/drawing/2014/main" id="{31565B09-E8AC-2274-987B-5635D8FF599E}"/>
+                <a16:creationId xmlns:a16="http://schemas.microsoft.com/office/drawing/2014/main" id="{1A56801B-1372-2EF0-33B4-66AB9ABDF62B}"/>
               </a:ext>
             </a:extLst>
           </p:cNvPr>
@@ -3680,8 +3684,8 @@
         </p:nvSpPr>
         <p:spPr>
           <a:xfrm>
-            <a:off x="3362325" y="3429000"/>
-            <a:ext cx="285750" cy="466725"/>
+            <a:off x="2371725" y="1285875"/>
+            <a:ext cx="1017898" cy="314325"/>
           </a:xfrm>
           <a:prstGeom prst="ellipse">
             <a:avLst/>
@@ -3722,7 +3726,7 @@
           <p:cNvPr id="10" name="Oval 9">
             <a:extLst>
               <a:ext uri="{FF2B5EF4-FFF2-40B4-BE49-F238E27FC236}">
-                <a16:creationId xmlns:a16="http://schemas.microsoft.com/office/drawing/2014/main" id="{12E36BEE-2C4C-C940-8337-ACDEEBC0B7D6}"/>
+                <a16:creationId xmlns:a16="http://schemas.microsoft.com/office/drawing/2014/main" id="{E1923FCD-7D91-B611-6015-CC2BE5CAAB1E}"/>
               </a:ext>
             </a:extLst>
           </p:cNvPr>
@@ -3731,14 +3735,14 @@
         </p:nvSpPr>
         <p:spPr>
           <a:xfrm>
-            <a:off x="2457450" y="3429000"/>
-            <a:ext cx="285750" cy="466725"/>
+            <a:off x="457200" y="1314451"/>
+            <a:ext cx="295276" cy="200024"/>
           </a:xfrm>
           <a:prstGeom prst="ellipse">
             <a:avLst/>
           </a:prstGeom>
           <a:solidFill>
-            <a:schemeClr val="accent6">
+            <a:schemeClr val="accent2">
               <a:alpha val="24000"/>
             </a:schemeClr>
           </a:solidFill>
@@ -3773,7 +3777,7 @@
           <p:cNvPr id="11" name="Oval 10">
             <a:extLst>
               <a:ext uri="{FF2B5EF4-FFF2-40B4-BE49-F238E27FC236}">
-                <a16:creationId xmlns:a16="http://schemas.microsoft.com/office/drawing/2014/main" id="{A061A80A-9BA4-02A0-29AC-C6E0EA3CEDCB}"/>
+                <a16:creationId xmlns:a16="http://schemas.microsoft.com/office/drawing/2014/main" id="{43FC4290-EAA3-8245-4251-2261CEB09618}"/>
               </a:ext>
             </a:extLst>
           </p:cNvPr>
@@ -3782,8 +3786,8 @@
         </p:nvSpPr>
         <p:spPr>
           <a:xfrm>
-            <a:off x="2171700" y="3429000"/>
-            <a:ext cx="285750" cy="466725"/>
+            <a:off x="752476" y="1323976"/>
+            <a:ext cx="295276" cy="200024"/>
           </a:xfrm>
           <a:prstGeom prst="ellipse">
             <a:avLst/>
@@ -3824,7 +3828,7 @@
           <p:cNvPr id="12" name="Oval 11">
             <a:extLst>
               <a:ext uri="{FF2B5EF4-FFF2-40B4-BE49-F238E27FC236}">
-                <a16:creationId xmlns:a16="http://schemas.microsoft.com/office/drawing/2014/main" id="{AE01EC46-A36D-C0FE-B6E9-95941F11B4D7}"/>
+                <a16:creationId xmlns:a16="http://schemas.microsoft.com/office/drawing/2014/main" id="{0930755D-BB25-92E2-3811-69EB17EFF6A2}"/>
               </a:ext>
             </a:extLst>
           </p:cNvPr>
@@ -3833,8 +3837,8 @@
         </p:nvSpPr>
         <p:spPr>
           <a:xfrm>
-            <a:off x="3076575" y="3429000"/>
-            <a:ext cx="285750" cy="466725"/>
+            <a:off x="1071564" y="1323976"/>
+            <a:ext cx="295276" cy="200024"/>
           </a:xfrm>
           <a:prstGeom prst="ellipse">
             <a:avLst/>
@@ -3872,10 +3876,10 @@
       </p:sp>
       <p:sp>
         <p:nvSpPr>
-          <p:cNvPr id="3" name="TextBox 2">
-            <a:extLst>
-              <a:ext uri="{FF2B5EF4-FFF2-40B4-BE49-F238E27FC236}">
-                <a16:creationId xmlns:a16="http://schemas.microsoft.com/office/drawing/2014/main" id="{89D5A9A0-770A-20E7-70BE-E2AC65FBF546}"/>
+          <p:cNvPr id="4" name="TextBox 3">
+            <a:extLst>
+              <a:ext uri="{FF2B5EF4-FFF2-40B4-BE49-F238E27FC236}">
+                <a16:creationId xmlns:a16="http://schemas.microsoft.com/office/drawing/2014/main" id="{486B76A3-FE41-F315-C1BE-6A6994BAC47A}"/>
               </a:ext>
             </a:extLst>
           </p:cNvPr>
@@ -3884,8 +3888,8 @@
         </p:nvSpPr>
         <p:spPr>
           <a:xfrm>
-            <a:off x="8515350" y="790575"/>
-            <a:ext cx="3486150" cy="5262979"/>
+            <a:off x="8534400" y="976312"/>
+            <a:ext cx="3419475" cy="5324535"/>
           </a:xfrm>
           <a:prstGeom prst="rect">
             <a:avLst/>
@@ -3900,7 +3904,7 @@
           <a:p>
             <a:r>
               <a:rPr lang="en-US" sz="1600" dirty="0"/>
-              <a:t>Ok, hang on things are about to get weird.</a:t>
+              <a:t>Three cells on row 0 contain (combined) only three numbers (1,2,3).  Three cells, only three numbers – that’s the key.  We don’t know which one is which, but, again, it doesn’t matter – one is going to be 1 one a 2 and one a 3, that’s for sure.</a:t>
             </a:r>
           </a:p>
           <a:p>
@@ -3909,7 +3913,7 @@
           <a:p>
             <a:r>
               <a:rPr lang="en-US" sz="1600" dirty="0"/>
-              <a:t>On row 4 there are only two places where 3 and 5 can exist. You'd see them as a naked pair, if they weren't hidden by extra numbers.</a:t>
+              <a:t>What it means is that 1 or 2 or 3 cannot be a candidate for any other cell on this row.</a:t>
             </a:r>
           </a:p>
           <a:p>
@@ -3918,32 +3922,27 @@
           <a:p>
             <a:r>
               <a:rPr lang="en-US" sz="1600" dirty="0"/>
-              <a:t>Because 3 and 5 can only exist in two of those cells (</a:t>
-            </a:r>
-            <a:r>
-              <a:rPr lang="en-US" sz="1600" b="1" dirty="0"/>
-              <a:t>no other cells will accept either of them</a:t>
-            </a:r>
+              <a:t>Generally, this is easier to spot when all three square contain all 3 numbers (1,2,3) but they don’t have to.</a:t>
+            </a:r>
+          </a:p>
+          <a:p>
+            <a:endParaRPr lang="en-US" dirty="0"/>
+          </a:p>
+          <a:p>
             <a:r>
               <a:rPr lang="en-US" sz="1600" dirty="0"/>
-              <a:t>), that means they must be in those two cells, leaving no room for any other. Even though you don't know which is which, you can remove all other candidates from the within those two cells.</a:t>
-            </a:r>
-          </a:p>
-          <a:p>
-            <a:endParaRPr lang="en-US" sz="1600" dirty="0"/>
-          </a:p>
-          <a:p>
-            <a:r>
-              <a:rPr lang="en-US" sz="1600" dirty="0"/>
-              <a:t>Note that with naked pairs candidates outside the pair’s cells are removed whereas with hidden pairs candidates inside the pair’s cells are removed.</a:t>
-            </a:r>
+              <a:t>You can apply a similar technique to cols and squares to eliminate candidates within the col or square, respectively.</a:t>
+            </a:r>
+          </a:p>
+          <a:p>
+            <a:endParaRPr lang="en-US" dirty="0"/>
           </a:p>
         </p:txBody>
       </p:sp>
     </p:spTree>
     <p:extLst>
       <p:ext uri="{BB962C8B-B14F-4D97-AF65-F5344CB8AC3E}">
-        <p14:creationId xmlns:p14="http://schemas.microsoft.com/office/powerpoint/2010/main" val="2843598930"/>
+        <p14:creationId xmlns:p14="http://schemas.microsoft.com/office/powerpoint/2010/main" val="482429318"/>
       </p:ext>
     </p:extLst>
   </p:cSld>
@@ -3970,48 +3969,12 @@
           <a:chExt cx="0" cy="0"/>
         </a:xfrm>
       </p:grpSpPr>
-      <p:sp>
-        <p:nvSpPr>
-          <p:cNvPr id="2" name="Title 1">
-            <a:extLst>
-              <a:ext uri="{FF2B5EF4-FFF2-40B4-BE49-F238E27FC236}">
-                <a16:creationId xmlns:a16="http://schemas.microsoft.com/office/drawing/2014/main" id="{C73FB36A-FFE2-9D7D-6AFE-DF164EE6B565}"/>
-              </a:ext>
-            </a:extLst>
-          </p:cNvPr>
-          <p:cNvSpPr>
-            <a:spLocks noGrp="1"/>
-          </p:cNvSpPr>
-          <p:nvPr>
-            <p:ph type="title"/>
-          </p:nvPr>
-        </p:nvSpPr>
-        <p:spPr>
-          <a:xfrm>
-            <a:off x="838200" y="119063"/>
-            <a:ext cx="10515600" cy="666749"/>
-          </a:xfrm>
-        </p:spPr>
-        <p:txBody>
-          <a:bodyPr>
-            <a:normAutofit fontScale="90000"/>
-          </a:bodyPr>
-          <a:lstStyle/>
-          <a:p>
-            <a:pPr algn="ctr"/>
-            <a:r>
-              <a:rPr lang="en-US" sz="5400" dirty="0"/>
-              <a:t>Pruning Hidden Triples</a:t>
-            </a:r>
-          </a:p>
-        </p:txBody>
-      </p:sp>
       <p:pic>
         <p:nvPicPr>
-          <p:cNvPr id="6" name="Picture 5">
-            <a:extLst>
-              <a:ext uri="{FF2B5EF4-FFF2-40B4-BE49-F238E27FC236}">
-                <a16:creationId xmlns:a16="http://schemas.microsoft.com/office/drawing/2014/main" id="{5DB43E8B-E43E-049C-409F-1509F9922F2C}"/>
+          <p:cNvPr id="14" name="Picture 13">
+            <a:extLst>
+              <a:ext uri="{FF2B5EF4-FFF2-40B4-BE49-F238E27FC236}">
+                <a16:creationId xmlns:a16="http://schemas.microsoft.com/office/drawing/2014/main" id="{8972CC2E-3878-2F8D-361E-4EC5A646D3BA}"/>
               </a:ext>
             </a:extLst>
           </p:cNvPr>
@@ -4028,8 +3991,8 @@
         </p:blipFill>
         <p:spPr>
           <a:xfrm>
-            <a:off x="352425" y="757237"/>
-            <a:ext cx="8039100" cy="5972175"/>
+            <a:off x="423862" y="671512"/>
+            <a:ext cx="8010525" cy="5972175"/>
           </a:xfrm>
           <a:prstGeom prst="rect">
             <a:avLst/>
@@ -4043,10 +4006,46 @@
       </p:pic>
       <p:sp>
         <p:nvSpPr>
-          <p:cNvPr id="7" name="Oval 6">
-            <a:extLst>
-              <a:ext uri="{FF2B5EF4-FFF2-40B4-BE49-F238E27FC236}">
-                <a16:creationId xmlns:a16="http://schemas.microsoft.com/office/drawing/2014/main" id="{90C3882E-F668-249D-7128-DFEAF11C3007}"/>
+          <p:cNvPr id="2" name="Title 1">
+            <a:extLst>
+              <a:ext uri="{FF2B5EF4-FFF2-40B4-BE49-F238E27FC236}">
+                <a16:creationId xmlns:a16="http://schemas.microsoft.com/office/drawing/2014/main" id="{1612785F-EA79-C9C5-CF5B-0E8B1076821F}"/>
+              </a:ext>
+            </a:extLst>
+          </p:cNvPr>
+          <p:cNvSpPr>
+            <a:spLocks noGrp="1"/>
+          </p:cNvSpPr>
+          <p:nvPr>
+            <p:ph type="title"/>
+          </p:nvPr>
+        </p:nvSpPr>
+        <p:spPr>
+          <a:xfrm>
+            <a:off x="838200" y="60325"/>
+            <a:ext cx="10515600" cy="625475"/>
+          </a:xfrm>
+        </p:spPr>
+        <p:txBody>
+          <a:bodyPr>
+            <a:normAutofit fontScale="90000"/>
+          </a:bodyPr>
+          <a:lstStyle/>
+          <a:p>
+            <a:pPr algn="ctr"/>
+            <a:r>
+              <a:rPr lang="en-US" sz="5400" dirty="0"/>
+              <a:t>Pruning Hidden Pairs</a:t>
+            </a:r>
+          </a:p>
+        </p:txBody>
+      </p:sp>
+      <p:sp>
+        <p:nvSpPr>
+          <p:cNvPr id="9" name="Oval 8">
+            <a:extLst>
+              <a:ext uri="{FF2B5EF4-FFF2-40B4-BE49-F238E27FC236}">
+                <a16:creationId xmlns:a16="http://schemas.microsoft.com/office/drawing/2014/main" id="{31565B09-E8AC-2274-987B-5635D8FF599E}"/>
               </a:ext>
             </a:extLst>
           </p:cNvPr>
@@ -4055,14 +4054,14 @@
         </p:nvSpPr>
         <p:spPr>
           <a:xfrm>
-            <a:off x="514350" y="5667375"/>
-            <a:ext cx="285750" cy="171450"/>
+            <a:off x="3362325" y="3429000"/>
+            <a:ext cx="285750" cy="466725"/>
           </a:xfrm>
           <a:prstGeom prst="ellipse">
             <a:avLst/>
           </a:prstGeom>
           <a:solidFill>
-            <a:schemeClr val="accent2">
+            <a:schemeClr val="accent6">
               <a:alpha val="24000"/>
             </a:schemeClr>
           </a:solidFill>
@@ -4094,10 +4093,10 @@
       </p:sp>
       <p:sp>
         <p:nvSpPr>
-          <p:cNvPr id="8" name="Oval 7">
-            <a:extLst>
-              <a:ext uri="{FF2B5EF4-FFF2-40B4-BE49-F238E27FC236}">
-                <a16:creationId xmlns:a16="http://schemas.microsoft.com/office/drawing/2014/main" id="{5E315653-ADD8-4432-A2B0-6C737EFE6D3A}"/>
+          <p:cNvPr id="10" name="Oval 9">
+            <a:extLst>
+              <a:ext uri="{FF2B5EF4-FFF2-40B4-BE49-F238E27FC236}">
+                <a16:creationId xmlns:a16="http://schemas.microsoft.com/office/drawing/2014/main" id="{12E36BEE-2C4C-C940-8337-ACDEEBC0B7D6}"/>
               </a:ext>
             </a:extLst>
           </p:cNvPr>
@@ -4106,8 +4105,8 @@
         </p:nvSpPr>
         <p:spPr>
           <a:xfrm>
-            <a:off x="561975" y="5419725"/>
-            <a:ext cx="295275" cy="247650"/>
+            <a:off x="2457450" y="3429000"/>
+            <a:ext cx="285750" cy="466725"/>
           </a:xfrm>
           <a:prstGeom prst="ellipse">
             <a:avLst/>
@@ -4145,10 +4144,10 @@
       </p:sp>
       <p:sp>
         <p:nvSpPr>
-          <p:cNvPr id="9" name="Oval 8">
-            <a:extLst>
-              <a:ext uri="{FF2B5EF4-FFF2-40B4-BE49-F238E27FC236}">
-                <a16:creationId xmlns:a16="http://schemas.microsoft.com/office/drawing/2014/main" id="{0386EC84-A317-DF1F-D1A6-EAAA07C50D6F}"/>
+          <p:cNvPr id="11" name="Oval 10">
+            <a:extLst>
+              <a:ext uri="{FF2B5EF4-FFF2-40B4-BE49-F238E27FC236}">
+                <a16:creationId xmlns:a16="http://schemas.microsoft.com/office/drawing/2014/main" id="{A061A80A-9BA4-02A0-29AC-C6E0EA3CEDCB}"/>
               </a:ext>
             </a:extLst>
           </p:cNvPr>
@@ -4157,14 +4156,14 @@
         </p:nvSpPr>
         <p:spPr>
           <a:xfrm>
-            <a:off x="1552575" y="5419725"/>
-            <a:ext cx="295275" cy="247650"/>
+            <a:off x="2171700" y="3429000"/>
+            <a:ext cx="285750" cy="466725"/>
           </a:xfrm>
           <a:prstGeom prst="ellipse">
             <a:avLst/>
           </a:prstGeom>
           <a:solidFill>
-            <a:schemeClr val="accent6">
+            <a:schemeClr val="accent2">
               <a:alpha val="24000"/>
             </a:schemeClr>
           </a:solidFill>
@@ -4196,10 +4195,10 @@
       </p:sp>
       <p:sp>
         <p:nvSpPr>
-          <p:cNvPr id="10" name="Oval 9">
-            <a:extLst>
-              <a:ext uri="{FF2B5EF4-FFF2-40B4-BE49-F238E27FC236}">
-                <a16:creationId xmlns:a16="http://schemas.microsoft.com/office/drawing/2014/main" id="{80B0A87F-6B34-12DA-A4B7-E317DEEFC163}"/>
+          <p:cNvPr id="12" name="Oval 11">
+            <a:extLst>
+              <a:ext uri="{FF2B5EF4-FFF2-40B4-BE49-F238E27FC236}">
+                <a16:creationId xmlns:a16="http://schemas.microsoft.com/office/drawing/2014/main" id="{AE01EC46-A36D-C0FE-B6E9-95941F11B4D7}"/>
               </a:ext>
             </a:extLst>
           </p:cNvPr>
@@ -4208,14 +4207,14 @@
         </p:nvSpPr>
         <p:spPr>
           <a:xfrm>
-            <a:off x="1847850" y="5429250"/>
-            <a:ext cx="295275" cy="247650"/>
+            <a:off x="3076575" y="3429000"/>
+            <a:ext cx="285750" cy="466725"/>
           </a:xfrm>
           <a:prstGeom prst="ellipse">
             <a:avLst/>
           </a:prstGeom>
           <a:solidFill>
-            <a:schemeClr val="accent6">
+            <a:schemeClr val="accent2">
               <a:alpha val="24000"/>
             </a:schemeClr>
           </a:solidFill>
@@ -4247,112 +4246,10 @@
       </p:sp>
       <p:sp>
         <p:nvSpPr>
-          <p:cNvPr id="11" name="Oval 10">
-            <a:extLst>
-              <a:ext uri="{FF2B5EF4-FFF2-40B4-BE49-F238E27FC236}">
-                <a16:creationId xmlns:a16="http://schemas.microsoft.com/office/drawing/2014/main" id="{1B1921BA-6C40-74DC-A4D2-EFAEC330A537}"/>
-              </a:ext>
-            </a:extLst>
-          </p:cNvPr>
-          <p:cNvSpPr/>
-          <p:nvPr/>
-        </p:nvSpPr>
-        <p:spPr>
-          <a:xfrm>
-            <a:off x="1514475" y="5676900"/>
-            <a:ext cx="285750" cy="171450"/>
-          </a:xfrm>
-          <a:prstGeom prst="ellipse">
-            <a:avLst/>
-          </a:prstGeom>
-          <a:solidFill>
-            <a:schemeClr val="accent2">
-              <a:alpha val="24000"/>
-            </a:schemeClr>
-          </a:solidFill>
-        </p:spPr>
-        <p:style>
-          <a:lnRef idx="2">
-            <a:schemeClr val="accent1">
-              <a:shade val="15000"/>
-            </a:schemeClr>
-          </a:lnRef>
-          <a:fillRef idx="1">
-            <a:schemeClr val="accent1"/>
-          </a:fillRef>
-          <a:effectRef idx="0">
-            <a:schemeClr val="accent1"/>
-          </a:effectRef>
-          <a:fontRef idx="minor">
-            <a:schemeClr val="lt1"/>
-          </a:fontRef>
-        </p:style>
-        <p:txBody>
-          <a:bodyPr rtlCol="0" anchor="ctr"/>
-          <a:lstStyle/>
-          <a:p>
-            <a:pPr algn="ctr"/>
-            <a:endParaRPr lang="en-US" dirty="0"/>
-          </a:p>
-        </p:txBody>
-      </p:sp>
-      <p:sp>
-        <p:nvSpPr>
-          <p:cNvPr id="12" name="Oval 11">
-            <a:extLst>
-              <a:ext uri="{FF2B5EF4-FFF2-40B4-BE49-F238E27FC236}">
-                <a16:creationId xmlns:a16="http://schemas.microsoft.com/office/drawing/2014/main" id="{CCA4168D-DEE6-B938-08E4-8EC7CDD99DA8}"/>
-              </a:ext>
-            </a:extLst>
-          </p:cNvPr>
-          <p:cNvSpPr/>
-          <p:nvPr/>
-        </p:nvSpPr>
-        <p:spPr>
-          <a:xfrm>
-            <a:off x="1838325" y="5667375"/>
-            <a:ext cx="285750" cy="171450"/>
-          </a:xfrm>
-          <a:prstGeom prst="ellipse">
-            <a:avLst/>
-          </a:prstGeom>
-          <a:solidFill>
-            <a:schemeClr val="accent2">
-              <a:alpha val="24000"/>
-            </a:schemeClr>
-          </a:solidFill>
-        </p:spPr>
-        <p:style>
-          <a:lnRef idx="2">
-            <a:schemeClr val="accent1">
-              <a:shade val="15000"/>
-            </a:schemeClr>
-          </a:lnRef>
-          <a:fillRef idx="1">
-            <a:schemeClr val="accent1"/>
-          </a:fillRef>
-          <a:effectRef idx="0">
-            <a:schemeClr val="accent1"/>
-          </a:effectRef>
-          <a:fontRef idx="minor">
-            <a:schemeClr val="lt1"/>
-          </a:fontRef>
-        </p:style>
-        <p:txBody>
-          <a:bodyPr rtlCol="0" anchor="ctr"/>
-          <a:lstStyle/>
-          <a:p>
-            <a:pPr algn="ctr"/>
-            <a:endParaRPr lang="en-US" dirty="0"/>
-          </a:p>
-        </p:txBody>
-      </p:sp>
-      <p:sp>
-        <p:nvSpPr>
           <p:cNvPr id="3" name="TextBox 2">
             <a:extLst>
               <a:ext uri="{FF2B5EF4-FFF2-40B4-BE49-F238E27FC236}">
-                <a16:creationId xmlns:a16="http://schemas.microsoft.com/office/drawing/2014/main" id="{03633FF2-86DD-55A6-5CBB-9FA4D40D081C}"/>
+                <a16:creationId xmlns:a16="http://schemas.microsoft.com/office/drawing/2014/main" id="{89D5A9A0-770A-20E7-70BE-E2AC65FBF546}"/>
               </a:ext>
             </a:extLst>
           </p:cNvPr>
@@ -4361,8 +4258,8 @@
         </p:nvSpPr>
         <p:spPr>
           <a:xfrm>
-            <a:off x="8610600" y="785812"/>
-            <a:ext cx="3343275" cy="4801314"/>
+            <a:off x="8515350" y="790575"/>
+            <a:ext cx="3486150" cy="5262979"/>
           </a:xfrm>
           <a:prstGeom prst="rect">
             <a:avLst/>
@@ -4376,35 +4273,43 @@
           <a:lstStyle/>
           <a:p>
             <a:r>
-              <a:rPr lang="en-US" dirty="0"/>
-              <a:t>The algorithm for hidden triplets leverages off the algorithm for naked triplets in the same way that hidden pairs leverages off the naked pairs.</a:t>
-            </a:r>
-          </a:p>
-          <a:p>
-            <a:endParaRPr lang="en-US" dirty="0"/>
-          </a:p>
-          <a:p>
-            <a:r>
-              <a:rPr lang="en-US" dirty="0"/>
-              <a:t>Again, the naked/hidden pair/triple algorithms can be applied to a row, col or square.</a:t>
-            </a:r>
-          </a:p>
-          <a:p>
-            <a:endParaRPr lang="en-US" dirty="0"/>
-          </a:p>
-          <a:p>
-            <a:r>
-              <a:rPr lang="en-US" dirty="0"/>
-              <a:t>BTW the same techniques work for quads (4 cells 4 values), etc.  </a:t>
-            </a:r>
-          </a:p>
-          <a:p>
-            <a:endParaRPr lang="en-US" dirty="0"/>
-          </a:p>
-          <a:p>
-            <a:r>
-              <a:rPr lang="en-US" dirty="0"/>
-              <a:t>Have fun.  Hard by hand easier by computer especially if you have a single routine that just accepts “N” as a parameter!! Which I do.</a:t>
+              <a:rPr lang="en-US" sz="1600" dirty="0"/>
+              <a:t>Ok, hang on things are about to get weird.</a:t>
+            </a:r>
+          </a:p>
+          <a:p>
+            <a:endParaRPr lang="en-US" sz="1600" dirty="0"/>
+          </a:p>
+          <a:p>
+            <a:r>
+              <a:rPr lang="en-US" sz="1600" dirty="0"/>
+              <a:t>On row 4 there are only two places where 3 and 5 can exist. You'd see them as a naked pair, if they weren't hidden by extra numbers.</a:t>
+            </a:r>
+          </a:p>
+          <a:p>
+            <a:endParaRPr lang="en-US" sz="1600" dirty="0"/>
+          </a:p>
+          <a:p>
+            <a:r>
+              <a:rPr lang="en-US" sz="1600" dirty="0"/>
+              <a:t>Because 3 and 5 can only exist in two of those cells (</a:t>
+            </a:r>
+            <a:r>
+              <a:rPr lang="en-US" sz="1600" b="1" dirty="0"/>
+              <a:t>no other cells will accept either of them</a:t>
+            </a:r>
+            <a:r>
+              <a:rPr lang="en-US" sz="1600" dirty="0"/>
+              <a:t>), that means they must be in those two cells, leaving no room for any other. Even though you don't know which is which, you can remove all other candidates from the within those two cells.</a:t>
+            </a:r>
+          </a:p>
+          <a:p>
+            <a:endParaRPr lang="en-US" sz="1600" dirty="0"/>
+          </a:p>
+          <a:p>
+            <a:r>
+              <a:rPr lang="en-US" sz="1600" dirty="0"/>
+              <a:t>Note that with naked pairs candidates outside the pair’s cells are removed whereas with hidden pairs candidates inside the pair’s cells are removed.</a:t>
             </a:r>
           </a:p>
         </p:txBody>
@@ -4412,7 +4317,7 @@
     </p:spTree>
     <p:extLst>
       <p:ext uri="{BB962C8B-B14F-4D97-AF65-F5344CB8AC3E}">
-        <p14:creationId xmlns:p14="http://schemas.microsoft.com/office/powerpoint/2010/main" val="596411895"/>
+        <p14:creationId xmlns:p14="http://schemas.microsoft.com/office/powerpoint/2010/main" val="2843598930"/>
       </p:ext>
     </p:extLst>
   </p:cSld>
@@ -4439,12 +4344,48 @@
           <a:chExt cx="0" cy="0"/>
         </a:xfrm>
       </p:grpSpPr>
+      <p:sp>
+        <p:nvSpPr>
+          <p:cNvPr id="2" name="Title 1">
+            <a:extLst>
+              <a:ext uri="{FF2B5EF4-FFF2-40B4-BE49-F238E27FC236}">
+                <a16:creationId xmlns:a16="http://schemas.microsoft.com/office/drawing/2014/main" id="{C73FB36A-FFE2-9D7D-6AFE-DF164EE6B565}"/>
+              </a:ext>
+            </a:extLst>
+          </p:cNvPr>
+          <p:cNvSpPr>
+            <a:spLocks noGrp="1"/>
+          </p:cNvSpPr>
+          <p:nvPr>
+            <p:ph type="title"/>
+          </p:nvPr>
+        </p:nvSpPr>
+        <p:spPr>
+          <a:xfrm>
+            <a:off x="838200" y="119063"/>
+            <a:ext cx="10515600" cy="666749"/>
+          </a:xfrm>
+        </p:spPr>
+        <p:txBody>
+          <a:bodyPr>
+            <a:normAutofit fontScale="90000"/>
+          </a:bodyPr>
+          <a:lstStyle/>
+          <a:p>
+            <a:pPr algn="ctr"/>
+            <a:r>
+              <a:rPr lang="en-US" sz="5400" dirty="0"/>
+              <a:t>Pruning Hidden Triples</a:t>
+            </a:r>
+          </a:p>
+        </p:txBody>
+      </p:sp>
       <p:pic>
         <p:nvPicPr>
-          <p:cNvPr id="16" name="Picture 15">
-            <a:extLst>
-              <a:ext uri="{FF2B5EF4-FFF2-40B4-BE49-F238E27FC236}">
-                <a16:creationId xmlns:a16="http://schemas.microsoft.com/office/drawing/2014/main" id="{840E0D83-ED60-8115-FB41-2892F9A52013}"/>
+          <p:cNvPr id="6" name="Picture 5">
+            <a:extLst>
+              <a:ext uri="{FF2B5EF4-FFF2-40B4-BE49-F238E27FC236}">
+                <a16:creationId xmlns:a16="http://schemas.microsoft.com/office/drawing/2014/main" id="{5DB43E8B-E43E-049C-409F-1509F9922F2C}"/>
               </a:ext>
             </a:extLst>
           </p:cNvPr>
@@ -4461,8 +4402,8 @@
         </p:blipFill>
         <p:spPr>
           <a:xfrm>
-            <a:off x="452437" y="1252537"/>
-            <a:ext cx="7553325" cy="4943475"/>
+            <a:off x="352425" y="757237"/>
+            <a:ext cx="8039100" cy="5972175"/>
           </a:xfrm>
           <a:prstGeom prst="rect">
             <a:avLst/>
@@ -4476,46 +4417,10 @@
       </p:pic>
       <p:sp>
         <p:nvSpPr>
-          <p:cNvPr id="2" name="Title 1">
-            <a:extLst>
-              <a:ext uri="{FF2B5EF4-FFF2-40B4-BE49-F238E27FC236}">
-                <a16:creationId xmlns:a16="http://schemas.microsoft.com/office/drawing/2014/main" id="{F6ACC18F-0B2F-F493-EA7E-BB3CC01F9A07}"/>
-              </a:ext>
-            </a:extLst>
-          </p:cNvPr>
-          <p:cNvSpPr>
-            <a:spLocks noGrp="1"/>
-          </p:cNvSpPr>
-          <p:nvPr>
-            <p:ph type="title"/>
-          </p:nvPr>
-        </p:nvSpPr>
-        <p:spPr>
-          <a:xfrm>
-            <a:off x="838200" y="365125"/>
-            <a:ext cx="10515600" cy="835025"/>
-          </a:xfrm>
-        </p:spPr>
-        <p:txBody>
-          <a:bodyPr>
-            <a:normAutofit/>
-          </a:bodyPr>
-          <a:lstStyle/>
-          <a:p>
-            <a:pPr algn="ctr"/>
-            <a:r>
-              <a:rPr lang="en-US" sz="5400" dirty="0"/>
-              <a:t>Pruning X-Wing</a:t>
-            </a:r>
-          </a:p>
-        </p:txBody>
-      </p:sp>
-      <p:sp>
-        <p:nvSpPr>
-          <p:cNvPr id="10" name="Oval 9">
-            <a:extLst>
-              <a:ext uri="{FF2B5EF4-FFF2-40B4-BE49-F238E27FC236}">
-                <a16:creationId xmlns:a16="http://schemas.microsoft.com/office/drawing/2014/main" id="{F6AC74F4-555E-37F4-EB5F-824BE8F78BBE}"/>
+          <p:cNvPr id="7" name="Oval 6">
+            <a:extLst>
+              <a:ext uri="{FF2B5EF4-FFF2-40B4-BE49-F238E27FC236}">
+                <a16:creationId xmlns:a16="http://schemas.microsoft.com/office/drawing/2014/main" id="{90C3882E-F668-249D-7128-DFEAF11C3007}"/>
               </a:ext>
             </a:extLst>
           </p:cNvPr>
@@ -4524,14 +4429,14 @@
         </p:nvSpPr>
         <p:spPr>
           <a:xfrm>
-            <a:off x="1628776" y="2047875"/>
-            <a:ext cx="209549" cy="247650"/>
+            <a:off x="514350" y="5667375"/>
+            <a:ext cx="285750" cy="171450"/>
           </a:xfrm>
           <a:prstGeom prst="ellipse">
             <a:avLst/>
           </a:prstGeom>
           <a:solidFill>
-            <a:schemeClr val="accent6">
+            <a:schemeClr val="accent2">
               <a:alpha val="24000"/>
             </a:schemeClr>
           </a:solidFill>
@@ -4563,10 +4468,10 @@
       </p:sp>
       <p:sp>
         <p:nvSpPr>
-          <p:cNvPr id="11" name="Oval 10">
-            <a:extLst>
-              <a:ext uri="{FF2B5EF4-FFF2-40B4-BE49-F238E27FC236}">
-                <a16:creationId xmlns:a16="http://schemas.microsoft.com/office/drawing/2014/main" id="{2D999BB5-48E8-ECCB-C2CE-513DA2A8E0ED}"/>
+          <p:cNvPr id="8" name="Oval 7">
+            <a:extLst>
+              <a:ext uri="{FF2B5EF4-FFF2-40B4-BE49-F238E27FC236}">
+                <a16:creationId xmlns:a16="http://schemas.microsoft.com/office/drawing/2014/main" id="{5E315653-ADD8-4432-A2B0-6C737EFE6D3A}"/>
               </a:ext>
             </a:extLst>
           </p:cNvPr>
@@ -4575,8 +4480,8 @@
         </p:nvSpPr>
         <p:spPr>
           <a:xfrm>
-            <a:off x="2900363" y="2047875"/>
-            <a:ext cx="209549" cy="247650"/>
+            <a:off x="561975" y="5419725"/>
+            <a:ext cx="295275" cy="247650"/>
           </a:xfrm>
           <a:prstGeom prst="ellipse">
             <a:avLst/>
@@ -4614,10 +4519,10 @@
       </p:sp>
       <p:sp>
         <p:nvSpPr>
-          <p:cNvPr id="12" name="Oval 11">
-            <a:extLst>
-              <a:ext uri="{FF2B5EF4-FFF2-40B4-BE49-F238E27FC236}">
-                <a16:creationId xmlns:a16="http://schemas.microsoft.com/office/drawing/2014/main" id="{CAB52149-3A2E-0AB6-0521-D53F891DBB30}"/>
+          <p:cNvPr id="9" name="Oval 8">
+            <a:extLst>
+              <a:ext uri="{FF2B5EF4-FFF2-40B4-BE49-F238E27FC236}">
+                <a16:creationId xmlns:a16="http://schemas.microsoft.com/office/drawing/2014/main" id="{0386EC84-A317-DF1F-D1A6-EAAA07C50D6F}"/>
               </a:ext>
             </a:extLst>
           </p:cNvPr>
@@ -4626,8 +4531,8 @@
         </p:nvSpPr>
         <p:spPr>
           <a:xfrm>
-            <a:off x="2886075" y="4005262"/>
-            <a:ext cx="209549" cy="247650"/>
+            <a:off x="1552575" y="5419725"/>
+            <a:ext cx="295275" cy="247650"/>
           </a:xfrm>
           <a:prstGeom prst="ellipse">
             <a:avLst/>
@@ -4665,10 +4570,10 @@
       </p:sp>
       <p:sp>
         <p:nvSpPr>
-          <p:cNvPr id="13" name="Oval 12">
-            <a:extLst>
-              <a:ext uri="{FF2B5EF4-FFF2-40B4-BE49-F238E27FC236}">
-                <a16:creationId xmlns:a16="http://schemas.microsoft.com/office/drawing/2014/main" id="{8960F1C2-36A3-5F1B-AC86-144FAFF9D87C}"/>
+          <p:cNvPr id="10" name="Oval 9">
+            <a:extLst>
+              <a:ext uri="{FF2B5EF4-FFF2-40B4-BE49-F238E27FC236}">
+                <a16:creationId xmlns:a16="http://schemas.microsoft.com/office/drawing/2014/main" id="{80B0A87F-6B34-12DA-A4B7-E317DEEFC163}"/>
               </a:ext>
             </a:extLst>
           </p:cNvPr>
@@ -4677,8 +4582,8 @@
         </p:nvSpPr>
         <p:spPr>
           <a:xfrm>
-            <a:off x="1576388" y="4005262"/>
-            <a:ext cx="209549" cy="247650"/>
+            <a:off x="1847850" y="5429250"/>
+            <a:ext cx="295275" cy="247650"/>
           </a:xfrm>
           <a:prstGeom prst="ellipse">
             <a:avLst/>
@@ -4716,10 +4621,10 @@
       </p:sp>
       <p:sp>
         <p:nvSpPr>
-          <p:cNvPr id="14" name="Oval 13">
-            <a:extLst>
-              <a:ext uri="{FF2B5EF4-FFF2-40B4-BE49-F238E27FC236}">
-                <a16:creationId xmlns:a16="http://schemas.microsoft.com/office/drawing/2014/main" id="{D01323A3-2BA9-E94A-DEF1-ECD47A684DDC}"/>
+          <p:cNvPr id="11" name="Oval 10">
+            <a:extLst>
+              <a:ext uri="{FF2B5EF4-FFF2-40B4-BE49-F238E27FC236}">
+                <a16:creationId xmlns:a16="http://schemas.microsoft.com/office/drawing/2014/main" id="{1B1921BA-6C40-74DC-A4D2-EFAEC330A537}"/>
               </a:ext>
             </a:extLst>
           </p:cNvPr>
@@ -4728,8 +4633,8 @@
         </p:nvSpPr>
         <p:spPr>
           <a:xfrm>
-            <a:off x="2886075" y="3100388"/>
-            <a:ext cx="209549" cy="247650"/>
+            <a:off x="1514475" y="5676900"/>
+            <a:ext cx="285750" cy="171450"/>
           </a:xfrm>
           <a:prstGeom prst="ellipse">
             <a:avLst/>
@@ -4767,10 +4672,10 @@
       </p:sp>
       <p:sp>
         <p:nvSpPr>
-          <p:cNvPr id="17" name="Oval 16">
-            <a:extLst>
-              <a:ext uri="{FF2B5EF4-FFF2-40B4-BE49-F238E27FC236}">
-                <a16:creationId xmlns:a16="http://schemas.microsoft.com/office/drawing/2014/main" id="{D0ADA642-3C49-3BD1-F95E-9DBF3D78996E}"/>
+          <p:cNvPr id="12" name="Oval 11">
+            <a:extLst>
+              <a:ext uri="{FF2B5EF4-FFF2-40B4-BE49-F238E27FC236}">
+                <a16:creationId xmlns:a16="http://schemas.microsoft.com/office/drawing/2014/main" id="{CCA4168D-DEE6-B938-08E4-8EC7CDD99DA8}"/>
               </a:ext>
             </a:extLst>
           </p:cNvPr>
@@ -4779,8 +4684,8 @@
         </p:nvSpPr>
         <p:spPr>
           <a:xfrm>
-            <a:off x="1557337" y="3690936"/>
-            <a:ext cx="209549" cy="247650"/>
+            <a:off x="1838325" y="5667375"/>
+            <a:ext cx="285750" cy="171450"/>
           </a:xfrm>
           <a:prstGeom prst="ellipse">
             <a:avLst/>
@@ -4818,253 +4723,10 @@
       </p:sp>
       <p:sp>
         <p:nvSpPr>
-          <p:cNvPr id="18" name="Oval 17">
-            <a:extLst>
-              <a:ext uri="{FF2B5EF4-FFF2-40B4-BE49-F238E27FC236}">
-                <a16:creationId xmlns:a16="http://schemas.microsoft.com/office/drawing/2014/main" id="{4AA327FD-FAFF-DEEE-3DF1-F23CDE570662}"/>
-              </a:ext>
-            </a:extLst>
-          </p:cNvPr>
-          <p:cNvSpPr/>
-          <p:nvPr/>
-        </p:nvSpPr>
-        <p:spPr>
-          <a:xfrm>
-            <a:off x="2924174" y="3705225"/>
-            <a:ext cx="185737" cy="247650"/>
-          </a:xfrm>
-          <a:prstGeom prst="ellipse">
-            <a:avLst/>
-          </a:prstGeom>
-          <a:solidFill>
-            <a:schemeClr val="accent2">
-              <a:alpha val="24000"/>
-            </a:schemeClr>
-          </a:solidFill>
-        </p:spPr>
-        <p:style>
-          <a:lnRef idx="2">
-            <a:schemeClr val="accent1">
-              <a:shade val="15000"/>
-            </a:schemeClr>
-          </a:lnRef>
-          <a:fillRef idx="1">
-            <a:schemeClr val="accent1"/>
-          </a:fillRef>
-          <a:effectRef idx="0">
-            <a:schemeClr val="accent1"/>
-          </a:effectRef>
-          <a:fontRef idx="minor">
-            <a:schemeClr val="lt1"/>
-          </a:fontRef>
-        </p:style>
-        <p:txBody>
-          <a:bodyPr rtlCol="0" anchor="ctr"/>
-          <a:lstStyle/>
-          <a:p>
-            <a:pPr algn="ctr"/>
-            <a:endParaRPr lang="en-US" dirty="0"/>
-          </a:p>
-        </p:txBody>
-      </p:sp>
-      <p:sp>
-        <p:nvSpPr>
-          <p:cNvPr id="19" name="Oval 18">
-            <a:extLst>
-              <a:ext uri="{FF2B5EF4-FFF2-40B4-BE49-F238E27FC236}">
-                <a16:creationId xmlns:a16="http://schemas.microsoft.com/office/drawing/2014/main" id="{4D723547-1127-1C70-4024-6731E7B700D9}"/>
-              </a:ext>
-            </a:extLst>
-          </p:cNvPr>
-          <p:cNvSpPr/>
-          <p:nvPr/>
-        </p:nvSpPr>
-        <p:spPr>
-          <a:xfrm>
-            <a:off x="1557337" y="5697562"/>
-            <a:ext cx="223838" cy="247650"/>
-          </a:xfrm>
-          <a:prstGeom prst="ellipse">
-            <a:avLst/>
-          </a:prstGeom>
-          <a:solidFill>
-            <a:schemeClr val="accent2">
-              <a:alpha val="24000"/>
-            </a:schemeClr>
-          </a:solidFill>
-        </p:spPr>
-        <p:style>
-          <a:lnRef idx="2">
-            <a:schemeClr val="accent1">
-              <a:shade val="15000"/>
-            </a:schemeClr>
-          </a:lnRef>
-          <a:fillRef idx="1">
-            <a:schemeClr val="accent1"/>
-          </a:fillRef>
-          <a:effectRef idx="0">
-            <a:schemeClr val="accent1"/>
-          </a:effectRef>
-          <a:fontRef idx="minor">
-            <a:schemeClr val="lt1"/>
-          </a:fontRef>
-        </p:style>
-        <p:txBody>
-          <a:bodyPr rtlCol="0" anchor="ctr"/>
-          <a:lstStyle/>
-          <a:p>
-            <a:pPr algn="ctr"/>
-            <a:endParaRPr lang="en-US" dirty="0"/>
-          </a:p>
-        </p:txBody>
-      </p:sp>
-      <p:sp>
-        <p:nvSpPr>
-          <p:cNvPr id="20" name="Oval 19">
-            <a:extLst>
-              <a:ext uri="{FF2B5EF4-FFF2-40B4-BE49-F238E27FC236}">
-                <a16:creationId xmlns:a16="http://schemas.microsoft.com/office/drawing/2014/main" id="{2470529B-2F1F-9CDE-D9C2-E70A557868FA}"/>
-              </a:ext>
-            </a:extLst>
-          </p:cNvPr>
-          <p:cNvSpPr/>
-          <p:nvPr/>
-        </p:nvSpPr>
-        <p:spPr>
-          <a:xfrm>
-            <a:off x="2924173" y="5678514"/>
-            <a:ext cx="139727" cy="247650"/>
-          </a:xfrm>
-          <a:prstGeom prst="ellipse">
-            <a:avLst/>
-          </a:prstGeom>
-          <a:solidFill>
-            <a:schemeClr val="accent2">
-              <a:alpha val="24000"/>
-            </a:schemeClr>
-          </a:solidFill>
-        </p:spPr>
-        <p:style>
-          <a:lnRef idx="2">
-            <a:schemeClr val="accent1">
-              <a:shade val="15000"/>
-            </a:schemeClr>
-          </a:lnRef>
-          <a:fillRef idx="1">
-            <a:schemeClr val="accent1"/>
-          </a:fillRef>
-          <a:effectRef idx="0">
-            <a:schemeClr val="accent1"/>
-          </a:effectRef>
-          <a:fontRef idx="minor">
-            <a:schemeClr val="lt1"/>
-          </a:fontRef>
-        </p:style>
-        <p:txBody>
-          <a:bodyPr rtlCol="0" anchor="ctr"/>
-          <a:lstStyle/>
-          <a:p>
-            <a:pPr algn="ctr"/>
-            <a:endParaRPr lang="en-US" dirty="0"/>
-          </a:p>
-        </p:txBody>
-      </p:sp>
-      <p:cxnSp>
-        <p:nvCxnSpPr>
-          <p:cNvPr id="22" name="Straight Connector 21">
-            <a:extLst>
-              <a:ext uri="{FF2B5EF4-FFF2-40B4-BE49-F238E27FC236}">
-                <a16:creationId xmlns:a16="http://schemas.microsoft.com/office/drawing/2014/main" id="{FA8BB73C-8438-DB34-0880-8D004315D19C}"/>
-              </a:ext>
-            </a:extLst>
-          </p:cNvPr>
-          <p:cNvCxnSpPr>
-            <a:cxnSpLocks/>
-            <a:stCxn id="11" idx="3"/>
-            <a:endCxn id="13" idx="7"/>
-          </p:cNvCxnSpPr>
-          <p:nvPr/>
-        </p:nvCxnSpPr>
-        <p:spPr>
-          <a:xfrm flipH="1">
-            <a:off x="1755249" y="2259257"/>
-            <a:ext cx="1175802" cy="1782273"/>
-          </a:xfrm>
-          <a:prstGeom prst="line">
-            <a:avLst/>
-          </a:prstGeom>
-          <a:ln w="15875">
-            <a:solidFill>
-              <a:schemeClr val="tx1"/>
-            </a:solidFill>
-          </a:ln>
-        </p:spPr>
-        <p:style>
-          <a:lnRef idx="1">
-            <a:schemeClr val="accent1"/>
-          </a:lnRef>
-          <a:fillRef idx="0">
-            <a:schemeClr val="accent1"/>
-          </a:fillRef>
-          <a:effectRef idx="0">
-            <a:schemeClr val="accent1"/>
-          </a:effectRef>
-          <a:fontRef idx="minor">
-            <a:schemeClr val="tx1"/>
-          </a:fontRef>
-        </p:style>
-      </p:cxnSp>
-      <p:cxnSp>
-        <p:nvCxnSpPr>
-          <p:cNvPr id="23" name="Straight Connector 22">
-            <a:extLst>
-              <a:ext uri="{FF2B5EF4-FFF2-40B4-BE49-F238E27FC236}">
-                <a16:creationId xmlns:a16="http://schemas.microsoft.com/office/drawing/2014/main" id="{40A0A4C1-0EE5-BC61-C99C-039117A0FE20}"/>
-              </a:ext>
-            </a:extLst>
-          </p:cNvPr>
-          <p:cNvCxnSpPr>
-            <a:cxnSpLocks/>
-            <a:stCxn id="10" idx="5"/>
-            <a:endCxn id="12" idx="1"/>
-          </p:cNvCxnSpPr>
-          <p:nvPr/>
-        </p:nvCxnSpPr>
-        <p:spPr>
-          <a:xfrm>
-            <a:off x="1807637" y="2259257"/>
-            <a:ext cx="1109126" cy="1782273"/>
-          </a:xfrm>
-          <a:prstGeom prst="line">
-            <a:avLst/>
-          </a:prstGeom>
-          <a:ln w="15875">
-            <a:solidFill>
-              <a:schemeClr val="tx1"/>
-            </a:solidFill>
-          </a:ln>
-        </p:spPr>
-        <p:style>
-          <a:lnRef idx="1">
-            <a:schemeClr val="accent1"/>
-          </a:lnRef>
-          <a:fillRef idx="0">
-            <a:schemeClr val="accent1"/>
-          </a:fillRef>
-          <a:effectRef idx="0">
-            <a:schemeClr val="accent1"/>
-          </a:effectRef>
-          <a:fontRef idx="minor">
-            <a:schemeClr val="tx1"/>
-          </a:fontRef>
-        </p:style>
-      </p:cxnSp>
-      <p:sp>
-        <p:nvSpPr>
           <p:cNvPr id="3" name="TextBox 2">
             <a:extLst>
               <a:ext uri="{FF2B5EF4-FFF2-40B4-BE49-F238E27FC236}">
-                <a16:creationId xmlns:a16="http://schemas.microsoft.com/office/drawing/2014/main" id="{5CDF0C3C-F34D-EC3F-2D0E-34F53246BF5D}"/>
+                <a16:creationId xmlns:a16="http://schemas.microsoft.com/office/drawing/2014/main" id="{03633FF2-86DD-55A6-5CBB-9FA4D40D081C}"/>
               </a:ext>
             </a:extLst>
           </p:cNvPr>
@@ -5073,8 +4735,8 @@
         </p:nvSpPr>
         <p:spPr>
           <a:xfrm>
-            <a:off x="8210550" y="1252537"/>
-            <a:ext cx="3667125" cy="4801314"/>
+            <a:off x="8610600" y="785812"/>
+            <a:ext cx="3343275" cy="4801314"/>
           </a:xfrm>
           <a:prstGeom prst="rect">
             <a:avLst/>
@@ -5088,63 +4750,35 @@
           <a:lstStyle/>
           <a:p>
             <a:r>
-              <a:rPr lang="en-US" u="sng" dirty="0"/>
-              <a:t>Only two </a:t>
-            </a:r>
-            <a:r>
               <a:rPr lang="en-US" dirty="0"/>
-              <a:t>cells in row 1 can be a 7.</a:t>
-            </a:r>
-          </a:p>
-          <a:p>
-            <a:r>
-              <a:rPr lang="en-US" u="sng" dirty="0"/>
-              <a:t>Only two </a:t>
-            </a:r>
+              <a:t>The algorithm for hidden triplets leverages off the algorithm for naked triplets in the same way that hidden pairs leverages off the naked pairs.</a:t>
+            </a:r>
+          </a:p>
+          <a:p>
+            <a:endParaRPr lang="en-US" dirty="0"/>
+          </a:p>
+          <a:p>
             <a:r>
               <a:rPr lang="en-US" dirty="0"/>
-              <a:t>cells in row 5 can be a 7.</a:t>
-            </a:r>
+              <a:t>Again, the naked/hidden pair/triple algorithms can be applied to a row, col or square.</a:t>
+            </a:r>
+          </a:p>
+          <a:p>
+            <a:endParaRPr lang="en-US" dirty="0"/>
           </a:p>
           <a:p>
             <a:r>
               <a:rPr lang="en-US" dirty="0"/>
-              <a:t>The cols that the 7’s appear in in rows 1 and 5 are the </a:t>
-            </a:r>
-            <a:r>
-              <a:rPr lang="en-US" u="sng" dirty="0"/>
-              <a:t>same</a:t>
-            </a:r>
+              <a:t>BTW the same techniques work for quads (4 cells 4 values), etc.  </a:t>
+            </a:r>
+          </a:p>
+          <a:p>
+            <a:endParaRPr lang="en-US" dirty="0"/>
+          </a:p>
+          <a:p>
             <a:r>
               <a:rPr lang="en-US" dirty="0"/>
-              <a:t> – they form an “X”.</a:t>
-            </a:r>
-          </a:p>
-          <a:p>
-            <a:endParaRPr lang="en-US" dirty="0"/>
-          </a:p>
-          <a:p>
-            <a:r>
-              <a:rPr lang="en-US" dirty="0"/>
-              <a:t>As such, the 7’s in cols 3 and 7 must appear on rows 1 and 5 – either at 1,3 and 5,7 or at 1,7 and 5,3.</a:t>
-            </a:r>
-          </a:p>
-          <a:p>
-            <a:endParaRPr lang="en-US" dirty="0"/>
-          </a:p>
-          <a:p>
-            <a:r>
-              <a:rPr lang="en-US" dirty="0"/>
-              <a:t>Therefore any 7’s that appear in cols 3 and 7 (and not on rows 1 and 5) can be eliminated.</a:t>
-            </a:r>
-          </a:p>
-          <a:p>
-            <a:endParaRPr lang="en-US" dirty="0"/>
-          </a:p>
-          <a:p>
-            <a:r>
-              <a:rPr lang="en-US" dirty="0"/>
-              <a:t>Note: this is not a great example (but still valid) because cell 1,3 is a “single candidate”.</a:t>
+              <a:t>Have fun.  Hard by hand easier by computer especially if you have a single routine that just accepts “N” as a parameter!! Which I do.</a:t>
             </a:r>
           </a:p>
         </p:txBody>
@@ -5152,7 +4786,7 @@
     </p:spTree>
     <p:extLst>
       <p:ext uri="{BB962C8B-B14F-4D97-AF65-F5344CB8AC3E}">
-        <p14:creationId xmlns:p14="http://schemas.microsoft.com/office/powerpoint/2010/main" val="2156491814"/>
+        <p14:creationId xmlns:p14="http://schemas.microsoft.com/office/powerpoint/2010/main" val="596411895"/>
       </p:ext>
     </p:extLst>
   </p:cSld>
@@ -5179,6 +4813,746 @@
           <a:chExt cx="0" cy="0"/>
         </a:xfrm>
       </p:grpSpPr>
+      <p:pic>
+        <p:nvPicPr>
+          <p:cNvPr id="16" name="Picture 15">
+            <a:extLst>
+              <a:ext uri="{FF2B5EF4-FFF2-40B4-BE49-F238E27FC236}">
+                <a16:creationId xmlns:a16="http://schemas.microsoft.com/office/drawing/2014/main" id="{840E0D83-ED60-8115-FB41-2892F9A52013}"/>
+              </a:ext>
+            </a:extLst>
+          </p:cNvPr>
+          <p:cNvPicPr>
+            <a:picLocks noChangeAspect="1"/>
+          </p:cNvPicPr>
+          <p:nvPr/>
+        </p:nvPicPr>
+        <p:blipFill>
+          <a:blip r:embed="rId2"/>
+          <a:stretch>
+            <a:fillRect/>
+          </a:stretch>
+        </p:blipFill>
+        <p:spPr>
+          <a:xfrm>
+            <a:off x="452437" y="1252537"/>
+            <a:ext cx="7553325" cy="4943475"/>
+          </a:xfrm>
+          <a:prstGeom prst="rect">
+            <a:avLst/>
+          </a:prstGeom>
+          <a:ln>
+            <a:solidFill>
+              <a:schemeClr val="tx1"/>
+            </a:solidFill>
+          </a:ln>
+        </p:spPr>
+      </p:pic>
+      <p:sp>
+        <p:nvSpPr>
+          <p:cNvPr id="2" name="Title 1">
+            <a:extLst>
+              <a:ext uri="{FF2B5EF4-FFF2-40B4-BE49-F238E27FC236}">
+                <a16:creationId xmlns:a16="http://schemas.microsoft.com/office/drawing/2014/main" id="{F6ACC18F-0B2F-F493-EA7E-BB3CC01F9A07}"/>
+              </a:ext>
+            </a:extLst>
+          </p:cNvPr>
+          <p:cNvSpPr>
+            <a:spLocks noGrp="1"/>
+          </p:cNvSpPr>
+          <p:nvPr>
+            <p:ph type="title"/>
+          </p:nvPr>
+        </p:nvSpPr>
+        <p:spPr>
+          <a:xfrm>
+            <a:off x="838200" y="365125"/>
+            <a:ext cx="10515600" cy="835025"/>
+          </a:xfrm>
+        </p:spPr>
+        <p:txBody>
+          <a:bodyPr>
+            <a:normAutofit/>
+          </a:bodyPr>
+          <a:lstStyle/>
+          <a:p>
+            <a:pPr algn="ctr"/>
+            <a:r>
+              <a:rPr lang="en-US" sz="5400" dirty="0"/>
+              <a:t>Pruning X-Wing</a:t>
+            </a:r>
+          </a:p>
+        </p:txBody>
+      </p:sp>
+      <p:sp>
+        <p:nvSpPr>
+          <p:cNvPr id="10" name="Oval 9">
+            <a:extLst>
+              <a:ext uri="{FF2B5EF4-FFF2-40B4-BE49-F238E27FC236}">
+                <a16:creationId xmlns:a16="http://schemas.microsoft.com/office/drawing/2014/main" id="{F6AC74F4-555E-37F4-EB5F-824BE8F78BBE}"/>
+              </a:ext>
+            </a:extLst>
+          </p:cNvPr>
+          <p:cNvSpPr/>
+          <p:nvPr/>
+        </p:nvSpPr>
+        <p:spPr>
+          <a:xfrm>
+            <a:off x="1628776" y="2047875"/>
+            <a:ext cx="209549" cy="247650"/>
+          </a:xfrm>
+          <a:prstGeom prst="ellipse">
+            <a:avLst/>
+          </a:prstGeom>
+          <a:solidFill>
+            <a:schemeClr val="accent6">
+              <a:alpha val="24000"/>
+            </a:schemeClr>
+          </a:solidFill>
+        </p:spPr>
+        <p:style>
+          <a:lnRef idx="2">
+            <a:schemeClr val="accent1">
+              <a:shade val="15000"/>
+            </a:schemeClr>
+          </a:lnRef>
+          <a:fillRef idx="1">
+            <a:schemeClr val="accent1"/>
+          </a:fillRef>
+          <a:effectRef idx="0">
+            <a:schemeClr val="accent1"/>
+          </a:effectRef>
+          <a:fontRef idx="minor">
+            <a:schemeClr val="lt1"/>
+          </a:fontRef>
+        </p:style>
+        <p:txBody>
+          <a:bodyPr rtlCol="0" anchor="ctr"/>
+          <a:lstStyle/>
+          <a:p>
+            <a:pPr algn="ctr"/>
+            <a:endParaRPr lang="en-US" dirty="0"/>
+          </a:p>
+        </p:txBody>
+      </p:sp>
+      <p:sp>
+        <p:nvSpPr>
+          <p:cNvPr id="11" name="Oval 10">
+            <a:extLst>
+              <a:ext uri="{FF2B5EF4-FFF2-40B4-BE49-F238E27FC236}">
+                <a16:creationId xmlns:a16="http://schemas.microsoft.com/office/drawing/2014/main" id="{2D999BB5-48E8-ECCB-C2CE-513DA2A8E0ED}"/>
+              </a:ext>
+            </a:extLst>
+          </p:cNvPr>
+          <p:cNvSpPr/>
+          <p:nvPr/>
+        </p:nvSpPr>
+        <p:spPr>
+          <a:xfrm>
+            <a:off x="2900363" y="2047875"/>
+            <a:ext cx="209549" cy="247650"/>
+          </a:xfrm>
+          <a:prstGeom prst="ellipse">
+            <a:avLst/>
+          </a:prstGeom>
+          <a:solidFill>
+            <a:schemeClr val="accent6">
+              <a:alpha val="24000"/>
+            </a:schemeClr>
+          </a:solidFill>
+        </p:spPr>
+        <p:style>
+          <a:lnRef idx="2">
+            <a:schemeClr val="accent1">
+              <a:shade val="15000"/>
+            </a:schemeClr>
+          </a:lnRef>
+          <a:fillRef idx="1">
+            <a:schemeClr val="accent1"/>
+          </a:fillRef>
+          <a:effectRef idx="0">
+            <a:schemeClr val="accent1"/>
+          </a:effectRef>
+          <a:fontRef idx="minor">
+            <a:schemeClr val="lt1"/>
+          </a:fontRef>
+        </p:style>
+        <p:txBody>
+          <a:bodyPr rtlCol="0" anchor="ctr"/>
+          <a:lstStyle/>
+          <a:p>
+            <a:pPr algn="ctr"/>
+            <a:endParaRPr lang="en-US" dirty="0"/>
+          </a:p>
+        </p:txBody>
+      </p:sp>
+      <p:sp>
+        <p:nvSpPr>
+          <p:cNvPr id="12" name="Oval 11">
+            <a:extLst>
+              <a:ext uri="{FF2B5EF4-FFF2-40B4-BE49-F238E27FC236}">
+                <a16:creationId xmlns:a16="http://schemas.microsoft.com/office/drawing/2014/main" id="{CAB52149-3A2E-0AB6-0521-D53F891DBB30}"/>
+              </a:ext>
+            </a:extLst>
+          </p:cNvPr>
+          <p:cNvSpPr/>
+          <p:nvPr/>
+        </p:nvSpPr>
+        <p:spPr>
+          <a:xfrm>
+            <a:off x="2886075" y="4005262"/>
+            <a:ext cx="209549" cy="247650"/>
+          </a:xfrm>
+          <a:prstGeom prst="ellipse">
+            <a:avLst/>
+          </a:prstGeom>
+          <a:solidFill>
+            <a:schemeClr val="accent6">
+              <a:alpha val="24000"/>
+            </a:schemeClr>
+          </a:solidFill>
+        </p:spPr>
+        <p:style>
+          <a:lnRef idx="2">
+            <a:schemeClr val="accent1">
+              <a:shade val="15000"/>
+            </a:schemeClr>
+          </a:lnRef>
+          <a:fillRef idx="1">
+            <a:schemeClr val="accent1"/>
+          </a:fillRef>
+          <a:effectRef idx="0">
+            <a:schemeClr val="accent1"/>
+          </a:effectRef>
+          <a:fontRef idx="minor">
+            <a:schemeClr val="lt1"/>
+          </a:fontRef>
+        </p:style>
+        <p:txBody>
+          <a:bodyPr rtlCol="0" anchor="ctr"/>
+          <a:lstStyle/>
+          <a:p>
+            <a:pPr algn="ctr"/>
+            <a:endParaRPr lang="en-US" dirty="0"/>
+          </a:p>
+        </p:txBody>
+      </p:sp>
+      <p:sp>
+        <p:nvSpPr>
+          <p:cNvPr id="13" name="Oval 12">
+            <a:extLst>
+              <a:ext uri="{FF2B5EF4-FFF2-40B4-BE49-F238E27FC236}">
+                <a16:creationId xmlns:a16="http://schemas.microsoft.com/office/drawing/2014/main" id="{8960F1C2-36A3-5F1B-AC86-144FAFF9D87C}"/>
+              </a:ext>
+            </a:extLst>
+          </p:cNvPr>
+          <p:cNvSpPr/>
+          <p:nvPr/>
+        </p:nvSpPr>
+        <p:spPr>
+          <a:xfrm>
+            <a:off x="1576388" y="4005262"/>
+            <a:ext cx="209549" cy="247650"/>
+          </a:xfrm>
+          <a:prstGeom prst="ellipse">
+            <a:avLst/>
+          </a:prstGeom>
+          <a:solidFill>
+            <a:schemeClr val="accent6">
+              <a:alpha val="24000"/>
+            </a:schemeClr>
+          </a:solidFill>
+        </p:spPr>
+        <p:style>
+          <a:lnRef idx="2">
+            <a:schemeClr val="accent1">
+              <a:shade val="15000"/>
+            </a:schemeClr>
+          </a:lnRef>
+          <a:fillRef idx="1">
+            <a:schemeClr val="accent1"/>
+          </a:fillRef>
+          <a:effectRef idx="0">
+            <a:schemeClr val="accent1"/>
+          </a:effectRef>
+          <a:fontRef idx="minor">
+            <a:schemeClr val="lt1"/>
+          </a:fontRef>
+        </p:style>
+        <p:txBody>
+          <a:bodyPr rtlCol="0" anchor="ctr"/>
+          <a:lstStyle/>
+          <a:p>
+            <a:pPr algn="ctr"/>
+            <a:endParaRPr lang="en-US" dirty="0"/>
+          </a:p>
+        </p:txBody>
+      </p:sp>
+      <p:sp>
+        <p:nvSpPr>
+          <p:cNvPr id="14" name="Oval 13">
+            <a:extLst>
+              <a:ext uri="{FF2B5EF4-FFF2-40B4-BE49-F238E27FC236}">
+                <a16:creationId xmlns:a16="http://schemas.microsoft.com/office/drawing/2014/main" id="{D01323A3-2BA9-E94A-DEF1-ECD47A684DDC}"/>
+              </a:ext>
+            </a:extLst>
+          </p:cNvPr>
+          <p:cNvSpPr/>
+          <p:nvPr/>
+        </p:nvSpPr>
+        <p:spPr>
+          <a:xfrm>
+            <a:off x="2886075" y="3100388"/>
+            <a:ext cx="209549" cy="247650"/>
+          </a:xfrm>
+          <a:prstGeom prst="ellipse">
+            <a:avLst/>
+          </a:prstGeom>
+          <a:solidFill>
+            <a:schemeClr val="accent2">
+              <a:alpha val="24000"/>
+            </a:schemeClr>
+          </a:solidFill>
+        </p:spPr>
+        <p:style>
+          <a:lnRef idx="2">
+            <a:schemeClr val="accent1">
+              <a:shade val="15000"/>
+            </a:schemeClr>
+          </a:lnRef>
+          <a:fillRef idx="1">
+            <a:schemeClr val="accent1"/>
+          </a:fillRef>
+          <a:effectRef idx="0">
+            <a:schemeClr val="accent1"/>
+          </a:effectRef>
+          <a:fontRef idx="minor">
+            <a:schemeClr val="lt1"/>
+          </a:fontRef>
+        </p:style>
+        <p:txBody>
+          <a:bodyPr rtlCol="0" anchor="ctr"/>
+          <a:lstStyle/>
+          <a:p>
+            <a:pPr algn="ctr"/>
+            <a:endParaRPr lang="en-US" dirty="0"/>
+          </a:p>
+        </p:txBody>
+      </p:sp>
+      <p:sp>
+        <p:nvSpPr>
+          <p:cNvPr id="17" name="Oval 16">
+            <a:extLst>
+              <a:ext uri="{FF2B5EF4-FFF2-40B4-BE49-F238E27FC236}">
+                <a16:creationId xmlns:a16="http://schemas.microsoft.com/office/drawing/2014/main" id="{D0ADA642-3C49-3BD1-F95E-9DBF3D78996E}"/>
+              </a:ext>
+            </a:extLst>
+          </p:cNvPr>
+          <p:cNvSpPr/>
+          <p:nvPr/>
+        </p:nvSpPr>
+        <p:spPr>
+          <a:xfrm>
+            <a:off x="1557337" y="3690936"/>
+            <a:ext cx="209549" cy="247650"/>
+          </a:xfrm>
+          <a:prstGeom prst="ellipse">
+            <a:avLst/>
+          </a:prstGeom>
+          <a:solidFill>
+            <a:schemeClr val="accent2">
+              <a:alpha val="24000"/>
+            </a:schemeClr>
+          </a:solidFill>
+        </p:spPr>
+        <p:style>
+          <a:lnRef idx="2">
+            <a:schemeClr val="accent1">
+              <a:shade val="15000"/>
+            </a:schemeClr>
+          </a:lnRef>
+          <a:fillRef idx="1">
+            <a:schemeClr val="accent1"/>
+          </a:fillRef>
+          <a:effectRef idx="0">
+            <a:schemeClr val="accent1"/>
+          </a:effectRef>
+          <a:fontRef idx="minor">
+            <a:schemeClr val="lt1"/>
+          </a:fontRef>
+        </p:style>
+        <p:txBody>
+          <a:bodyPr rtlCol="0" anchor="ctr"/>
+          <a:lstStyle/>
+          <a:p>
+            <a:pPr algn="ctr"/>
+            <a:endParaRPr lang="en-US" dirty="0"/>
+          </a:p>
+        </p:txBody>
+      </p:sp>
+      <p:sp>
+        <p:nvSpPr>
+          <p:cNvPr id="18" name="Oval 17">
+            <a:extLst>
+              <a:ext uri="{FF2B5EF4-FFF2-40B4-BE49-F238E27FC236}">
+                <a16:creationId xmlns:a16="http://schemas.microsoft.com/office/drawing/2014/main" id="{4AA327FD-FAFF-DEEE-3DF1-F23CDE570662}"/>
+              </a:ext>
+            </a:extLst>
+          </p:cNvPr>
+          <p:cNvSpPr/>
+          <p:nvPr/>
+        </p:nvSpPr>
+        <p:spPr>
+          <a:xfrm>
+            <a:off x="2924174" y="3705225"/>
+            <a:ext cx="185737" cy="247650"/>
+          </a:xfrm>
+          <a:prstGeom prst="ellipse">
+            <a:avLst/>
+          </a:prstGeom>
+          <a:solidFill>
+            <a:schemeClr val="accent2">
+              <a:alpha val="24000"/>
+            </a:schemeClr>
+          </a:solidFill>
+        </p:spPr>
+        <p:style>
+          <a:lnRef idx="2">
+            <a:schemeClr val="accent1">
+              <a:shade val="15000"/>
+            </a:schemeClr>
+          </a:lnRef>
+          <a:fillRef idx="1">
+            <a:schemeClr val="accent1"/>
+          </a:fillRef>
+          <a:effectRef idx="0">
+            <a:schemeClr val="accent1"/>
+          </a:effectRef>
+          <a:fontRef idx="minor">
+            <a:schemeClr val="lt1"/>
+          </a:fontRef>
+        </p:style>
+        <p:txBody>
+          <a:bodyPr rtlCol="0" anchor="ctr"/>
+          <a:lstStyle/>
+          <a:p>
+            <a:pPr algn="ctr"/>
+            <a:endParaRPr lang="en-US" dirty="0"/>
+          </a:p>
+        </p:txBody>
+      </p:sp>
+      <p:sp>
+        <p:nvSpPr>
+          <p:cNvPr id="19" name="Oval 18">
+            <a:extLst>
+              <a:ext uri="{FF2B5EF4-FFF2-40B4-BE49-F238E27FC236}">
+                <a16:creationId xmlns:a16="http://schemas.microsoft.com/office/drawing/2014/main" id="{4D723547-1127-1C70-4024-6731E7B700D9}"/>
+              </a:ext>
+            </a:extLst>
+          </p:cNvPr>
+          <p:cNvSpPr/>
+          <p:nvPr/>
+        </p:nvSpPr>
+        <p:spPr>
+          <a:xfrm>
+            <a:off x="1557337" y="5697562"/>
+            <a:ext cx="223838" cy="247650"/>
+          </a:xfrm>
+          <a:prstGeom prst="ellipse">
+            <a:avLst/>
+          </a:prstGeom>
+          <a:solidFill>
+            <a:schemeClr val="accent2">
+              <a:alpha val="24000"/>
+            </a:schemeClr>
+          </a:solidFill>
+        </p:spPr>
+        <p:style>
+          <a:lnRef idx="2">
+            <a:schemeClr val="accent1">
+              <a:shade val="15000"/>
+            </a:schemeClr>
+          </a:lnRef>
+          <a:fillRef idx="1">
+            <a:schemeClr val="accent1"/>
+          </a:fillRef>
+          <a:effectRef idx="0">
+            <a:schemeClr val="accent1"/>
+          </a:effectRef>
+          <a:fontRef idx="minor">
+            <a:schemeClr val="lt1"/>
+          </a:fontRef>
+        </p:style>
+        <p:txBody>
+          <a:bodyPr rtlCol="0" anchor="ctr"/>
+          <a:lstStyle/>
+          <a:p>
+            <a:pPr algn="ctr"/>
+            <a:endParaRPr lang="en-US" dirty="0"/>
+          </a:p>
+        </p:txBody>
+      </p:sp>
+      <p:sp>
+        <p:nvSpPr>
+          <p:cNvPr id="20" name="Oval 19">
+            <a:extLst>
+              <a:ext uri="{FF2B5EF4-FFF2-40B4-BE49-F238E27FC236}">
+                <a16:creationId xmlns:a16="http://schemas.microsoft.com/office/drawing/2014/main" id="{2470529B-2F1F-9CDE-D9C2-E70A557868FA}"/>
+              </a:ext>
+            </a:extLst>
+          </p:cNvPr>
+          <p:cNvSpPr/>
+          <p:nvPr/>
+        </p:nvSpPr>
+        <p:spPr>
+          <a:xfrm>
+            <a:off x="2924173" y="5678514"/>
+            <a:ext cx="139727" cy="247650"/>
+          </a:xfrm>
+          <a:prstGeom prst="ellipse">
+            <a:avLst/>
+          </a:prstGeom>
+          <a:solidFill>
+            <a:schemeClr val="accent2">
+              <a:alpha val="24000"/>
+            </a:schemeClr>
+          </a:solidFill>
+        </p:spPr>
+        <p:style>
+          <a:lnRef idx="2">
+            <a:schemeClr val="accent1">
+              <a:shade val="15000"/>
+            </a:schemeClr>
+          </a:lnRef>
+          <a:fillRef idx="1">
+            <a:schemeClr val="accent1"/>
+          </a:fillRef>
+          <a:effectRef idx="0">
+            <a:schemeClr val="accent1"/>
+          </a:effectRef>
+          <a:fontRef idx="minor">
+            <a:schemeClr val="lt1"/>
+          </a:fontRef>
+        </p:style>
+        <p:txBody>
+          <a:bodyPr rtlCol="0" anchor="ctr"/>
+          <a:lstStyle/>
+          <a:p>
+            <a:pPr algn="ctr"/>
+            <a:endParaRPr lang="en-US" dirty="0"/>
+          </a:p>
+        </p:txBody>
+      </p:sp>
+      <p:cxnSp>
+        <p:nvCxnSpPr>
+          <p:cNvPr id="22" name="Straight Connector 21">
+            <a:extLst>
+              <a:ext uri="{FF2B5EF4-FFF2-40B4-BE49-F238E27FC236}">
+                <a16:creationId xmlns:a16="http://schemas.microsoft.com/office/drawing/2014/main" id="{FA8BB73C-8438-DB34-0880-8D004315D19C}"/>
+              </a:ext>
+            </a:extLst>
+          </p:cNvPr>
+          <p:cNvCxnSpPr>
+            <a:cxnSpLocks/>
+            <a:stCxn id="11" idx="3"/>
+            <a:endCxn id="13" idx="7"/>
+          </p:cNvCxnSpPr>
+          <p:nvPr/>
+        </p:nvCxnSpPr>
+        <p:spPr>
+          <a:xfrm flipH="1">
+            <a:off x="1755249" y="2259257"/>
+            <a:ext cx="1175802" cy="1782273"/>
+          </a:xfrm>
+          <a:prstGeom prst="line">
+            <a:avLst/>
+          </a:prstGeom>
+          <a:ln w="15875">
+            <a:solidFill>
+              <a:schemeClr val="tx1"/>
+            </a:solidFill>
+          </a:ln>
+        </p:spPr>
+        <p:style>
+          <a:lnRef idx="1">
+            <a:schemeClr val="accent1"/>
+          </a:lnRef>
+          <a:fillRef idx="0">
+            <a:schemeClr val="accent1"/>
+          </a:fillRef>
+          <a:effectRef idx="0">
+            <a:schemeClr val="accent1"/>
+          </a:effectRef>
+          <a:fontRef idx="minor">
+            <a:schemeClr val="tx1"/>
+          </a:fontRef>
+        </p:style>
+      </p:cxnSp>
+      <p:cxnSp>
+        <p:nvCxnSpPr>
+          <p:cNvPr id="23" name="Straight Connector 22">
+            <a:extLst>
+              <a:ext uri="{FF2B5EF4-FFF2-40B4-BE49-F238E27FC236}">
+                <a16:creationId xmlns:a16="http://schemas.microsoft.com/office/drawing/2014/main" id="{40A0A4C1-0EE5-BC61-C99C-039117A0FE20}"/>
+              </a:ext>
+            </a:extLst>
+          </p:cNvPr>
+          <p:cNvCxnSpPr>
+            <a:cxnSpLocks/>
+            <a:stCxn id="10" idx="5"/>
+            <a:endCxn id="12" idx="1"/>
+          </p:cNvCxnSpPr>
+          <p:nvPr/>
+        </p:nvCxnSpPr>
+        <p:spPr>
+          <a:xfrm>
+            <a:off x="1807637" y="2259257"/>
+            <a:ext cx="1109126" cy="1782273"/>
+          </a:xfrm>
+          <a:prstGeom prst="line">
+            <a:avLst/>
+          </a:prstGeom>
+          <a:ln w="15875">
+            <a:solidFill>
+              <a:schemeClr val="tx1"/>
+            </a:solidFill>
+          </a:ln>
+        </p:spPr>
+        <p:style>
+          <a:lnRef idx="1">
+            <a:schemeClr val="accent1"/>
+          </a:lnRef>
+          <a:fillRef idx="0">
+            <a:schemeClr val="accent1"/>
+          </a:fillRef>
+          <a:effectRef idx="0">
+            <a:schemeClr val="accent1"/>
+          </a:effectRef>
+          <a:fontRef idx="minor">
+            <a:schemeClr val="tx1"/>
+          </a:fontRef>
+        </p:style>
+      </p:cxnSp>
+      <p:sp>
+        <p:nvSpPr>
+          <p:cNvPr id="3" name="TextBox 2">
+            <a:extLst>
+              <a:ext uri="{FF2B5EF4-FFF2-40B4-BE49-F238E27FC236}">
+                <a16:creationId xmlns:a16="http://schemas.microsoft.com/office/drawing/2014/main" id="{5CDF0C3C-F34D-EC3F-2D0E-34F53246BF5D}"/>
+              </a:ext>
+            </a:extLst>
+          </p:cNvPr>
+          <p:cNvSpPr txBox="1"/>
+          <p:nvPr/>
+        </p:nvSpPr>
+        <p:spPr>
+          <a:xfrm>
+            <a:off x="8210550" y="1252537"/>
+            <a:ext cx="3667125" cy="4801314"/>
+          </a:xfrm>
+          <a:prstGeom prst="rect">
+            <a:avLst/>
+          </a:prstGeom>
+          <a:noFill/>
+        </p:spPr>
+        <p:txBody>
+          <a:bodyPr wrap="square" rtlCol="0">
+            <a:spAutoFit/>
+          </a:bodyPr>
+          <a:lstStyle/>
+          <a:p>
+            <a:r>
+              <a:rPr lang="en-US" u="sng" dirty="0"/>
+              <a:t>Only two </a:t>
+            </a:r>
+            <a:r>
+              <a:rPr lang="en-US" dirty="0"/>
+              <a:t>cells in row 1 can be a 7.</a:t>
+            </a:r>
+          </a:p>
+          <a:p>
+            <a:r>
+              <a:rPr lang="en-US" u="sng" dirty="0"/>
+              <a:t>Only two </a:t>
+            </a:r>
+            <a:r>
+              <a:rPr lang="en-US" dirty="0"/>
+              <a:t>cells in row 5 can be a 7.</a:t>
+            </a:r>
+          </a:p>
+          <a:p>
+            <a:r>
+              <a:rPr lang="en-US" dirty="0"/>
+              <a:t>The cols that the 7’s appear in in rows 1 and 5 are the </a:t>
+            </a:r>
+            <a:r>
+              <a:rPr lang="en-US" u="sng" dirty="0"/>
+              <a:t>same</a:t>
+            </a:r>
+            <a:r>
+              <a:rPr lang="en-US" dirty="0"/>
+              <a:t> – they form an “X”.</a:t>
+            </a:r>
+          </a:p>
+          <a:p>
+            <a:endParaRPr lang="en-US" dirty="0"/>
+          </a:p>
+          <a:p>
+            <a:r>
+              <a:rPr lang="en-US" dirty="0"/>
+              <a:t>As such, the 7’s in cols 3 and 7 must appear on rows 1 and 5 – either at 1,3 and 5,7 or at 1,7 and 5,3.</a:t>
+            </a:r>
+          </a:p>
+          <a:p>
+            <a:endParaRPr lang="en-US" dirty="0"/>
+          </a:p>
+          <a:p>
+            <a:r>
+              <a:rPr lang="en-US" dirty="0"/>
+              <a:t>Therefore any 7’s that appear in cols 3 and 7 (and not on rows 1 and 5) can be eliminated.</a:t>
+            </a:r>
+          </a:p>
+          <a:p>
+            <a:endParaRPr lang="en-US" dirty="0"/>
+          </a:p>
+          <a:p>
+            <a:r>
+              <a:rPr lang="en-US" dirty="0"/>
+              <a:t>Note: this is not a great example (but still valid) because cell 1,3 is a “single candidate”.</a:t>
+            </a:r>
+          </a:p>
+        </p:txBody>
+      </p:sp>
+    </p:spTree>
+    <p:extLst>
+      <p:ext uri="{BB962C8B-B14F-4D97-AF65-F5344CB8AC3E}">
+        <p14:creationId xmlns:p14="http://schemas.microsoft.com/office/powerpoint/2010/main" val="2156491814"/>
+      </p:ext>
+    </p:extLst>
+  </p:cSld>
+  <p:clrMapOvr>
+    <a:masterClrMapping/>
+  </p:clrMapOvr>
+</p:sld>
+</file>
+
+<file path=ppt/slides/slide14.xml><?xml version="1.0" encoding="utf-8"?>
+<p:sld xmlns:a="http://schemas.openxmlformats.org/drawingml/2006/main" xmlns:r="http://schemas.openxmlformats.org/officeDocument/2006/relationships" xmlns:p="http://schemas.openxmlformats.org/presentationml/2006/main">
+  <p:cSld>
+    <p:spTree>
+      <p:nvGrpSpPr>
+        <p:cNvPr id="1" name=""/>
+        <p:cNvGrpSpPr/>
+        <p:nvPr/>
+      </p:nvGrpSpPr>
+      <p:grpSpPr>
+        <a:xfrm>
+          <a:off x="0" y="0"/>
+          <a:ext cx="0" cy="0"/>
+          <a:chOff x="0" y="0"/>
+          <a:chExt cx="0" cy="0"/>
+        </a:xfrm>
+      </p:grpSpPr>
       <p:sp>
         <p:nvSpPr>
           <p:cNvPr id="2" name="Title 1">
@@ -5668,7 +6042,7 @@
 </p:sld>
 </file>
 
-<file path=ppt/slides/slide14.xml><?xml version="1.0" encoding="utf-8"?>
+<file path=ppt/slides/slide15.xml><?xml version="1.0" encoding="utf-8"?>
 <p:sld xmlns:a="http://schemas.openxmlformats.org/drawingml/2006/main" xmlns:r="http://schemas.openxmlformats.org/officeDocument/2006/relationships" xmlns:p="http://schemas.openxmlformats.org/presentationml/2006/main">
   <p:cSld>
     <p:spTree>
@@ -6121,7 +6495,7 @@
 </p:sld>
 </file>
 
-<file path=ppt/slides/slide15.xml><?xml version="1.0" encoding="utf-8"?>
+<file path=ppt/slides/slide16.xml><?xml version="1.0" encoding="utf-8"?>
 <p:sld xmlns:a="http://schemas.openxmlformats.org/drawingml/2006/main" xmlns:r="http://schemas.openxmlformats.org/officeDocument/2006/relationships" xmlns:p="http://schemas.openxmlformats.org/presentationml/2006/main">
   <p:cSld>
     <p:spTree>
@@ -6456,6 +6830,107 @@
 </file>
 
 <file path=ppt/slides/slide2.xml><?xml version="1.0" encoding="utf-8"?>
+<p:sld xmlns:a="http://schemas.openxmlformats.org/drawingml/2006/main" xmlns:r="http://schemas.openxmlformats.org/officeDocument/2006/relationships" xmlns:p="http://schemas.openxmlformats.org/presentationml/2006/main">
+  <p:cSld>
+    <p:spTree>
+      <p:nvGrpSpPr>
+        <p:cNvPr id="1" name=""/>
+        <p:cNvGrpSpPr/>
+        <p:nvPr/>
+      </p:nvGrpSpPr>
+      <p:grpSpPr>
+        <a:xfrm>
+          <a:off x="0" y="0"/>
+          <a:ext cx="0" cy="0"/>
+          <a:chOff x="0" y="0"/>
+          <a:chExt cx="0" cy="0"/>
+        </a:xfrm>
+      </p:grpSpPr>
+      <p:sp>
+        <p:nvSpPr>
+          <p:cNvPr id="2" name="Title 1">
+            <a:extLst>
+              <a:ext uri="{FF2B5EF4-FFF2-40B4-BE49-F238E27FC236}">
+                <a16:creationId xmlns:a16="http://schemas.microsoft.com/office/drawing/2014/main" id="{1A0D56AF-EB88-5DF0-D6FF-100E40758891}"/>
+              </a:ext>
+            </a:extLst>
+          </p:cNvPr>
+          <p:cNvSpPr>
+            <a:spLocks noGrp="1"/>
+          </p:cNvSpPr>
+          <p:nvPr>
+            <p:ph type="title"/>
+          </p:nvPr>
+        </p:nvSpPr>
+        <p:spPr>
+          <a:xfrm>
+            <a:off x="838200" y="365126"/>
+            <a:ext cx="10515600" cy="453022"/>
+          </a:xfrm>
+        </p:spPr>
+        <p:txBody>
+          <a:bodyPr>
+            <a:noAutofit/>
+          </a:bodyPr>
+          <a:lstStyle/>
+          <a:p>
+            <a:pPr algn="ctr"/>
+            <a:r>
+              <a:rPr lang="en-US" sz="3200" b="1" dirty="0"/>
+              <a:t>10,000 Foot Software Pseudo-Code (Actual ~1500 Lines of Code)</a:t>
+            </a:r>
+          </a:p>
+        </p:txBody>
+      </p:sp>
+      <p:pic>
+        <p:nvPicPr>
+          <p:cNvPr id="4" name="Picture 3">
+            <a:extLst>
+              <a:ext uri="{FF2B5EF4-FFF2-40B4-BE49-F238E27FC236}">
+                <a16:creationId xmlns:a16="http://schemas.microsoft.com/office/drawing/2014/main" id="{2DD618C5-BAA8-908B-ACBA-4F66087E83A5}"/>
+              </a:ext>
+            </a:extLst>
+          </p:cNvPr>
+          <p:cNvPicPr>
+            <a:picLocks noChangeAspect="1"/>
+          </p:cNvPicPr>
+          <p:nvPr/>
+        </p:nvPicPr>
+        <p:blipFill>
+          <a:blip r:embed="rId2"/>
+          <a:stretch>
+            <a:fillRect/>
+          </a:stretch>
+        </p:blipFill>
+        <p:spPr>
+          <a:xfrm>
+            <a:off x="1504309" y="819560"/>
+            <a:ext cx="9183382" cy="5572903"/>
+          </a:xfrm>
+          <a:prstGeom prst="rect">
+            <a:avLst/>
+          </a:prstGeom>
+          <a:ln w="19050">
+            <a:solidFill>
+              <a:schemeClr val="tx1"/>
+            </a:solidFill>
+          </a:ln>
+        </p:spPr>
+      </p:pic>
+    </p:spTree>
+    <p:extLst>
+      <p:ext uri="{BB962C8B-B14F-4D97-AF65-F5344CB8AC3E}">
+        <p14:creationId xmlns:p14="http://schemas.microsoft.com/office/powerpoint/2010/main" val="871024933"/>
+      </p:ext>
+    </p:extLst>
+  </p:cSld>
+  <p:clrMapOvr>
+    <a:masterClrMapping/>
+  </p:clrMapOvr>
+</p:sld>
+</file>
+
+<file path=ppt/slides/slide3.xml><?xml version="1.0" encoding="utf-8"?>
 <p:sld xmlns:a="http://schemas.openxmlformats.org/drawingml/2006/main" xmlns:r="http://schemas.openxmlformats.org/officeDocument/2006/relationships" xmlns:p="http://schemas.openxmlformats.org/presentationml/2006/main">
   <p:cSld>
     <p:spTree>
@@ -7022,137 +7497,6 @@
 </p:sld>
 </file>
 
-<file path=ppt/slides/slide3.xml><?xml version="1.0" encoding="utf-8"?>
-<p:sld xmlns:a="http://schemas.openxmlformats.org/drawingml/2006/main" xmlns:r="http://schemas.openxmlformats.org/officeDocument/2006/relationships" xmlns:p="http://schemas.openxmlformats.org/presentationml/2006/main">
-  <p:cSld>
-    <p:spTree>
-      <p:nvGrpSpPr>
-        <p:cNvPr id="1" name=""/>
-        <p:cNvGrpSpPr/>
-        <p:nvPr/>
-      </p:nvGrpSpPr>
-      <p:grpSpPr>
-        <a:xfrm>
-          <a:off x="0" y="0"/>
-          <a:ext cx="0" cy="0"/>
-          <a:chOff x="0" y="0"/>
-          <a:chExt cx="0" cy="0"/>
-        </a:xfrm>
-      </p:grpSpPr>
-      <p:sp>
-        <p:nvSpPr>
-          <p:cNvPr id="2" name="Title 1">
-            <a:extLst>
-              <a:ext uri="{FF2B5EF4-FFF2-40B4-BE49-F238E27FC236}">
-                <a16:creationId xmlns:a16="http://schemas.microsoft.com/office/drawing/2014/main" id="{2D6D84C5-D03B-B1A9-28AB-D8611C9BE964}"/>
-              </a:ext>
-            </a:extLst>
-          </p:cNvPr>
-          <p:cNvSpPr>
-            <a:spLocks noGrp="1"/>
-          </p:cNvSpPr>
-          <p:nvPr>
-            <p:ph type="title"/>
-          </p:nvPr>
-        </p:nvSpPr>
-        <p:spPr>
-          <a:xfrm>
-            <a:off x="671804" y="94527"/>
-            <a:ext cx="10681996" cy="633262"/>
-          </a:xfrm>
-        </p:spPr>
-        <p:txBody>
-          <a:bodyPr>
-            <a:noAutofit/>
-          </a:bodyPr>
-          <a:lstStyle/>
-          <a:p>
-            <a:pPr algn="ctr"/>
-            <a:r>
-              <a:rPr lang="en-US" sz="5400" dirty="0"/>
-              <a:t>A Word About Lists in Python</a:t>
-            </a:r>
-          </a:p>
-        </p:txBody>
-      </p:sp>
-      <p:pic>
-        <p:nvPicPr>
-          <p:cNvPr id="13" name="Picture 12">
-            <a:extLst>
-              <a:ext uri="{FF2B5EF4-FFF2-40B4-BE49-F238E27FC236}">
-                <a16:creationId xmlns:a16="http://schemas.microsoft.com/office/drawing/2014/main" id="{CFD279CD-122C-1C7B-C2CE-B49BEC88DD47}"/>
-              </a:ext>
-            </a:extLst>
-          </p:cNvPr>
-          <p:cNvPicPr>
-            <a:picLocks noChangeAspect="1"/>
-          </p:cNvPicPr>
-          <p:nvPr/>
-        </p:nvPicPr>
-        <p:blipFill>
-          <a:blip r:embed="rId2"/>
-          <a:stretch>
-            <a:fillRect/>
-          </a:stretch>
-        </p:blipFill>
-        <p:spPr>
-          <a:xfrm>
-            <a:off x="1672370" y="774444"/>
-            <a:ext cx="3713060" cy="5840962"/>
-          </a:xfrm>
-          <a:prstGeom prst="rect">
-            <a:avLst/>
-          </a:prstGeom>
-        </p:spPr>
-      </p:pic>
-      <p:pic>
-        <p:nvPicPr>
-          <p:cNvPr id="15" name="Picture 14">
-            <a:extLst>
-              <a:ext uri="{FF2B5EF4-FFF2-40B4-BE49-F238E27FC236}">
-                <a16:creationId xmlns:a16="http://schemas.microsoft.com/office/drawing/2014/main" id="{60CE72A4-D551-3C5C-1D8A-24C3384BB4B6}"/>
-              </a:ext>
-            </a:extLst>
-          </p:cNvPr>
-          <p:cNvPicPr>
-            <a:picLocks noChangeAspect="1"/>
-          </p:cNvPicPr>
-          <p:nvPr/>
-        </p:nvPicPr>
-        <p:blipFill>
-          <a:blip r:embed="rId3"/>
-          <a:stretch>
-            <a:fillRect/>
-          </a:stretch>
-        </p:blipFill>
-        <p:spPr>
-          <a:xfrm>
-            <a:off x="5705475" y="1850960"/>
-            <a:ext cx="5648325" cy="2857500"/>
-          </a:xfrm>
-          <a:prstGeom prst="rect">
-            <a:avLst/>
-          </a:prstGeom>
-          <a:ln w="25400">
-            <a:solidFill>
-              <a:schemeClr val="tx1"/>
-            </a:solidFill>
-          </a:ln>
-        </p:spPr>
-      </p:pic>
-    </p:spTree>
-    <p:extLst>
-      <p:ext uri="{BB962C8B-B14F-4D97-AF65-F5344CB8AC3E}">
-        <p14:creationId xmlns:p14="http://schemas.microsoft.com/office/powerpoint/2010/main" val="456997559"/>
-      </p:ext>
-    </p:extLst>
-  </p:cSld>
-  <p:clrMapOvr>
-    <a:masterClrMapping/>
-  </p:clrMapOvr>
-</p:sld>
-</file>
-
 <file path=ppt/slides/slide4.xml><?xml version="1.0" encoding="utf-8"?>
 <p:sld xmlns:a="http://schemas.openxmlformats.org/drawingml/2006/main" xmlns:r="http://schemas.openxmlformats.org/officeDocument/2006/relationships" xmlns:p="http://schemas.openxmlformats.org/presentationml/2006/main">
   <p:cSld>
@@ -7201,17 +7545,17 @@
             <a:pPr algn="ctr"/>
             <a:r>
               <a:rPr lang="en-US" sz="5400" dirty="0"/>
-              <a:t>Fill Cells With Only One Candidate</a:t>
+              <a:t>A Word About Lists in Python</a:t>
             </a:r>
           </a:p>
         </p:txBody>
       </p:sp>
       <p:pic>
         <p:nvPicPr>
-          <p:cNvPr id="12" name="Picture 11">
-            <a:extLst>
-              <a:ext uri="{FF2B5EF4-FFF2-40B4-BE49-F238E27FC236}">
-                <a16:creationId xmlns:a16="http://schemas.microsoft.com/office/drawing/2014/main" id="{AA5269F2-BB73-6E09-86E1-2345E6485622}"/>
+          <p:cNvPr id="13" name="Picture 12">
+            <a:extLst>
+              <a:ext uri="{FF2B5EF4-FFF2-40B4-BE49-F238E27FC236}">
+                <a16:creationId xmlns:a16="http://schemas.microsoft.com/office/drawing/2014/main" id="{CFD279CD-122C-1C7B-C2CE-B49BEC88DD47}"/>
               </a:ext>
             </a:extLst>
           </p:cNvPr>
@@ -7228,13 +7572,43 @@
         </p:blipFill>
         <p:spPr>
           <a:xfrm>
-            <a:off x="3890865" y="747138"/>
-            <a:ext cx="4562572" cy="5954387"/>
+            <a:off x="823954" y="774444"/>
+            <a:ext cx="3713060" cy="5840962"/>
           </a:xfrm>
           <a:prstGeom prst="rect">
             <a:avLst/>
           </a:prstGeom>
-          <a:ln>
+        </p:spPr>
+      </p:pic>
+      <p:pic>
+        <p:nvPicPr>
+          <p:cNvPr id="15" name="Picture 14">
+            <a:extLst>
+              <a:ext uri="{FF2B5EF4-FFF2-40B4-BE49-F238E27FC236}">
+                <a16:creationId xmlns:a16="http://schemas.microsoft.com/office/drawing/2014/main" id="{60CE72A4-D551-3C5C-1D8A-24C3384BB4B6}"/>
+              </a:ext>
+            </a:extLst>
+          </p:cNvPr>
+          <p:cNvPicPr>
+            <a:picLocks noChangeAspect="1"/>
+          </p:cNvPicPr>
+          <p:nvPr/>
+        </p:nvPicPr>
+        <p:blipFill>
+          <a:blip r:embed="rId3"/>
+          <a:stretch>
+            <a:fillRect/>
+          </a:stretch>
+        </p:blipFill>
+        <p:spPr>
+          <a:xfrm>
+            <a:off x="5064451" y="908277"/>
+            <a:ext cx="5648325" cy="2857500"/>
+          </a:xfrm>
+          <a:prstGeom prst="rect">
+            <a:avLst/>
+          </a:prstGeom>
+          <a:ln w="25400">
             <a:solidFill>
               <a:schemeClr val="tx1"/>
             </a:solidFill>
@@ -7243,161 +7617,58 @@
       </p:pic>
       <p:sp>
         <p:nvSpPr>
-          <p:cNvPr id="13" name="Oval 12">
-            <a:extLst>
-              <a:ext uri="{FF2B5EF4-FFF2-40B4-BE49-F238E27FC236}">
-                <a16:creationId xmlns:a16="http://schemas.microsoft.com/office/drawing/2014/main" id="{465A7470-9711-C58D-0C3F-B1D54FE0169C}"/>
-              </a:ext>
-            </a:extLst>
-          </p:cNvPr>
-          <p:cNvSpPr/>
-          <p:nvPr/>
-        </p:nvSpPr>
-        <p:spPr>
-          <a:xfrm>
-            <a:off x="6251511" y="2014726"/>
-            <a:ext cx="186611" cy="243283"/>
-          </a:xfrm>
-          <a:prstGeom prst="ellipse">
-            <a:avLst/>
-          </a:prstGeom>
-          <a:solidFill>
-            <a:schemeClr val="accent2">
-              <a:alpha val="24000"/>
-            </a:schemeClr>
-          </a:solidFill>
-        </p:spPr>
-        <p:style>
-          <a:lnRef idx="2">
-            <a:schemeClr val="accent1">
-              <a:shade val="15000"/>
-            </a:schemeClr>
-          </a:lnRef>
-          <a:fillRef idx="1">
-            <a:schemeClr val="accent1"/>
-          </a:fillRef>
-          <a:effectRef idx="0">
-            <a:schemeClr val="accent1"/>
-          </a:effectRef>
-          <a:fontRef idx="minor">
-            <a:schemeClr val="lt1"/>
-          </a:fontRef>
-        </p:style>
-        <p:txBody>
-          <a:bodyPr rtlCol="0" anchor="ctr"/>
-          <a:lstStyle/>
-          <a:p>
-            <a:pPr algn="ctr"/>
-            <a:endParaRPr lang="en-US" dirty="0"/>
-          </a:p>
-        </p:txBody>
-      </p:sp>
-      <p:sp>
-        <p:nvSpPr>
-          <p:cNvPr id="14" name="Oval 13">
-            <a:extLst>
-              <a:ext uri="{FF2B5EF4-FFF2-40B4-BE49-F238E27FC236}">
-                <a16:creationId xmlns:a16="http://schemas.microsoft.com/office/drawing/2014/main" id="{F558B49C-26FC-72F4-933F-5F49154232D2}"/>
-              </a:ext>
-            </a:extLst>
-          </p:cNvPr>
-          <p:cNvSpPr/>
-          <p:nvPr/>
-        </p:nvSpPr>
-        <p:spPr>
-          <a:xfrm>
-            <a:off x="4631095" y="4042579"/>
-            <a:ext cx="186611" cy="243283"/>
-          </a:xfrm>
-          <a:prstGeom prst="ellipse">
-            <a:avLst/>
-          </a:prstGeom>
-          <a:solidFill>
-            <a:schemeClr val="accent2">
-              <a:alpha val="24000"/>
-            </a:schemeClr>
-          </a:solidFill>
-        </p:spPr>
-        <p:style>
-          <a:lnRef idx="2">
-            <a:schemeClr val="accent1">
-              <a:shade val="15000"/>
-            </a:schemeClr>
-          </a:lnRef>
-          <a:fillRef idx="1">
-            <a:schemeClr val="accent1"/>
-          </a:fillRef>
-          <a:effectRef idx="0">
-            <a:schemeClr val="accent1"/>
-          </a:effectRef>
-          <a:fontRef idx="minor">
-            <a:schemeClr val="lt1"/>
-          </a:fontRef>
-        </p:style>
-        <p:txBody>
-          <a:bodyPr rtlCol="0" anchor="ctr"/>
-          <a:lstStyle/>
-          <a:p>
-            <a:pPr algn="ctr"/>
-            <a:endParaRPr lang="en-US" dirty="0"/>
-          </a:p>
-        </p:txBody>
-      </p:sp>
-      <p:sp>
-        <p:nvSpPr>
-          <p:cNvPr id="15" name="Oval 14">
-            <a:extLst>
-              <a:ext uri="{FF2B5EF4-FFF2-40B4-BE49-F238E27FC236}">
-                <a16:creationId xmlns:a16="http://schemas.microsoft.com/office/drawing/2014/main" id="{CC5CE3BC-301E-E863-5908-3E7BD1F088FC}"/>
-              </a:ext>
-            </a:extLst>
-          </p:cNvPr>
-          <p:cNvSpPr/>
-          <p:nvPr/>
-        </p:nvSpPr>
-        <p:spPr>
-          <a:xfrm>
-            <a:off x="4998099" y="5454611"/>
-            <a:ext cx="186611" cy="243283"/>
-          </a:xfrm>
-          <a:prstGeom prst="ellipse">
-            <a:avLst/>
-          </a:prstGeom>
-          <a:solidFill>
-            <a:schemeClr val="accent2">
-              <a:alpha val="24000"/>
-            </a:schemeClr>
-          </a:solidFill>
-        </p:spPr>
-        <p:style>
-          <a:lnRef idx="2">
-            <a:schemeClr val="accent1">
-              <a:shade val="15000"/>
-            </a:schemeClr>
-          </a:lnRef>
-          <a:fillRef idx="1">
-            <a:schemeClr val="accent1"/>
-          </a:fillRef>
-          <a:effectRef idx="0">
-            <a:schemeClr val="accent1"/>
-          </a:effectRef>
-          <a:fontRef idx="minor">
-            <a:schemeClr val="lt1"/>
-          </a:fontRef>
-        </p:style>
-        <p:txBody>
-          <a:bodyPr rtlCol="0" anchor="ctr"/>
-          <a:lstStyle/>
-          <a:p>
-            <a:pPr algn="ctr"/>
-            <a:endParaRPr lang="en-US" dirty="0"/>
+          <p:cNvPr id="3" name="TextBox 2">
+            <a:extLst>
+              <a:ext uri="{FF2B5EF4-FFF2-40B4-BE49-F238E27FC236}">
+                <a16:creationId xmlns:a16="http://schemas.microsoft.com/office/drawing/2014/main" id="{E5687372-E3E8-E618-BE9C-2C9809401241}"/>
+              </a:ext>
+            </a:extLst>
+          </p:cNvPr>
+          <p:cNvSpPr txBox="1"/>
+          <p:nvPr/>
+        </p:nvSpPr>
+        <p:spPr>
+          <a:xfrm>
+            <a:off x="4694549" y="4223208"/>
+            <a:ext cx="6966408" cy="1323439"/>
+          </a:xfrm>
+          <a:prstGeom prst="rect">
+            <a:avLst/>
+          </a:prstGeom>
+          <a:noFill/>
+        </p:spPr>
+        <p:txBody>
+          <a:bodyPr wrap="square" rtlCol="0">
+            <a:spAutoFit/>
+          </a:bodyPr>
+          <a:lstStyle/>
+          <a:p>
+            <a:r>
+              <a:rPr lang="en-US" sz="2000" dirty="0"/>
+              <a:t>The point of all this is:</a:t>
+            </a:r>
+          </a:p>
+          <a:p>
+            <a:endParaRPr lang="en-US" sz="2000" dirty="0"/>
+          </a:p>
+          <a:p>
+            <a:r>
+              <a:rPr lang="en-US" sz="2000" dirty="0"/>
+              <a:t>The “puzzle” is a 2-dimensional array (a list of lists)</a:t>
+            </a:r>
+          </a:p>
+          <a:p>
+            <a:r>
+              <a:rPr lang="en-US" sz="2000" dirty="0"/>
+              <a:t>The “candidates” are a 3-dimensional array (a list of lists of lists)</a:t>
+            </a:r>
           </a:p>
         </p:txBody>
       </p:sp>
     </p:spTree>
     <p:extLst>
       <p:ext uri="{BB962C8B-B14F-4D97-AF65-F5344CB8AC3E}">
-        <p14:creationId xmlns:p14="http://schemas.microsoft.com/office/powerpoint/2010/main" val="2074707665"/>
+        <p14:creationId xmlns:p14="http://schemas.microsoft.com/office/powerpoint/2010/main" val="456997559"/>
       </p:ext>
     </p:extLst>
   </p:cSld>
@@ -7429,6 +7700,260 @@
           <p:cNvPr id="2" name="Title 1">
             <a:extLst>
               <a:ext uri="{FF2B5EF4-FFF2-40B4-BE49-F238E27FC236}">
+                <a16:creationId xmlns:a16="http://schemas.microsoft.com/office/drawing/2014/main" id="{2D6D84C5-D03B-B1A9-28AB-D8611C9BE964}"/>
+              </a:ext>
+            </a:extLst>
+          </p:cNvPr>
+          <p:cNvSpPr>
+            <a:spLocks noGrp="1"/>
+          </p:cNvSpPr>
+          <p:nvPr>
+            <p:ph type="title"/>
+          </p:nvPr>
+        </p:nvSpPr>
+        <p:spPr>
+          <a:xfrm>
+            <a:off x="671804" y="94527"/>
+            <a:ext cx="10681996" cy="633262"/>
+          </a:xfrm>
+        </p:spPr>
+        <p:txBody>
+          <a:bodyPr>
+            <a:noAutofit/>
+          </a:bodyPr>
+          <a:lstStyle/>
+          <a:p>
+            <a:pPr algn="ctr"/>
+            <a:r>
+              <a:rPr lang="en-US" sz="5400" dirty="0"/>
+              <a:t>Fill Cells With Only One Candidate</a:t>
+            </a:r>
+          </a:p>
+        </p:txBody>
+      </p:sp>
+      <p:pic>
+        <p:nvPicPr>
+          <p:cNvPr id="12" name="Picture 11">
+            <a:extLst>
+              <a:ext uri="{FF2B5EF4-FFF2-40B4-BE49-F238E27FC236}">
+                <a16:creationId xmlns:a16="http://schemas.microsoft.com/office/drawing/2014/main" id="{AA5269F2-BB73-6E09-86E1-2345E6485622}"/>
+              </a:ext>
+            </a:extLst>
+          </p:cNvPr>
+          <p:cNvPicPr>
+            <a:picLocks noChangeAspect="1"/>
+          </p:cNvPicPr>
+          <p:nvPr/>
+        </p:nvPicPr>
+        <p:blipFill>
+          <a:blip r:embed="rId2"/>
+          <a:stretch>
+            <a:fillRect/>
+          </a:stretch>
+        </p:blipFill>
+        <p:spPr>
+          <a:xfrm>
+            <a:off x="3890865" y="747138"/>
+            <a:ext cx="4562572" cy="5954387"/>
+          </a:xfrm>
+          <a:prstGeom prst="rect">
+            <a:avLst/>
+          </a:prstGeom>
+          <a:ln>
+            <a:solidFill>
+              <a:schemeClr val="tx1"/>
+            </a:solidFill>
+          </a:ln>
+        </p:spPr>
+      </p:pic>
+      <p:sp>
+        <p:nvSpPr>
+          <p:cNvPr id="13" name="Oval 12">
+            <a:extLst>
+              <a:ext uri="{FF2B5EF4-FFF2-40B4-BE49-F238E27FC236}">
+                <a16:creationId xmlns:a16="http://schemas.microsoft.com/office/drawing/2014/main" id="{465A7470-9711-C58D-0C3F-B1D54FE0169C}"/>
+              </a:ext>
+            </a:extLst>
+          </p:cNvPr>
+          <p:cNvSpPr/>
+          <p:nvPr/>
+        </p:nvSpPr>
+        <p:spPr>
+          <a:xfrm>
+            <a:off x="6251511" y="2014726"/>
+            <a:ext cx="186611" cy="243283"/>
+          </a:xfrm>
+          <a:prstGeom prst="ellipse">
+            <a:avLst/>
+          </a:prstGeom>
+          <a:solidFill>
+            <a:schemeClr val="accent2">
+              <a:alpha val="24000"/>
+            </a:schemeClr>
+          </a:solidFill>
+        </p:spPr>
+        <p:style>
+          <a:lnRef idx="2">
+            <a:schemeClr val="accent1">
+              <a:shade val="15000"/>
+            </a:schemeClr>
+          </a:lnRef>
+          <a:fillRef idx="1">
+            <a:schemeClr val="accent1"/>
+          </a:fillRef>
+          <a:effectRef idx="0">
+            <a:schemeClr val="accent1"/>
+          </a:effectRef>
+          <a:fontRef idx="minor">
+            <a:schemeClr val="lt1"/>
+          </a:fontRef>
+        </p:style>
+        <p:txBody>
+          <a:bodyPr rtlCol="0" anchor="ctr"/>
+          <a:lstStyle/>
+          <a:p>
+            <a:pPr algn="ctr"/>
+            <a:endParaRPr lang="en-US" dirty="0"/>
+          </a:p>
+        </p:txBody>
+      </p:sp>
+      <p:sp>
+        <p:nvSpPr>
+          <p:cNvPr id="14" name="Oval 13">
+            <a:extLst>
+              <a:ext uri="{FF2B5EF4-FFF2-40B4-BE49-F238E27FC236}">
+                <a16:creationId xmlns:a16="http://schemas.microsoft.com/office/drawing/2014/main" id="{F558B49C-26FC-72F4-933F-5F49154232D2}"/>
+              </a:ext>
+            </a:extLst>
+          </p:cNvPr>
+          <p:cNvSpPr/>
+          <p:nvPr/>
+        </p:nvSpPr>
+        <p:spPr>
+          <a:xfrm>
+            <a:off x="4631095" y="4042579"/>
+            <a:ext cx="186611" cy="243283"/>
+          </a:xfrm>
+          <a:prstGeom prst="ellipse">
+            <a:avLst/>
+          </a:prstGeom>
+          <a:solidFill>
+            <a:schemeClr val="accent2">
+              <a:alpha val="24000"/>
+            </a:schemeClr>
+          </a:solidFill>
+        </p:spPr>
+        <p:style>
+          <a:lnRef idx="2">
+            <a:schemeClr val="accent1">
+              <a:shade val="15000"/>
+            </a:schemeClr>
+          </a:lnRef>
+          <a:fillRef idx="1">
+            <a:schemeClr val="accent1"/>
+          </a:fillRef>
+          <a:effectRef idx="0">
+            <a:schemeClr val="accent1"/>
+          </a:effectRef>
+          <a:fontRef idx="minor">
+            <a:schemeClr val="lt1"/>
+          </a:fontRef>
+        </p:style>
+        <p:txBody>
+          <a:bodyPr rtlCol="0" anchor="ctr"/>
+          <a:lstStyle/>
+          <a:p>
+            <a:pPr algn="ctr"/>
+            <a:endParaRPr lang="en-US" dirty="0"/>
+          </a:p>
+        </p:txBody>
+      </p:sp>
+      <p:sp>
+        <p:nvSpPr>
+          <p:cNvPr id="15" name="Oval 14">
+            <a:extLst>
+              <a:ext uri="{FF2B5EF4-FFF2-40B4-BE49-F238E27FC236}">
+                <a16:creationId xmlns:a16="http://schemas.microsoft.com/office/drawing/2014/main" id="{CC5CE3BC-301E-E863-5908-3E7BD1F088FC}"/>
+              </a:ext>
+            </a:extLst>
+          </p:cNvPr>
+          <p:cNvSpPr/>
+          <p:nvPr/>
+        </p:nvSpPr>
+        <p:spPr>
+          <a:xfrm>
+            <a:off x="4998099" y="5454611"/>
+            <a:ext cx="186611" cy="243283"/>
+          </a:xfrm>
+          <a:prstGeom prst="ellipse">
+            <a:avLst/>
+          </a:prstGeom>
+          <a:solidFill>
+            <a:schemeClr val="accent2">
+              <a:alpha val="24000"/>
+            </a:schemeClr>
+          </a:solidFill>
+        </p:spPr>
+        <p:style>
+          <a:lnRef idx="2">
+            <a:schemeClr val="accent1">
+              <a:shade val="15000"/>
+            </a:schemeClr>
+          </a:lnRef>
+          <a:fillRef idx="1">
+            <a:schemeClr val="accent1"/>
+          </a:fillRef>
+          <a:effectRef idx="0">
+            <a:schemeClr val="accent1"/>
+          </a:effectRef>
+          <a:fontRef idx="minor">
+            <a:schemeClr val="lt1"/>
+          </a:fontRef>
+        </p:style>
+        <p:txBody>
+          <a:bodyPr rtlCol="0" anchor="ctr"/>
+          <a:lstStyle/>
+          <a:p>
+            <a:pPr algn="ctr"/>
+            <a:endParaRPr lang="en-US" dirty="0"/>
+          </a:p>
+        </p:txBody>
+      </p:sp>
+    </p:spTree>
+    <p:extLst>
+      <p:ext uri="{BB962C8B-B14F-4D97-AF65-F5344CB8AC3E}">
+        <p14:creationId xmlns:p14="http://schemas.microsoft.com/office/powerpoint/2010/main" val="2074707665"/>
+      </p:ext>
+    </p:extLst>
+  </p:cSld>
+  <p:clrMapOvr>
+    <a:masterClrMapping/>
+  </p:clrMapOvr>
+</p:sld>
+</file>
+
+<file path=ppt/slides/slide6.xml><?xml version="1.0" encoding="utf-8"?>
+<p:sld xmlns:a="http://schemas.openxmlformats.org/drawingml/2006/main" xmlns:r="http://schemas.openxmlformats.org/officeDocument/2006/relationships" xmlns:p="http://schemas.openxmlformats.org/presentationml/2006/main">
+  <p:cSld>
+    <p:spTree>
+      <p:nvGrpSpPr>
+        <p:cNvPr id="1" name=""/>
+        <p:cNvGrpSpPr/>
+        <p:nvPr/>
+      </p:nvGrpSpPr>
+      <p:grpSpPr>
+        <a:xfrm>
+          <a:off x="0" y="0"/>
+          <a:ext cx="0" cy="0"/>
+          <a:chOff x="0" y="0"/>
+          <a:chExt cx="0" cy="0"/>
+        </a:xfrm>
+      </p:grpSpPr>
+      <p:sp>
+        <p:nvSpPr>
+          <p:cNvPr id="2" name="Title 1">
+            <a:extLst>
+              <a:ext uri="{FF2B5EF4-FFF2-40B4-BE49-F238E27FC236}">
                 <a16:creationId xmlns:a16="http://schemas.microsoft.com/office/drawing/2014/main" id="{0A60D9C9-7985-CAF3-4277-EB6263054661}"/>
               </a:ext>
             </a:extLst>
@@ -7922,7 +8447,7 @@
 </p:sld>
 </file>
 
-<file path=ppt/slides/slide6.xml><?xml version="1.0" encoding="utf-8"?>
+<file path=ppt/slides/slide7.xml><?xml version="1.0" encoding="utf-8"?>
 <p:sld xmlns:a="http://schemas.openxmlformats.org/drawingml/2006/main" xmlns:r="http://schemas.openxmlformats.org/officeDocument/2006/relationships" xmlns:p="http://schemas.openxmlformats.org/presentationml/2006/main">
   <p:cSld>
     <p:spTree>
@@ -8711,7 +9236,7 @@
 </p:sld>
 </file>
 
-<file path=ppt/slides/slide7.xml><?xml version="1.0" encoding="utf-8"?>
+<file path=ppt/slides/slide8.xml><?xml version="1.0" encoding="utf-8"?>
 <p:sld xmlns:a="http://schemas.openxmlformats.org/drawingml/2006/main" xmlns:r="http://schemas.openxmlformats.org/officeDocument/2006/relationships" xmlns:p="http://schemas.openxmlformats.org/presentationml/2006/main">
   <p:cSld>
     <p:spTree>
@@ -9083,477 +9608,6 @@
     <p:extLst>
       <p:ext uri="{BB962C8B-B14F-4D97-AF65-F5344CB8AC3E}">
         <p14:creationId xmlns:p14="http://schemas.microsoft.com/office/powerpoint/2010/main" val="438454483"/>
-      </p:ext>
-    </p:extLst>
-  </p:cSld>
-  <p:clrMapOvr>
-    <a:masterClrMapping/>
-  </p:clrMapOvr>
-</p:sld>
-</file>
-
-<file path=ppt/slides/slide8.xml><?xml version="1.0" encoding="utf-8"?>
-<p:sld xmlns:a="http://schemas.openxmlformats.org/drawingml/2006/main" xmlns:r="http://schemas.openxmlformats.org/officeDocument/2006/relationships" xmlns:p="http://schemas.openxmlformats.org/presentationml/2006/main">
-  <p:cSld>
-    <p:spTree>
-      <p:nvGrpSpPr>
-        <p:cNvPr id="1" name=""/>
-        <p:cNvGrpSpPr/>
-        <p:nvPr/>
-      </p:nvGrpSpPr>
-      <p:grpSpPr>
-        <a:xfrm>
-          <a:off x="0" y="0"/>
-          <a:ext cx="0" cy="0"/>
-          <a:chOff x="0" y="0"/>
-          <a:chExt cx="0" cy="0"/>
-        </a:xfrm>
-      </p:grpSpPr>
-      <p:sp>
-        <p:nvSpPr>
-          <p:cNvPr id="2" name="Title 1">
-            <a:extLst>
-              <a:ext uri="{FF2B5EF4-FFF2-40B4-BE49-F238E27FC236}">
-                <a16:creationId xmlns:a16="http://schemas.microsoft.com/office/drawing/2014/main" id="{B1D04E24-1E9F-7616-C997-421EFC597AB2}"/>
-              </a:ext>
-            </a:extLst>
-          </p:cNvPr>
-          <p:cNvSpPr>
-            <a:spLocks noGrp="1"/>
-          </p:cNvSpPr>
-          <p:nvPr>
-            <p:ph type="ctrTitle"/>
-          </p:nvPr>
-        </p:nvSpPr>
-        <p:spPr>
-          <a:xfrm>
-            <a:off x="951723" y="120099"/>
-            <a:ext cx="10338318" cy="756979"/>
-          </a:xfrm>
-        </p:spPr>
-        <p:txBody>
-          <a:bodyPr>
-            <a:normAutofit fontScale="90000"/>
-          </a:bodyPr>
-          <a:lstStyle/>
-          <a:p>
-            <a:r>
-              <a:rPr lang="en-US" dirty="0"/>
-              <a:t>Pruning Naked Pairs</a:t>
-            </a:r>
-          </a:p>
-        </p:txBody>
-      </p:sp>
-      <p:pic>
-        <p:nvPicPr>
-          <p:cNvPr id="4" name="Picture 3">
-            <a:extLst>
-              <a:ext uri="{FF2B5EF4-FFF2-40B4-BE49-F238E27FC236}">
-                <a16:creationId xmlns:a16="http://schemas.microsoft.com/office/drawing/2014/main" id="{DA2D0681-7A6B-35DE-516D-44E22517549B}"/>
-              </a:ext>
-            </a:extLst>
-          </p:cNvPr>
-          <p:cNvPicPr>
-            <a:picLocks noChangeAspect="1"/>
-          </p:cNvPicPr>
-          <p:nvPr/>
-        </p:nvPicPr>
-        <p:blipFill>
-          <a:blip r:embed="rId2"/>
-          <a:stretch>
-            <a:fillRect/>
-          </a:stretch>
-        </p:blipFill>
-        <p:spPr>
-          <a:xfrm>
-            <a:off x="833437" y="1018311"/>
-            <a:ext cx="7572375" cy="5362575"/>
-          </a:xfrm>
-          <a:prstGeom prst="rect">
-            <a:avLst/>
-          </a:prstGeom>
-          <a:ln>
-            <a:solidFill>
-              <a:schemeClr val="tx1"/>
-            </a:solidFill>
-          </a:ln>
-        </p:spPr>
-      </p:pic>
-      <p:sp>
-        <p:nvSpPr>
-          <p:cNvPr id="6" name="Oval 5">
-            <a:extLst>
-              <a:ext uri="{FF2B5EF4-FFF2-40B4-BE49-F238E27FC236}">
-                <a16:creationId xmlns:a16="http://schemas.microsoft.com/office/drawing/2014/main" id="{63CB79D4-014A-26EE-AB34-6B191E44A6D9}"/>
-              </a:ext>
-            </a:extLst>
-          </p:cNvPr>
-          <p:cNvSpPr/>
-          <p:nvPr/>
-        </p:nvSpPr>
-        <p:spPr>
-          <a:xfrm>
-            <a:off x="833437" y="1231637"/>
-            <a:ext cx="513184" cy="597163"/>
-          </a:xfrm>
-          <a:prstGeom prst="ellipse">
-            <a:avLst/>
-          </a:prstGeom>
-          <a:solidFill>
-            <a:schemeClr val="accent6">
-              <a:alpha val="24000"/>
-            </a:schemeClr>
-          </a:solidFill>
-        </p:spPr>
-        <p:style>
-          <a:lnRef idx="2">
-            <a:schemeClr val="accent1">
-              <a:shade val="15000"/>
-            </a:schemeClr>
-          </a:lnRef>
-          <a:fillRef idx="1">
-            <a:schemeClr val="accent1"/>
-          </a:fillRef>
-          <a:effectRef idx="0">
-            <a:schemeClr val="accent1"/>
-          </a:effectRef>
-          <a:fontRef idx="minor">
-            <a:schemeClr val="lt1"/>
-          </a:fontRef>
-        </p:style>
-        <p:txBody>
-          <a:bodyPr rtlCol="0" anchor="ctr"/>
-          <a:lstStyle/>
-          <a:p>
-            <a:pPr algn="ctr"/>
-            <a:endParaRPr lang="en-US" dirty="0"/>
-          </a:p>
-        </p:txBody>
-      </p:sp>
-      <p:sp>
-        <p:nvSpPr>
-          <p:cNvPr id="8" name="Oval 7">
-            <a:extLst>
-              <a:ext uri="{FF2B5EF4-FFF2-40B4-BE49-F238E27FC236}">
-                <a16:creationId xmlns:a16="http://schemas.microsoft.com/office/drawing/2014/main" id="{4ABC8B27-A90B-86A0-162A-5619FE8F37AB}"/>
-              </a:ext>
-            </a:extLst>
-          </p:cNvPr>
-          <p:cNvSpPr/>
-          <p:nvPr/>
-        </p:nvSpPr>
-        <p:spPr>
-          <a:xfrm>
-            <a:off x="3514614" y="1212977"/>
-            <a:ext cx="513184" cy="597163"/>
-          </a:xfrm>
-          <a:prstGeom prst="ellipse">
-            <a:avLst/>
-          </a:prstGeom>
-          <a:solidFill>
-            <a:schemeClr val="accent6">
-              <a:alpha val="24000"/>
-            </a:schemeClr>
-          </a:solidFill>
-        </p:spPr>
-        <p:style>
-          <a:lnRef idx="2">
-            <a:schemeClr val="accent1">
-              <a:shade val="15000"/>
-            </a:schemeClr>
-          </a:lnRef>
-          <a:fillRef idx="1">
-            <a:schemeClr val="accent1"/>
-          </a:fillRef>
-          <a:effectRef idx="0">
-            <a:schemeClr val="accent1"/>
-          </a:effectRef>
-          <a:fontRef idx="minor">
-            <a:schemeClr val="lt1"/>
-          </a:fontRef>
-        </p:style>
-        <p:txBody>
-          <a:bodyPr rtlCol="0" anchor="ctr"/>
-          <a:lstStyle/>
-          <a:p>
-            <a:pPr algn="ctr"/>
-            <a:endParaRPr lang="en-US" dirty="0"/>
-          </a:p>
-        </p:txBody>
-      </p:sp>
-      <p:sp>
-        <p:nvSpPr>
-          <p:cNvPr id="9" name="Oval 8">
-            <a:extLst>
-              <a:ext uri="{FF2B5EF4-FFF2-40B4-BE49-F238E27FC236}">
-                <a16:creationId xmlns:a16="http://schemas.microsoft.com/office/drawing/2014/main" id="{CBD65937-AA1E-E846-5325-38166CB73BEE}"/>
-              </a:ext>
-            </a:extLst>
-          </p:cNvPr>
-          <p:cNvSpPr/>
-          <p:nvPr/>
-        </p:nvSpPr>
-        <p:spPr>
-          <a:xfrm>
-            <a:off x="2861471" y="1231637"/>
-            <a:ext cx="513184" cy="289253"/>
-          </a:xfrm>
-          <a:prstGeom prst="ellipse">
-            <a:avLst/>
-          </a:prstGeom>
-          <a:solidFill>
-            <a:schemeClr val="accent2">
-              <a:alpha val="24000"/>
-            </a:schemeClr>
-          </a:solidFill>
-        </p:spPr>
-        <p:style>
-          <a:lnRef idx="2">
-            <a:schemeClr val="accent1">
-              <a:shade val="15000"/>
-            </a:schemeClr>
-          </a:lnRef>
-          <a:fillRef idx="1">
-            <a:schemeClr val="accent1"/>
-          </a:fillRef>
-          <a:effectRef idx="0">
-            <a:schemeClr val="accent1"/>
-          </a:effectRef>
-          <a:fontRef idx="minor">
-            <a:schemeClr val="lt1"/>
-          </a:fontRef>
-        </p:style>
-        <p:txBody>
-          <a:bodyPr rtlCol="0" anchor="ctr"/>
-          <a:lstStyle/>
-          <a:p>
-            <a:pPr algn="ctr"/>
-            <a:endParaRPr lang="en-US" dirty="0"/>
-          </a:p>
-        </p:txBody>
-      </p:sp>
-      <p:sp>
-        <p:nvSpPr>
-          <p:cNvPr id="10" name="Oval 9">
-            <a:extLst>
-              <a:ext uri="{FF2B5EF4-FFF2-40B4-BE49-F238E27FC236}">
-                <a16:creationId xmlns:a16="http://schemas.microsoft.com/office/drawing/2014/main" id="{CBE8C231-2EAA-EBB3-80FC-37C7D3BF3A87}"/>
-              </a:ext>
-            </a:extLst>
-          </p:cNvPr>
-          <p:cNvSpPr/>
-          <p:nvPr/>
-        </p:nvSpPr>
-        <p:spPr>
-          <a:xfrm>
-            <a:off x="3272906" y="5424193"/>
-            <a:ext cx="345233" cy="597163"/>
-          </a:xfrm>
-          <a:prstGeom prst="ellipse">
-            <a:avLst/>
-          </a:prstGeom>
-          <a:solidFill>
-            <a:schemeClr val="accent6">
-              <a:alpha val="24000"/>
-            </a:schemeClr>
-          </a:solidFill>
-        </p:spPr>
-        <p:style>
-          <a:lnRef idx="2">
-            <a:schemeClr val="accent1">
-              <a:shade val="15000"/>
-            </a:schemeClr>
-          </a:lnRef>
-          <a:fillRef idx="1">
-            <a:schemeClr val="accent1"/>
-          </a:fillRef>
-          <a:effectRef idx="0">
-            <a:schemeClr val="accent1"/>
-          </a:effectRef>
-          <a:fontRef idx="minor">
-            <a:schemeClr val="lt1"/>
-          </a:fontRef>
-        </p:style>
-        <p:txBody>
-          <a:bodyPr rtlCol="0" anchor="ctr"/>
-          <a:lstStyle/>
-          <a:p>
-            <a:pPr algn="ctr"/>
-            <a:endParaRPr lang="en-US" dirty="0"/>
-          </a:p>
-        </p:txBody>
-      </p:sp>
-      <p:sp>
-        <p:nvSpPr>
-          <p:cNvPr id="11" name="Oval 10">
-            <a:extLst>
-              <a:ext uri="{FF2B5EF4-FFF2-40B4-BE49-F238E27FC236}">
-                <a16:creationId xmlns:a16="http://schemas.microsoft.com/office/drawing/2014/main" id="{A964A60D-349C-C59B-F760-0A1FC49D1173}"/>
-              </a:ext>
-            </a:extLst>
-          </p:cNvPr>
-          <p:cNvSpPr/>
-          <p:nvPr/>
-        </p:nvSpPr>
-        <p:spPr>
-          <a:xfrm>
-            <a:off x="2902797" y="5408635"/>
-            <a:ext cx="345233" cy="597163"/>
-          </a:xfrm>
-          <a:prstGeom prst="ellipse">
-            <a:avLst/>
-          </a:prstGeom>
-          <a:solidFill>
-            <a:schemeClr val="accent6">
-              <a:alpha val="24000"/>
-            </a:schemeClr>
-          </a:solidFill>
-        </p:spPr>
-        <p:style>
-          <a:lnRef idx="2">
-            <a:schemeClr val="accent1">
-              <a:shade val="15000"/>
-            </a:schemeClr>
-          </a:lnRef>
-          <a:fillRef idx="1">
-            <a:schemeClr val="accent1"/>
-          </a:fillRef>
-          <a:effectRef idx="0">
-            <a:schemeClr val="accent1"/>
-          </a:effectRef>
-          <a:fontRef idx="minor">
-            <a:schemeClr val="lt1"/>
-          </a:fontRef>
-        </p:style>
-        <p:txBody>
-          <a:bodyPr rtlCol="0" anchor="ctr"/>
-          <a:lstStyle/>
-          <a:p>
-            <a:pPr algn="ctr"/>
-            <a:endParaRPr lang="en-US" dirty="0"/>
-          </a:p>
-        </p:txBody>
-      </p:sp>
-      <p:sp>
-        <p:nvSpPr>
-          <p:cNvPr id="12" name="Oval 11">
-            <a:extLst>
-              <a:ext uri="{FF2B5EF4-FFF2-40B4-BE49-F238E27FC236}">
-                <a16:creationId xmlns:a16="http://schemas.microsoft.com/office/drawing/2014/main" id="{E5605700-8307-8800-9C08-7576715BB305}"/>
-              </a:ext>
-            </a:extLst>
-          </p:cNvPr>
-          <p:cNvSpPr/>
-          <p:nvPr/>
-        </p:nvSpPr>
-        <p:spPr>
-          <a:xfrm>
-            <a:off x="1500088" y="5676400"/>
-            <a:ext cx="345233" cy="289253"/>
-          </a:xfrm>
-          <a:prstGeom prst="ellipse">
-            <a:avLst/>
-          </a:prstGeom>
-          <a:solidFill>
-            <a:schemeClr val="accent2">
-              <a:alpha val="24000"/>
-            </a:schemeClr>
-          </a:solidFill>
-        </p:spPr>
-        <p:style>
-          <a:lnRef idx="2">
-            <a:schemeClr val="accent1">
-              <a:shade val="15000"/>
-            </a:schemeClr>
-          </a:lnRef>
-          <a:fillRef idx="1">
-            <a:schemeClr val="accent1"/>
-          </a:fillRef>
-          <a:effectRef idx="0">
-            <a:schemeClr val="accent1"/>
-          </a:effectRef>
-          <a:fontRef idx="minor">
-            <a:schemeClr val="lt1"/>
-          </a:fontRef>
-        </p:style>
-        <p:txBody>
-          <a:bodyPr rtlCol="0" anchor="ctr"/>
-          <a:lstStyle/>
-          <a:p>
-            <a:pPr algn="ctr"/>
-            <a:endParaRPr lang="en-US" dirty="0"/>
-          </a:p>
-        </p:txBody>
-      </p:sp>
-      <p:sp>
-        <p:nvSpPr>
-          <p:cNvPr id="3" name="TextBox 2">
-            <a:extLst>
-              <a:ext uri="{FF2B5EF4-FFF2-40B4-BE49-F238E27FC236}">
-                <a16:creationId xmlns:a16="http://schemas.microsoft.com/office/drawing/2014/main" id="{EC3D9256-FD44-6B08-FCEC-A0281BD936F2}"/>
-              </a:ext>
-            </a:extLst>
-          </p:cNvPr>
-          <p:cNvSpPr txBox="1"/>
-          <p:nvPr/>
-        </p:nvSpPr>
-        <p:spPr>
-          <a:xfrm>
-            <a:off x="8610600" y="1133475"/>
-            <a:ext cx="3381375" cy="4524315"/>
-          </a:xfrm>
-          <a:prstGeom prst="rect">
-            <a:avLst/>
-          </a:prstGeom>
-          <a:noFill/>
-        </p:spPr>
-        <p:txBody>
-          <a:bodyPr wrap="square" rtlCol="0">
-            <a:spAutoFit/>
-          </a:bodyPr>
-          <a:lstStyle/>
-          <a:p>
-            <a:r>
-              <a:rPr lang="en-US" u="sng" dirty="0"/>
-              <a:t>Two</a:t>
-            </a:r>
-            <a:r>
-              <a:rPr lang="en-US" dirty="0"/>
-              <a:t> cells on row 0 contain (4,6) and </a:t>
-            </a:r>
-            <a:r>
-              <a:rPr lang="en-US" u="sng" dirty="0"/>
-              <a:t>only</a:t>
-            </a:r>
-            <a:r>
-              <a:rPr lang="en-US" dirty="0"/>
-              <a:t> (4,6).  We don’t know which one is going to be a 4 or which one is going to be a 6, but it doesn’t matter.  One of them is going to be a 4 and the other is going to be a 6 – that’s for sure.  </a:t>
-            </a:r>
-          </a:p>
-          <a:p>
-            <a:endParaRPr lang="en-US" dirty="0"/>
-          </a:p>
-          <a:p>
-            <a:r>
-              <a:rPr lang="en-US" dirty="0"/>
-              <a:t>What it means is that 4 or 6 cannot be a candidate for any other cell on this row.</a:t>
-            </a:r>
-          </a:p>
-          <a:p>
-            <a:endParaRPr lang="en-US" dirty="0"/>
-          </a:p>
-          <a:p>
-            <a:r>
-              <a:rPr lang="en-US" dirty="0"/>
-              <a:t>You can apply a similar technique to cols and squares to eliminate candidates within the col or square, respectively.</a:t>
-            </a:r>
-          </a:p>
-        </p:txBody>
-      </p:sp>
-    </p:spTree>
-    <p:extLst>
-      <p:ext uri="{BB962C8B-B14F-4D97-AF65-F5344CB8AC3E}">
-        <p14:creationId xmlns:p14="http://schemas.microsoft.com/office/powerpoint/2010/main" val="2055788050"/>
       </p:ext>
     </p:extLst>
   </p:cSld>
@@ -9582,10 +9636,10 @@
       </p:grpSpPr>
       <p:sp>
         <p:nvSpPr>
-          <p:cNvPr id="3" name="Title 1">
-            <a:extLst>
-              <a:ext uri="{FF2B5EF4-FFF2-40B4-BE49-F238E27FC236}">
-                <a16:creationId xmlns:a16="http://schemas.microsoft.com/office/drawing/2014/main" id="{0334F5D6-F602-A38A-A8D0-9ADA6FCD294D}"/>
+          <p:cNvPr id="2" name="Title 1">
+            <a:extLst>
+              <a:ext uri="{FF2B5EF4-FFF2-40B4-BE49-F238E27FC236}">
+                <a16:creationId xmlns:a16="http://schemas.microsoft.com/office/drawing/2014/main" id="{B1D04E24-1E9F-7616-C997-421EFC597AB2}"/>
               </a:ext>
             </a:extLst>
           </p:cNvPr>
@@ -9593,13 +9647,13 @@
             <a:spLocks noGrp="1"/>
           </p:cNvSpPr>
           <p:nvPr>
-            <p:ph type="title"/>
+            <p:ph type="ctrTitle"/>
           </p:nvPr>
         </p:nvSpPr>
         <p:spPr>
           <a:xfrm>
-            <a:off x="838200" y="155575"/>
-            <a:ext cx="10515600" cy="625475"/>
+            <a:off x="951723" y="120099"/>
+            <a:ext cx="10338318" cy="756979"/>
           </a:xfrm>
         </p:spPr>
         <p:txBody>
@@ -9608,20 +9662,19 @@
           </a:bodyPr>
           <a:lstStyle/>
           <a:p>
-            <a:pPr algn="ctr"/>
-            <a:r>
-              <a:rPr lang="en-US" sz="6000" dirty="0"/>
-              <a:t>Pruning Naked Triples</a:t>
+            <a:r>
+              <a:rPr lang="en-US" dirty="0"/>
+              <a:t>Pruning Naked Pairs</a:t>
             </a:r>
           </a:p>
         </p:txBody>
       </p:sp>
       <p:pic>
         <p:nvPicPr>
-          <p:cNvPr id="8" name="Picture 7">
-            <a:extLst>
-              <a:ext uri="{FF2B5EF4-FFF2-40B4-BE49-F238E27FC236}">
-                <a16:creationId xmlns:a16="http://schemas.microsoft.com/office/drawing/2014/main" id="{8BE22611-F0C3-548C-931F-94F5AEE7D95A}"/>
+          <p:cNvPr id="4" name="Picture 3">
+            <a:extLst>
+              <a:ext uri="{FF2B5EF4-FFF2-40B4-BE49-F238E27FC236}">
+                <a16:creationId xmlns:a16="http://schemas.microsoft.com/office/drawing/2014/main" id="{DA2D0681-7A6B-35DE-516D-44E22517549B}"/>
               </a:ext>
             </a:extLst>
           </p:cNvPr>
@@ -9638,8 +9691,8 @@
         </p:blipFill>
         <p:spPr>
           <a:xfrm>
-            <a:off x="285750" y="976312"/>
-            <a:ext cx="8153400" cy="5476875"/>
+            <a:off x="833437" y="1018311"/>
+            <a:ext cx="7572375" cy="5362575"/>
           </a:xfrm>
           <a:prstGeom prst="rect">
             <a:avLst/>
@@ -9653,10 +9706,10 @@
       </p:pic>
       <p:sp>
         <p:nvSpPr>
-          <p:cNvPr id="9" name="Oval 8">
-            <a:extLst>
-              <a:ext uri="{FF2B5EF4-FFF2-40B4-BE49-F238E27FC236}">
-                <a16:creationId xmlns:a16="http://schemas.microsoft.com/office/drawing/2014/main" id="{1A56801B-1372-2EF0-33B4-66AB9ABDF62B}"/>
+          <p:cNvPr id="6" name="Oval 5">
+            <a:extLst>
+              <a:ext uri="{FF2B5EF4-FFF2-40B4-BE49-F238E27FC236}">
+                <a16:creationId xmlns:a16="http://schemas.microsoft.com/office/drawing/2014/main" id="{63CB79D4-014A-26EE-AB34-6B191E44A6D9}"/>
               </a:ext>
             </a:extLst>
           </p:cNvPr>
@@ -9665,8 +9718,8 @@
         </p:nvSpPr>
         <p:spPr>
           <a:xfrm>
-            <a:off x="2371725" y="1285875"/>
-            <a:ext cx="1017898" cy="314325"/>
+            <a:off x="833437" y="1231637"/>
+            <a:ext cx="513184" cy="597163"/>
           </a:xfrm>
           <a:prstGeom prst="ellipse">
             <a:avLst/>
@@ -9704,10 +9757,10 @@
       </p:sp>
       <p:sp>
         <p:nvSpPr>
-          <p:cNvPr id="10" name="Oval 9">
-            <a:extLst>
-              <a:ext uri="{FF2B5EF4-FFF2-40B4-BE49-F238E27FC236}">
-                <a16:creationId xmlns:a16="http://schemas.microsoft.com/office/drawing/2014/main" id="{E1923FCD-7D91-B611-6015-CC2BE5CAAB1E}"/>
+          <p:cNvPr id="8" name="Oval 7">
+            <a:extLst>
+              <a:ext uri="{FF2B5EF4-FFF2-40B4-BE49-F238E27FC236}">
+                <a16:creationId xmlns:a16="http://schemas.microsoft.com/office/drawing/2014/main" id="{4ABC8B27-A90B-86A0-162A-5619FE8F37AB}"/>
               </a:ext>
             </a:extLst>
           </p:cNvPr>
@@ -9716,14 +9769,14 @@
         </p:nvSpPr>
         <p:spPr>
           <a:xfrm>
-            <a:off x="457200" y="1314451"/>
-            <a:ext cx="295276" cy="200024"/>
+            <a:off x="3514614" y="1212977"/>
+            <a:ext cx="513184" cy="597163"/>
           </a:xfrm>
           <a:prstGeom prst="ellipse">
             <a:avLst/>
           </a:prstGeom>
           <a:solidFill>
-            <a:schemeClr val="accent2">
+            <a:schemeClr val="accent6">
               <a:alpha val="24000"/>
             </a:schemeClr>
           </a:solidFill>
@@ -9755,10 +9808,10 @@
       </p:sp>
       <p:sp>
         <p:nvSpPr>
-          <p:cNvPr id="11" name="Oval 10">
-            <a:extLst>
-              <a:ext uri="{FF2B5EF4-FFF2-40B4-BE49-F238E27FC236}">
-                <a16:creationId xmlns:a16="http://schemas.microsoft.com/office/drawing/2014/main" id="{43FC4290-EAA3-8245-4251-2261CEB09618}"/>
+          <p:cNvPr id="9" name="Oval 8">
+            <a:extLst>
+              <a:ext uri="{FF2B5EF4-FFF2-40B4-BE49-F238E27FC236}">
+                <a16:creationId xmlns:a16="http://schemas.microsoft.com/office/drawing/2014/main" id="{CBD65937-AA1E-E846-5325-38166CB73BEE}"/>
               </a:ext>
             </a:extLst>
           </p:cNvPr>
@@ -9767,8 +9820,8 @@
         </p:nvSpPr>
         <p:spPr>
           <a:xfrm>
-            <a:off x="752476" y="1323976"/>
-            <a:ext cx="295276" cy="200024"/>
+            <a:off x="2861471" y="1231637"/>
+            <a:ext cx="513184" cy="289253"/>
           </a:xfrm>
           <a:prstGeom prst="ellipse">
             <a:avLst/>
@@ -9806,10 +9859,10 @@
       </p:sp>
       <p:sp>
         <p:nvSpPr>
-          <p:cNvPr id="12" name="Oval 11">
-            <a:extLst>
-              <a:ext uri="{FF2B5EF4-FFF2-40B4-BE49-F238E27FC236}">
-                <a16:creationId xmlns:a16="http://schemas.microsoft.com/office/drawing/2014/main" id="{0930755D-BB25-92E2-3811-69EB17EFF6A2}"/>
+          <p:cNvPr id="10" name="Oval 9">
+            <a:extLst>
+              <a:ext uri="{FF2B5EF4-FFF2-40B4-BE49-F238E27FC236}">
+                <a16:creationId xmlns:a16="http://schemas.microsoft.com/office/drawing/2014/main" id="{CBE8C231-2EAA-EBB3-80FC-37C7D3BF3A87}"/>
               </a:ext>
             </a:extLst>
           </p:cNvPr>
@@ -9818,14 +9871,14 @@
         </p:nvSpPr>
         <p:spPr>
           <a:xfrm>
-            <a:off x="1071564" y="1323976"/>
-            <a:ext cx="295276" cy="200024"/>
+            <a:off x="3272906" y="5424193"/>
+            <a:ext cx="345233" cy="597163"/>
           </a:xfrm>
           <a:prstGeom prst="ellipse">
             <a:avLst/>
           </a:prstGeom>
           <a:solidFill>
-            <a:schemeClr val="accent2">
+            <a:schemeClr val="accent6">
               <a:alpha val="24000"/>
             </a:schemeClr>
           </a:solidFill>
@@ -9857,10 +9910,112 @@
       </p:sp>
       <p:sp>
         <p:nvSpPr>
-          <p:cNvPr id="4" name="TextBox 3">
-            <a:extLst>
-              <a:ext uri="{FF2B5EF4-FFF2-40B4-BE49-F238E27FC236}">
-                <a16:creationId xmlns:a16="http://schemas.microsoft.com/office/drawing/2014/main" id="{486B76A3-FE41-F315-C1BE-6A6994BAC47A}"/>
+          <p:cNvPr id="11" name="Oval 10">
+            <a:extLst>
+              <a:ext uri="{FF2B5EF4-FFF2-40B4-BE49-F238E27FC236}">
+                <a16:creationId xmlns:a16="http://schemas.microsoft.com/office/drawing/2014/main" id="{A964A60D-349C-C59B-F760-0A1FC49D1173}"/>
+              </a:ext>
+            </a:extLst>
+          </p:cNvPr>
+          <p:cNvSpPr/>
+          <p:nvPr/>
+        </p:nvSpPr>
+        <p:spPr>
+          <a:xfrm>
+            <a:off x="2902797" y="5408635"/>
+            <a:ext cx="345233" cy="597163"/>
+          </a:xfrm>
+          <a:prstGeom prst="ellipse">
+            <a:avLst/>
+          </a:prstGeom>
+          <a:solidFill>
+            <a:schemeClr val="accent6">
+              <a:alpha val="24000"/>
+            </a:schemeClr>
+          </a:solidFill>
+        </p:spPr>
+        <p:style>
+          <a:lnRef idx="2">
+            <a:schemeClr val="accent1">
+              <a:shade val="15000"/>
+            </a:schemeClr>
+          </a:lnRef>
+          <a:fillRef idx="1">
+            <a:schemeClr val="accent1"/>
+          </a:fillRef>
+          <a:effectRef idx="0">
+            <a:schemeClr val="accent1"/>
+          </a:effectRef>
+          <a:fontRef idx="minor">
+            <a:schemeClr val="lt1"/>
+          </a:fontRef>
+        </p:style>
+        <p:txBody>
+          <a:bodyPr rtlCol="0" anchor="ctr"/>
+          <a:lstStyle/>
+          <a:p>
+            <a:pPr algn="ctr"/>
+            <a:endParaRPr lang="en-US" dirty="0"/>
+          </a:p>
+        </p:txBody>
+      </p:sp>
+      <p:sp>
+        <p:nvSpPr>
+          <p:cNvPr id="12" name="Oval 11">
+            <a:extLst>
+              <a:ext uri="{FF2B5EF4-FFF2-40B4-BE49-F238E27FC236}">
+                <a16:creationId xmlns:a16="http://schemas.microsoft.com/office/drawing/2014/main" id="{E5605700-8307-8800-9C08-7576715BB305}"/>
+              </a:ext>
+            </a:extLst>
+          </p:cNvPr>
+          <p:cNvSpPr/>
+          <p:nvPr/>
+        </p:nvSpPr>
+        <p:spPr>
+          <a:xfrm>
+            <a:off x="1500088" y="5676400"/>
+            <a:ext cx="345233" cy="289253"/>
+          </a:xfrm>
+          <a:prstGeom prst="ellipse">
+            <a:avLst/>
+          </a:prstGeom>
+          <a:solidFill>
+            <a:schemeClr val="accent2">
+              <a:alpha val="24000"/>
+            </a:schemeClr>
+          </a:solidFill>
+        </p:spPr>
+        <p:style>
+          <a:lnRef idx="2">
+            <a:schemeClr val="accent1">
+              <a:shade val="15000"/>
+            </a:schemeClr>
+          </a:lnRef>
+          <a:fillRef idx="1">
+            <a:schemeClr val="accent1"/>
+          </a:fillRef>
+          <a:effectRef idx="0">
+            <a:schemeClr val="accent1"/>
+          </a:effectRef>
+          <a:fontRef idx="minor">
+            <a:schemeClr val="lt1"/>
+          </a:fontRef>
+        </p:style>
+        <p:txBody>
+          <a:bodyPr rtlCol="0" anchor="ctr"/>
+          <a:lstStyle/>
+          <a:p>
+            <a:pPr algn="ctr"/>
+            <a:endParaRPr lang="en-US" dirty="0"/>
+          </a:p>
+        </p:txBody>
+      </p:sp>
+      <p:sp>
+        <p:nvSpPr>
+          <p:cNvPr id="3" name="TextBox 2">
+            <a:extLst>
+              <a:ext uri="{FF2B5EF4-FFF2-40B4-BE49-F238E27FC236}">
+                <a16:creationId xmlns:a16="http://schemas.microsoft.com/office/drawing/2014/main" id="{EC3D9256-FD44-6B08-FCEC-A0281BD936F2}"/>
               </a:ext>
             </a:extLst>
           </p:cNvPr>
@@ -9869,8 +10024,8 @@
         </p:nvSpPr>
         <p:spPr>
           <a:xfrm>
-            <a:off x="8534400" y="976312"/>
-            <a:ext cx="3419475" cy="5324535"/>
+            <a:off x="8610600" y="1133475"/>
+            <a:ext cx="3381375" cy="4524315"/>
           </a:xfrm>
           <a:prstGeom prst="rect">
             <a:avLst/>
@@ -9884,46 +10039,46 @@
           <a:lstStyle/>
           <a:p>
             <a:r>
-              <a:rPr lang="en-US" sz="1600" dirty="0"/>
-              <a:t>Three cells on row 0 contain (combined) only three numbers (1,2,3).  Three cells, only three numbers – that’s the key.  We don’t know which one is which, but, again, it doesn’t matter – one is going to be 1 one a 2 and one a 3, that’s for sure.</a:t>
-            </a:r>
-          </a:p>
-          <a:p>
-            <a:endParaRPr lang="en-US" sz="1600" dirty="0"/>
-          </a:p>
-          <a:p>
-            <a:r>
-              <a:rPr lang="en-US" sz="1600" dirty="0"/>
-              <a:t>What it means is that 1 or 2 or 3 cannot be a candidate for any other cell on this row.</a:t>
-            </a:r>
-          </a:p>
-          <a:p>
-            <a:endParaRPr lang="en-US" sz="1600" dirty="0"/>
-          </a:p>
-          <a:p>
-            <a:r>
-              <a:rPr lang="en-US" sz="1600" dirty="0"/>
-              <a:t>Generally, this is easier to spot when all three square contain all 3 numbers (1,2,3) but they don’t have to.</a:t>
-            </a:r>
-          </a:p>
-          <a:p>
-            <a:endParaRPr lang="en-US" dirty="0"/>
-          </a:p>
-          <a:p>
-            <a:r>
-              <a:rPr lang="en-US" sz="1600" dirty="0"/>
+              <a:rPr lang="en-US" u="sng" dirty="0"/>
+              <a:t>Two</a:t>
+            </a:r>
+            <a:r>
+              <a:rPr lang="en-US" dirty="0"/>
+              <a:t> cells on row 0 contain (4,6) and </a:t>
+            </a:r>
+            <a:r>
+              <a:rPr lang="en-US" u="sng" dirty="0"/>
+              <a:t>only</a:t>
+            </a:r>
+            <a:r>
+              <a:rPr lang="en-US" dirty="0"/>
+              <a:t> (4,6).  We don’t know which one is going to be a 4 or which one is going to be a 6, but it doesn’t matter.  One of them is going to be a 4 and the other is going to be a 6 – that’s for sure.  </a:t>
+            </a:r>
+          </a:p>
+          <a:p>
+            <a:endParaRPr lang="en-US" dirty="0"/>
+          </a:p>
+          <a:p>
+            <a:r>
+              <a:rPr lang="en-US" dirty="0"/>
+              <a:t>What it means is that 4 or 6 cannot be a candidate for any other cell on this row.</a:t>
+            </a:r>
+          </a:p>
+          <a:p>
+            <a:endParaRPr lang="en-US" dirty="0"/>
+          </a:p>
+          <a:p>
+            <a:r>
+              <a:rPr lang="en-US" dirty="0"/>
               <a:t>You can apply a similar technique to cols and squares to eliminate candidates within the col or square, respectively.</a:t>
             </a:r>
-          </a:p>
-          <a:p>
-            <a:endParaRPr lang="en-US" dirty="0"/>
           </a:p>
         </p:txBody>
       </p:sp>
     </p:spTree>
     <p:extLst>
       <p:ext uri="{BB962C8B-B14F-4D97-AF65-F5344CB8AC3E}">
-        <p14:creationId xmlns:p14="http://schemas.microsoft.com/office/powerpoint/2010/main" val="482429318"/>
+        <p14:creationId xmlns:p14="http://schemas.microsoft.com/office/powerpoint/2010/main" val="2055788050"/>
       </p:ext>
     </p:extLst>
   </p:cSld>
